--- a/Class Slides 2024/Class 22.pptx
+++ b/Class Slides 2024/Class 22.pptx
@@ -5,7 +5,7 @@
     <p:sldMasterId id="2147483648" r:id="rId1"/>
   </p:sldMasterIdLst>
   <p:notesMasterIdLst>
-    <p:notesMasterId r:id="rId19"/>
+    <p:notesMasterId r:id="rId24"/>
   </p:notesMasterIdLst>
   <p:sldIdLst>
     <p:sldId id="256" r:id="rId2"/>
@@ -15,16 +15,21 @@
     <p:sldId id="277" r:id="rId6"/>
     <p:sldId id="280" r:id="rId7"/>
     <p:sldId id="271" r:id="rId8"/>
-    <p:sldId id="281" r:id="rId9"/>
-    <p:sldId id="282" r:id="rId10"/>
-    <p:sldId id="283" r:id="rId11"/>
-    <p:sldId id="284" r:id="rId12"/>
-    <p:sldId id="285" r:id="rId13"/>
-    <p:sldId id="286" r:id="rId14"/>
-    <p:sldId id="287" r:id="rId15"/>
-    <p:sldId id="276" r:id="rId16"/>
-    <p:sldId id="258" r:id="rId17"/>
-    <p:sldId id="288" r:id="rId18"/>
+    <p:sldId id="282" r:id="rId9"/>
+    <p:sldId id="283" r:id="rId10"/>
+    <p:sldId id="813" r:id="rId11"/>
+    <p:sldId id="814" r:id="rId12"/>
+    <p:sldId id="289" r:id="rId13"/>
+    <p:sldId id="290" r:id="rId14"/>
+    <p:sldId id="291" r:id="rId15"/>
+    <p:sldId id="281" r:id="rId16"/>
+    <p:sldId id="276" r:id="rId17"/>
+    <p:sldId id="258" r:id="rId18"/>
+    <p:sldId id="284" r:id="rId19"/>
+    <p:sldId id="285" r:id="rId20"/>
+    <p:sldId id="286" r:id="rId21"/>
+    <p:sldId id="287" r:id="rId22"/>
+    <p:sldId id="288" r:id="rId23"/>
   </p:sldIdLst>
   <p:sldSz cx="12192000" cy="6858000"/>
   <p:notesSz cx="7102475" cy="9388475"/>
@@ -213,7 +218,7 @@
           <a:p>
             <a:fld id="{AE8AD1E7-AB51-422C-A8BB-A7FEA0FB755B}" type="datetimeFigureOut">
               <a:rPr lang="en-US" smtClean="0"/>
-              <a:t>2/18/2024</a:t>
+              <a:t>2/20/2024</a:t>
             </a:fld>
             <a:endParaRPr lang="en-US"/>
           </a:p>
@@ -612,6 +617,630 @@
   <p:cSld>
     <p:spTree>
       <p:nvGrpSpPr>
+        <p:cNvPr id="1" name="">
+          <a:extLst>
+            <a:ext uri="{FF2B5EF4-FFF2-40B4-BE49-F238E27FC236}">
+              <a16:creationId xmlns:a16="http://schemas.microsoft.com/office/drawing/2014/main" id="{60E37B7E-4994-A38B-939D-0380D72EB50F}"/>
+            </a:ext>
+          </a:extLst>
+        </p:cNvPr>
+        <p:cNvGrpSpPr/>
+        <p:nvPr/>
+      </p:nvGrpSpPr>
+      <p:grpSpPr>
+        <a:xfrm>
+          <a:off x="0" y="0"/>
+          <a:ext cx="0" cy="0"/>
+          <a:chOff x="0" y="0"/>
+          <a:chExt cx="0" cy="0"/>
+        </a:xfrm>
+      </p:grpSpPr>
+      <p:sp>
+        <p:nvSpPr>
+          <p:cNvPr id="19458" name="Rectangle 7">
+            <a:extLst>
+              <a:ext uri="{FF2B5EF4-FFF2-40B4-BE49-F238E27FC236}">
+                <a16:creationId xmlns:a16="http://schemas.microsoft.com/office/drawing/2014/main" id="{57316EB5-9091-08A9-1C95-13E2B5E9B0F3}"/>
+              </a:ext>
+            </a:extLst>
+          </p:cNvPr>
+          <p:cNvSpPr>
+            <a:spLocks noGrp="1" noChangeArrowheads="1"/>
+          </p:cNvSpPr>
+          <p:nvPr>
+            <p:ph type="sldNum" sz="quarter" idx="5"/>
+          </p:nvPr>
+        </p:nvSpPr>
+        <p:spPr bwMode="auto">
+          <a:noFill/>
+          <a:ln>
+            <a:miter lim="800000"/>
+            <a:headEnd/>
+            <a:tailEnd/>
+          </a:ln>
+        </p:spPr>
+        <p:txBody>
+          <a:bodyPr wrap="square" numCol="1" anchorCtr="0" compatLnSpc="1">
+            <a:prstTxWarp prst="textNoShape">
+              <a:avLst/>
+            </a:prstTxWarp>
+          </a:bodyPr>
+          <a:lstStyle/>
+          <a:p>
+            <a:pPr fontAlgn="base">
+              <a:spcBef>
+                <a:spcPct val="0"/>
+              </a:spcBef>
+              <a:spcAft>
+                <a:spcPct val="0"/>
+              </a:spcAft>
+            </a:pPr>
+            <a:fld id="{4C39B0F8-DE4F-4332-A049-AA9BC2D32F97}" type="slidenum">
+              <a:rPr lang="en-US"/>
+              <a:pPr fontAlgn="base">
+                <a:spcBef>
+                  <a:spcPct val="0"/>
+                </a:spcBef>
+                <a:spcAft>
+                  <a:spcPct val="0"/>
+                </a:spcAft>
+              </a:pPr>
+              <a:t>12</a:t>
+            </a:fld>
+            <a:endParaRPr lang="en-US"/>
+          </a:p>
+        </p:txBody>
+      </p:sp>
+      <p:sp>
+        <p:nvSpPr>
+          <p:cNvPr id="19459" name="Rectangle 2">
+            <a:extLst>
+              <a:ext uri="{FF2B5EF4-FFF2-40B4-BE49-F238E27FC236}">
+                <a16:creationId xmlns:a16="http://schemas.microsoft.com/office/drawing/2014/main" id="{D26DB599-9BB4-FD63-7FEB-898F4DC17DCF}"/>
+              </a:ext>
+            </a:extLst>
+          </p:cNvPr>
+          <p:cNvSpPr>
+            <a:spLocks noGrp="1" noRot="1" noChangeAspect="1" noChangeArrowheads="1" noTextEdit="1"/>
+          </p:cNvSpPr>
+          <p:nvPr>
+            <p:ph type="sldImg"/>
+          </p:nvPr>
+        </p:nvSpPr>
+        <p:spPr bwMode="auto">
+          <a:noFill/>
+          <a:ln>
+            <a:solidFill>
+              <a:srgbClr val="000000"/>
+            </a:solidFill>
+            <a:miter lim="800000"/>
+            <a:headEnd/>
+            <a:tailEnd/>
+          </a:ln>
+        </p:spPr>
+      </p:sp>
+      <p:sp>
+        <p:nvSpPr>
+          <p:cNvPr id="19460" name="Rectangle 3">
+            <a:extLst>
+              <a:ext uri="{FF2B5EF4-FFF2-40B4-BE49-F238E27FC236}">
+                <a16:creationId xmlns:a16="http://schemas.microsoft.com/office/drawing/2014/main" id="{2A529A41-CE6A-6CE7-1F7D-E23C9828E8DC}"/>
+              </a:ext>
+            </a:extLst>
+          </p:cNvPr>
+          <p:cNvSpPr>
+            <a:spLocks noGrp="1" noChangeArrowheads="1"/>
+          </p:cNvSpPr>
+          <p:nvPr>
+            <p:ph type="body" idx="1"/>
+          </p:nvPr>
+        </p:nvSpPr>
+        <p:spPr bwMode="auto">
+          <a:noFill/>
+        </p:spPr>
+        <p:txBody>
+          <a:bodyPr wrap="square" numCol="1" anchor="t" anchorCtr="0" compatLnSpc="1">
+            <a:prstTxWarp prst="textNoShape">
+              <a:avLst/>
+            </a:prstTxWarp>
+          </a:bodyPr>
+          <a:lstStyle/>
+          <a:p>
+            <a:pPr>
+              <a:spcBef>
+                <a:spcPct val="0"/>
+              </a:spcBef>
+            </a:pPr>
+            <a:endParaRPr lang="en-US"/>
+          </a:p>
+        </p:txBody>
+      </p:sp>
+    </p:spTree>
+    <p:extLst>
+      <p:ext uri="{BB962C8B-B14F-4D97-AF65-F5344CB8AC3E}">
+        <p14:creationId xmlns:p14="http://schemas.microsoft.com/office/powerpoint/2010/main" val="2216503627"/>
+      </p:ext>
+    </p:extLst>
+  </p:cSld>
+  <p:clrMapOvr>
+    <a:masterClrMapping/>
+  </p:clrMapOvr>
+</p:notes>
+</file>
+
+<file path=ppt/notesSlides/notesSlide3.xml><?xml version="1.0" encoding="utf-8"?>
+<p:notes xmlns:a="http://schemas.openxmlformats.org/drawingml/2006/main" xmlns:r="http://schemas.openxmlformats.org/officeDocument/2006/relationships" xmlns:p="http://schemas.openxmlformats.org/presentationml/2006/main">
+  <p:cSld>
+    <p:spTree>
+      <p:nvGrpSpPr>
+        <p:cNvPr id="1" name="">
+          <a:extLst>
+            <a:ext uri="{FF2B5EF4-FFF2-40B4-BE49-F238E27FC236}">
+              <a16:creationId xmlns:a16="http://schemas.microsoft.com/office/drawing/2014/main" id="{4976C18A-FF09-70EC-4D13-E3C99A017E6D}"/>
+            </a:ext>
+          </a:extLst>
+        </p:cNvPr>
+        <p:cNvGrpSpPr/>
+        <p:nvPr/>
+      </p:nvGrpSpPr>
+      <p:grpSpPr>
+        <a:xfrm>
+          <a:off x="0" y="0"/>
+          <a:ext cx="0" cy="0"/>
+          <a:chOff x="0" y="0"/>
+          <a:chExt cx="0" cy="0"/>
+        </a:xfrm>
+      </p:grpSpPr>
+      <p:sp>
+        <p:nvSpPr>
+          <p:cNvPr id="20482" name="Rectangle 7">
+            <a:extLst>
+              <a:ext uri="{FF2B5EF4-FFF2-40B4-BE49-F238E27FC236}">
+                <a16:creationId xmlns:a16="http://schemas.microsoft.com/office/drawing/2014/main" id="{7F80D25A-D9EA-429D-C7FE-3B8F8643530D}"/>
+              </a:ext>
+            </a:extLst>
+          </p:cNvPr>
+          <p:cNvSpPr>
+            <a:spLocks noGrp="1" noChangeArrowheads="1"/>
+          </p:cNvSpPr>
+          <p:nvPr>
+            <p:ph type="sldNum" sz="quarter" idx="5"/>
+          </p:nvPr>
+        </p:nvSpPr>
+        <p:spPr bwMode="auto">
+          <a:noFill/>
+          <a:ln>
+            <a:miter lim="800000"/>
+            <a:headEnd/>
+            <a:tailEnd/>
+          </a:ln>
+        </p:spPr>
+        <p:txBody>
+          <a:bodyPr wrap="square" numCol="1" anchorCtr="0" compatLnSpc="1">
+            <a:prstTxWarp prst="textNoShape">
+              <a:avLst/>
+            </a:prstTxWarp>
+          </a:bodyPr>
+          <a:lstStyle/>
+          <a:p>
+            <a:pPr fontAlgn="base">
+              <a:spcBef>
+                <a:spcPct val="0"/>
+              </a:spcBef>
+              <a:spcAft>
+                <a:spcPct val="0"/>
+              </a:spcAft>
+            </a:pPr>
+            <a:fld id="{83FF85F2-14E9-437D-8D60-16EFB84F3239}" type="slidenum">
+              <a:rPr lang="en-US"/>
+              <a:pPr fontAlgn="base">
+                <a:spcBef>
+                  <a:spcPct val="0"/>
+                </a:spcBef>
+                <a:spcAft>
+                  <a:spcPct val="0"/>
+                </a:spcAft>
+              </a:pPr>
+              <a:t>13</a:t>
+            </a:fld>
+            <a:endParaRPr lang="en-US"/>
+          </a:p>
+        </p:txBody>
+      </p:sp>
+      <p:sp>
+        <p:nvSpPr>
+          <p:cNvPr id="20483" name="Rectangle 2">
+            <a:extLst>
+              <a:ext uri="{FF2B5EF4-FFF2-40B4-BE49-F238E27FC236}">
+                <a16:creationId xmlns:a16="http://schemas.microsoft.com/office/drawing/2014/main" id="{B9CB7736-2844-5B3F-79E6-F7E15CDBB4EC}"/>
+              </a:ext>
+            </a:extLst>
+          </p:cNvPr>
+          <p:cNvSpPr>
+            <a:spLocks noGrp="1" noRot="1" noChangeAspect="1" noChangeArrowheads="1" noTextEdit="1"/>
+          </p:cNvSpPr>
+          <p:nvPr>
+            <p:ph type="sldImg"/>
+          </p:nvPr>
+        </p:nvSpPr>
+        <p:spPr bwMode="auto">
+          <a:noFill/>
+          <a:ln>
+            <a:solidFill>
+              <a:srgbClr val="000000"/>
+            </a:solidFill>
+            <a:miter lim="800000"/>
+            <a:headEnd/>
+            <a:tailEnd/>
+          </a:ln>
+        </p:spPr>
+      </p:sp>
+      <p:sp>
+        <p:nvSpPr>
+          <p:cNvPr id="20484" name="Rectangle 3">
+            <a:extLst>
+              <a:ext uri="{FF2B5EF4-FFF2-40B4-BE49-F238E27FC236}">
+                <a16:creationId xmlns:a16="http://schemas.microsoft.com/office/drawing/2014/main" id="{AC0703B2-9CF2-65A1-C149-F4B30E2735B5}"/>
+              </a:ext>
+            </a:extLst>
+          </p:cNvPr>
+          <p:cNvSpPr>
+            <a:spLocks noGrp="1" noChangeArrowheads="1"/>
+          </p:cNvSpPr>
+          <p:nvPr>
+            <p:ph type="body" idx="1"/>
+          </p:nvPr>
+        </p:nvSpPr>
+        <p:spPr bwMode="auto">
+          <a:noFill/>
+        </p:spPr>
+        <p:txBody>
+          <a:bodyPr wrap="square" numCol="1" anchor="t" anchorCtr="0" compatLnSpc="1">
+            <a:prstTxWarp prst="textNoShape">
+              <a:avLst/>
+            </a:prstTxWarp>
+          </a:bodyPr>
+          <a:lstStyle/>
+          <a:p>
+            <a:pPr>
+              <a:spcBef>
+                <a:spcPct val="0"/>
+              </a:spcBef>
+            </a:pPr>
+            <a:endParaRPr lang="en-US"/>
+          </a:p>
+        </p:txBody>
+      </p:sp>
+    </p:spTree>
+    <p:extLst>
+      <p:ext uri="{BB962C8B-B14F-4D97-AF65-F5344CB8AC3E}">
+        <p14:creationId xmlns:p14="http://schemas.microsoft.com/office/powerpoint/2010/main" val="2019306894"/>
+      </p:ext>
+    </p:extLst>
+  </p:cSld>
+  <p:clrMapOvr>
+    <a:masterClrMapping/>
+  </p:clrMapOvr>
+</p:notes>
+</file>
+
+<file path=ppt/notesSlides/notesSlide4.xml><?xml version="1.0" encoding="utf-8"?>
+<p:notes xmlns:a="http://schemas.openxmlformats.org/drawingml/2006/main" xmlns:r="http://schemas.openxmlformats.org/officeDocument/2006/relationships" xmlns:p="http://schemas.openxmlformats.org/presentationml/2006/main">
+  <p:cSld>
+    <p:spTree>
+      <p:nvGrpSpPr>
+        <p:cNvPr id="1" name="">
+          <a:extLst>
+            <a:ext uri="{FF2B5EF4-FFF2-40B4-BE49-F238E27FC236}">
+              <a16:creationId xmlns:a16="http://schemas.microsoft.com/office/drawing/2014/main" id="{6DF1ED8F-267F-B95F-083C-E0F2E1706B9B}"/>
+            </a:ext>
+          </a:extLst>
+        </p:cNvPr>
+        <p:cNvGrpSpPr/>
+        <p:nvPr/>
+      </p:nvGrpSpPr>
+      <p:grpSpPr>
+        <a:xfrm>
+          <a:off x="0" y="0"/>
+          <a:ext cx="0" cy="0"/>
+          <a:chOff x="0" y="0"/>
+          <a:chExt cx="0" cy="0"/>
+        </a:xfrm>
+      </p:grpSpPr>
+      <p:sp>
+        <p:nvSpPr>
+          <p:cNvPr id="21506" name="Rectangle 7">
+            <a:extLst>
+              <a:ext uri="{FF2B5EF4-FFF2-40B4-BE49-F238E27FC236}">
+                <a16:creationId xmlns:a16="http://schemas.microsoft.com/office/drawing/2014/main" id="{D3A4DBD8-7E8F-6B28-AFA9-627CD09B7303}"/>
+              </a:ext>
+            </a:extLst>
+          </p:cNvPr>
+          <p:cNvSpPr>
+            <a:spLocks noGrp="1" noChangeArrowheads="1"/>
+          </p:cNvSpPr>
+          <p:nvPr>
+            <p:ph type="sldNum" sz="quarter" idx="5"/>
+          </p:nvPr>
+        </p:nvSpPr>
+        <p:spPr bwMode="auto">
+          <a:noFill/>
+          <a:ln>
+            <a:miter lim="800000"/>
+            <a:headEnd/>
+            <a:tailEnd/>
+          </a:ln>
+        </p:spPr>
+        <p:txBody>
+          <a:bodyPr wrap="square" numCol="1" anchorCtr="0" compatLnSpc="1">
+            <a:prstTxWarp prst="textNoShape">
+              <a:avLst/>
+            </a:prstTxWarp>
+          </a:bodyPr>
+          <a:lstStyle/>
+          <a:p>
+            <a:pPr fontAlgn="base">
+              <a:spcBef>
+                <a:spcPct val="0"/>
+              </a:spcBef>
+              <a:spcAft>
+                <a:spcPct val="0"/>
+              </a:spcAft>
+            </a:pPr>
+            <a:fld id="{E84C18D7-E0B3-43D9-9B9E-4E92376361CB}" type="slidenum">
+              <a:rPr lang="en-US"/>
+              <a:pPr fontAlgn="base">
+                <a:spcBef>
+                  <a:spcPct val="0"/>
+                </a:spcBef>
+                <a:spcAft>
+                  <a:spcPct val="0"/>
+                </a:spcAft>
+              </a:pPr>
+              <a:t>14</a:t>
+            </a:fld>
+            <a:endParaRPr lang="en-US"/>
+          </a:p>
+        </p:txBody>
+      </p:sp>
+      <p:sp>
+        <p:nvSpPr>
+          <p:cNvPr id="21507" name="Rectangle 2">
+            <a:extLst>
+              <a:ext uri="{FF2B5EF4-FFF2-40B4-BE49-F238E27FC236}">
+                <a16:creationId xmlns:a16="http://schemas.microsoft.com/office/drawing/2014/main" id="{2C84245C-E127-857D-5A7D-47F1AC3CEBA4}"/>
+              </a:ext>
+            </a:extLst>
+          </p:cNvPr>
+          <p:cNvSpPr>
+            <a:spLocks noGrp="1" noRot="1" noChangeAspect="1" noChangeArrowheads="1" noTextEdit="1"/>
+          </p:cNvSpPr>
+          <p:nvPr>
+            <p:ph type="sldImg"/>
+          </p:nvPr>
+        </p:nvSpPr>
+        <p:spPr bwMode="auto">
+          <a:noFill/>
+          <a:ln>
+            <a:solidFill>
+              <a:srgbClr val="000000"/>
+            </a:solidFill>
+            <a:miter lim="800000"/>
+            <a:headEnd/>
+            <a:tailEnd/>
+          </a:ln>
+        </p:spPr>
+      </p:sp>
+      <p:sp>
+        <p:nvSpPr>
+          <p:cNvPr id="21508" name="Rectangle 3">
+            <a:extLst>
+              <a:ext uri="{FF2B5EF4-FFF2-40B4-BE49-F238E27FC236}">
+                <a16:creationId xmlns:a16="http://schemas.microsoft.com/office/drawing/2014/main" id="{CF870BC2-74CD-3807-469F-F9D61F033809}"/>
+              </a:ext>
+            </a:extLst>
+          </p:cNvPr>
+          <p:cNvSpPr>
+            <a:spLocks noGrp="1" noChangeArrowheads="1"/>
+          </p:cNvSpPr>
+          <p:nvPr>
+            <p:ph type="body" idx="1"/>
+          </p:nvPr>
+        </p:nvSpPr>
+        <p:spPr bwMode="auto">
+          <a:noFill/>
+        </p:spPr>
+        <p:txBody>
+          <a:bodyPr wrap="square" numCol="1" anchor="t" anchorCtr="0" compatLnSpc="1">
+            <a:prstTxWarp prst="textNoShape">
+              <a:avLst/>
+            </a:prstTxWarp>
+          </a:bodyPr>
+          <a:lstStyle/>
+          <a:p>
+            <a:pPr>
+              <a:spcBef>
+                <a:spcPct val="0"/>
+              </a:spcBef>
+            </a:pPr>
+            <a:endParaRPr lang="en-US"/>
+          </a:p>
+        </p:txBody>
+      </p:sp>
+    </p:spTree>
+    <p:extLst>
+      <p:ext uri="{BB962C8B-B14F-4D97-AF65-F5344CB8AC3E}">
+        <p14:creationId xmlns:p14="http://schemas.microsoft.com/office/powerpoint/2010/main" val="638859562"/>
+      </p:ext>
+    </p:extLst>
+  </p:cSld>
+  <p:clrMapOvr>
+    <a:masterClrMapping/>
+  </p:clrMapOvr>
+</p:notes>
+</file>
+
+<file path=ppt/notesSlides/notesSlide5.xml><?xml version="1.0" encoding="utf-8"?>
+<p:notes xmlns:a="http://schemas.openxmlformats.org/drawingml/2006/main" xmlns:r="http://schemas.openxmlformats.org/officeDocument/2006/relationships" xmlns:p="http://schemas.openxmlformats.org/presentationml/2006/main">
+  <p:cSld>
+    <p:spTree>
+      <p:nvGrpSpPr>
+        <p:cNvPr id="1" name="">
+          <a:extLst>
+            <a:ext uri="{FF2B5EF4-FFF2-40B4-BE49-F238E27FC236}">
+              <a16:creationId xmlns:a16="http://schemas.microsoft.com/office/drawing/2014/main" id="{BCC9DB6E-4688-3710-5BAC-9FA95F3B273F}"/>
+            </a:ext>
+          </a:extLst>
+        </p:cNvPr>
+        <p:cNvGrpSpPr/>
+        <p:nvPr/>
+      </p:nvGrpSpPr>
+      <p:grpSpPr>
+        <a:xfrm>
+          <a:off x="0" y="0"/>
+          <a:ext cx="0" cy="0"/>
+          <a:chOff x="0" y="0"/>
+          <a:chExt cx="0" cy="0"/>
+        </a:xfrm>
+      </p:grpSpPr>
+      <p:sp>
+        <p:nvSpPr>
+          <p:cNvPr id="22530" name="Rectangle 7">
+            <a:extLst>
+              <a:ext uri="{FF2B5EF4-FFF2-40B4-BE49-F238E27FC236}">
+                <a16:creationId xmlns:a16="http://schemas.microsoft.com/office/drawing/2014/main" id="{36B65445-8DA5-9937-3000-81E4AB9E6304}"/>
+              </a:ext>
+            </a:extLst>
+          </p:cNvPr>
+          <p:cNvSpPr>
+            <a:spLocks noGrp="1" noChangeArrowheads="1"/>
+          </p:cNvSpPr>
+          <p:nvPr>
+            <p:ph type="sldNum" sz="quarter" idx="5"/>
+          </p:nvPr>
+        </p:nvSpPr>
+        <p:spPr bwMode="auto">
+          <a:noFill/>
+          <a:ln>
+            <a:miter lim="800000"/>
+            <a:headEnd/>
+            <a:tailEnd/>
+          </a:ln>
+        </p:spPr>
+        <p:txBody>
+          <a:bodyPr wrap="square" numCol="1" anchorCtr="0" compatLnSpc="1">
+            <a:prstTxWarp prst="textNoShape">
+              <a:avLst/>
+            </a:prstTxWarp>
+          </a:bodyPr>
+          <a:lstStyle/>
+          <a:p>
+            <a:pPr fontAlgn="base">
+              <a:spcBef>
+                <a:spcPct val="0"/>
+              </a:spcBef>
+              <a:spcAft>
+                <a:spcPct val="0"/>
+              </a:spcAft>
+            </a:pPr>
+            <a:fld id="{A3EEBEC8-B6E7-4970-BFDC-E5CBEF429749}" type="slidenum">
+              <a:rPr lang="en-US"/>
+              <a:pPr fontAlgn="base">
+                <a:spcBef>
+                  <a:spcPct val="0"/>
+                </a:spcBef>
+                <a:spcAft>
+                  <a:spcPct val="0"/>
+                </a:spcAft>
+              </a:pPr>
+              <a:t>15</a:t>
+            </a:fld>
+            <a:endParaRPr lang="en-US"/>
+          </a:p>
+        </p:txBody>
+      </p:sp>
+      <p:sp>
+        <p:nvSpPr>
+          <p:cNvPr id="22531" name="Rectangle 2">
+            <a:extLst>
+              <a:ext uri="{FF2B5EF4-FFF2-40B4-BE49-F238E27FC236}">
+                <a16:creationId xmlns:a16="http://schemas.microsoft.com/office/drawing/2014/main" id="{679FFD19-983B-7172-4022-8E0713F5040E}"/>
+              </a:ext>
+            </a:extLst>
+          </p:cNvPr>
+          <p:cNvSpPr>
+            <a:spLocks noGrp="1" noRot="1" noChangeAspect="1" noChangeArrowheads="1" noTextEdit="1"/>
+          </p:cNvSpPr>
+          <p:nvPr>
+            <p:ph type="sldImg"/>
+          </p:nvPr>
+        </p:nvSpPr>
+        <p:spPr bwMode="auto">
+          <a:noFill/>
+          <a:ln>
+            <a:solidFill>
+              <a:srgbClr val="000000"/>
+            </a:solidFill>
+            <a:miter lim="800000"/>
+            <a:headEnd/>
+            <a:tailEnd/>
+          </a:ln>
+        </p:spPr>
+      </p:sp>
+      <p:sp>
+        <p:nvSpPr>
+          <p:cNvPr id="22532" name="Rectangle 3">
+            <a:extLst>
+              <a:ext uri="{FF2B5EF4-FFF2-40B4-BE49-F238E27FC236}">
+                <a16:creationId xmlns:a16="http://schemas.microsoft.com/office/drawing/2014/main" id="{F847AFFE-AA55-7402-EC22-17FAD17F8218}"/>
+              </a:ext>
+            </a:extLst>
+          </p:cNvPr>
+          <p:cNvSpPr>
+            <a:spLocks noGrp="1" noChangeArrowheads="1"/>
+          </p:cNvSpPr>
+          <p:nvPr>
+            <p:ph type="body" idx="1"/>
+          </p:nvPr>
+        </p:nvSpPr>
+        <p:spPr bwMode="auto">
+          <a:noFill/>
+        </p:spPr>
+        <p:txBody>
+          <a:bodyPr wrap="square" numCol="1" anchor="t" anchorCtr="0" compatLnSpc="1">
+            <a:prstTxWarp prst="textNoShape">
+              <a:avLst/>
+            </a:prstTxWarp>
+          </a:bodyPr>
+          <a:lstStyle/>
+          <a:p>
+            <a:pPr>
+              <a:spcBef>
+                <a:spcPct val="0"/>
+              </a:spcBef>
+            </a:pPr>
+            <a:endParaRPr lang="en-US"/>
+          </a:p>
+        </p:txBody>
+      </p:sp>
+    </p:spTree>
+    <p:extLst>
+      <p:ext uri="{BB962C8B-B14F-4D97-AF65-F5344CB8AC3E}">
+        <p14:creationId xmlns:p14="http://schemas.microsoft.com/office/powerpoint/2010/main" val="1635063528"/>
+      </p:ext>
+    </p:extLst>
+  </p:cSld>
+  <p:clrMapOvr>
+    <a:masterClrMapping/>
+  </p:clrMapOvr>
+</p:notes>
+</file>
+
+<file path=ppt/notesSlides/notesSlide6.xml><?xml version="1.0" encoding="utf-8"?>
+<p:notes xmlns:a="http://schemas.openxmlformats.org/drawingml/2006/main" xmlns:r="http://schemas.openxmlformats.org/officeDocument/2006/relationships" xmlns:p="http://schemas.openxmlformats.org/presentationml/2006/main">
+  <p:cSld>
+    <p:spTree>
+      <p:nvGrpSpPr>
         <p:cNvPr id="1" name=""/>
         <p:cNvGrpSpPr/>
         <p:nvPr/>
@@ -668,7 +1297,7 @@
                   <a:spcPct val="0"/>
                 </a:spcAft>
               </a:pPr>
-              <a:t>15</a:t>
+              <a:t>16</a:t>
             </a:fld>
             <a:endParaRPr lang="en-US"/>
           </a:p>
@@ -881,7 +1510,7 @@
           <a:p>
             <a:fld id="{3C9621BD-9A58-4B6A-8D79-A1F7EB728343}" type="datetimeFigureOut">
               <a:rPr lang="en-US" smtClean="0"/>
-              <a:t>2/18/2024</a:t>
+              <a:t>2/20/2024</a:t>
             </a:fld>
             <a:endParaRPr lang="en-US"/>
           </a:p>
@@ -1079,7 +1708,7 @@
           <a:p>
             <a:fld id="{3C9621BD-9A58-4B6A-8D79-A1F7EB728343}" type="datetimeFigureOut">
               <a:rPr lang="en-US" smtClean="0"/>
-              <a:t>2/18/2024</a:t>
+              <a:t>2/20/2024</a:t>
             </a:fld>
             <a:endParaRPr lang="en-US"/>
           </a:p>
@@ -1287,7 +1916,7 @@
           <a:p>
             <a:fld id="{3C9621BD-9A58-4B6A-8D79-A1F7EB728343}" type="datetimeFigureOut">
               <a:rPr lang="en-US" smtClean="0"/>
-              <a:t>2/18/2024</a:t>
+              <a:t>2/20/2024</a:t>
             </a:fld>
             <a:endParaRPr lang="en-US"/>
           </a:p>
@@ -1351,6 +1980,275 @@
     <p:extLst>
       <p:ext uri="{BB962C8B-B14F-4D97-AF65-F5344CB8AC3E}">
         <p14:creationId xmlns:p14="http://schemas.microsoft.com/office/powerpoint/2010/main" val="2567830870"/>
+      </p:ext>
+    </p:extLst>
+  </p:cSld>
+  <p:clrMapOvr>
+    <a:masterClrMapping/>
+  </p:clrMapOvr>
+</p:sldLayout>
+</file>
+
+<file path=ppt/slideLayouts/slideLayout12.xml><?xml version="1.0" encoding="utf-8"?>
+<p:sldLayout xmlns:a="http://schemas.openxmlformats.org/drawingml/2006/main" xmlns:r="http://schemas.openxmlformats.org/officeDocument/2006/relationships" xmlns:p="http://schemas.openxmlformats.org/presentationml/2006/main" type="objOverTx">
+  <p:cSld name="Title and Content over Text">
+    <p:spTree>
+      <p:nvGrpSpPr>
+        <p:cNvPr id="1" name=""/>
+        <p:cNvGrpSpPr/>
+        <p:nvPr/>
+      </p:nvGrpSpPr>
+      <p:grpSpPr>
+        <a:xfrm>
+          <a:off x="0" y="0"/>
+          <a:ext cx="0" cy="0"/>
+          <a:chOff x="0" y="0"/>
+          <a:chExt cx="0" cy="0"/>
+        </a:xfrm>
+      </p:grpSpPr>
+      <p:sp>
+        <p:nvSpPr>
+          <p:cNvPr id="2" name="Title 1"/>
+          <p:cNvSpPr>
+            <a:spLocks noGrp="1"/>
+          </p:cNvSpPr>
+          <p:nvPr>
+            <p:ph type="title"/>
+          </p:nvPr>
+        </p:nvSpPr>
+        <p:spPr>
+          <a:xfrm>
+            <a:off x="609600" y="274638"/>
+            <a:ext cx="10972800" cy="1143000"/>
+          </a:xfrm>
+        </p:spPr>
+        <p:txBody>
+          <a:bodyPr/>
+          <a:lstStyle/>
+          <a:p>
+            <a:r>
+              <a:rPr lang="en-US"/>
+              <a:t>Click to edit Master title style</a:t>
+            </a:r>
+          </a:p>
+        </p:txBody>
+      </p:sp>
+      <p:sp>
+        <p:nvSpPr>
+          <p:cNvPr id="3" name="Content Placeholder 2"/>
+          <p:cNvSpPr>
+            <a:spLocks noGrp="1"/>
+          </p:cNvSpPr>
+          <p:nvPr>
+            <p:ph sz="half" idx="1"/>
+          </p:nvPr>
+        </p:nvSpPr>
+        <p:spPr>
+          <a:xfrm>
+            <a:off x="609600" y="1600200"/>
+            <a:ext cx="10972800" cy="2185988"/>
+          </a:xfrm>
+        </p:spPr>
+        <p:txBody>
+          <a:bodyPr/>
+          <a:lstStyle/>
+          <a:p>
+            <a:pPr lvl="0"/>
+            <a:r>
+              <a:rPr lang="en-US"/>
+              <a:t>Click to edit Master text styles</a:t>
+            </a:r>
+          </a:p>
+          <a:p>
+            <a:pPr lvl="1"/>
+            <a:r>
+              <a:rPr lang="en-US"/>
+              <a:t>Second level</a:t>
+            </a:r>
+          </a:p>
+          <a:p>
+            <a:pPr lvl="2"/>
+            <a:r>
+              <a:rPr lang="en-US"/>
+              <a:t>Third level</a:t>
+            </a:r>
+          </a:p>
+          <a:p>
+            <a:pPr lvl="3"/>
+            <a:r>
+              <a:rPr lang="en-US"/>
+              <a:t>Fourth level</a:t>
+            </a:r>
+          </a:p>
+          <a:p>
+            <a:pPr lvl="4"/>
+            <a:r>
+              <a:rPr lang="en-US"/>
+              <a:t>Fifth level</a:t>
+            </a:r>
+          </a:p>
+        </p:txBody>
+      </p:sp>
+      <p:sp>
+        <p:nvSpPr>
+          <p:cNvPr id="4" name="Text Placeholder 3"/>
+          <p:cNvSpPr>
+            <a:spLocks noGrp="1"/>
+          </p:cNvSpPr>
+          <p:nvPr>
+            <p:ph type="body" sz="half" idx="2"/>
+          </p:nvPr>
+        </p:nvSpPr>
+        <p:spPr>
+          <a:xfrm>
+            <a:off x="609600" y="3938589"/>
+            <a:ext cx="10972800" cy="2187575"/>
+          </a:xfrm>
+        </p:spPr>
+        <p:txBody>
+          <a:bodyPr/>
+          <a:lstStyle/>
+          <a:p>
+            <a:pPr lvl="0"/>
+            <a:r>
+              <a:rPr lang="en-US"/>
+              <a:t>Click to edit Master text styles</a:t>
+            </a:r>
+          </a:p>
+          <a:p>
+            <a:pPr lvl="1"/>
+            <a:r>
+              <a:rPr lang="en-US"/>
+              <a:t>Second level</a:t>
+            </a:r>
+          </a:p>
+          <a:p>
+            <a:pPr lvl="2"/>
+            <a:r>
+              <a:rPr lang="en-US"/>
+              <a:t>Third level</a:t>
+            </a:r>
+          </a:p>
+          <a:p>
+            <a:pPr lvl="3"/>
+            <a:r>
+              <a:rPr lang="en-US"/>
+              <a:t>Fourth level</a:t>
+            </a:r>
+          </a:p>
+          <a:p>
+            <a:pPr lvl="4"/>
+            <a:r>
+              <a:rPr lang="en-US"/>
+              <a:t>Fifth level</a:t>
+            </a:r>
+          </a:p>
+        </p:txBody>
+      </p:sp>
+      <p:sp>
+        <p:nvSpPr>
+          <p:cNvPr id="5" name="Date Placeholder 4"/>
+          <p:cNvSpPr>
+            <a:spLocks noGrp="1"/>
+          </p:cNvSpPr>
+          <p:nvPr>
+            <p:ph type="dt" sz="half" idx="10"/>
+          </p:nvPr>
+        </p:nvSpPr>
+        <p:spPr>
+          <a:xfrm>
+            <a:off x="609600" y="6245225"/>
+            <a:ext cx="2844800" cy="476250"/>
+          </a:xfrm>
+        </p:spPr>
+        <p:txBody>
+          <a:bodyPr/>
+          <a:lstStyle>
+            <a:lvl1pPr>
+              <a:defRPr smtClean="0"/>
+            </a:lvl1pPr>
+          </a:lstStyle>
+          <a:p>
+            <a:pPr>
+              <a:defRPr/>
+            </a:pPr>
+            <a:endParaRPr lang="en-US"/>
+          </a:p>
+        </p:txBody>
+      </p:sp>
+      <p:sp>
+        <p:nvSpPr>
+          <p:cNvPr id="6" name="Footer Placeholder 5"/>
+          <p:cNvSpPr>
+            <a:spLocks noGrp="1"/>
+          </p:cNvSpPr>
+          <p:nvPr>
+            <p:ph type="ftr" sz="quarter" idx="11"/>
+          </p:nvPr>
+        </p:nvSpPr>
+        <p:spPr>
+          <a:xfrm>
+            <a:off x="4165600" y="6245225"/>
+            <a:ext cx="3860800" cy="476250"/>
+          </a:xfrm>
+        </p:spPr>
+        <p:txBody>
+          <a:bodyPr/>
+          <a:lstStyle>
+            <a:lvl1pPr>
+              <a:defRPr smtClean="0"/>
+            </a:lvl1pPr>
+          </a:lstStyle>
+          <a:p>
+            <a:pPr>
+              <a:defRPr/>
+            </a:pPr>
+            <a:endParaRPr lang="en-US"/>
+          </a:p>
+        </p:txBody>
+      </p:sp>
+      <p:sp>
+        <p:nvSpPr>
+          <p:cNvPr id="7" name="Slide Number Placeholder 6"/>
+          <p:cNvSpPr>
+            <a:spLocks noGrp="1"/>
+          </p:cNvSpPr>
+          <p:nvPr>
+            <p:ph type="sldNum" sz="quarter" idx="12"/>
+          </p:nvPr>
+        </p:nvSpPr>
+        <p:spPr>
+          <a:xfrm>
+            <a:off x="8737600" y="6245225"/>
+            <a:ext cx="2844800" cy="476250"/>
+          </a:xfrm>
+        </p:spPr>
+        <p:txBody>
+          <a:bodyPr/>
+          <a:lstStyle>
+            <a:lvl1pPr>
+              <a:defRPr smtClean="0"/>
+            </a:lvl1pPr>
+          </a:lstStyle>
+          <a:p>
+            <a:pPr>
+              <a:defRPr/>
+            </a:pPr>
+            <a:fld id="{E9B0AE8B-FB0A-49C5-92F1-9DF51FC22C01}" type="slidenum">
+              <a:rPr lang="en-US"/>
+              <a:pPr>
+                <a:defRPr/>
+              </a:pPr>
+              <a:t>‹#›</a:t>
+            </a:fld>
+            <a:endParaRPr lang="en-US"/>
+          </a:p>
+        </p:txBody>
+      </p:sp>
+    </p:spTree>
+    <p:extLst>
+      <p:ext uri="{BB962C8B-B14F-4D97-AF65-F5344CB8AC3E}">
+        <p14:creationId xmlns:p14="http://schemas.microsoft.com/office/powerpoint/2010/main" val="3213643038"/>
       </p:ext>
     </p:extLst>
   </p:cSld>
@@ -1485,7 +2383,7 @@
           <a:p>
             <a:fld id="{3C9621BD-9A58-4B6A-8D79-A1F7EB728343}" type="datetimeFigureOut">
               <a:rPr lang="en-US" smtClean="0"/>
-              <a:t>2/18/2024</a:t>
+              <a:t>2/20/2024</a:t>
             </a:fld>
             <a:endParaRPr lang="en-US"/>
           </a:p>
@@ -1760,7 +2658,7 @@
           <a:p>
             <a:fld id="{3C9621BD-9A58-4B6A-8D79-A1F7EB728343}" type="datetimeFigureOut">
               <a:rPr lang="en-US" smtClean="0"/>
-              <a:t>2/18/2024</a:t>
+              <a:t>2/20/2024</a:t>
             </a:fld>
             <a:endParaRPr lang="en-US"/>
           </a:p>
@@ -2025,7 +2923,7 @@
           <a:p>
             <a:fld id="{3C9621BD-9A58-4B6A-8D79-A1F7EB728343}" type="datetimeFigureOut">
               <a:rPr lang="en-US" smtClean="0"/>
-              <a:t>2/18/2024</a:t>
+              <a:t>2/20/2024</a:t>
             </a:fld>
             <a:endParaRPr lang="en-US"/>
           </a:p>
@@ -2437,7 +3335,7 @@
           <a:p>
             <a:fld id="{3C9621BD-9A58-4B6A-8D79-A1F7EB728343}" type="datetimeFigureOut">
               <a:rPr lang="en-US" smtClean="0"/>
-              <a:t>2/18/2024</a:t>
+              <a:t>2/20/2024</a:t>
             </a:fld>
             <a:endParaRPr lang="en-US"/>
           </a:p>
@@ -2578,7 +3476,7 @@
           <a:p>
             <a:fld id="{3C9621BD-9A58-4B6A-8D79-A1F7EB728343}" type="datetimeFigureOut">
               <a:rPr lang="en-US" smtClean="0"/>
-              <a:t>2/18/2024</a:t>
+              <a:t>2/20/2024</a:t>
             </a:fld>
             <a:endParaRPr lang="en-US"/>
           </a:p>
@@ -2691,7 +3589,7 @@
           <a:p>
             <a:fld id="{3C9621BD-9A58-4B6A-8D79-A1F7EB728343}" type="datetimeFigureOut">
               <a:rPr lang="en-US" smtClean="0"/>
-              <a:t>2/18/2024</a:t>
+              <a:t>2/20/2024</a:t>
             </a:fld>
             <a:endParaRPr lang="en-US"/>
           </a:p>
@@ -3002,7 +3900,7 @@
           <a:p>
             <a:fld id="{3C9621BD-9A58-4B6A-8D79-A1F7EB728343}" type="datetimeFigureOut">
               <a:rPr lang="en-US" smtClean="0"/>
-              <a:t>2/18/2024</a:t>
+              <a:t>2/20/2024</a:t>
             </a:fld>
             <a:endParaRPr lang="en-US"/>
           </a:p>
@@ -3290,7 +4188,7 @@
           <a:p>
             <a:fld id="{3C9621BD-9A58-4B6A-8D79-A1F7EB728343}" type="datetimeFigureOut">
               <a:rPr lang="en-US" smtClean="0"/>
-              <a:t>2/18/2024</a:t>
+              <a:t>2/20/2024</a:t>
             </a:fld>
             <a:endParaRPr lang="en-US"/>
           </a:p>
@@ -3531,7 +4429,7 @@
           <a:p>
             <a:fld id="{3C9621BD-9A58-4B6A-8D79-A1F7EB728343}" type="datetimeFigureOut">
               <a:rPr lang="en-US" smtClean="0"/>
-              <a:t>2/18/2024</a:t>
+              <a:t>2/20/2024</a:t>
             </a:fld>
             <a:endParaRPr lang="en-US"/>
           </a:p>
@@ -3647,6 +4545,7 @@
     <p:sldLayoutId id="2147483657" r:id="rId9"/>
     <p:sldLayoutId id="2147483658" r:id="rId10"/>
     <p:sldLayoutId id="2147483659" r:id="rId11"/>
+    <p:sldLayoutId id="2147483660" r:id="rId12"/>
   </p:sldLayoutIdLst>
   <p:txStyles>
     <p:titleStyle>
@@ -4056,7 +4955,7 @@
           <p:cNvPr id="2" name="Title 1">
             <a:extLst>
               <a:ext uri="{FF2B5EF4-FFF2-40B4-BE49-F238E27FC236}">
-                <a16:creationId xmlns:a16="http://schemas.microsoft.com/office/drawing/2014/main" id="{9ECD93CA-6548-7998-8B9E-2E7B9E574699}"/>
+                <a16:creationId xmlns:a16="http://schemas.microsoft.com/office/drawing/2014/main" id="{121A0376-8412-9804-DF3B-00D7C9B624DD}"/>
               </a:ext>
             </a:extLst>
           </p:cNvPr>
@@ -4074,7 +4973,7 @@
           <a:p>
             <a:r>
               <a:rPr lang="en-US" dirty="0"/>
-              <a:t>Intervention research</a:t>
+              <a:t>Training intervention</a:t>
             </a:r>
           </a:p>
         </p:txBody>
@@ -4084,7 +4983,7 @@
           <p:cNvPr id="3" name="Content Placeholder 2">
             <a:extLst>
               <a:ext uri="{FF2B5EF4-FFF2-40B4-BE49-F238E27FC236}">
-                <a16:creationId xmlns:a16="http://schemas.microsoft.com/office/drawing/2014/main" id="{368F55B3-1CBD-B8C1-1995-1B9B249B5548}"/>
+                <a16:creationId xmlns:a16="http://schemas.microsoft.com/office/drawing/2014/main" id="{D9B74437-F3E7-B1DB-C562-C1C12F264875}"/>
               </a:ext>
             </a:extLst>
           </p:cNvPr>
@@ -4102,7 +5001,38 @@
           <a:p>
             <a:r>
               <a:rPr lang="en-US" dirty="0"/>
-              <a:t>5. Give an example of a research study not included in the chapter for which it would be unethical to include a placebo/control group.</a:t>
+              <a:t>Targeted skill training</a:t>
+            </a:r>
+          </a:p>
+          <a:p>
+            <a:pPr lvl="1"/>
+            <a:r>
+              <a:rPr lang="en-US" dirty="0"/>
+              <a:t>Shorter time course, 4-6 weeks</a:t>
+            </a:r>
+          </a:p>
+          <a:p>
+            <a:pPr lvl="1"/>
+            <a:r>
+              <a:rPr lang="en-US" dirty="0"/>
+              <a:t>Large numbers of students, all getting identical content</a:t>
+            </a:r>
+          </a:p>
+          <a:p>
+            <a:pPr lvl="1"/>
+            <a:endParaRPr lang="en-US" dirty="0"/>
+          </a:p>
+          <a:p>
+            <a:r>
+              <a:rPr lang="en-US" dirty="0"/>
+              <a:t>Can memory theory be used to accelerate training?</a:t>
+            </a:r>
+          </a:p>
+          <a:p>
+            <a:pPr lvl="1"/>
+            <a:r>
+              <a:rPr lang="en-US" dirty="0"/>
+              <a:t>Intervention to speed learning</a:t>
             </a:r>
           </a:p>
         </p:txBody>
@@ -4110,7 +5040,7 @@
     </p:spTree>
     <p:extLst>
       <p:ext uri="{BB962C8B-B14F-4D97-AF65-F5344CB8AC3E}">
-        <p14:creationId xmlns:p14="http://schemas.microsoft.com/office/powerpoint/2010/main" val="3801400814"/>
+        <p14:creationId xmlns:p14="http://schemas.microsoft.com/office/powerpoint/2010/main" val="1626187573"/>
       </p:ext>
     </p:extLst>
   </p:cSld>
@@ -4139,118 +5069,1584 @@
       </p:grpSpPr>
       <p:sp>
         <p:nvSpPr>
-          <p:cNvPr id="2" name="Title 1">
-            <a:extLst>
-              <a:ext uri="{FF2B5EF4-FFF2-40B4-BE49-F238E27FC236}">
-                <a16:creationId xmlns:a16="http://schemas.microsoft.com/office/drawing/2014/main" id="{D9A7E23D-E2F6-2A89-DAE6-7D7EF58A4FB4}"/>
-              </a:ext>
-            </a:extLst>
-          </p:cNvPr>
-          <p:cNvSpPr>
-            <a:spLocks noGrp="1"/>
-          </p:cNvSpPr>
-          <p:nvPr>
-            <p:ph type="title"/>
-          </p:nvPr>
-        </p:nvSpPr>
-        <p:spPr/>
-        <p:txBody>
-          <a:bodyPr/>
-          <a:lstStyle/>
-          <a:p>
-            <a:endParaRPr lang="en-US"/>
-          </a:p>
-        </p:txBody>
-      </p:sp>
-      <p:sp>
-        <p:nvSpPr>
-          <p:cNvPr id="3" name="Content Placeholder 2">
-            <a:extLst>
-              <a:ext uri="{FF2B5EF4-FFF2-40B4-BE49-F238E27FC236}">
-                <a16:creationId xmlns:a16="http://schemas.microsoft.com/office/drawing/2014/main" id="{F7F18183-EBD3-1B60-5D82-9525D7C0EF1D}"/>
-              </a:ext>
-            </a:extLst>
-          </p:cNvPr>
-          <p:cNvSpPr>
-            <a:spLocks noGrp="1"/>
-          </p:cNvSpPr>
-          <p:nvPr>
-            <p:ph idx="1"/>
-          </p:nvPr>
-        </p:nvSpPr>
-        <p:spPr/>
-        <p:txBody>
-          <a:bodyPr/>
-          <a:lstStyle/>
-          <a:p>
-            <a:endParaRPr lang="en-US"/>
-          </a:p>
-        </p:txBody>
-      </p:sp>
-      <p:pic>
-        <p:nvPicPr>
-          <p:cNvPr id="5" name="Picture 4">
-            <a:extLst>
-              <a:ext uri="{FF2B5EF4-FFF2-40B4-BE49-F238E27FC236}">
-                <a16:creationId xmlns:a16="http://schemas.microsoft.com/office/drawing/2014/main" id="{CBD76052-025D-1298-3047-C06E47872210}"/>
-              </a:ext>
-            </a:extLst>
-          </p:cNvPr>
-          <p:cNvPicPr>
-            <a:picLocks noChangeAspect="1"/>
-          </p:cNvPicPr>
+          <p:cNvPr id="4" name="Rectangle 3">
+            <a:extLst>
+              <a:ext uri="{FF2B5EF4-FFF2-40B4-BE49-F238E27FC236}">
+                <a16:creationId xmlns:a16="http://schemas.microsoft.com/office/drawing/2014/main" id="{48BF34F6-A202-5E53-9E6A-231F740D4C85}"/>
+              </a:ext>
+            </a:extLst>
+          </p:cNvPr>
+          <p:cNvSpPr/>
           <p:nvPr/>
-        </p:nvPicPr>
-        <p:blipFill>
-          <a:blip r:embed="rId2"/>
-          <a:stretch>
-            <a:fillRect/>
-          </a:stretch>
-        </p:blipFill>
-        <p:spPr>
+        </p:nvSpPr>
+        <p:spPr bwMode="auto">
           <a:xfrm>
-            <a:off x="706755" y="365125"/>
-            <a:ext cx="9915525" cy="3476625"/>
+            <a:off x="6841637" y="2800068"/>
+            <a:ext cx="1695172" cy="762000"/>
           </a:xfrm>
           <a:prstGeom prst="rect">
             <a:avLst/>
           </a:prstGeom>
+          <a:solidFill>
+            <a:schemeClr val="accent3">
+              <a:lumMod val="40000"/>
+              <a:lumOff val="60000"/>
+            </a:schemeClr>
+          </a:solidFill>
+          <a:ln>
+            <a:headEnd type="none" w="med" len="med"/>
+            <a:tailEnd type="none" w="med" len="med"/>
+          </a:ln>
         </p:spPr>
-      </p:pic>
-      <p:pic>
-        <p:nvPicPr>
-          <p:cNvPr id="7" name="Picture 6">
-            <a:extLst>
-              <a:ext uri="{FF2B5EF4-FFF2-40B4-BE49-F238E27FC236}">
-                <a16:creationId xmlns:a16="http://schemas.microsoft.com/office/drawing/2014/main" id="{04B3B9F5-E1BD-6912-B2DC-5675C25B0949}"/>
-              </a:ext>
-            </a:extLst>
-          </p:cNvPr>
-          <p:cNvPicPr>
-            <a:picLocks noChangeAspect="1"/>
-          </p:cNvPicPr>
+        <p:style>
+          <a:lnRef idx="3">
+            <a:schemeClr val="lt1"/>
+          </a:lnRef>
+          <a:fillRef idx="1">
+            <a:schemeClr val="accent3"/>
+          </a:fillRef>
+          <a:effectRef idx="1">
+            <a:schemeClr val="accent3"/>
+          </a:effectRef>
+          <a:fontRef idx="minor">
+            <a:schemeClr val="lt1"/>
+          </a:fontRef>
+        </p:style>
+        <p:txBody>
+          <a:bodyPr vert="horz" wrap="square" lIns="91440" tIns="45720" rIns="91440" bIns="45720" numCol="1" rtlCol="0" anchor="ctr" anchorCtr="0" compatLnSpc="1">
+            <a:prstTxWarp prst="textNoShape">
+              <a:avLst/>
+            </a:prstTxWarp>
+          </a:bodyPr>
+          <a:lstStyle/>
+          <a:p>
+            <a:pPr algn="ctr" fontAlgn="base">
+              <a:spcBef>
+                <a:spcPct val="0"/>
+              </a:spcBef>
+              <a:spcAft>
+                <a:spcPct val="0"/>
+              </a:spcAft>
+            </a:pPr>
+            <a:r>
+              <a:rPr lang="en-US" sz="1600" b="1" i="1" dirty="0">
+                <a:solidFill>
+                  <a:schemeClr val="accent5">
+                    <a:lumMod val="60000"/>
+                    <a:lumOff val="40000"/>
+                  </a:schemeClr>
+                </a:solidFill>
+                <a:latin typeface="Arial" charset="0"/>
+              </a:rPr>
+              <a:t>No training</a:t>
+            </a:r>
+          </a:p>
+        </p:txBody>
+      </p:sp>
+      <p:sp>
+        <p:nvSpPr>
+          <p:cNvPr id="5" name="Rectangle 4">
+            <a:extLst>
+              <a:ext uri="{FF2B5EF4-FFF2-40B4-BE49-F238E27FC236}">
+                <a16:creationId xmlns:a16="http://schemas.microsoft.com/office/drawing/2014/main" id="{5CFD65CF-E299-65E8-0BD9-7520D6EB8991}"/>
+              </a:ext>
+            </a:extLst>
+          </p:cNvPr>
+          <p:cNvSpPr/>
           <p:nvPr/>
-        </p:nvPicPr>
-        <p:blipFill>
-          <a:blip r:embed="rId3"/>
-          <a:stretch>
-            <a:fillRect/>
-          </a:stretch>
-        </p:blipFill>
-        <p:spPr>
+        </p:nvSpPr>
+        <p:spPr bwMode="auto">
           <a:xfrm>
-            <a:off x="2093595" y="4001294"/>
-            <a:ext cx="8543925" cy="2314575"/>
+            <a:off x="2780742" y="3082262"/>
+            <a:ext cx="838200" cy="1981200"/>
           </a:xfrm>
           <a:prstGeom prst="rect">
             <a:avLst/>
           </a:prstGeom>
+          <a:ln>
+            <a:headEnd type="none" w="med" len="med"/>
+            <a:tailEnd type="none" w="med" len="med"/>
+          </a:ln>
         </p:spPr>
-      </p:pic>
+        <p:style>
+          <a:lnRef idx="3">
+            <a:schemeClr val="lt1"/>
+          </a:lnRef>
+          <a:fillRef idx="1">
+            <a:schemeClr val="accent3"/>
+          </a:fillRef>
+          <a:effectRef idx="1">
+            <a:schemeClr val="accent3"/>
+          </a:effectRef>
+          <a:fontRef idx="minor">
+            <a:schemeClr val="lt1"/>
+          </a:fontRef>
+        </p:style>
+        <p:txBody>
+          <a:bodyPr vert="horz" wrap="square" lIns="91440" tIns="45720" rIns="91440" bIns="45720" numCol="1" rtlCol="0" anchor="ctr" anchorCtr="0" compatLnSpc="1">
+            <a:prstTxWarp prst="textNoShape">
+              <a:avLst/>
+            </a:prstTxWarp>
+          </a:bodyPr>
+          <a:lstStyle/>
+          <a:p>
+            <a:pPr fontAlgn="base">
+              <a:spcBef>
+                <a:spcPct val="0"/>
+              </a:spcBef>
+              <a:spcAft>
+                <a:spcPct val="0"/>
+              </a:spcAft>
+            </a:pPr>
+            <a:endParaRPr lang="en-US" sz="1600" b="1">
+              <a:solidFill>
+                <a:srgbClr val="003399"/>
+              </a:solidFill>
+              <a:latin typeface="Arial" charset="0"/>
+            </a:endParaRPr>
+          </a:p>
+        </p:txBody>
+      </p:sp>
+      <p:sp>
+        <p:nvSpPr>
+          <p:cNvPr id="6" name="Rectangle 5">
+            <a:extLst>
+              <a:ext uri="{FF2B5EF4-FFF2-40B4-BE49-F238E27FC236}">
+                <a16:creationId xmlns:a16="http://schemas.microsoft.com/office/drawing/2014/main" id="{AA3212F7-B92F-D881-E9C6-2DBC7D1B611B}"/>
+              </a:ext>
+            </a:extLst>
+          </p:cNvPr>
+          <p:cNvSpPr/>
+          <p:nvPr/>
+        </p:nvSpPr>
+        <p:spPr bwMode="auto">
+          <a:xfrm>
+            <a:off x="4208669" y="2800068"/>
+            <a:ext cx="1695172" cy="762000"/>
+          </a:xfrm>
+          <a:prstGeom prst="rect">
+            <a:avLst/>
+          </a:prstGeom>
+          <a:ln>
+            <a:headEnd type="none" w="med" len="med"/>
+            <a:tailEnd type="none" w="med" len="med"/>
+          </a:ln>
+        </p:spPr>
+        <p:style>
+          <a:lnRef idx="3">
+            <a:schemeClr val="lt1"/>
+          </a:lnRef>
+          <a:fillRef idx="1">
+            <a:schemeClr val="accent3"/>
+          </a:fillRef>
+          <a:effectRef idx="1">
+            <a:schemeClr val="accent3"/>
+          </a:effectRef>
+          <a:fontRef idx="minor">
+            <a:schemeClr val="lt1"/>
+          </a:fontRef>
+        </p:style>
+        <p:txBody>
+          <a:bodyPr vert="horz" wrap="square" lIns="91440" tIns="45720" rIns="91440" bIns="45720" numCol="1" rtlCol="0" anchor="ctr" anchorCtr="0" compatLnSpc="1">
+            <a:prstTxWarp prst="textNoShape">
+              <a:avLst/>
+            </a:prstTxWarp>
+          </a:bodyPr>
+          <a:lstStyle/>
+          <a:p>
+            <a:pPr algn="ctr" fontAlgn="base">
+              <a:spcBef>
+                <a:spcPct val="0"/>
+              </a:spcBef>
+              <a:spcAft>
+                <a:spcPct val="0"/>
+              </a:spcAft>
+            </a:pPr>
+            <a:r>
+              <a:rPr lang="en-US" sz="1600" b="1" dirty="0">
+                <a:solidFill>
+                  <a:srgbClr val="003399"/>
+                </a:solidFill>
+                <a:latin typeface="Arial" charset="0"/>
+              </a:rPr>
+              <a:t>Intervention Training</a:t>
+            </a:r>
+          </a:p>
+        </p:txBody>
+      </p:sp>
+      <p:sp>
+        <p:nvSpPr>
+          <p:cNvPr id="7" name="Rectangle 6">
+            <a:extLst>
+              <a:ext uri="{FF2B5EF4-FFF2-40B4-BE49-F238E27FC236}">
+                <a16:creationId xmlns:a16="http://schemas.microsoft.com/office/drawing/2014/main" id="{E778C213-957D-4E2A-0DCB-6B630F932191}"/>
+              </a:ext>
+            </a:extLst>
+          </p:cNvPr>
+          <p:cNvSpPr/>
+          <p:nvPr/>
+        </p:nvSpPr>
+        <p:spPr bwMode="auto">
+          <a:xfrm>
+            <a:off x="4208669" y="4464109"/>
+            <a:ext cx="1695172" cy="762000"/>
+          </a:xfrm>
+          <a:prstGeom prst="rect">
+            <a:avLst/>
+          </a:prstGeom>
+          <a:solidFill>
+            <a:schemeClr val="accent3">
+              <a:lumMod val="40000"/>
+              <a:lumOff val="60000"/>
+            </a:schemeClr>
+          </a:solidFill>
+          <a:ln>
+            <a:headEnd type="none" w="med" len="med"/>
+            <a:tailEnd type="none" w="med" len="med"/>
+          </a:ln>
+        </p:spPr>
+        <p:style>
+          <a:lnRef idx="3">
+            <a:schemeClr val="lt1"/>
+          </a:lnRef>
+          <a:fillRef idx="1">
+            <a:schemeClr val="accent3"/>
+          </a:fillRef>
+          <a:effectRef idx="1">
+            <a:schemeClr val="accent3"/>
+          </a:effectRef>
+          <a:fontRef idx="minor">
+            <a:schemeClr val="lt1"/>
+          </a:fontRef>
+        </p:style>
+        <p:txBody>
+          <a:bodyPr vert="horz" wrap="square" lIns="91440" tIns="45720" rIns="91440" bIns="45720" numCol="1" rtlCol="0" anchor="ctr" anchorCtr="0" compatLnSpc="1">
+            <a:prstTxWarp prst="textNoShape">
+              <a:avLst/>
+            </a:prstTxWarp>
+          </a:bodyPr>
+          <a:lstStyle/>
+          <a:p>
+            <a:pPr algn="ctr" fontAlgn="base">
+              <a:spcBef>
+                <a:spcPct val="0"/>
+              </a:spcBef>
+              <a:spcAft>
+                <a:spcPct val="0"/>
+              </a:spcAft>
+            </a:pPr>
+            <a:r>
+              <a:rPr lang="en-US" sz="1600" b="1" i="1" dirty="0">
+                <a:solidFill>
+                  <a:schemeClr val="accent5">
+                    <a:lumMod val="60000"/>
+                    <a:lumOff val="40000"/>
+                  </a:schemeClr>
+                </a:solidFill>
+                <a:latin typeface="Arial" charset="0"/>
+              </a:rPr>
+              <a:t>No training</a:t>
+            </a:r>
+          </a:p>
+        </p:txBody>
+      </p:sp>
+      <p:sp>
+        <p:nvSpPr>
+          <p:cNvPr id="8" name="Rectangle 7">
+            <a:extLst>
+              <a:ext uri="{FF2B5EF4-FFF2-40B4-BE49-F238E27FC236}">
+                <a16:creationId xmlns:a16="http://schemas.microsoft.com/office/drawing/2014/main" id="{8AF4A6F5-F055-936E-4919-AF12FAF965F8}"/>
+              </a:ext>
+            </a:extLst>
+          </p:cNvPr>
+          <p:cNvSpPr/>
+          <p:nvPr/>
+        </p:nvSpPr>
+        <p:spPr bwMode="auto">
+          <a:xfrm>
+            <a:off x="6042446" y="2281472"/>
+            <a:ext cx="381000" cy="3397787"/>
+          </a:xfrm>
+          <a:prstGeom prst="rect">
+            <a:avLst/>
+          </a:prstGeom>
+          <a:ln>
+            <a:headEnd type="none" w="med" len="med"/>
+            <a:tailEnd type="none" w="med" len="med"/>
+          </a:ln>
+        </p:spPr>
+        <p:style>
+          <a:lnRef idx="2">
+            <a:schemeClr val="accent6">
+              <a:shade val="50000"/>
+            </a:schemeClr>
+          </a:lnRef>
+          <a:fillRef idx="1">
+            <a:schemeClr val="accent6"/>
+          </a:fillRef>
+          <a:effectRef idx="0">
+            <a:schemeClr val="accent6"/>
+          </a:effectRef>
+          <a:fontRef idx="minor">
+            <a:schemeClr val="lt1"/>
+          </a:fontRef>
+        </p:style>
+        <p:txBody>
+          <a:bodyPr vert="vert270" wrap="square" lIns="91440" tIns="45720" rIns="91440" bIns="45720" numCol="1" rtlCol="0" anchor="ctr" anchorCtr="0" compatLnSpc="1">
+            <a:prstTxWarp prst="textNoShape">
+              <a:avLst/>
+            </a:prstTxWarp>
+          </a:bodyPr>
+          <a:lstStyle/>
+          <a:p>
+            <a:pPr algn="ctr" fontAlgn="base">
+              <a:spcBef>
+                <a:spcPct val="0"/>
+              </a:spcBef>
+              <a:spcAft>
+                <a:spcPct val="0"/>
+              </a:spcAft>
+            </a:pPr>
+            <a:r>
+              <a:rPr lang="en-US" sz="1600" b="1" dirty="0">
+                <a:solidFill>
+                  <a:srgbClr val="003399"/>
+                </a:solidFill>
+                <a:latin typeface="Arial" charset="0"/>
+              </a:rPr>
+              <a:t>Assessment - 1</a:t>
+            </a:r>
+          </a:p>
+        </p:txBody>
+      </p:sp>
+      <p:sp>
+        <p:nvSpPr>
+          <p:cNvPr id="9" name="Arrow: Right 8">
+            <a:extLst>
+              <a:ext uri="{FF2B5EF4-FFF2-40B4-BE49-F238E27FC236}">
+                <a16:creationId xmlns:a16="http://schemas.microsoft.com/office/drawing/2014/main" id="{7FD3732D-B217-3BF3-34F2-86CE64932D0D}"/>
+              </a:ext>
+            </a:extLst>
+          </p:cNvPr>
+          <p:cNvSpPr/>
+          <p:nvPr/>
+        </p:nvSpPr>
+        <p:spPr bwMode="auto">
+          <a:xfrm rot="21088868">
+            <a:off x="3765748" y="3217031"/>
+            <a:ext cx="381000" cy="265043"/>
+          </a:xfrm>
+          <a:prstGeom prst="rightArrow">
+            <a:avLst/>
+          </a:prstGeom>
+          <a:ln>
+            <a:headEnd type="none" w="med" len="med"/>
+            <a:tailEnd type="none" w="med" len="med"/>
+          </a:ln>
+        </p:spPr>
+        <p:style>
+          <a:lnRef idx="3">
+            <a:schemeClr val="lt1"/>
+          </a:lnRef>
+          <a:fillRef idx="1">
+            <a:schemeClr val="accent1"/>
+          </a:fillRef>
+          <a:effectRef idx="1">
+            <a:schemeClr val="accent1"/>
+          </a:effectRef>
+          <a:fontRef idx="minor">
+            <a:schemeClr val="lt1"/>
+          </a:fontRef>
+        </p:style>
+        <p:txBody>
+          <a:bodyPr vert="horz" wrap="square" lIns="91440" tIns="45720" rIns="91440" bIns="45720" numCol="1" rtlCol="0" anchor="ctr" anchorCtr="0" compatLnSpc="1">
+            <a:prstTxWarp prst="textNoShape">
+              <a:avLst/>
+            </a:prstTxWarp>
+          </a:bodyPr>
+          <a:lstStyle/>
+          <a:p>
+            <a:pPr fontAlgn="base">
+              <a:spcBef>
+                <a:spcPct val="0"/>
+              </a:spcBef>
+              <a:spcAft>
+                <a:spcPct val="0"/>
+              </a:spcAft>
+            </a:pPr>
+            <a:endParaRPr lang="en-US" sz="1600" b="1">
+              <a:solidFill>
+                <a:srgbClr val="003399"/>
+              </a:solidFill>
+              <a:latin typeface="Arial" charset="0"/>
+            </a:endParaRPr>
+          </a:p>
+        </p:txBody>
+      </p:sp>
+      <p:sp>
+        <p:nvSpPr>
+          <p:cNvPr id="10" name="Arrow: Right 9">
+            <a:extLst>
+              <a:ext uri="{FF2B5EF4-FFF2-40B4-BE49-F238E27FC236}">
+                <a16:creationId xmlns:a16="http://schemas.microsoft.com/office/drawing/2014/main" id="{3B58AD8F-537F-96FC-7BE4-587F804FBDD8}"/>
+              </a:ext>
+            </a:extLst>
+          </p:cNvPr>
+          <p:cNvSpPr/>
+          <p:nvPr/>
+        </p:nvSpPr>
+        <p:spPr bwMode="auto">
+          <a:xfrm rot="199713">
+            <a:off x="3765748" y="4635633"/>
+            <a:ext cx="381000" cy="265043"/>
+          </a:xfrm>
+          <a:prstGeom prst="rightArrow">
+            <a:avLst/>
+          </a:prstGeom>
+          <a:ln>
+            <a:headEnd type="none" w="med" len="med"/>
+            <a:tailEnd type="none" w="med" len="med"/>
+          </a:ln>
+        </p:spPr>
+        <p:style>
+          <a:lnRef idx="3">
+            <a:schemeClr val="lt1"/>
+          </a:lnRef>
+          <a:fillRef idx="1">
+            <a:schemeClr val="accent1"/>
+          </a:fillRef>
+          <a:effectRef idx="1">
+            <a:schemeClr val="accent1"/>
+          </a:effectRef>
+          <a:fontRef idx="minor">
+            <a:schemeClr val="lt1"/>
+          </a:fontRef>
+        </p:style>
+        <p:txBody>
+          <a:bodyPr vert="horz" wrap="square" lIns="91440" tIns="45720" rIns="91440" bIns="45720" numCol="1" rtlCol="0" anchor="ctr" anchorCtr="0" compatLnSpc="1">
+            <a:prstTxWarp prst="textNoShape">
+              <a:avLst/>
+            </a:prstTxWarp>
+          </a:bodyPr>
+          <a:lstStyle/>
+          <a:p>
+            <a:pPr fontAlgn="base">
+              <a:spcBef>
+                <a:spcPct val="0"/>
+              </a:spcBef>
+              <a:spcAft>
+                <a:spcPct val="0"/>
+              </a:spcAft>
+            </a:pPr>
+            <a:endParaRPr lang="en-US" sz="1600" b="1">
+              <a:solidFill>
+                <a:srgbClr val="003399"/>
+              </a:solidFill>
+              <a:latin typeface="Arial" charset="0"/>
+            </a:endParaRPr>
+          </a:p>
+        </p:txBody>
+      </p:sp>
+      <p:cxnSp>
+        <p:nvCxnSpPr>
+          <p:cNvPr id="11" name="Straight Connector 10">
+            <a:extLst>
+              <a:ext uri="{FF2B5EF4-FFF2-40B4-BE49-F238E27FC236}">
+                <a16:creationId xmlns:a16="http://schemas.microsoft.com/office/drawing/2014/main" id="{CF24B6BF-B603-F502-99EC-226B577A3C5A}"/>
+              </a:ext>
+            </a:extLst>
+          </p:cNvPr>
+          <p:cNvCxnSpPr>
+            <a:cxnSpLocks/>
+          </p:cNvCxnSpPr>
+          <p:nvPr/>
+        </p:nvCxnSpPr>
+        <p:spPr bwMode="auto">
+          <a:xfrm>
+            <a:off x="2548370" y="4072862"/>
+            <a:ext cx="1299172" cy="0"/>
+          </a:xfrm>
+          <a:prstGeom prst="line">
+            <a:avLst/>
+          </a:prstGeom>
+          <a:ln>
+            <a:headEnd type="none" w="med" len="med"/>
+            <a:tailEnd type="none" w="med" len="med"/>
+          </a:ln>
+        </p:spPr>
+        <p:style>
+          <a:lnRef idx="3">
+            <a:schemeClr val="accent1"/>
+          </a:lnRef>
+          <a:fillRef idx="0">
+            <a:schemeClr val="accent1"/>
+          </a:fillRef>
+          <a:effectRef idx="2">
+            <a:schemeClr val="accent1"/>
+          </a:effectRef>
+          <a:fontRef idx="minor">
+            <a:schemeClr val="tx1"/>
+          </a:fontRef>
+        </p:style>
+      </p:cxnSp>
+      <p:sp>
+        <p:nvSpPr>
+          <p:cNvPr id="12" name="Rectangle 11">
+            <a:extLst>
+              <a:ext uri="{FF2B5EF4-FFF2-40B4-BE49-F238E27FC236}">
+                <a16:creationId xmlns:a16="http://schemas.microsoft.com/office/drawing/2014/main" id="{A9311D96-9796-D54F-BF55-24E5050A7998}"/>
+              </a:ext>
+            </a:extLst>
+          </p:cNvPr>
+          <p:cNvSpPr/>
+          <p:nvPr/>
+        </p:nvSpPr>
+        <p:spPr>
+          <a:xfrm>
+            <a:off x="3314388" y="2331368"/>
+            <a:ext cx="585417" cy="923330"/>
+          </a:xfrm>
+          <a:prstGeom prst="rect">
+            <a:avLst/>
+          </a:prstGeom>
+          <a:noFill/>
+        </p:spPr>
+        <p:txBody>
+          <a:bodyPr wrap="none" lIns="91440" tIns="45720" rIns="91440" bIns="45720">
+            <a:spAutoFit/>
+          </a:bodyPr>
+          <a:lstStyle/>
+          <a:p>
+            <a:pPr algn="ctr"/>
+            <a:r>
+              <a:rPr lang="en-US" sz="5400" dirty="0">
+                <a:ln w="0"/>
+                <a:solidFill>
+                  <a:schemeClr val="accent1"/>
+                </a:solidFill>
+                <a:effectLst>
+                  <a:outerShdw blurRad="38100" dist="25400" dir="5400000" algn="ctr" rotWithShape="0">
+                    <a:srgbClr val="6E747A">
+                      <a:alpha val="43000"/>
+                    </a:srgbClr>
+                  </a:outerShdw>
+                </a:effectLst>
+              </a:rPr>
+              <a:t>A</a:t>
+            </a:r>
+          </a:p>
+        </p:txBody>
+      </p:sp>
+      <p:sp>
+        <p:nvSpPr>
+          <p:cNvPr id="13" name="Rectangle 12">
+            <a:extLst>
+              <a:ext uri="{FF2B5EF4-FFF2-40B4-BE49-F238E27FC236}">
+                <a16:creationId xmlns:a16="http://schemas.microsoft.com/office/drawing/2014/main" id="{06B69BD2-44DB-19DE-4CC5-B101AC151AB2}"/>
+              </a:ext>
+            </a:extLst>
+          </p:cNvPr>
+          <p:cNvSpPr/>
+          <p:nvPr/>
+        </p:nvSpPr>
+        <p:spPr>
+          <a:xfrm>
+            <a:off x="3326409" y="4939999"/>
+            <a:ext cx="561372" cy="923330"/>
+          </a:xfrm>
+          <a:prstGeom prst="rect">
+            <a:avLst/>
+          </a:prstGeom>
+          <a:noFill/>
+        </p:spPr>
+        <p:txBody>
+          <a:bodyPr wrap="none" lIns="91440" tIns="45720" rIns="91440" bIns="45720">
+            <a:spAutoFit/>
+          </a:bodyPr>
+          <a:lstStyle/>
+          <a:p>
+            <a:pPr algn="ctr"/>
+            <a:r>
+              <a:rPr lang="en-US" sz="5400" dirty="0">
+                <a:ln w="0"/>
+                <a:solidFill>
+                  <a:schemeClr val="accent1"/>
+                </a:solidFill>
+                <a:effectLst>
+                  <a:outerShdw blurRad="38100" dist="25400" dir="5400000" algn="ctr" rotWithShape="0">
+                    <a:srgbClr val="6E747A">
+                      <a:alpha val="43000"/>
+                    </a:srgbClr>
+                  </a:outerShdw>
+                </a:effectLst>
+              </a:rPr>
+              <a:t>B</a:t>
+            </a:r>
+          </a:p>
+        </p:txBody>
+      </p:sp>
+      <p:sp>
+        <p:nvSpPr>
+          <p:cNvPr id="14" name="TextBox 13">
+            <a:extLst>
+              <a:ext uri="{FF2B5EF4-FFF2-40B4-BE49-F238E27FC236}">
+                <a16:creationId xmlns:a16="http://schemas.microsoft.com/office/drawing/2014/main" id="{1474348D-6BAD-C83C-2EF4-EFA40AEB0CAF}"/>
+              </a:ext>
+            </a:extLst>
+          </p:cNvPr>
+          <p:cNvSpPr txBox="1"/>
+          <p:nvPr/>
+        </p:nvSpPr>
+        <p:spPr>
+          <a:xfrm>
+            <a:off x="875970" y="3254698"/>
+            <a:ext cx="1828800" cy="2031325"/>
+          </a:xfrm>
+          <a:prstGeom prst="rect">
+            <a:avLst/>
+          </a:prstGeom>
+          <a:noFill/>
+        </p:spPr>
+        <p:txBody>
+          <a:bodyPr wrap="square" rtlCol="0">
+            <a:spAutoFit/>
+          </a:bodyPr>
+          <a:lstStyle/>
+          <a:p>
+            <a:r>
+              <a:rPr lang="en-US" dirty="0"/>
+              <a:t>Random assignment within a single  class, half students to “A” cohort and half to “B” cohort</a:t>
+            </a:r>
+          </a:p>
+        </p:txBody>
+      </p:sp>
+      <p:sp>
+        <p:nvSpPr>
+          <p:cNvPr id="15" name="Rectangle 14">
+            <a:extLst>
+              <a:ext uri="{FF2B5EF4-FFF2-40B4-BE49-F238E27FC236}">
+                <a16:creationId xmlns:a16="http://schemas.microsoft.com/office/drawing/2014/main" id="{DCC05804-9C5A-0C3C-08DE-9D2A31AA47B6}"/>
+              </a:ext>
+            </a:extLst>
+          </p:cNvPr>
+          <p:cNvSpPr/>
+          <p:nvPr/>
+        </p:nvSpPr>
+        <p:spPr bwMode="auto">
+          <a:xfrm>
+            <a:off x="8709446" y="2266307"/>
+            <a:ext cx="381000" cy="3379060"/>
+          </a:xfrm>
+          <a:prstGeom prst="rect">
+            <a:avLst/>
+          </a:prstGeom>
+          <a:ln>
+            <a:headEnd type="none" w="med" len="med"/>
+            <a:tailEnd type="none" w="med" len="med"/>
+          </a:ln>
+        </p:spPr>
+        <p:style>
+          <a:lnRef idx="2">
+            <a:schemeClr val="accent6">
+              <a:shade val="50000"/>
+            </a:schemeClr>
+          </a:lnRef>
+          <a:fillRef idx="1">
+            <a:schemeClr val="accent6"/>
+          </a:fillRef>
+          <a:effectRef idx="0">
+            <a:schemeClr val="accent6"/>
+          </a:effectRef>
+          <a:fontRef idx="minor">
+            <a:schemeClr val="lt1"/>
+          </a:fontRef>
+        </p:style>
+        <p:txBody>
+          <a:bodyPr vert="vert270" wrap="square" lIns="91440" tIns="45720" rIns="91440" bIns="45720" numCol="1" rtlCol="0" anchor="ctr" anchorCtr="0" compatLnSpc="1">
+            <a:prstTxWarp prst="textNoShape">
+              <a:avLst/>
+            </a:prstTxWarp>
+          </a:bodyPr>
+          <a:lstStyle/>
+          <a:p>
+            <a:pPr algn="ctr" fontAlgn="base">
+              <a:spcBef>
+                <a:spcPct val="0"/>
+              </a:spcBef>
+              <a:spcAft>
+                <a:spcPct val="0"/>
+              </a:spcAft>
+            </a:pPr>
+            <a:r>
+              <a:rPr lang="en-US" sz="1600" b="1" dirty="0">
+                <a:solidFill>
+                  <a:srgbClr val="003399"/>
+                </a:solidFill>
+                <a:latin typeface="Arial" charset="0"/>
+              </a:rPr>
+              <a:t>Assessment- 2</a:t>
+            </a:r>
+          </a:p>
+        </p:txBody>
+      </p:sp>
+      <p:sp>
+        <p:nvSpPr>
+          <p:cNvPr id="16" name="TextBox 15">
+            <a:extLst>
+              <a:ext uri="{FF2B5EF4-FFF2-40B4-BE49-F238E27FC236}">
+                <a16:creationId xmlns:a16="http://schemas.microsoft.com/office/drawing/2014/main" id="{97CC169F-6ED9-01B5-E1D3-CF66F46F09C0}"/>
+              </a:ext>
+            </a:extLst>
+          </p:cNvPr>
+          <p:cNvSpPr txBox="1"/>
+          <p:nvPr/>
+        </p:nvSpPr>
+        <p:spPr>
+          <a:xfrm>
+            <a:off x="3935678" y="1552673"/>
+            <a:ext cx="3171714" cy="369332"/>
+          </a:xfrm>
+          <a:prstGeom prst="rect">
+            <a:avLst/>
+          </a:prstGeom>
+          <a:noFill/>
+        </p:spPr>
+        <p:txBody>
+          <a:bodyPr wrap="square" rtlCol="0">
+            <a:spAutoFit/>
+          </a:bodyPr>
+          <a:lstStyle/>
+          <a:p>
+            <a:r>
+              <a:rPr lang="en-US" dirty="0"/>
+              <a:t>Test 1: A1 versus B1</a:t>
+            </a:r>
+          </a:p>
+        </p:txBody>
+      </p:sp>
+      <p:sp>
+        <p:nvSpPr>
+          <p:cNvPr id="17" name="TextBox 16">
+            <a:extLst>
+              <a:ext uri="{FF2B5EF4-FFF2-40B4-BE49-F238E27FC236}">
+                <a16:creationId xmlns:a16="http://schemas.microsoft.com/office/drawing/2014/main" id="{A6A3BC02-03A2-37D8-E998-A81309CEC372}"/>
+              </a:ext>
+            </a:extLst>
+          </p:cNvPr>
+          <p:cNvSpPr txBox="1"/>
+          <p:nvPr/>
+        </p:nvSpPr>
+        <p:spPr>
+          <a:xfrm>
+            <a:off x="4219321" y="6034433"/>
+            <a:ext cx="5270588" cy="369332"/>
+          </a:xfrm>
+          <a:prstGeom prst="rect">
+            <a:avLst/>
+          </a:prstGeom>
+          <a:noFill/>
+        </p:spPr>
+        <p:txBody>
+          <a:bodyPr wrap="square" rtlCol="0">
+            <a:spAutoFit/>
+          </a:bodyPr>
+          <a:lstStyle/>
+          <a:p>
+            <a:r>
+              <a:rPr lang="en-US" dirty="0"/>
+              <a:t>Test 2: B1 versus B2</a:t>
+            </a:r>
+          </a:p>
+        </p:txBody>
+      </p:sp>
+      <p:sp>
+        <p:nvSpPr>
+          <p:cNvPr id="18" name="TextBox 17">
+            <a:extLst>
+              <a:ext uri="{FF2B5EF4-FFF2-40B4-BE49-F238E27FC236}">
+                <a16:creationId xmlns:a16="http://schemas.microsoft.com/office/drawing/2014/main" id="{5611602E-F785-AE9B-2FEE-862149D08A46}"/>
+              </a:ext>
+            </a:extLst>
+          </p:cNvPr>
+          <p:cNvSpPr txBox="1"/>
+          <p:nvPr/>
+        </p:nvSpPr>
+        <p:spPr>
+          <a:xfrm>
+            <a:off x="7212278" y="1552674"/>
+            <a:ext cx="2819400" cy="369332"/>
+          </a:xfrm>
+          <a:prstGeom prst="rect">
+            <a:avLst/>
+          </a:prstGeom>
+          <a:noFill/>
+        </p:spPr>
+        <p:txBody>
+          <a:bodyPr wrap="square" rtlCol="0">
+            <a:spAutoFit/>
+          </a:bodyPr>
+          <a:lstStyle/>
+          <a:p>
+            <a:r>
+              <a:rPr lang="en-US" dirty="0"/>
+              <a:t>Test 3: A1 versus A2</a:t>
+            </a:r>
+          </a:p>
+        </p:txBody>
+      </p:sp>
+      <p:sp>
+        <p:nvSpPr>
+          <p:cNvPr id="19" name="Arrow: Up-Down 18">
+            <a:extLst>
+              <a:ext uri="{FF2B5EF4-FFF2-40B4-BE49-F238E27FC236}">
+                <a16:creationId xmlns:a16="http://schemas.microsoft.com/office/drawing/2014/main" id="{283DD5CF-D40D-E42A-6E3C-A26C5D128E5E}"/>
+              </a:ext>
+            </a:extLst>
+          </p:cNvPr>
+          <p:cNvSpPr/>
+          <p:nvPr/>
+        </p:nvSpPr>
+        <p:spPr bwMode="auto">
+          <a:xfrm>
+            <a:off x="6457995" y="3660986"/>
+            <a:ext cx="254474" cy="643037"/>
+          </a:xfrm>
+          <a:prstGeom prst="upDownArrow">
+            <a:avLst/>
+          </a:prstGeom>
+          <a:ln>
+            <a:headEnd type="none" w="med" len="med"/>
+            <a:tailEnd type="none" w="med" len="med"/>
+          </a:ln>
+        </p:spPr>
+        <p:style>
+          <a:lnRef idx="3">
+            <a:schemeClr val="lt1"/>
+          </a:lnRef>
+          <a:fillRef idx="1">
+            <a:schemeClr val="accent2"/>
+          </a:fillRef>
+          <a:effectRef idx="1">
+            <a:schemeClr val="accent2"/>
+          </a:effectRef>
+          <a:fontRef idx="minor">
+            <a:schemeClr val="lt1"/>
+          </a:fontRef>
+        </p:style>
+        <p:txBody>
+          <a:bodyPr vert="horz" wrap="square" lIns="91440" tIns="45720" rIns="91440" bIns="45720" numCol="1" rtlCol="0" anchor="ctr" anchorCtr="0" compatLnSpc="1">
+            <a:prstTxWarp prst="textNoShape">
+              <a:avLst/>
+            </a:prstTxWarp>
+          </a:bodyPr>
+          <a:lstStyle/>
+          <a:p>
+            <a:pPr fontAlgn="base">
+              <a:spcBef>
+                <a:spcPct val="0"/>
+              </a:spcBef>
+              <a:spcAft>
+                <a:spcPct val="0"/>
+              </a:spcAft>
+            </a:pPr>
+            <a:endParaRPr lang="en-US" sz="1600" b="1">
+              <a:solidFill>
+                <a:srgbClr val="003399"/>
+              </a:solidFill>
+              <a:latin typeface="Arial" charset="0"/>
+            </a:endParaRPr>
+          </a:p>
+        </p:txBody>
+      </p:sp>
+      <p:sp>
+        <p:nvSpPr>
+          <p:cNvPr id="20" name="Arrow: Up-Down 19">
+            <a:extLst>
+              <a:ext uri="{FF2B5EF4-FFF2-40B4-BE49-F238E27FC236}">
+                <a16:creationId xmlns:a16="http://schemas.microsoft.com/office/drawing/2014/main" id="{DD347D55-6018-2044-B04B-0E535165393C}"/>
+              </a:ext>
+            </a:extLst>
+          </p:cNvPr>
+          <p:cNvSpPr/>
+          <p:nvPr/>
+        </p:nvSpPr>
+        <p:spPr bwMode="auto">
+          <a:xfrm rot="16200000">
+            <a:off x="7752486" y="4341978"/>
+            <a:ext cx="254474" cy="2421445"/>
+          </a:xfrm>
+          <a:prstGeom prst="upDownArrow">
+            <a:avLst/>
+          </a:prstGeom>
+          <a:ln>
+            <a:headEnd type="none" w="med" len="med"/>
+            <a:tailEnd type="none" w="med" len="med"/>
+          </a:ln>
+        </p:spPr>
+        <p:style>
+          <a:lnRef idx="3">
+            <a:schemeClr val="lt1"/>
+          </a:lnRef>
+          <a:fillRef idx="1">
+            <a:schemeClr val="accent2"/>
+          </a:fillRef>
+          <a:effectRef idx="1">
+            <a:schemeClr val="accent2"/>
+          </a:effectRef>
+          <a:fontRef idx="minor">
+            <a:schemeClr val="lt1"/>
+          </a:fontRef>
+        </p:style>
+        <p:txBody>
+          <a:bodyPr vert="horz" wrap="square" lIns="91440" tIns="45720" rIns="91440" bIns="45720" numCol="1" rtlCol="0" anchor="ctr" anchorCtr="0" compatLnSpc="1">
+            <a:prstTxWarp prst="textNoShape">
+              <a:avLst/>
+            </a:prstTxWarp>
+          </a:bodyPr>
+          <a:lstStyle/>
+          <a:p>
+            <a:pPr fontAlgn="base">
+              <a:spcBef>
+                <a:spcPct val="0"/>
+              </a:spcBef>
+              <a:spcAft>
+                <a:spcPct val="0"/>
+              </a:spcAft>
+            </a:pPr>
+            <a:endParaRPr lang="en-US" sz="1600" b="1">
+              <a:solidFill>
+                <a:srgbClr val="003399"/>
+              </a:solidFill>
+              <a:latin typeface="Arial" charset="0"/>
+            </a:endParaRPr>
+          </a:p>
+        </p:txBody>
+      </p:sp>
+      <p:sp>
+        <p:nvSpPr>
+          <p:cNvPr id="21" name="Oval 20">
+            <a:extLst>
+              <a:ext uri="{FF2B5EF4-FFF2-40B4-BE49-F238E27FC236}">
+                <a16:creationId xmlns:a16="http://schemas.microsoft.com/office/drawing/2014/main" id="{A7BA40E1-1A24-A549-2D08-8114683CD8CB}"/>
+              </a:ext>
+            </a:extLst>
+          </p:cNvPr>
+          <p:cNvSpPr/>
+          <p:nvPr/>
+        </p:nvSpPr>
+        <p:spPr bwMode="auto">
+          <a:xfrm>
+            <a:off x="6589089" y="3738471"/>
+            <a:ext cx="630920" cy="457448"/>
+          </a:xfrm>
+          <a:prstGeom prst="ellipse">
+            <a:avLst/>
+          </a:prstGeom>
+          <a:noFill/>
+          <a:ln w="9525" cap="flat" cmpd="sng" algn="ctr">
+            <a:solidFill>
+              <a:schemeClr val="tx1"/>
+            </a:solidFill>
+            <a:prstDash val="solid"/>
+            <a:round/>
+            <a:headEnd type="none" w="med" len="med"/>
+            <a:tailEnd type="none" w="med" len="med"/>
+          </a:ln>
+          <a:effectLst/>
+        </p:spPr>
+        <p:txBody>
+          <a:bodyPr vert="horz" wrap="square" lIns="91440" tIns="45720" rIns="91440" bIns="45720" numCol="1" rtlCol="0" anchor="ctr" anchorCtr="0" compatLnSpc="1">
+            <a:prstTxWarp prst="textNoShape">
+              <a:avLst/>
+            </a:prstTxWarp>
+          </a:bodyPr>
+          <a:lstStyle/>
+          <a:p>
+            <a:pPr fontAlgn="base">
+              <a:spcBef>
+                <a:spcPct val="0"/>
+              </a:spcBef>
+              <a:spcAft>
+                <a:spcPct val="0"/>
+              </a:spcAft>
+            </a:pPr>
+            <a:r>
+              <a:rPr lang="en-US" sz="1600" b="1" dirty="0">
+                <a:solidFill>
+                  <a:srgbClr val="003399"/>
+                </a:solidFill>
+                <a:latin typeface="Arial" charset="0"/>
+              </a:rPr>
+              <a:t>T1</a:t>
+            </a:r>
+          </a:p>
+        </p:txBody>
+      </p:sp>
+      <p:sp>
+        <p:nvSpPr>
+          <p:cNvPr id="22" name="Oval 21">
+            <a:extLst>
+              <a:ext uri="{FF2B5EF4-FFF2-40B4-BE49-F238E27FC236}">
+                <a16:creationId xmlns:a16="http://schemas.microsoft.com/office/drawing/2014/main" id="{7C3562DE-6668-0D09-3100-825C7EBCB51F}"/>
+              </a:ext>
+            </a:extLst>
+          </p:cNvPr>
+          <p:cNvSpPr/>
+          <p:nvPr/>
+        </p:nvSpPr>
+        <p:spPr bwMode="auto">
+          <a:xfrm>
+            <a:off x="7632923" y="5552699"/>
+            <a:ext cx="646331" cy="457448"/>
+          </a:xfrm>
+          <a:prstGeom prst="ellipse">
+            <a:avLst/>
+          </a:prstGeom>
+          <a:noFill/>
+          <a:ln w="9525" cap="flat" cmpd="sng" algn="ctr">
+            <a:solidFill>
+              <a:schemeClr val="tx1"/>
+            </a:solidFill>
+            <a:prstDash val="solid"/>
+            <a:round/>
+            <a:headEnd type="none" w="med" len="med"/>
+            <a:tailEnd type="none" w="med" len="med"/>
+          </a:ln>
+          <a:effectLst/>
+        </p:spPr>
+        <p:txBody>
+          <a:bodyPr vert="horz" wrap="square" lIns="91440" tIns="45720" rIns="91440" bIns="45720" numCol="1" rtlCol="0" anchor="ctr" anchorCtr="0" compatLnSpc="1">
+            <a:prstTxWarp prst="textNoShape">
+              <a:avLst/>
+            </a:prstTxWarp>
+          </a:bodyPr>
+          <a:lstStyle/>
+          <a:p>
+            <a:pPr fontAlgn="base">
+              <a:spcBef>
+                <a:spcPct val="0"/>
+              </a:spcBef>
+              <a:spcAft>
+                <a:spcPct val="0"/>
+              </a:spcAft>
+            </a:pPr>
+            <a:r>
+              <a:rPr lang="en-US" sz="1600" b="1" dirty="0">
+                <a:solidFill>
+                  <a:srgbClr val="003399"/>
+                </a:solidFill>
+                <a:latin typeface="Arial" charset="0"/>
+              </a:rPr>
+              <a:t>T2</a:t>
+            </a:r>
+          </a:p>
+        </p:txBody>
+      </p:sp>
+      <p:sp>
+        <p:nvSpPr>
+          <p:cNvPr id="23" name="Rectangle 22">
+            <a:extLst>
+              <a:ext uri="{FF2B5EF4-FFF2-40B4-BE49-F238E27FC236}">
+                <a16:creationId xmlns:a16="http://schemas.microsoft.com/office/drawing/2014/main" id="{F2BEB149-68E7-8B3B-708F-51B78DE7196F}"/>
+              </a:ext>
+            </a:extLst>
+          </p:cNvPr>
+          <p:cNvSpPr/>
+          <p:nvPr/>
+        </p:nvSpPr>
+        <p:spPr bwMode="auto">
+          <a:xfrm>
+            <a:off x="6451605" y="2281472"/>
+            <a:ext cx="206667" cy="1342823"/>
+          </a:xfrm>
+          <a:prstGeom prst="rect">
+            <a:avLst/>
+          </a:prstGeom>
+          <a:ln>
+            <a:headEnd type="none" w="med" len="med"/>
+            <a:tailEnd type="none" w="med" len="med"/>
+          </a:ln>
+        </p:spPr>
+        <p:style>
+          <a:lnRef idx="2">
+            <a:schemeClr val="accent6">
+              <a:shade val="50000"/>
+            </a:schemeClr>
+          </a:lnRef>
+          <a:fillRef idx="1">
+            <a:schemeClr val="accent6"/>
+          </a:fillRef>
+          <a:effectRef idx="0">
+            <a:schemeClr val="accent6"/>
+          </a:effectRef>
+          <a:fontRef idx="minor">
+            <a:schemeClr val="lt1"/>
+          </a:fontRef>
+        </p:style>
+        <p:txBody>
+          <a:bodyPr vert="vert270" wrap="square" lIns="91440" tIns="45720" rIns="91440" bIns="45720" numCol="1" rtlCol="0" anchor="ctr" anchorCtr="0" compatLnSpc="1">
+            <a:prstTxWarp prst="textNoShape">
+              <a:avLst/>
+            </a:prstTxWarp>
+          </a:bodyPr>
+          <a:lstStyle/>
+          <a:p>
+            <a:pPr algn="ctr" fontAlgn="base">
+              <a:spcBef>
+                <a:spcPct val="0"/>
+              </a:spcBef>
+              <a:spcAft>
+                <a:spcPct val="0"/>
+              </a:spcAft>
+            </a:pPr>
+            <a:r>
+              <a:rPr lang="en-US" sz="1000" b="1" dirty="0">
+                <a:solidFill>
+                  <a:srgbClr val="003399"/>
+                </a:solidFill>
+                <a:latin typeface="Arial" charset="0"/>
+              </a:rPr>
+              <a:t>A1 Scores, Cohort A</a:t>
+            </a:r>
+          </a:p>
+        </p:txBody>
+      </p:sp>
+      <p:sp>
+        <p:nvSpPr>
+          <p:cNvPr id="24" name="Rectangle 23">
+            <a:extLst>
+              <a:ext uri="{FF2B5EF4-FFF2-40B4-BE49-F238E27FC236}">
+                <a16:creationId xmlns:a16="http://schemas.microsoft.com/office/drawing/2014/main" id="{0A2F6CD8-FADC-34D1-EAD4-95A3732F78C9}"/>
+              </a:ext>
+            </a:extLst>
+          </p:cNvPr>
+          <p:cNvSpPr/>
+          <p:nvPr/>
+        </p:nvSpPr>
+        <p:spPr bwMode="auto">
+          <a:xfrm>
+            <a:off x="6442891" y="4336436"/>
+            <a:ext cx="206667" cy="1342823"/>
+          </a:xfrm>
+          <a:prstGeom prst="rect">
+            <a:avLst/>
+          </a:prstGeom>
+          <a:ln>
+            <a:headEnd type="none" w="med" len="med"/>
+            <a:tailEnd type="none" w="med" len="med"/>
+          </a:ln>
+        </p:spPr>
+        <p:style>
+          <a:lnRef idx="2">
+            <a:schemeClr val="accent6">
+              <a:shade val="50000"/>
+            </a:schemeClr>
+          </a:lnRef>
+          <a:fillRef idx="1">
+            <a:schemeClr val="accent6"/>
+          </a:fillRef>
+          <a:effectRef idx="0">
+            <a:schemeClr val="accent6"/>
+          </a:effectRef>
+          <a:fontRef idx="minor">
+            <a:schemeClr val="lt1"/>
+          </a:fontRef>
+        </p:style>
+        <p:txBody>
+          <a:bodyPr vert="vert270" wrap="square" lIns="91440" tIns="45720" rIns="91440" bIns="45720" numCol="1" rtlCol="0" anchor="ctr" anchorCtr="0" compatLnSpc="1">
+            <a:prstTxWarp prst="textNoShape">
+              <a:avLst/>
+            </a:prstTxWarp>
+          </a:bodyPr>
+          <a:lstStyle/>
+          <a:p>
+            <a:pPr algn="ctr" fontAlgn="base">
+              <a:spcBef>
+                <a:spcPct val="0"/>
+              </a:spcBef>
+              <a:spcAft>
+                <a:spcPct val="0"/>
+              </a:spcAft>
+            </a:pPr>
+            <a:r>
+              <a:rPr lang="en-US" sz="1000" b="1" dirty="0">
+                <a:solidFill>
+                  <a:srgbClr val="003399"/>
+                </a:solidFill>
+                <a:latin typeface="Arial" charset="0"/>
+              </a:rPr>
+              <a:t>B1 Scores, Cohort B</a:t>
+            </a:r>
+          </a:p>
+        </p:txBody>
+      </p:sp>
+      <p:sp>
+        <p:nvSpPr>
+          <p:cNvPr id="25" name="Rectangle 24">
+            <a:extLst>
+              <a:ext uri="{FF2B5EF4-FFF2-40B4-BE49-F238E27FC236}">
+                <a16:creationId xmlns:a16="http://schemas.microsoft.com/office/drawing/2014/main" id="{6427AFDC-CE4F-4561-EA99-F6F1DBAEFB63}"/>
+              </a:ext>
+            </a:extLst>
+          </p:cNvPr>
+          <p:cNvSpPr/>
+          <p:nvPr/>
+        </p:nvSpPr>
+        <p:spPr bwMode="auto">
+          <a:xfrm>
+            <a:off x="9103771" y="2262315"/>
+            <a:ext cx="206667" cy="1342823"/>
+          </a:xfrm>
+          <a:prstGeom prst="rect">
+            <a:avLst/>
+          </a:prstGeom>
+          <a:ln>
+            <a:headEnd type="none" w="med" len="med"/>
+            <a:tailEnd type="none" w="med" len="med"/>
+          </a:ln>
+        </p:spPr>
+        <p:style>
+          <a:lnRef idx="2">
+            <a:schemeClr val="accent6">
+              <a:shade val="50000"/>
+            </a:schemeClr>
+          </a:lnRef>
+          <a:fillRef idx="1">
+            <a:schemeClr val="accent6"/>
+          </a:fillRef>
+          <a:effectRef idx="0">
+            <a:schemeClr val="accent6"/>
+          </a:effectRef>
+          <a:fontRef idx="minor">
+            <a:schemeClr val="lt1"/>
+          </a:fontRef>
+        </p:style>
+        <p:txBody>
+          <a:bodyPr vert="vert270" wrap="square" lIns="91440" tIns="45720" rIns="91440" bIns="45720" numCol="1" rtlCol="0" anchor="ctr" anchorCtr="0" compatLnSpc="1">
+            <a:prstTxWarp prst="textNoShape">
+              <a:avLst/>
+            </a:prstTxWarp>
+          </a:bodyPr>
+          <a:lstStyle/>
+          <a:p>
+            <a:pPr algn="ctr" fontAlgn="base">
+              <a:spcBef>
+                <a:spcPct val="0"/>
+              </a:spcBef>
+              <a:spcAft>
+                <a:spcPct val="0"/>
+              </a:spcAft>
+            </a:pPr>
+            <a:r>
+              <a:rPr lang="en-US" sz="1000" b="1" dirty="0">
+                <a:solidFill>
+                  <a:srgbClr val="003399"/>
+                </a:solidFill>
+                <a:latin typeface="Arial" charset="0"/>
+              </a:rPr>
+              <a:t>A2 Scores, Cohort A</a:t>
+            </a:r>
+          </a:p>
+        </p:txBody>
+      </p:sp>
+      <p:sp>
+        <p:nvSpPr>
+          <p:cNvPr id="26" name="Rectangle 25">
+            <a:extLst>
+              <a:ext uri="{FF2B5EF4-FFF2-40B4-BE49-F238E27FC236}">
+                <a16:creationId xmlns:a16="http://schemas.microsoft.com/office/drawing/2014/main" id="{229DEB15-882A-6508-CA7F-5F702ACD4E56}"/>
+              </a:ext>
+            </a:extLst>
+          </p:cNvPr>
+          <p:cNvSpPr/>
+          <p:nvPr/>
+        </p:nvSpPr>
+        <p:spPr bwMode="auto">
+          <a:xfrm>
+            <a:off x="9095057" y="4317279"/>
+            <a:ext cx="206667" cy="1342823"/>
+          </a:xfrm>
+          <a:prstGeom prst="rect">
+            <a:avLst/>
+          </a:prstGeom>
+          <a:ln>
+            <a:headEnd type="none" w="med" len="med"/>
+            <a:tailEnd type="none" w="med" len="med"/>
+          </a:ln>
+        </p:spPr>
+        <p:style>
+          <a:lnRef idx="2">
+            <a:schemeClr val="accent6">
+              <a:shade val="50000"/>
+            </a:schemeClr>
+          </a:lnRef>
+          <a:fillRef idx="1">
+            <a:schemeClr val="accent6"/>
+          </a:fillRef>
+          <a:effectRef idx="0">
+            <a:schemeClr val="accent6"/>
+          </a:effectRef>
+          <a:fontRef idx="minor">
+            <a:schemeClr val="lt1"/>
+          </a:fontRef>
+        </p:style>
+        <p:txBody>
+          <a:bodyPr vert="vert270" wrap="square" lIns="91440" tIns="45720" rIns="91440" bIns="45720" numCol="1" rtlCol="0" anchor="ctr" anchorCtr="0" compatLnSpc="1">
+            <a:prstTxWarp prst="textNoShape">
+              <a:avLst/>
+            </a:prstTxWarp>
+          </a:bodyPr>
+          <a:lstStyle/>
+          <a:p>
+            <a:pPr algn="ctr" fontAlgn="base">
+              <a:spcBef>
+                <a:spcPct val="0"/>
+              </a:spcBef>
+              <a:spcAft>
+                <a:spcPct val="0"/>
+              </a:spcAft>
+            </a:pPr>
+            <a:r>
+              <a:rPr lang="en-US" sz="1000" b="1" dirty="0">
+                <a:solidFill>
+                  <a:srgbClr val="003399"/>
+                </a:solidFill>
+                <a:latin typeface="Arial" charset="0"/>
+              </a:rPr>
+              <a:t>B2 Scores, Cohort B</a:t>
+            </a:r>
+          </a:p>
+        </p:txBody>
+      </p:sp>
+      <p:sp>
+        <p:nvSpPr>
+          <p:cNvPr id="27" name="Rectangle 26">
+            <a:extLst>
+              <a:ext uri="{FF2B5EF4-FFF2-40B4-BE49-F238E27FC236}">
+                <a16:creationId xmlns:a16="http://schemas.microsoft.com/office/drawing/2014/main" id="{E7DA7A58-BA3E-CD70-8CD3-8D6B5528F779}"/>
+              </a:ext>
+            </a:extLst>
+          </p:cNvPr>
+          <p:cNvSpPr/>
+          <p:nvPr/>
+        </p:nvSpPr>
+        <p:spPr bwMode="auto">
+          <a:xfrm>
+            <a:off x="6841637" y="4464109"/>
+            <a:ext cx="1695172" cy="762000"/>
+          </a:xfrm>
+          <a:prstGeom prst="rect">
+            <a:avLst/>
+          </a:prstGeom>
+          <a:ln>
+            <a:headEnd type="none" w="med" len="med"/>
+            <a:tailEnd type="none" w="med" len="med"/>
+          </a:ln>
+        </p:spPr>
+        <p:style>
+          <a:lnRef idx="3">
+            <a:schemeClr val="lt1"/>
+          </a:lnRef>
+          <a:fillRef idx="1">
+            <a:schemeClr val="accent3"/>
+          </a:fillRef>
+          <a:effectRef idx="1">
+            <a:schemeClr val="accent3"/>
+          </a:effectRef>
+          <a:fontRef idx="minor">
+            <a:schemeClr val="lt1"/>
+          </a:fontRef>
+        </p:style>
+        <p:txBody>
+          <a:bodyPr vert="horz" wrap="square" lIns="91440" tIns="45720" rIns="91440" bIns="45720" numCol="1" rtlCol="0" anchor="ctr" anchorCtr="0" compatLnSpc="1">
+            <a:prstTxWarp prst="textNoShape">
+              <a:avLst/>
+            </a:prstTxWarp>
+          </a:bodyPr>
+          <a:lstStyle/>
+          <a:p>
+            <a:pPr algn="ctr" fontAlgn="base">
+              <a:spcBef>
+                <a:spcPct val="0"/>
+              </a:spcBef>
+              <a:spcAft>
+                <a:spcPct val="0"/>
+              </a:spcAft>
+            </a:pPr>
+            <a:r>
+              <a:rPr lang="en-US" sz="1600" b="1" dirty="0">
+                <a:solidFill>
+                  <a:srgbClr val="003399"/>
+                </a:solidFill>
+                <a:latin typeface="Arial" charset="0"/>
+              </a:rPr>
+              <a:t>Intervention training</a:t>
+            </a:r>
+          </a:p>
+        </p:txBody>
+      </p:sp>
+      <p:sp>
+        <p:nvSpPr>
+          <p:cNvPr id="28" name="Arrow: Up-Down 27">
+            <a:extLst>
+              <a:ext uri="{FF2B5EF4-FFF2-40B4-BE49-F238E27FC236}">
+                <a16:creationId xmlns:a16="http://schemas.microsoft.com/office/drawing/2014/main" id="{8F84ABDC-C5BF-0815-1AE7-540FD4428194}"/>
+              </a:ext>
+            </a:extLst>
+          </p:cNvPr>
+          <p:cNvSpPr/>
+          <p:nvPr/>
+        </p:nvSpPr>
+        <p:spPr bwMode="auto">
+          <a:xfrm rot="16200000">
+            <a:off x="7759148" y="1157256"/>
+            <a:ext cx="254474" cy="2434770"/>
+          </a:xfrm>
+          <a:prstGeom prst="upDownArrow">
+            <a:avLst/>
+          </a:prstGeom>
+          <a:solidFill>
+            <a:schemeClr val="accent2">
+              <a:lumMod val="60000"/>
+              <a:lumOff val="40000"/>
+            </a:schemeClr>
+          </a:solidFill>
+          <a:ln>
+            <a:headEnd type="none" w="med" len="med"/>
+            <a:tailEnd type="none" w="med" len="med"/>
+          </a:ln>
+        </p:spPr>
+        <p:style>
+          <a:lnRef idx="3">
+            <a:schemeClr val="lt1"/>
+          </a:lnRef>
+          <a:fillRef idx="1">
+            <a:schemeClr val="accent2"/>
+          </a:fillRef>
+          <a:effectRef idx="1">
+            <a:schemeClr val="accent2"/>
+          </a:effectRef>
+          <a:fontRef idx="minor">
+            <a:schemeClr val="lt1"/>
+          </a:fontRef>
+        </p:style>
+        <p:txBody>
+          <a:bodyPr vert="horz" wrap="square" lIns="91440" tIns="45720" rIns="91440" bIns="45720" numCol="1" rtlCol="0" anchor="ctr" anchorCtr="0" compatLnSpc="1">
+            <a:prstTxWarp prst="textNoShape">
+              <a:avLst/>
+            </a:prstTxWarp>
+          </a:bodyPr>
+          <a:lstStyle/>
+          <a:p>
+            <a:pPr fontAlgn="base">
+              <a:spcBef>
+                <a:spcPct val="0"/>
+              </a:spcBef>
+              <a:spcAft>
+                <a:spcPct val="0"/>
+              </a:spcAft>
+            </a:pPr>
+            <a:endParaRPr lang="en-US" sz="1600" b="1">
+              <a:solidFill>
+                <a:srgbClr val="003399"/>
+              </a:solidFill>
+              <a:latin typeface="Arial" charset="0"/>
+            </a:endParaRPr>
+          </a:p>
+        </p:txBody>
+      </p:sp>
+      <p:sp>
+        <p:nvSpPr>
+          <p:cNvPr id="29" name="Oval 28">
+            <a:extLst>
+              <a:ext uri="{FF2B5EF4-FFF2-40B4-BE49-F238E27FC236}">
+                <a16:creationId xmlns:a16="http://schemas.microsoft.com/office/drawing/2014/main" id="{B0BCE78C-522A-1F74-D598-4A85F0281382}"/>
+              </a:ext>
+            </a:extLst>
+          </p:cNvPr>
+          <p:cNvSpPr/>
+          <p:nvPr/>
+        </p:nvSpPr>
+        <p:spPr bwMode="auto">
+          <a:xfrm>
+            <a:off x="7685309" y="2374640"/>
+            <a:ext cx="631089" cy="457448"/>
+          </a:xfrm>
+          <a:prstGeom prst="ellipse">
+            <a:avLst/>
+          </a:prstGeom>
+          <a:noFill/>
+          <a:ln w="9525" cap="flat" cmpd="sng" algn="ctr">
+            <a:solidFill>
+              <a:schemeClr val="tx1"/>
+            </a:solidFill>
+            <a:prstDash val="solid"/>
+            <a:round/>
+            <a:headEnd type="none" w="med" len="med"/>
+            <a:tailEnd type="none" w="med" len="med"/>
+          </a:ln>
+          <a:effectLst/>
+        </p:spPr>
+        <p:txBody>
+          <a:bodyPr vert="horz" wrap="square" lIns="91440" tIns="45720" rIns="91440" bIns="45720" numCol="1" rtlCol="0" anchor="ctr" anchorCtr="0" compatLnSpc="1">
+            <a:prstTxWarp prst="textNoShape">
+              <a:avLst/>
+            </a:prstTxWarp>
+          </a:bodyPr>
+          <a:lstStyle/>
+          <a:p>
+            <a:pPr fontAlgn="base">
+              <a:spcBef>
+                <a:spcPct val="0"/>
+              </a:spcBef>
+              <a:spcAft>
+                <a:spcPct val="0"/>
+              </a:spcAft>
+            </a:pPr>
+            <a:r>
+              <a:rPr lang="en-US" sz="1600" b="1" dirty="0">
+                <a:solidFill>
+                  <a:srgbClr val="003399"/>
+                </a:solidFill>
+                <a:latin typeface="Arial" charset="0"/>
+              </a:rPr>
+              <a:t>T3</a:t>
+            </a:r>
+          </a:p>
+        </p:txBody>
+      </p:sp>
+      <p:sp>
+        <p:nvSpPr>
+          <p:cNvPr id="31" name="Title 30">
+            <a:extLst>
+              <a:ext uri="{FF2B5EF4-FFF2-40B4-BE49-F238E27FC236}">
+                <a16:creationId xmlns:a16="http://schemas.microsoft.com/office/drawing/2014/main" id="{65855E69-7DE4-C015-9E5B-CF4FBCD8953A}"/>
+              </a:ext>
+            </a:extLst>
+          </p:cNvPr>
+          <p:cNvSpPr>
+            <a:spLocks noGrp="1"/>
+          </p:cNvSpPr>
+          <p:nvPr>
+            <p:ph type="title"/>
+          </p:nvPr>
+        </p:nvSpPr>
+        <p:spPr/>
+        <p:txBody>
+          <a:bodyPr/>
+          <a:lstStyle/>
+          <a:p>
+            <a:r>
+              <a:rPr lang="en-US" dirty="0"/>
+              <a:t>Crossover Intervention Design</a:t>
+            </a:r>
+          </a:p>
+        </p:txBody>
+      </p:sp>
     </p:spTree>
     <p:extLst>
       <p:ext uri="{BB962C8B-B14F-4D97-AF65-F5344CB8AC3E}">
-        <p14:creationId xmlns:p14="http://schemas.microsoft.com/office/powerpoint/2010/main" val="2514927584"/>
+        <p14:creationId xmlns:p14="http://schemas.microsoft.com/office/powerpoint/2010/main" val="294881166"/>
       </p:ext>
     </p:extLst>
   </p:cSld>
@@ -4265,7 +6661,13 @@
   <p:cSld>
     <p:spTree>
       <p:nvGrpSpPr>
-        <p:cNvPr id="1" name=""/>
+        <p:cNvPr id="1" name="">
+          <a:extLst>
+            <a:ext uri="{FF2B5EF4-FFF2-40B4-BE49-F238E27FC236}">
+              <a16:creationId xmlns:a16="http://schemas.microsoft.com/office/drawing/2014/main" id="{00C97F7A-0EAF-7D8A-CB75-E6377E185B94}"/>
+            </a:ext>
+          </a:extLst>
+        </p:cNvPr>
         <p:cNvGrpSpPr/>
         <p:nvPr/>
       </p:nvGrpSpPr>
@@ -4279,15 +6681,15 @@
       </p:grpSpPr>
       <p:sp>
         <p:nvSpPr>
-          <p:cNvPr id="2" name="Title 1">
-            <a:extLst>
-              <a:ext uri="{FF2B5EF4-FFF2-40B4-BE49-F238E27FC236}">
-                <a16:creationId xmlns:a16="http://schemas.microsoft.com/office/drawing/2014/main" id="{F7C5E687-1A93-EC8D-BC82-F4C6F191A414}"/>
-              </a:ext>
-            </a:extLst>
-          </p:cNvPr>
-          <p:cNvSpPr>
-            <a:spLocks noGrp="1"/>
+          <p:cNvPr id="6146" name="Rectangle 2">
+            <a:extLst>
+              <a:ext uri="{FF2B5EF4-FFF2-40B4-BE49-F238E27FC236}">
+                <a16:creationId xmlns:a16="http://schemas.microsoft.com/office/drawing/2014/main" id="{F78ABD50-6161-8979-3669-5BB8CAF652B5}"/>
+              </a:ext>
+            </a:extLst>
+          </p:cNvPr>
+          <p:cNvSpPr>
+            <a:spLocks noGrp="1" noChangeArrowheads="1"/>
           </p:cNvSpPr>
           <p:nvPr>
             <p:ph type="title"/>
@@ -4298,129 +6700,107 @@
           <a:bodyPr/>
           <a:lstStyle/>
           <a:p>
-            <a:endParaRPr lang="en-US"/>
-          </a:p>
-        </p:txBody>
-      </p:sp>
-      <p:sp>
-        <p:nvSpPr>
-          <p:cNvPr id="3" name="Content Placeholder 2">
-            <a:extLst>
-              <a:ext uri="{FF2B5EF4-FFF2-40B4-BE49-F238E27FC236}">
-                <a16:creationId xmlns:a16="http://schemas.microsoft.com/office/drawing/2014/main" id="{EA15AB76-1A4F-C6FD-7243-17F4D50409B6}"/>
-              </a:ext>
-            </a:extLst>
-          </p:cNvPr>
-          <p:cNvSpPr>
-            <a:spLocks noGrp="1"/>
-          </p:cNvSpPr>
-          <p:nvPr>
-            <p:ph idx="1"/>
+            <a:r>
+              <a:rPr lang="en-US" sz="4000"/>
+              <a:t>A Science Fair’s Teachable Moment </a:t>
+            </a:r>
+          </a:p>
+        </p:txBody>
+      </p:sp>
+      <p:sp>
+        <p:nvSpPr>
+          <p:cNvPr id="6147" name="Rectangle 3">
+            <a:extLst>
+              <a:ext uri="{FF2B5EF4-FFF2-40B4-BE49-F238E27FC236}">
+                <a16:creationId xmlns:a16="http://schemas.microsoft.com/office/drawing/2014/main" id="{2DB0D346-0117-2672-8072-D5CCC883EA2F}"/>
+              </a:ext>
+            </a:extLst>
+          </p:cNvPr>
+          <p:cNvSpPr>
+            <a:spLocks noGrp="1" noChangeArrowheads="1"/>
+          </p:cNvSpPr>
+          <p:nvPr>
+            <p:ph type="body" idx="1"/>
           </p:nvPr>
         </p:nvSpPr>
         <p:spPr/>
         <p:txBody>
-          <a:bodyPr/>
-          <a:lstStyle/>
-          <a:p>
-            <a:endParaRPr lang="en-US"/>
-          </a:p>
-        </p:txBody>
-      </p:sp>
-      <p:pic>
-        <p:nvPicPr>
-          <p:cNvPr id="5" name="Picture 4">
-            <a:extLst>
-              <a:ext uri="{FF2B5EF4-FFF2-40B4-BE49-F238E27FC236}">
-                <a16:creationId xmlns:a16="http://schemas.microsoft.com/office/drawing/2014/main" id="{51033CB2-A505-52B9-F8DB-14EB9BF9DBB5}"/>
-              </a:ext>
-            </a:extLst>
-          </p:cNvPr>
-          <p:cNvPicPr>
-            <a:picLocks noChangeAspect="1"/>
-          </p:cNvPicPr>
-          <p:nvPr/>
-        </p:nvPicPr>
-        <p:blipFill>
-          <a:blip r:embed="rId2"/>
-          <a:stretch>
-            <a:fillRect/>
-          </a:stretch>
-        </p:blipFill>
-        <p:spPr>
-          <a:xfrm>
-            <a:off x="1438831" y="365125"/>
-            <a:ext cx="8886825" cy="1076325"/>
-          </a:xfrm>
-          <a:prstGeom prst="rect">
-            <a:avLst/>
-          </a:prstGeom>
-        </p:spPr>
-      </p:pic>
-      <p:pic>
-        <p:nvPicPr>
-          <p:cNvPr id="7" name="Picture 6">
-            <a:extLst>
-              <a:ext uri="{FF2B5EF4-FFF2-40B4-BE49-F238E27FC236}">
-                <a16:creationId xmlns:a16="http://schemas.microsoft.com/office/drawing/2014/main" id="{9761C5FB-F92E-4E9C-8DA6-B4D7B92BAFBB}"/>
-              </a:ext>
-            </a:extLst>
-          </p:cNvPr>
-          <p:cNvPicPr>
-            <a:picLocks noChangeAspect="1"/>
-          </p:cNvPicPr>
-          <p:nvPr/>
-        </p:nvPicPr>
-        <p:blipFill>
-          <a:blip r:embed="rId3"/>
-          <a:stretch>
-            <a:fillRect/>
-          </a:stretch>
-        </p:blipFill>
-        <p:spPr>
-          <a:xfrm>
-            <a:off x="1438831" y="1690688"/>
-            <a:ext cx="8753475" cy="1362075"/>
-          </a:xfrm>
-          <a:prstGeom prst="rect">
-            <a:avLst/>
-          </a:prstGeom>
-        </p:spPr>
-      </p:pic>
-      <p:pic>
-        <p:nvPicPr>
-          <p:cNvPr id="9" name="Picture 8">
-            <a:extLst>
-              <a:ext uri="{FF2B5EF4-FFF2-40B4-BE49-F238E27FC236}">
-                <a16:creationId xmlns:a16="http://schemas.microsoft.com/office/drawing/2014/main" id="{E4FADF13-953E-EFE0-6659-777A202CAFE0}"/>
-              </a:ext>
-            </a:extLst>
-          </p:cNvPr>
-          <p:cNvPicPr>
-            <a:picLocks noChangeAspect="1"/>
-          </p:cNvPicPr>
-          <p:nvPr/>
-        </p:nvPicPr>
-        <p:blipFill>
-          <a:blip r:embed="rId4"/>
-          <a:stretch>
-            <a:fillRect/>
-          </a:stretch>
-        </p:blipFill>
-        <p:spPr>
-          <a:xfrm>
-            <a:off x="1438831" y="3188361"/>
-            <a:ext cx="8715375" cy="2543175"/>
-          </a:xfrm>
-          <a:prstGeom prst="rect">
-            <a:avLst/>
-          </a:prstGeom>
-        </p:spPr>
-      </p:pic>
+          <a:bodyPr>
+            <a:normAutofit lnSpcReduction="10000"/>
+          </a:bodyPr>
+          <a:lstStyle/>
+          <a:p>
+            <a:pPr>
+              <a:lnSpc>
+                <a:spcPct val="90000"/>
+              </a:lnSpc>
+            </a:pPr>
+            <a:r>
+              <a:rPr lang="en-US" dirty="0"/>
+              <a:t>A science fair project done by an 8yo girl, “Does Skin Color Make a Difference?” (Boulder, Colorado)</a:t>
+            </a:r>
+          </a:p>
+          <a:p>
+            <a:pPr lvl="1">
+              <a:lnSpc>
+                <a:spcPct val="90000"/>
+              </a:lnSpc>
+            </a:pPr>
+            <a:r>
+              <a:rPr lang="en-US" dirty="0"/>
+              <a:t>2001 school science fair</a:t>
+            </a:r>
+          </a:p>
+          <a:p>
+            <a:pPr lvl="1">
+              <a:lnSpc>
+                <a:spcPct val="90000"/>
+              </a:lnSpc>
+            </a:pPr>
+            <a:r>
+              <a:rPr lang="en-US" dirty="0"/>
+              <a:t>School board panicked and censored the results for fear of “insensitivity”</a:t>
+            </a:r>
+          </a:p>
+          <a:p>
+            <a:pPr>
+              <a:lnSpc>
+                <a:spcPct val="90000"/>
+              </a:lnSpc>
+            </a:pPr>
+            <a:r>
+              <a:rPr lang="en-US" dirty="0"/>
+              <a:t>Design: Two Barbie dolls, one white and one black.  One Barbie is wearing a lavender (preferred) dress.  The question is “which doll do you prefer?”</a:t>
+            </a:r>
+          </a:p>
+          <a:p>
+            <a:pPr>
+              <a:lnSpc>
+                <a:spcPct val="90000"/>
+              </a:lnSpc>
+            </a:pPr>
+            <a:r>
+              <a:rPr lang="en-US" dirty="0"/>
+              <a:t>30 adults and children were asked.  Adults consistently preferred the lavender dress (e.g., 27 of 30 times).  </a:t>
+            </a:r>
+          </a:p>
+          <a:p>
+            <a:pPr>
+              <a:lnSpc>
+                <a:spcPct val="90000"/>
+              </a:lnSpc>
+            </a:pPr>
+            <a:r>
+              <a:rPr lang="en-US" dirty="0"/>
+              <a:t>Among children, only 6 picked the lavender dress if the Black Barbie wore the dress.</a:t>
+            </a:r>
+          </a:p>
+        </p:txBody>
+      </p:sp>
     </p:spTree>
     <p:extLst>
       <p:ext uri="{BB962C8B-B14F-4D97-AF65-F5344CB8AC3E}">
-        <p14:creationId xmlns:p14="http://schemas.microsoft.com/office/powerpoint/2010/main" val="1403309867"/>
+        <p14:creationId xmlns:p14="http://schemas.microsoft.com/office/powerpoint/2010/main" val="4055089643"/>
       </p:ext>
     </p:extLst>
   </p:cSld>
@@ -4435,7 +6815,13 @@
   <p:cSld>
     <p:spTree>
       <p:nvGrpSpPr>
-        <p:cNvPr id="1" name=""/>
+        <p:cNvPr id="1" name="">
+          <a:extLst>
+            <a:ext uri="{FF2B5EF4-FFF2-40B4-BE49-F238E27FC236}">
+              <a16:creationId xmlns:a16="http://schemas.microsoft.com/office/drawing/2014/main" id="{13412761-A1AE-F756-56DE-347877833630}"/>
+            </a:ext>
+          </a:extLst>
+        </p:cNvPr>
         <p:cNvGrpSpPr/>
         <p:nvPr/>
       </p:nvGrpSpPr>
@@ -4449,15 +6835,15 @@
       </p:grpSpPr>
       <p:sp>
         <p:nvSpPr>
-          <p:cNvPr id="2" name="Title 1">
-            <a:extLst>
-              <a:ext uri="{FF2B5EF4-FFF2-40B4-BE49-F238E27FC236}">
-                <a16:creationId xmlns:a16="http://schemas.microsoft.com/office/drawing/2014/main" id="{B6C81ACE-D393-42FD-8F8C-F484F2F17016}"/>
-              </a:ext>
-            </a:extLst>
-          </p:cNvPr>
-          <p:cNvSpPr>
-            <a:spLocks noGrp="1"/>
+          <p:cNvPr id="7170" name="Rectangle 68">
+            <a:extLst>
+              <a:ext uri="{FF2B5EF4-FFF2-40B4-BE49-F238E27FC236}">
+                <a16:creationId xmlns:a16="http://schemas.microsoft.com/office/drawing/2014/main" id="{2A70F210-9CF6-4692-FC23-51EC6DEE56F3}"/>
+              </a:ext>
+            </a:extLst>
+          </p:cNvPr>
+          <p:cNvSpPr>
+            <a:spLocks noGrp="1" noChangeArrowheads="1"/>
           </p:cNvSpPr>
           <p:nvPr>
             <p:ph type="title"/>
@@ -4468,69 +6854,1095 @@
           <a:bodyPr/>
           <a:lstStyle/>
           <a:p>
-            <a:endParaRPr lang="en-US"/>
-          </a:p>
-        </p:txBody>
-      </p:sp>
-      <p:sp>
-        <p:nvSpPr>
-          <p:cNvPr id="3" name="Content Placeholder 2">
-            <a:extLst>
-              <a:ext uri="{FF2B5EF4-FFF2-40B4-BE49-F238E27FC236}">
-                <a16:creationId xmlns:a16="http://schemas.microsoft.com/office/drawing/2014/main" id="{1AB677DE-F017-076C-E51D-9FCB58150B95}"/>
-              </a:ext>
-            </a:extLst>
-          </p:cNvPr>
-          <p:cNvSpPr>
-            <a:spLocks noGrp="1"/>
-          </p:cNvSpPr>
-          <p:nvPr>
-            <p:ph idx="1"/>
-          </p:nvPr>
-        </p:nvSpPr>
-        <p:spPr/>
-        <p:txBody>
-          <a:bodyPr/>
-          <a:lstStyle/>
-          <a:p>
-            <a:endParaRPr lang="en-US"/>
-          </a:p>
-        </p:txBody>
-      </p:sp>
-      <p:pic>
-        <p:nvPicPr>
-          <p:cNvPr id="5" name="Picture 4">
-            <a:extLst>
-              <a:ext uri="{FF2B5EF4-FFF2-40B4-BE49-F238E27FC236}">
-                <a16:creationId xmlns:a16="http://schemas.microsoft.com/office/drawing/2014/main" id="{35AEBC57-5477-A5C0-27C6-50928E68F6A0}"/>
-              </a:ext>
-            </a:extLst>
-          </p:cNvPr>
-          <p:cNvPicPr>
-            <a:picLocks noChangeAspect="1"/>
-          </p:cNvPicPr>
-          <p:nvPr/>
-        </p:nvPicPr>
-        <p:blipFill>
-          <a:blip r:embed="rId2"/>
-          <a:stretch>
-            <a:fillRect/>
-          </a:stretch>
-        </p:blipFill>
+            <a:r>
+              <a:rPr lang="en-US"/>
+              <a:t>Adults’ preference</a:t>
+            </a:r>
+          </a:p>
+        </p:txBody>
+      </p:sp>
+      <p:graphicFrame>
+        <p:nvGraphicFramePr>
+          <p:cNvPr id="4163" name="Group 67">
+            <a:extLst>
+              <a:ext uri="{FF2B5EF4-FFF2-40B4-BE49-F238E27FC236}">
+                <a16:creationId xmlns:a16="http://schemas.microsoft.com/office/drawing/2014/main" id="{487480E3-586C-D333-4D3F-9CE85E10CF5F}"/>
+              </a:ext>
+            </a:extLst>
+          </p:cNvPr>
+          <p:cNvGraphicFramePr>
+            <a:graphicFrameLocks noGrp="1"/>
+          </p:cNvGraphicFramePr>
+          <p:nvPr>
+            <p:ph sz="half" idx="1"/>
+          </p:nvPr>
+        </p:nvGraphicFramePr>
+        <p:xfrm>
+          <a:off x="1221180" y="1661160"/>
+          <a:ext cx="8229600" cy="2407920"/>
+        </p:xfrm>
+        <a:graphic>
+          <a:graphicData uri="http://schemas.openxmlformats.org/drawingml/2006/table">
+            <a:tbl>
+              <a:tblPr/>
+              <a:tblGrid>
+                <a:gridCol w="2743200">
+                  <a:extLst>
+                    <a:ext uri="{9D8B030D-6E8A-4147-A177-3AD203B41FA5}">
+                      <a16:colId xmlns:a16="http://schemas.microsoft.com/office/drawing/2014/main" val="20000"/>
+                    </a:ext>
+                  </a:extLst>
+                </a:gridCol>
+                <a:gridCol w="2743200">
+                  <a:extLst>
+                    <a:ext uri="{9D8B030D-6E8A-4147-A177-3AD203B41FA5}">
+                      <a16:colId xmlns:a16="http://schemas.microsoft.com/office/drawing/2014/main" val="20001"/>
+                    </a:ext>
+                  </a:extLst>
+                </a:gridCol>
+                <a:gridCol w="2743200">
+                  <a:extLst>
+                    <a:ext uri="{9D8B030D-6E8A-4147-A177-3AD203B41FA5}">
+                      <a16:colId xmlns:a16="http://schemas.microsoft.com/office/drawing/2014/main" val="20002"/>
+                    </a:ext>
+                  </a:extLst>
+                </a:gridCol>
+              </a:tblGrid>
+              <a:tr h="458788">
+                <a:tc>
+                  <a:txBody>
+                    <a:bodyPr/>
+                    <a:lstStyle/>
+                    <a:p>
+                      <a:pPr marL="342900" marR="0" lvl="0" indent="-342900" algn="l" defTabSz="914400" rtl="0" eaLnBrk="1" fontAlgn="base" latinLnBrk="0" hangingPunct="1">
+                        <a:lnSpc>
+                          <a:spcPct val="100000"/>
+                        </a:lnSpc>
+                        <a:spcBef>
+                          <a:spcPct val="0"/>
+                        </a:spcBef>
+                        <a:spcAft>
+                          <a:spcPct val="0"/>
+                        </a:spcAft>
+                        <a:buClrTx/>
+                        <a:buSzTx/>
+                        <a:buFontTx/>
+                        <a:buNone/>
+                        <a:tabLst/>
+                      </a:pPr>
+                      <a:r>
+                        <a:rPr kumimoji="0" lang="en-US" sz="2800" b="0" i="0" u="none" strike="noStrike" cap="none" normalizeH="0" baseline="0" dirty="0">
+                          <a:ln>
+                            <a:noFill/>
+                          </a:ln>
+                          <a:solidFill>
+                            <a:schemeClr val="tx1"/>
+                          </a:solidFill>
+                          <a:effectLst/>
+                          <a:latin typeface="Times New Roman" pitchFamily="18" charset="0"/>
+                          <a:cs typeface="Times New Roman" pitchFamily="18" charset="0"/>
+                        </a:rPr>
+                        <a:t>Adults</a:t>
+                      </a:r>
+                      <a:endParaRPr kumimoji="0" lang="en-US" sz="2800" b="0" i="0" u="none" strike="noStrike" cap="none" normalizeH="0" baseline="0" dirty="0">
+                        <a:ln>
+                          <a:noFill/>
+                        </a:ln>
+                        <a:solidFill>
+                          <a:schemeClr val="tx1"/>
+                        </a:solidFill>
+                        <a:effectLst/>
+                        <a:latin typeface="Arial" charset="0"/>
+                      </a:endParaRPr>
+                    </a:p>
+                  </a:txBody>
+                  <a:tcPr horzOverflow="overflow">
+                    <a:lnL w="12700" cap="flat" cmpd="sng" algn="ctr">
+                      <a:solidFill>
+                        <a:srgbClr val="000000"/>
+                      </a:solidFill>
+                      <a:prstDash val="solid"/>
+                      <a:round/>
+                      <a:headEnd type="none" w="med" len="med"/>
+                      <a:tailEnd type="none" w="med" len="med"/>
+                    </a:lnL>
+                    <a:lnR w="12700" cap="flat" cmpd="sng" algn="ctr">
+                      <a:solidFill>
+                        <a:srgbClr val="000000"/>
+                      </a:solidFill>
+                      <a:prstDash val="solid"/>
+                      <a:round/>
+                      <a:headEnd type="none" w="med" len="med"/>
+                      <a:tailEnd type="none" w="med" len="med"/>
+                    </a:lnR>
+                    <a:lnT w="12700" cap="flat" cmpd="sng" algn="ctr">
+                      <a:solidFill>
+                        <a:srgbClr val="000000"/>
+                      </a:solidFill>
+                      <a:prstDash val="solid"/>
+                      <a:round/>
+                      <a:headEnd type="none" w="med" len="med"/>
+                      <a:tailEnd type="none" w="med" len="med"/>
+                    </a:lnT>
+                    <a:lnB w="12700" cap="flat" cmpd="sng" algn="ctr">
+                      <a:solidFill>
+                        <a:srgbClr val="000000"/>
+                      </a:solidFill>
+                      <a:prstDash val="solid"/>
+                      <a:round/>
+                      <a:headEnd type="none" w="med" len="med"/>
+                      <a:tailEnd type="none" w="med" len="med"/>
+                    </a:lnB>
+                    <a:lnTlToBr>
+                      <a:noFill/>
+                    </a:lnTlToBr>
+                    <a:lnBlToTr>
+                      <a:noFill/>
+                    </a:lnBlToTr>
+                    <a:noFill/>
+                  </a:tcPr>
+                </a:tc>
+                <a:tc>
+                  <a:txBody>
+                    <a:bodyPr/>
+                    <a:lstStyle/>
+                    <a:p>
+                      <a:pPr marL="342900" marR="0" lvl="0" indent="-342900" algn="ctr" defTabSz="914400" rtl="0" eaLnBrk="1" fontAlgn="base" latinLnBrk="0" hangingPunct="1">
+                        <a:lnSpc>
+                          <a:spcPct val="100000"/>
+                        </a:lnSpc>
+                        <a:spcBef>
+                          <a:spcPct val="0"/>
+                        </a:spcBef>
+                        <a:spcAft>
+                          <a:spcPct val="0"/>
+                        </a:spcAft>
+                        <a:buClrTx/>
+                        <a:buSzTx/>
+                        <a:buFontTx/>
+                        <a:buNone/>
+                        <a:tabLst/>
+                      </a:pPr>
+                      <a:r>
+                        <a:rPr kumimoji="0" lang="en-US" sz="2800" b="0" i="0" u="none" strike="noStrike" cap="none" normalizeH="0" baseline="0">
+                          <a:ln>
+                            <a:noFill/>
+                          </a:ln>
+                          <a:solidFill>
+                            <a:schemeClr val="tx1"/>
+                          </a:solidFill>
+                          <a:effectLst/>
+                          <a:latin typeface="Times New Roman" pitchFamily="18" charset="0"/>
+                          <a:cs typeface="Times New Roman" pitchFamily="18" charset="0"/>
+                        </a:rPr>
+                        <a:t>Lavender</a:t>
+                      </a:r>
+                      <a:endParaRPr kumimoji="0" lang="en-US" sz="2800" b="0" i="0" u="none" strike="noStrike" cap="none" normalizeH="0" baseline="0">
+                        <a:ln>
+                          <a:noFill/>
+                        </a:ln>
+                        <a:solidFill>
+                          <a:schemeClr val="tx1"/>
+                        </a:solidFill>
+                        <a:effectLst/>
+                        <a:latin typeface="Arial" charset="0"/>
+                      </a:endParaRPr>
+                    </a:p>
+                  </a:txBody>
+                  <a:tcPr horzOverflow="overflow">
+                    <a:lnL w="12700" cap="flat" cmpd="sng" algn="ctr">
+                      <a:solidFill>
+                        <a:srgbClr val="000000"/>
+                      </a:solidFill>
+                      <a:prstDash val="solid"/>
+                      <a:round/>
+                      <a:headEnd type="none" w="med" len="med"/>
+                      <a:tailEnd type="none" w="med" len="med"/>
+                    </a:lnL>
+                    <a:lnR w="12700" cap="flat" cmpd="sng" algn="ctr">
+                      <a:solidFill>
+                        <a:srgbClr val="000000"/>
+                      </a:solidFill>
+                      <a:prstDash val="solid"/>
+                      <a:round/>
+                      <a:headEnd type="none" w="med" len="med"/>
+                      <a:tailEnd type="none" w="med" len="med"/>
+                    </a:lnR>
+                    <a:lnT w="12700" cap="flat" cmpd="sng" algn="ctr">
+                      <a:solidFill>
+                        <a:srgbClr val="000000"/>
+                      </a:solidFill>
+                      <a:prstDash val="solid"/>
+                      <a:round/>
+                      <a:headEnd type="none" w="med" len="med"/>
+                      <a:tailEnd type="none" w="med" len="med"/>
+                    </a:lnT>
+                    <a:lnB w="12700" cap="flat" cmpd="sng" algn="ctr">
+                      <a:solidFill>
+                        <a:srgbClr val="000000"/>
+                      </a:solidFill>
+                      <a:prstDash val="solid"/>
+                      <a:round/>
+                      <a:headEnd type="none" w="med" len="med"/>
+                      <a:tailEnd type="none" w="med" len="med"/>
+                    </a:lnB>
+                    <a:lnTlToBr>
+                      <a:noFill/>
+                    </a:lnTlToBr>
+                    <a:lnBlToTr>
+                      <a:noFill/>
+                    </a:lnBlToTr>
+                    <a:noFill/>
+                  </a:tcPr>
+                </a:tc>
+                <a:tc>
+                  <a:txBody>
+                    <a:bodyPr/>
+                    <a:lstStyle/>
+                    <a:p>
+                      <a:pPr marL="342900" marR="0" lvl="0" indent="-342900" algn="ctr" defTabSz="914400" rtl="0" eaLnBrk="1" fontAlgn="base" latinLnBrk="0" hangingPunct="1">
+                        <a:lnSpc>
+                          <a:spcPct val="100000"/>
+                        </a:lnSpc>
+                        <a:spcBef>
+                          <a:spcPct val="0"/>
+                        </a:spcBef>
+                        <a:spcAft>
+                          <a:spcPct val="0"/>
+                        </a:spcAft>
+                        <a:buClrTx/>
+                        <a:buSzTx/>
+                        <a:buFontTx/>
+                        <a:buNone/>
+                        <a:tabLst/>
+                      </a:pPr>
+                      <a:r>
+                        <a:rPr kumimoji="0" lang="en-US" sz="2800" b="0" i="0" u="none" strike="noStrike" cap="none" normalizeH="0" baseline="0">
+                          <a:ln>
+                            <a:noFill/>
+                          </a:ln>
+                          <a:solidFill>
+                            <a:schemeClr val="tx1"/>
+                          </a:solidFill>
+                          <a:effectLst/>
+                          <a:latin typeface="Times New Roman" pitchFamily="18" charset="0"/>
+                          <a:cs typeface="Times New Roman" pitchFamily="18" charset="0"/>
+                        </a:rPr>
+                        <a:t>Other</a:t>
+                      </a:r>
+                      <a:endParaRPr kumimoji="0" lang="en-US" sz="2800" b="0" i="0" u="none" strike="noStrike" cap="none" normalizeH="0" baseline="0">
+                        <a:ln>
+                          <a:noFill/>
+                        </a:ln>
+                        <a:solidFill>
+                          <a:schemeClr val="tx1"/>
+                        </a:solidFill>
+                        <a:effectLst/>
+                        <a:latin typeface="Arial" charset="0"/>
+                      </a:endParaRPr>
+                    </a:p>
+                  </a:txBody>
+                  <a:tcPr horzOverflow="overflow">
+                    <a:lnL w="12700" cap="flat" cmpd="sng" algn="ctr">
+                      <a:solidFill>
+                        <a:srgbClr val="000000"/>
+                      </a:solidFill>
+                      <a:prstDash val="solid"/>
+                      <a:round/>
+                      <a:headEnd type="none" w="med" len="med"/>
+                      <a:tailEnd type="none" w="med" len="med"/>
+                    </a:lnL>
+                    <a:lnR w="12700" cap="flat" cmpd="sng" algn="ctr">
+                      <a:solidFill>
+                        <a:srgbClr val="000000"/>
+                      </a:solidFill>
+                      <a:prstDash val="solid"/>
+                      <a:round/>
+                      <a:headEnd type="none" w="med" len="med"/>
+                      <a:tailEnd type="none" w="med" len="med"/>
+                    </a:lnR>
+                    <a:lnT w="12700" cap="flat" cmpd="sng" algn="ctr">
+                      <a:solidFill>
+                        <a:srgbClr val="000000"/>
+                      </a:solidFill>
+                      <a:prstDash val="solid"/>
+                      <a:round/>
+                      <a:headEnd type="none" w="med" len="med"/>
+                      <a:tailEnd type="none" w="med" len="med"/>
+                    </a:lnT>
+                    <a:lnB w="12700" cap="flat" cmpd="sng" algn="ctr">
+                      <a:solidFill>
+                        <a:srgbClr val="000000"/>
+                      </a:solidFill>
+                      <a:prstDash val="solid"/>
+                      <a:round/>
+                      <a:headEnd type="none" w="med" len="med"/>
+                      <a:tailEnd type="none" w="med" len="med"/>
+                    </a:lnB>
+                    <a:lnTlToBr>
+                      <a:noFill/>
+                    </a:lnTlToBr>
+                    <a:lnBlToTr>
+                      <a:noFill/>
+                    </a:lnBlToTr>
+                    <a:noFill/>
+                  </a:tcPr>
+                </a:tc>
+                <a:extLst>
+                  <a:ext uri="{0D108BD9-81ED-4DB2-BD59-A6C34878D82A}">
+                    <a16:rowId xmlns:a16="http://schemas.microsoft.com/office/drawing/2014/main" val="10000"/>
+                  </a:ext>
+                </a:extLst>
+              </a:tr>
+              <a:tr h="863600">
+                <a:tc>
+                  <a:txBody>
+                    <a:bodyPr/>
+                    <a:lstStyle/>
+                    <a:p>
+                      <a:pPr marL="342900" marR="0" lvl="0" indent="-342900" algn="l" defTabSz="914400" rtl="0" eaLnBrk="1" fontAlgn="base" latinLnBrk="0" hangingPunct="1">
+                        <a:lnSpc>
+                          <a:spcPct val="100000"/>
+                        </a:lnSpc>
+                        <a:spcBef>
+                          <a:spcPct val="0"/>
+                        </a:spcBef>
+                        <a:spcAft>
+                          <a:spcPct val="0"/>
+                        </a:spcAft>
+                        <a:buClrTx/>
+                        <a:buSzTx/>
+                        <a:buFontTx/>
+                        <a:buNone/>
+                        <a:tabLst/>
+                      </a:pPr>
+                      <a:r>
+                        <a:rPr kumimoji="0" lang="en-US" sz="2800" b="0" i="0" u="none" strike="noStrike" cap="none" normalizeH="0" baseline="0" dirty="0">
+                          <a:ln>
+                            <a:noFill/>
+                          </a:ln>
+                          <a:solidFill>
+                            <a:schemeClr val="tx1"/>
+                          </a:solidFill>
+                          <a:effectLst/>
+                          <a:latin typeface="Times New Roman" pitchFamily="18" charset="0"/>
+                          <a:cs typeface="Times New Roman" pitchFamily="18" charset="0"/>
+                        </a:rPr>
+                        <a:t>Black-Lavender</a:t>
+                      </a:r>
+                      <a:endParaRPr kumimoji="0" lang="en-US" sz="2800" b="0" i="0" u="none" strike="noStrike" cap="none" normalizeH="0" baseline="0" dirty="0">
+                        <a:ln>
+                          <a:noFill/>
+                        </a:ln>
+                        <a:solidFill>
+                          <a:schemeClr val="tx1"/>
+                        </a:solidFill>
+                        <a:effectLst/>
+                        <a:latin typeface="Arial" charset="0"/>
+                      </a:endParaRPr>
+                    </a:p>
+                  </a:txBody>
+                  <a:tcPr horzOverflow="overflow">
+                    <a:lnL w="12700" cap="flat" cmpd="sng" algn="ctr">
+                      <a:solidFill>
+                        <a:srgbClr val="000000"/>
+                      </a:solidFill>
+                      <a:prstDash val="solid"/>
+                      <a:round/>
+                      <a:headEnd type="none" w="med" len="med"/>
+                      <a:tailEnd type="none" w="med" len="med"/>
+                    </a:lnL>
+                    <a:lnR w="12700" cap="flat" cmpd="sng" algn="ctr">
+                      <a:solidFill>
+                        <a:srgbClr val="000000"/>
+                      </a:solidFill>
+                      <a:prstDash val="solid"/>
+                      <a:round/>
+                      <a:headEnd type="none" w="med" len="med"/>
+                      <a:tailEnd type="none" w="med" len="med"/>
+                    </a:lnR>
+                    <a:lnT w="12700" cap="flat" cmpd="sng" algn="ctr">
+                      <a:solidFill>
+                        <a:srgbClr val="000000"/>
+                      </a:solidFill>
+                      <a:prstDash val="solid"/>
+                      <a:round/>
+                      <a:headEnd type="none" w="med" len="med"/>
+                      <a:tailEnd type="none" w="med" len="med"/>
+                    </a:lnT>
+                    <a:lnB w="12700" cap="flat" cmpd="sng" algn="ctr">
+                      <a:solidFill>
+                        <a:srgbClr val="000000"/>
+                      </a:solidFill>
+                      <a:prstDash val="solid"/>
+                      <a:round/>
+                      <a:headEnd type="none" w="med" len="med"/>
+                      <a:tailEnd type="none" w="med" len="med"/>
+                    </a:lnB>
+                    <a:lnTlToBr>
+                      <a:noFill/>
+                    </a:lnTlToBr>
+                    <a:lnBlToTr>
+                      <a:noFill/>
+                    </a:lnBlToTr>
+                    <a:noFill/>
+                  </a:tcPr>
+                </a:tc>
+                <a:tc>
+                  <a:txBody>
+                    <a:bodyPr/>
+                    <a:lstStyle/>
+                    <a:p>
+                      <a:pPr marL="342900" marR="0" lvl="0" indent="-342900" algn="ctr" defTabSz="914400" rtl="0" eaLnBrk="1" fontAlgn="base" latinLnBrk="0" hangingPunct="1">
+                        <a:lnSpc>
+                          <a:spcPct val="100000"/>
+                        </a:lnSpc>
+                        <a:spcBef>
+                          <a:spcPct val="0"/>
+                        </a:spcBef>
+                        <a:spcAft>
+                          <a:spcPct val="0"/>
+                        </a:spcAft>
+                        <a:buClrTx/>
+                        <a:buSzTx/>
+                        <a:buFontTx/>
+                        <a:buNone/>
+                        <a:tabLst/>
+                      </a:pPr>
+                      <a:r>
+                        <a:rPr kumimoji="0" lang="en-US" sz="2800" b="0" i="0" u="none" strike="noStrike" cap="none" normalizeH="0" baseline="0" dirty="0">
+                          <a:ln>
+                            <a:noFill/>
+                          </a:ln>
+                          <a:solidFill>
+                            <a:schemeClr val="tx1"/>
+                          </a:solidFill>
+                          <a:effectLst/>
+                          <a:latin typeface="Times New Roman" pitchFamily="18" charset="0"/>
+                          <a:cs typeface="Times New Roman" pitchFamily="18" charset="0"/>
+                        </a:rPr>
+                        <a:t>13</a:t>
+                      </a:r>
+                    </a:p>
+                    <a:p>
+                      <a:pPr marL="342900" marR="0" lvl="0" indent="-342900" algn="ctr" defTabSz="914400" rtl="0" eaLnBrk="0" fontAlgn="base" latinLnBrk="0" hangingPunct="0">
+                        <a:lnSpc>
+                          <a:spcPct val="100000"/>
+                        </a:lnSpc>
+                        <a:spcBef>
+                          <a:spcPct val="0"/>
+                        </a:spcBef>
+                        <a:spcAft>
+                          <a:spcPct val="0"/>
+                        </a:spcAft>
+                        <a:buClrTx/>
+                        <a:buSzTx/>
+                        <a:buFontTx/>
+                        <a:buNone/>
+                        <a:tabLst/>
+                      </a:pPr>
+                      <a:r>
+                        <a:rPr kumimoji="0" lang="en-US" sz="2800" b="0" i="0" u="none" strike="noStrike" cap="none" normalizeH="0" baseline="0" dirty="0">
+                          <a:ln>
+                            <a:noFill/>
+                          </a:ln>
+                          <a:solidFill>
+                            <a:schemeClr val="tx1"/>
+                          </a:solidFill>
+                          <a:effectLst/>
+                          <a:latin typeface="Times New Roman" pitchFamily="18" charset="0"/>
+                          <a:cs typeface="Times New Roman" pitchFamily="18" charset="0"/>
+                        </a:rPr>
+                        <a:t>(.867)</a:t>
+                      </a:r>
+                      <a:endParaRPr kumimoji="0" lang="en-US" sz="2800" b="0" i="0" u="none" strike="noStrike" cap="none" normalizeH="0" baseline="0" dirty="0">
+                        <a:ln>
+                          <a:noFill/>
+                        </a:ln>
+                        <a:solidFill>
+                          <a:schemeClr val="tx1"/>
+                        </a:solidFill>
+                        <a:effectLst/>
+                        <a:latin typeface="Arial" charset="0"/>
+                      </a:endParaRPr>
+                    </a:p>
+                  </a:txBody>
+                  <a:tcPr horzOverflow="overflow">
+                    <a:lnL w="12700" cap="flat" cmpd="sng" algn="ctr">
+                      <a:solidFill>
+                        <a:srgbClr val="000000"/>
+                      </a:solidFill>
+                      <a:prstDash val="solid"/>
+                      <a:round/>
+                      <a:headEnd type="none" w="med" len="med"/>
+                      <a:tailEnd type="none" w="med" len="med"/>
+                    </a:lnL>
+                    <a:lnR w="12700" cap="flat" cmpd="sng" algn="ctr">
+                      <a:solidFill>
+                        <a:srgbClr val="000000"/>
+                      </a:solidFill>
+                      <a:prstDash val="solid"/>
+                      <a:round/>
+                      <a:headEnd type="none" w="med" len="med"/>
+                      <a:tailEnd type="none" w="med" len="med"/>
+                    </a:lnR>
+                    <a:lnT w="12700" cap="flat" cmpd="sng" algn="ctr">
+                      <a:solidFill>
+                        <a:srgbClr val="000000"/>
+                      </a:solidFill>
+                      <a:prstDash val="solid"/>
+                      <a:round/>
+                      <a:headEnd type="none" w="med" len="med"/>
+                      <a:tailEnd type="none" w="med" len="med"/>
+                    </a:lnT>
+                    <a:lnB w="12700" cap="flat" cmpd="sng" algn="ctr">
+                      <a:solidFill>
+                        <a:srgbClr val="000000"/>
+                      </a:solidFill>
+                      <a:prstDash val="solid"/>
+                      <a:round/>
+                      <a:headEnd type="none" w="med" len="med"/>
+                      <a:tailEnd type="none" w="med" len="med"/>
+                    </a:lnB>
+                    <a:lnTlToBr>
+                      <a:noFill/>
+                    </a:lnTlToBr>
+                    <a:lnBlToTr>
+                      <a:noFill/>
+                    </a:lnBlToTr>
+                    <a:noFill/>
+                  </a:tcPr>
+                </a:tc>
+                <a:tc>
+                  <a:txBody>
+                    <a:bodyPr/>
+                    <a:lstStyle/>
+                    <a:p>
+                      <a:pPr marL="342900" marR="0" lvl="0" indent="-342900" algn="ctr" defTabSz="914400" rtl="0" eaLnBrk="1" fontAlgn="base" latinLnBrk="0" hangingPunct="1">
+                        <a:lnSpc>
+                          <a:spcPct val="100000"/>
+                        </a:lnSpc>
+                        <a:spcBef>
+                          <a:spcPct val="0"/>
+                        </a:spcBef>
+                        <a:spcAft>
+                          <a:spcPct val="0"/>
+                        </a:spcAft>
+                        <a:buClrTx/>
+                        <a:buSzTx/>
+                        <a:buFontTx/>
+                        <a:buNone/>
+                        <a:tabLst/>
+                      </a:pPr>
+                      <a:r>
+                        <a:rPr kumimoji="0" lang="en-US" sz="2800" b="0" i="0" u="none" strike="noStrike" cap="none" normalizeH="0" baseline="0">
+                          <a:ln>
+                            <a:noFill/>
+                          </a:ln>
+                          <a:solidFill>
+                            <a:schemeClr val="tx1"/>
+                          </a:solidFill>
+                          <a:effectLst/>
+                          <a:latin typeface="Times New Roman" pitchFamily="18" charset="0"/>
+                          <a:cs typeface="Times New Roman" pitchFamily="18" charset="0"/>
+                        </a:rPr>
+                        <a:t>2</a:t>
+                      </a:r>
+                    </a:p>
+                    <a:p>
+                      <a:pPr marL="342900" marR="0" lvl="0" indent="-342900" algn="ctr" defTabSz="914400" rtl="0" eaLnBrk="0" fontAlgn="base" latinLnBrk="0" hangingPunct="0">
+                        <a:lnSpc>
+                          <a:spcPct val="100000"/>
+                        </a:lnSpc>
+                        <a:spcBef>
+                          <a:spcPct val="0"/>
+                        </a:spcBef>
+                        <a:spcAft>
+                          <a:spcPct val="0"/>
+                        </a:spcAft>
+                        <a:buClrTx/>
+                        <a:buSzTx/>
+                        <a:buFontTx/>
+                        <a:buNone/>
+                        <a:tabLst/>
+                      </a:pPr>
+                      <a:r>
+                        <a:rPr kumimoji="0" lang="en-US" sz="2800" b="0" i="0" u="none" strike="noStrike" cap="none" normalizeH="0" baseline="0">
+                          <a:ln>
+                            <a:noFill/>
+                          </a:ln>
+                          <a:solidFill>
+                            <a:schemeClr val="tx1"/>
+                          </a:solidFill>
+                          <a:effectLst/>
+                          <a:latin typeface="Times New Roman" pitchFamily="18" charset="0"/>
+                          <a:cs typeface="Times New Roman" pitchFamily="18" charset="0"/>
+                        </a:rPr>
+                        <a:t>(.133)</a:t>
+                      </a:r>
+                      <a:endParaRPr kumimoji="0" lang="en-US" sz="2800" b="0" i="0" u="none" strike="noStrike" cap="none" normalizeH="0" baseline="0">
+                        <a:ln>
+                          <a:noFill/>
+                        </a:ln>
+                        <a:solidFill>
+                          <a:schemeClr val="tx1"/>
+                        </a:solidFill>
+                        <a:effectLst/>
+                        <a:latin typeface="Arial" charset="0"/>
+                      </a:endParaRPr>
+                    </a:p>
+                  </a:txBody>
+                  <a:tcPr horzOverflow="overflow">
+                    <a:lnL w="12700" cap="flat" cmpd="sng" algn="ctr">
+                      <a:solidFill>
+                        <a:srgbClr val="000000"/>
+                      </a:solidFill>
+                      <a:prstDash val="solid"/>
+                      <a:round/>
+                      <a:headEnd type="none" w="med" len="med"/>
+                      <a:tailEnd type="none" w="med" len="med"/>
+                    </a:lnL>
+                    <a:lnR w="12700" cap="flat" cmpd="sng" algn="ctr">
+                      <a:solidFill>
+                        <a:srgbClr val="000000"/>
+                      </a:solidFill>
+                      <a:prstDash val="solid"/>
+                      <a:round/>
+                      <a:headEnd type="none" w="med" len="med"/>
+                      <a:tailEnd type="none" w="med" len="med"/>
+                    </a:lnR>
+                    <a:lnT w="12700" cap="flat" cmpd="sng" algn="ctr">
+                      <a:solidFill>
+                        <a:srgbClr val="000000"/>
+                      </a:solidFill>
+                      <a:prstDash val="solid"/>
+                      <a:round/>
+                      <a:headEnd type="none" w="med" len="med"/>
+                      <a:tailEnd type="none" w="med" len="med"/>
+                    </a:lnT>
+                    <a:lnB w="12700" cap="flat" cmpd="sng" algn="ctr">
+                      <a:solidFill>
+                        <a:srgbClr val="000000"/>
+                      </a:solidFill>
+                      <a:prstDash val="solid"/>
+                      <a:round/>
+                      <a:headEnd type="none" w="med" len="med"/>
+                      <a:tailEnd type="none" w="med" len="med"/>
+                    </a:lnB>
+                    <a:lnTlToBr>
+                      <a:noFill/>
+                    </a:lnTlToBr>
+                    <a:lnBlToTr>
+                      <a:noFill/>
+                    </a:lnBlToTr>
+                    <a:noFill/>
+                  </a:tcPr>
+                </a:tc>
+                <a:extLst>
+                  <a:ext uri="{0D108BD9-81ED-4DB2-BD59-A6C34878D82A}">
+                    <a16:rowId xmlns:a16="http://schemas.microsoft.com/office/drawing/2014/main" val="10001"/>
+                  </a:ext>
+                </a:extLst>
+              </a:tr>
+              <a:tr h="863600">
+                <a:tc>
+                  <a:txBody>
+                    <a:bodyPr/>
+                    <a:lstStyle/>
+                    <a:p>
+                      <a:pPr marL="342900" marR="0" lvl="0" indent="-342900" algn="l" defTabSz="914400" rtl="0" eaLnBrk="1" fontAlgn="base" latinLnBrk="0" hangingPunct="1">
+                        <a:lnSpc>
+                          <a:spcPct val="100000"/>
+                        </a:lnSpc>
+                        <a:spcBef>
+                          <a:spcPct val="0"/>
+                        </a:spcBef>
+                        <a:spcAft>
+                          <a:spcPct val="0"/>
+                        </a:spcAft>
+                        <a:buClrTx/>
+                        <a:buSzTx/>
+                        <a:buFontTx/>
+                        <a:buNone/>
+                        <a:tabLst/>
+                      </a:pPr>
+                      <a:r>
+                        <a:rPr kumimoji="0" lang="en-US" sz="2800" b="0" i="0" u="none" strike="noStrike" cap="none" normalizeH="0" baseline="0">
+                          <a:ln>
+                            <a:noFill/>
+                          </a:ln>
+                          <a:solidFill>
+                            <a:schemeClr val="tx1"/>
+                          </a:solidFill>
+                          <a:effectLst/>
+                          <a:latin typeface="Times New Roman" pitchFamily="18" charset="0"/>
+                          <a:cs typeface="Times New Roman" pitchFamily="18" charset="0"/>
+                        </a:rPr>
+                        <a:t>White-Lavender</a:t>
+                      </a:r>
+                      <a:endParaRPr kumimoji="0" lang="en-US" sz="2800" b="0" i="0" u="none" strike="noStrike" cap="none" normalizeH="0" baseline="0">
+                        <a:ln>
+                          <a:noFill/>
+                        </a:ln>
+                        <a:solidFill>
+                          <a:schemeClr val="tx1"/>
+                        </a:solidFill>
+                        <a:effectLst/>
+                        <a:latin typeface="Arial" charset="0"/>
+                      </a:endParaRPr>
+                    </a:p>
+                  </a:txBody>
+                  <a:tcPr horzOverflow="overflow">
+                    <a:lnL w="12700" cap="flat" cmpd="sng" algn="ctr">
+                      <a:solidFill>
+                        <a:srgbClr val="000000"/>
+                      </a:solidFill>
+                      <a:prstDash val="solid"/>
+                      <a:round/>
+                      <a:headEnd type="none" w="med" len="med"/>
+                      <a:tailEnd type="none" w="med" len="med"/>
+                    </a:lnL>
+                    <a:lnR w="12700" cap="flat" cmpd="sng" algn="ctr">
+                      <a:solidFill>
+                        <a:srgbClr val="000000"/>
+                      </a:solidFill>
+                      <a:prstDash val="solid"/>
+                      <a:round/>
+                      <a:headEnd type="none" w="med" len="med"/>
+                      <a:tailEnd type="none" w="med" len="med"/>
+                    </a:lnR>
+                    <a:lnT w="12700" cap="flat" cmpd="sng" algn="ctr">
+                      <a:solidFill>
+                        <a:srgbClr val="000000"/>
+                      </a:solidFill>
+                      <a:prstDash val="solid"/>
+                      <a:round/>
+                      <a:headEnd type="none" w="med" len="med"/>
+                      <a:tailEnd type="none" w="med" len="med"/>
+                    </a:lnT>
+                    <a:lnB w="12700" cap="flat" cmpd="sng" algn="ctr">
+                      <a:solidFill>
+                        <a:srgbClr val="000000"/>
+                      </a:solidFill>
+                      <a:prstDash val="solid"/>
+                      <a:round/>
+                      <a:headEnd type="none" w="med" len="med"/>
+                      <a:tailEnd type="none" w="med" len="med"/>
+                    </a:lnB>
+                    <a:lnTlToBr>
+                      <a:noFill/>
+                    </a:lnTlToBr>
+                    <a:lnBlToTr>
+                      <a:noFill/>
+                    </a:lnBlToTr>
+                    <a:noFill/>
+                  </a:tcPr>
+                </a:tc>
+                <a:tc>
+                  <a:txBody>
+                    <a:bodyPr/>
+                    <a:lstStyle/>
+                    <a:p>
+                      <a:pPr marL="342900" marR="0" lvl="0" indent="-342900" algn="ctr" defTabSz="914400" rtl="0" eaLnBrk="1" fontAlgn="base" latinLnBrk="0" hangingPunct="1">
+                        <a:lnSpc>
+                          <a:spcPct val="100000"/>
+                        </a:lnSpc>
+                        <a:spcBef>
+                          <a:spcPct val="0"/>
+                        </a:spcBef>
+                        <a:spcAft>
+                          <a:spcPct val="0"/>
+                        </a:spcAft>
+                        <a:buClrTx/>
+                        <a:buSzTx/>
+                        <a:buFontTx/>
+                        <a:buNone/>
+                        <a:tabLst/>
+                      </a:pPr>
+                      <a:r>
+                        <a:rPr kumimoji="0" lang="en-US" sz="2800" b="0" i="0" u="none" strike="noStrike" cap="none" normalizeH="0" baseline="0" dirty="0">
+                          <a:ln>
+                            <a:noFill/>
+                          </a:ln>
+                          <a:solidFill>
+                            <a:schemeClr val="tx1"/>
+                          </a:solidFill>
+                          <a:effectLst/>
+                          <a:latin typeface="Times New Roman" pitchFamily="18" charset="0"/>
+                          <a:cs typeface="Times New Roman" pitchFamily="18" charset="0"/>
+                        </a:rPr>
+                        <a:t>14</a:t>
+                      </a:r>
+                    </a:p>
+                    <a:p>
+                      <a:pPr marL="342900" marR="0" lvl="0" indent="-342900" algn="ctr" defTabSz="914400" rtl="0" eaLnBrk="0" fontAlgn="base" latinLnBrk="0" hangingPunct="0">
+                        <a:lnSpc>
+                          <a:spcPct val="100000"/>
+                        </a:lnSpc>
+                        <a:spcBef>
+                          <a:spcPct val="0"/>
+                        </a:spcBef>
+                        <a:spcAft>
+                          <a:spcPct val="0"/>
+                        </a:spcAft>
+                        <a:buClrTx/>
+                        <a:buSzTx/>
+                        <a:buFontTx/>
+                        <a:buNone/>
+                        <a:tabLst/>
+                      </a:pPr>
+                      <a:r>
+                        <a:rPr kumimoji="0" lang="en-US" sz="2800" b="0" i="0" u="none" strike="noStrike" cap="none" normalizeH="0" baseline="0" dirty="0">
+                          <a:ln>
+                            <a:noFill/>
+                          </a:ln>
+                          <a:solidFill>
+                            <a:schemeClr val="tx1"/>
+                          </a:solidFill>
+                          <a:effectLst/>
+                          <a:latin typeface="Times New Roman" pitchFamily="18" charset="0"/>
+                          <a:cs typeface="Times New Roman" pitchFamily="18" charset="0"/>
+                        </a:rPr>
+                        <a:t>(.933)</a:t>
+                      </a:r>
+                      <a:endParaRPr kumimoji="0" lang="en-US" sz="2800" b="0" i="0" u="none" strike="noStrike" cap="none" normalizeH="0" baseline="0" dirty="0">
+                        <a:ln>
+                          <a:noFill/>
+                        </a:ln>
+                        <a:solidFill>
+                          <a:schemeClr val="tx1"/>
+                        </a:solidFill>
+                        <a:effectLst/>
+                        <a:latin typeface="Arial" charset="0"/>
+                      </a:endParaRPr>
+                    </a:p>
+                  </a:txBody>
+                  <a:tcPr horzOverflow="overflow">
+                    <a:lnL w="12700" cap="flat" cmpd="sng" algn="ctr">
+                      <a:solidFill>
+                        <a:srgbClr val="000000"/>
+                      </a:solidFill>
+                      <a:prstDash val="solid"/>
+                      <a:round/>
+                      <a:headEnd type="none" w="med" len="med"/>
+                      <a:tailEnd type="none" w="med" len="med"/>
+                    </a:lnL>
+                    <a:lnR w="12700" cap="flat" cmpd="sng" algn="ctr">
+                      <a:solidFill>
+                        <a:srgbClr val="000000"/>
+                      </a:solidFill>
+                      <a:prstDash val="solid"/>
+                      <a:round/>
+                      <a:headEnd type="none" w="med" len="med"/>
+                      <a:tailEnd type="none" w="med" len="med"/>
+                    </a:lnR>
+                    <a:lnT w="12700" cap="flat" cmpd="sng" algn="ctr">
+                      <a:solidFill>
+                        <a:srgbClr val="000000"/>
+                      </a:solidFill>
+                      <a:prstDash val="solid"/>
+                      <a:round/>
+                      <a:headEnd type="none" w="med" len="med"/>
+                      <a:tailEnd type="none" w="med" len="med"/>
+                    </a:lnT>
+                    <a:lnB w="12700" cap="flat" cmpd="sng" algn="ctr">
+                      <a:solidFill>
+                        <a:srgbClr val="000000"/>
+                      </a:solidFill>
+                      <a:prstDash val="solid"/>
+                      <a:round/>
+                      <a:headEnd type="none" w="med" len="med"/>
+                      <a:tailEnd type="none" w="med" len="med"/>
+                    </a:lnB>
+                    <a:lnTlToBr>
+                      <a:noFill/>
+                    </a:lnTlToBr>
+                    <a:lnBlToTr>
+                      <a:noFill/>
+                    </a:lnBlToTr>
+                    <a:noFill/>
+                  </a:tcPr>
+                </a:tc>
+                <a:tc>
+                  <a:txBody>
+                    <a:bodyPr/>
+                    <a:lstStyle/>
+                    <a:p>
+                      <a:pPr marL="342900" marR="0" lvl="0" indent="-342900" algn="ctr" defTabSz="914400" rtl="0" eaLnBrk="1" fontAlgn="base" latinLnBrk="0" hangingPunct="1">
+                        <a:lnSpc>
+                          <a:spcPct val="100000"/>
+                        </a:lnSpc>
+                        <a:spcBef>
+                          <a:spcPct val="0"/>
+                        </a:spcBef>
+                        <a:spcAft>
+                          <a:spcPct val="0"/>
+                        </a:spcAft>
+                        <a:buClrTx/>
+                        <a:buSzTx/>
+                        <a:buFontTx/>
+                        <a:buNone/>
+                        <a:tabLst/>
+                      </a:pPr>
+                      <a:r>
+                        <a:rPr kumimoji="0" lang="en-US" sz="2800" b="0" i="0" u="none" strike="noStrike" cap="none" normalizeH="0" baseline="0" dirty="0">
+                          <a:ln>
+                            <a:noFill/>
+                          </a:ln>
+                          <a:solidFill>
+                            <a:schemeClr val="tx1"/>
+                          </a:solidFill>
+                          <a:effectLst/>
+                          <a:latin typeface="Times New Roman" pitchFamily="18" charset="0"/>
+                          <a:cs typeface="Times New Roman" pitchFamily="18" charset="0"/>
+                        </a:rPr>
+                        <a:t>1</a:t>
+                      </a:r>
+                    </a:p>
+                    <a:p>
+                      <a:pPr marL="342900" marR="0" lvl="0" indent="-342900" algn="ctr" defTabSz="914400" rtl="0" eaLnBrk="0" fontAlgn="base" latinLnBrk="0" hangingPunct="0">
+                        <a:lnSpc>
+                          <a:spcPct val="100000"/>
+                        </a:lnSpc>
+                        <a:spcBef>
+                          <a:spcPct val="0"/>
+                        </a:spcBef>
+                        <a:spcAft>
+                          <a:spcPct val="0"/>
+                        </a:spcAft>
+                        <a:buClrTx/>
+                        <a:buSzTx/>
+                        <a:buFontTx/>
+                        <a:buNone/>
+                        <a:tabLst/>
+                      </a:pPr>
+                      <a:r>
+                        <a:rPr kumimoji="0" lang="en-US" sz="2800" b="0" i="0" u="none" strike="noStrike" cap="none" normalizeH="0" baseline="0" dirty="0">
+                          <a:ln>
+                            <a:noFill/>
+                          </a:ln>
+                          <a:solidFill>
+                            <a:schemeClr val="tx1"/>
+                          </a:solidFill>
+                          <a:effectLst/>
+                          <a:latin typeface="Times New Roman" pitchFamily="18" charset="0"/>
+                          <a:cs typeface="Times New Roman" pitchFamily="18" charset="0"/>
+                        </a:rPr>
+                        <a:t>(.067)</a:t>
+                      </a:r>
+                      <a:endParaRPr kumimoji="0" lang="en-US" sz="2800" b="0" i="0" u="none" strike="noStrike" cap="none" normalizeH="0" baseline="0" dirty="0">
+                        <a:ln>
+                          <a:noFill/>
+                        </a:ln>
+                        <a:solidFill>
+                          <a:schemeClr val="tx1"/>
+                        </a:solidFill>
+                        <a:effectLst/>
+                        <a:latin typeface="Arial" charset="0"/>
+                      </a:endParaRPr>
+                    </a:p>
+                  </a:txBody>
+                  <a:tcPr horzOverflow="overflow">
+                    <a:lnL w="12700" cap="flat" cmpd="sng" algn="ctr">
+                      <a:solidFill>
+                        <a:srgbClr val="000000"/>
+                      </a:solidFill>
+                      <a:prstDash val="solid"/>
+                      <a:round/>
+                      <a:headEnd type="none" w="med" len="med"/>
+                      <a:tailEnd type="none" w="med" len="med"/>
+                    </a:lnL>
+                    <a:lnR w="12700" cap="flat" cmpd="sng" algn="ctr">
+                      <a:solidFill>
+                        <a:srgbClr val="000000"/>
+                      </a:solidFill>
+                      <a:prstDash val="solid"/>
+                      <a:round/>
+                      <a:headEnd type="none" w="med" len="med"/>
+                      <a:tailEnd type="none" w="med" len="med"/>
+                    </a:lnR>
+                    <a:lnT w="12700" cap="flat" cmpd="sng" algn="ctr">
+                      <a:solidFill>
+                        <a:srgbClr val="000000"/>
+                      </a:solidFill>
+                      <a:prstDash val="solid"/>
+                      <a:round/>
+                      <a:headEnd type="none" w="med" len="med"/>
+                      <a:tailEnd type="none" w="med" len="med"/>
+                    </a:lnT>
+                    <a:lnB w="12700" cap="flat" cmpd="sng" algn="ctr">
+                      <a:solidFill>
+                        <a:srgbClr val="000000"/>
+                      </a:solidFill>
+                      <a:prstDash val="solid"/>
+                      <a:round/>
+                      <a:headEnd type="none" w="med" len="med"/>
+                      <a:tailEnd type="none" w="med" len="med"/>
+                    </a:lnB>
+                    <a:lnTlToBr>
+                      <a:noFill/>
+                    </a:lnTlToBr>
+                    <a:lnBlToTr>
+                      <a:noFill/>
+                    </a:lnBlToTr>
+                    <a:noFill/>
+                  </a:tcPr>
+                </a:tc>
+                <a:extLst>
+                  <a:ext uri="{0D108BD9-81ED-4DB2-BD59-A6C34878D82A}">
+                    <a16:rowId xmlns:a16="http://schemas.microsoft.com/office/drawing/2014/main" val="10002"/>
+                  </a:ext>
+                </a:extLst>
+              </a:tr>
+            </a:tbl>
+          </a:graphicData>
+        </a:graphic>
+      </p:graphicFrame>
+      <p:sp>
+        <p:nvSpPr>
+          <p:cNvPr id="7189" name="Rectangle 69">
+            <a:extLst>
+              <a:ext uri="{FF2B5EF4-FFF2-40B4-BE49-F238E27FC236}">
+                <a16:creationId xmlns:a16="http://schemas.microsoft.com/office/drawing/2014/main" id="{779D1444-08CB-0D56-C717-7744F46E3B4A}"/>
+              </a:ext>
+            </a:extLst>
+          </p:cNvPr>
+          <p:cNvSpPr>
+            <a:spLocks noGrp="1" noChangeArrowheads="1"/>
+          </p:cNvSpPr>
+          <p:nvPr>
+            <p:ph type="body" sz="half" idx="2"/>
+          </p:nvPr>
+        </p:nvSpPr>
         <p:spPr>
           <a:xfrm>
-            <a:off x="1958186" y="0"/>
-            <a:ext cx="8275627" cy="6858000"/>
+            <a:off x="609600" y="4607626"/>
+            <a:ext cx="10972800" cy="1518538"/>
           </a:xfrm>
-          <a:prstGeom prst="rect">
-            <a:avLst/>
-          </a:prstGeom>
         </p:spPr>
-      </p:pic>
+        <p:txBody>
+          <a:bodyPr/>
+          <a:lstStyle/>
+          <a:p>
+            <a:r>
+              <a:rPr lang="en-US" dirty="0"/>
+              <a:t>X</a:t>
+            </a:r>
+            <a:r>
+              <a:rPr lang="en-US" baseline="30000" dirty="0"/>
+              <a:t>2</a:t>
+            </a:r>
+            <a:r>
+              <a:rPr lang="en-US" dirty="0"/>
+              <a:t>&lt;1.00, p&gt;0.50</a:t>
+            </a:r>
+          </a:p>
+        </p:txBody>
+      </p:sp>
     </p:spTree>
     <p:extLst>
       <p:ext uri="{BB962C8B-B14F-4D97-AF65-F5344CB8AC3E}">
-        <p14:creationId xmlns:p14="http://schemas.microsoft.com/office/powerpoint/2010/main" val="3014291402"/>
+        <p14:creationId xmlns:p14="http://schemas.microsoft.com/office/powerpoint/2010/main" val="654408868"/>
       </p:ext>
     </p:extLst>
   </p:cSld>
@@ -4545,7 +7957,13 @@
   <p:cSld>
     <p:spTree>
       <p:nvGrpSpPr>
-        <p:cNvPr id="1" name=""/>
+        <p:cNvPr id="1" name="">
+          <a:extLst>
+            <a:ext uri="{FF2B5EF4-FFF2-40B4-BE49-F238E27FC236}">
+              <a16:creationId xmlns:a16="http://schemas.microsoft.com/office/drawing/2014/main" id="{6596285F-FD1B-4138-0E20-433F9E1F33C6}"/>
+            </a:ext>
+          </a:extLst>
+        </p:cNvPr>
         <p:cNvGrpSpPr/>
         <p:nvPr/>
       </p:nvGrpSpPr>
@@ -4559,15 +7977,15 @@
       </p:grpSpPr>
       <p:sp>
         <p:nvSpPr>
-          <p:cNvPr id="6" name="Title 5">
-            <a:extLst>
-              <a:ext uri="{FF2B5EF4-FFF2-40B4-BE49-F238E27FC236}">
-                <a16:creationId xmlns:a16="http://schemas.microsoft.com/office/drawing/2014/main" id="{47269B7A-749C-7171-DD17-4BB4122D915B}"/>
-              </a:ext>
-            </a:extLst>
-          </p:cNvPr>
-          <p:cNvSpPr>
-            <a:spLocks noGrp="1"/>
+          <p:cNvPr id="8194" name="Rectangle 4">
+            <a:extLst>
+              <a:ext uri="{FF2B5EF4-FFF2-40B4-BE49-F238E27FC236}">
+                <a16:creationId xmlns:a16="http://schemas.microsoft.com/office/drawing/2014/main" id="{E43DD3ED-B1AC-9867-843D-C953D9529D9A}"/>
+              </a:ext>
+            </a:extLst>
+          </p:cNvPr>
+          <p:cNvSpPr>
+            <a:spLocks noGrp="1" noChangeArrowheads="1"/>
           </p:cNvSpPr>
           <p:nvPr>
             <p:ph type="title"/>
@@ -4578,114 +7996,1122 @@
           <a:bodyPr/>
           <a:lstStyle/>
           <a:p>
-            <a:endParaRPr lang="en-US"/>
-          </a:p>
-        </p:txBody>
-      </p:sp>
-      <p:sp>
-        <p:nvSpPr>
-          <p:cNvPr id="7" name="Content Placeholder 6">
-            <a:extLst>
-              <a:ext uri="{FF2B5EF4-FFF2-40B4-BE49-F238E27FC236}">
-                <a16:creationId xmlns:a16="http://schemas.microsoft.com/office/drawing/2014/main" id="{4476A828-6EF1-5314-7F6E-8AF2DEFAA661}"/>
-              </a:ext>
-            </a:extLst>
-          </p:cNvPr>
-          <p:cNvSpPr>
-            <a:spLocks noGrp="1"/>
-          </p:cNvSpPr>
-          <p:nvPr>
-            <p:ph sz="half" idx="1"/>
-          </p:nvPr>
-        </p:nvSpPr>
-        <p:spPr/>
-        <p:txBody>
-          <a:bodyPr/>
-          <a:lstStyle/>
-          <a:p>
-            <a:endParaRPr lang="en-US"/>
-          </a:p>
-        </p:txBody>
-      </p:sp>
-      <p:sp>
-        <p:nvSpPr>
-          <p:cNvPr id="8" name="Content Placeholder 7">
-            <a:extLst>
-              <a:ext uri="{FF2B5EF4-FFF2-40B4-BE49-F238E27FC236}">
-                <a16:creationId xmlns:a16="http://schemas.microsoft.com/office/drawing/2014/main" id="{6C760052-31F9-0341-7EC9-45357A2B7F47}"/>
-              </a:ext>
-            </a:extLst>
-          </p:cNvPr>
-          <p:cNvSpPr>
-            <a:spLocks noGrp="1"/>
-          </p:cNvSpPr>
-          <p:nvPr>
-            <p:ph sz="half" idx="2"/>
-          </p:nvPr>
-        </p:nvSpPr>
-        <p:spPr/>
-        <p:txBody>
-          <a:bodyPr/>
-          <a:lstStyle/>
-          <a:p>
-            <a:r>
-              <a:rPr lang="en-US" dirty="0"/>
-              <a:t>Key contrast</a:t>
-            </a:r>
-          </a:p>
-          <a:p>
-            <a:pPr lvl="1"/>
-            <a:r>
-              <a:rPr lang="en-US" dirty="0"/>
-              <a:t>Re-infected versus one case not re-infected</a:t>
-            </a:r>
-          </a:p>
-          <a:p>
-            <a:pPr lvl="1"/>
-            <a:endParaRPr lang="en-US" dirty="0"/>
-          </a:p>
-          <a:p>
-            <a:r>
-              <a:rPr lang="en-US" dirty="0"/>
-              <a:t>What cannot be controlled properly in this non-experimental study?</a:t>
-            </a:r>
-          </a:p>
-        </p:txBody>
-      </p:sp>
-      <p:pic>
-        <p:nvPicPr>
-          <p:cNvPr id="5" name="Picture 4">
-            <a:extLst>
-              <a:ext uri="{FF2B5EF4-FFF2-40B4-BE49-F238E27FC236}">
-                <a16:creationId xmlns:a16="http://schemas.microsoft.com/office/drawing/2014/main" id="{AC78EC3D-E4E8-89B9-F283-B1940D7F294C}"/>
-              </a:ext>
-            </a:extLst>
-          </p:cNvPr>
-          <p:cNvPicPr>
-            <a:picLocks noChangeAspect="1"/>
-          </p:cNvPicPr>
-          <p:nvPr/>
-        </p:nvPicPr>
-        <p:blipFill>
-          <a:blip r:embed="rId2"/>
-          <a:stretch>
-            <a:fillRect/>
-          </a:stretch>
-        </p:blipFill>
+            <a:r>
+              <a:rPr lang="en-US"/>
+              <a:t>Children’s preference</a:t>
+            </a:r>
+          </a:p>
+        </p:txBody>
+      </p:sp>
+      <p:sp>
+        <p:nvSpPr>
+          <p:cNvPr id="8195" name="Rectangle 6">
+            <a:extLst>
+              <a:ext uri="{FF2B5EF4-FFF2-40B4-BE49-F238E27FC236}">
+                <a16:creationId xmlns:a16="http://schemas.microsoft.com/office/drawing/2014/main" id="{4513B5DD-2F28-096E-0043-4483BCA8693F}"/>
+              </a:ext>
+            </a:extLst>
+          </p:cNvPr>
+          <p:cNvSpPr>
+            <a:spLocks noGrp="1" noChangeArrowheads="1"/>
+          </p:cNvSpPr>
+          <p:nvPr>
+            <p:ph type="body" sz="half" idx="2"/>
+          </p:nvPr>
+        </p:nvSpPr>
         <p:spPr>
           <a:xfrm>
-            <a:off x="561693" y="0"/>
-            <a:ext cx="5035948" cy="6858000"/>
+            <a:off x="609600" y="4441371"/>
+            <a:ext cx="10972800" cy="1684793"/>
           </a:xfrm>
-          <a:prstGeom prst="rect">
-            <a:avLst/>
-          </a:prstGeom>
         </p:spPr>
-      </p:pic>
+        <p:txBody>
+          <a:bodyPr/>
+          <a:lstStyle/>
+          <a:p>
+            <a:pPr>
+              <a:lnSpc>
+                <a:spcPct val="80000"/>
+              </a:lnSpc>
+            </a:pPr>
+            <a:r>
+              <a:rPr lang="en-US" sz="2400" dirty="0"/>
+              <a:t>Average rate choosing the Lavender dress is 21/30 = 0.70</a:t>
+            </a:r>
+          </a:p>
+          <a:p>
+            <a:pPr lvl="1">
+              <a:lnSpc>
+                <a:spcPct val="80000"/>
+              </a:lnSpc>
+            </a:pPr>
+            <a:r>
+              <a:rPr lang="en-US" sz="2000" dirty="0"/>
+              <a:t>Expected value (null hypothesis) = 10.5 Lavender, 4.5 Other</a:t>
+            </a:r>
+          </a:p>
+          <a:p>
+            <a:pPr>
+              <a:lnSpc>
+                <a:spcPct val="80000"/>
+              </a:lnSpc>
+            </a:pPr>
+            <a:r>
+              <a:rPr lang="en-US" sz="2400" dirty="0"/>
+              <a:t>X</a:t>
+            </a:r>
+            <a:r>
+              <a:rPr lang="en-US" sz="2400" baseline="30000" dirty="0"/>
+              <a:t>2</a:t>
+            </a:r>
+            <a:r>
+              <a:rPr lang="en-US" sz="2400" dirty="0"/>
+              <a:t>=12.86, p&lt;0.001</a:t>
+            </a:r>
+          </a:p>
+        </p:txBody>
+      </p:sp>
+      <p:graphicFrame>
+        <p:nvGraphicFramePr>
+          <p:cNvPr id="8255" name="Group 63">
+            <a:extLst>
+              <a:ext uri="{FF2B5EF4-FFF2-40B4-BE49-F238E27FC236}">
+                <a16:creationId xmlns:a16="http://schemas.microsoft.com/office/drawing/2014/main" id="{3F589E1F-2B8E-9EF0-43C7-A086522D603A}"/>
+              </a:ext>
+            </a:extLst>
+          </p:cNvPr>
+          <p:cNvGraphicFramePr>
+            <a:graphicFrameLocks noGrp="1"/>
+          </p:cNvGraphicFramePr>
+          <p:nvPr>
+            <p:ph sz="half" idx="1"/>
+          </p:nvPr>
+        </p:nvGraphicFramePr>
+        <p:xfrm>
+          <a:off x="936172" y="1766455"/>
+          <a:ext cx="8229600" cy="2407920"/>
+        </p:xfrm>
+        <a:graphic>
+          <a:graphicData uri="http://schemas.openxmlformats.org/drawingml/2006/table">
+            <a:tbl>
+              <a:tblPr/>
+              <a:tblGrid>
+                <a:gridCol w="2743200">
+                  <a:extLst>
+                    <a:ext uri="{9D8B030D-6E8A-4147-A177-3AD203B41FA5}">
+                      <a16:colId xmlns:a16="http://schemas.microsoft.com/office/drawing/2014/main" val="20000"/>
+                    </a:ext>
+                  </a:extLst>
+                </a:gridCol>
+                <a:gridCol w="2743200">
+                  <a:extLst>
+                    <a:ext uri="{9D8B030D-6E8A-4147-A177-3AD203B41FA5}">
+                      <a16:colId xmlns:a16="http://schemas.microsoft.com/office/drawing/2014/main" val="20001"/>
+                    </a:ext>
+                  </a:extLst>
+                </a:gridCol>
+                <a:gridCol w="2743200">
+                  <a:extLst>
+                    <a:ext uri="{9D8B030D-6E8A-4147-A177-3AD203B41FA5}">
+                      <a16:colId xmlns:a16="http://schemas.microsoft.com/office/drawing/2014/main" val="20002"/>
+                    </a:ext>
+                  </a:extLst>
+                </a:gridCol>
+              </a:tblGrid>
+              <a:tr h="485775">
+                <a:tc>
+                  <a:txBody>
+                    <a:bodyPr/>
+                    <a:lstStyle/>
+                    <a:p>
+                      <a:pPr marL="0" marR="0" lvl="0" indent="0" algn="l" defTabSz="914400" rtl="0" eaLnBrk="1" fontAlgn="base" latinLnBrk="0" hangingPunct="1">
+                        <a:lnSpc>
+                          <a:spcPct val="100000"/>
+                        </a:lnSpc>
+                        <a:spcBef>
+                          <a:spcPct val="0"/>
+                        </a:spcBef>
+                        <a:spcAft>
+                          <a:spcPct val="0"/>
+                        </a:spcAft>
+                        <a:buClrTx/>
+                        <a:buSzTx/>
+                        <a:buFontTx/>
+                        <a:buNone/>
+                        <a:tabLst/>
+                      </a:pPr>
+                      <a:r>
+                        <a:rPr kumimoji="0" lang="en-US" sz="2800" b="0" i="0" u="none" strike="noStrike" cap="none" normalizeH="0" baseline="0" dirty="0">
+                          <a:ln>
+                            <a:noFill/>
+                          </a:ln>
+                          <a:solidFill>
+                            <a:schemeClr val="tx1"/>
+                          </a:solidFill>
+                          <a:effectLst/>
+                          <a:latin typeface="Times New Roman" pitchFamily="18" charset="0"/>
+                          <a:cs typeface="Times New Roman" pitchFamily="18" charset="0"/>
+                        </a:rPr>
+                        <a:t>Children</a:t>
+                      </a:r>
+                      <a:endParaRPr kumimoji="0" lang="en-US" sz="2800" b="0" i="0" u="none" strike="noStrike" cap="none" normalizeH="0" baseline="0" dirty="0">
+                        <a:ln>
+                          <a:noFill/>
+                        </a:ln>
+                        <a:solidFill>
+                          <a:schemeClr val="tx1"/>
+                        </a:solidFill>
+                        <a:effectLst/>
+                        <a:latin typeface="Arial" charset="0"/>
+                      </a:endParaRPr>
+                    </a:p>
+                  </a:txBody>
+                  <a:tcPr horzOverflow="overflow">
+                    <a:lnL w="12700" cap="flat" cmpd="sng" algn="ctr">
+                      <a:solidFill>
+                        <a:srgbClr val="000000"/>
+                      </a:solidFill>
+                      <a:prstDash val="solid"/>
+                      <a:round/>
+                      <a:headEnd type="none" w="med" len="med"/>
+                      <a:tailEnd type="none" w="med" len="med"/>
+                    </a:lnL>
+                    <a:lnR w="12700" cap="flat" cmpd="sng" algn="ctr">
+                      <a:solidFill>
+                        <a:srgbClr val="000000"/>
+                      </a:solidFill>
+                      <a:prstDash val="solid"/>
+                      <a:round/>
+                      <a:headEnd type="none" w="med" len="med"/>
+                      <a:tailEnd type="none" w="med" len="med"/>
+                    </a:lnR>
+                    <a:lnT w="12700" cap="flat" cmpd="sng" algn="ctr">
+                      <a:solidFill>
+                        <a:srgbClr val="000000"/>
+                      </a:solidFill>
+                      <a:prstDash val="solid"/>
+                      <a:round/>
+                      <a:headEnd type="none" w="med" len="med"/>
+                      <a:tailEnd type="none" w="med" len="med"/>
+                    </a:lnT>
+                    <a:lnB w="12700" cap="flat" cmpd="sng" algn="ctr">
+                      <a:solidFill>
+                        <a:srgbClr val="000000"/>
+                      </a:solidFill>
+                      <a:prstDash val="solid"/>
+                      <a:round/>
+                      <a:headEnd type="none" w="med" len="med"/>
+                      <a:tailEnd type="none" w="med" len="med"/>
+                    </a:lnB>
+                    <a:lnTlToBr>
+                      <a:noFill/>
+                    </a:lnTlToBr>
+                    <a:lnBlToTr>
+                      <a:noFill/>
+                    </a:lnBlToTr>
+                    <a:noFill/>
+                  </a:tcPr>
+                </a:tc>
+                <a:tc>
+                  <a:txBody>
+                    <a:bodyPr/>
+                    <a:lstStyle/>
+                    <a:p>
+                      <a:pPr marL="0" marR="0" lvl="0" indent="0" algn="ctr" defTabSz="914400" rtl="0" eaLnBrk="1" fontAlgn="base" latinLnBrk="0" hangingPunct="1">
+                        <a:lnSpc>
+                          <a:spcPct val="100000"/>
+                        </a:lnSpc>
+                        <a:spcBef>
+                          <a:spcPct val="0"/>
+                        </a:spcBef>
+                        <a:spcAft>
+                          <a:spcPct val="0"/>
+                        </a:spcAft>
+                        <a:buClrTx/>
+                        <a:buSzTx/>
+                        <a:buFontTx/>
+                        <a:buNone/>
+                        <a:tabLst/>
+                      </a:pPr>
+                      <a:r>
+                        <a:rPr kumimoji="0" lang="en-US" sz="2800" b="0" i="0" u="none" strike="noStrike" cap="none" normalizeH="0" baseline="0">
+                          <a:ln>
+                            <a:noFill/>
+                          </a:ln>
+                          <a:solidFill>
+                            <a:schemeClr val="tx1"/>
+                          </a:solidFill>
+                          <a:effectLst/>
+                          <a:latin typeface="Times New Roman" pitchFamily="18" charset="0"/>
+                          <a:cs typeface="Times New Roman" pitchFamily="18" charset="0"/>
+                        </a:rPr>
+                        <a:t>Lavender</a:t>
+                      </a:r>
+                      <a:endParaRPr kumimoji="0" lang="en-US" sz="2800" b="0" i="0" u="none" strike="noStrike" cap="none" normalizeH="0" baseline="0">
+                        <a:ln>
+                          <a:noFill/>
+                        </a:ln>
+                        <a:solidFill>
+                          <a:schemeClr val="tx1"/>
+                        </a:solidFill>
+                        <a:effectLst/>
+                        <a:latin typeface="Arial" charset="0"/>
+                      </a:endParaRPr>
+                    </a:p>
+                  </a:txBody>
+                  <a:tcPr horzOverflow="overflow">
+                    <a:lnL w="12700" cap="flat" cmpd="sng" algn="ctr">
+                      <a:solidFill>
+                        <a:srgbClr val="000000"/>
+                      </a:solidFill>
+                      <a:prstDash val="solid"/>
+                      <a:round/>
+                      <a:headEnd type="none" w="med" len="med"/>
+                      <a:tailEnd type="none" w="med" len="med"/>
+                    </a:lnL>
+                    <a:lnR w="12700" cap="flat" cmpd="sng" algn="ctr">
+                      <a:solidFill>
+                        <a:srgbClr val="000000"/>
+                      </a:solidFill>
+                      <a:prstDash val="solid"/>
+                      <a:round/>
+                      <a:headEnd type="none" w="med" len="med"/>
+                      <a:tailEnd type="none" w="med" len="med"/>
+                    </a:lnR>
+                    <a:lnT w="12700" cap="flat" cmpd="sng" algn="ctr">
+                      <a:solidFill>
+                        <a:srgbClr val="000000"/>
+                      </a:solidFill>
+                      <a:prstDash val="solid"/>
+                      <a:round/>
+                      <a:headEnd type="none" w="med" len="med"/>
+                      <a:tailEnd type="none" w="med" len="med"/>
+                    </a:lnT>
+                    <a:lnB w="12700" cap="flat" cmpd="sng" algn="ctr">
+                      <a:solidFill>
+                        <a:srgbClr val="000000"/>
+                      </a:solidFill>
+                      <a:prstDash val="solid"/>
+                      <a:round/>
+                      <a:headEnd type="none" w="med" len="med"/>
+                      <a:tailEnd type="none" w="med" len="med"/>
+                    </a:lnB>
+                    <a:lnTlToBr>
+                      <a:noFill/>
+                    </a:lnTlToBr>
+                    <a:lnBlToTr>
+                      <a:noFill/>
+                    </a:lnBlToTr>
+                    <a:noFill/>
+                  </a:tcPr>
+                </a:tc>
+                <a:tc>
+                  <a:txBody>
+                    <a:bodyPr/>
+                    <a:lstStyle/>
+                    <a:p>
+                      <a:pPr marL="0" marR="0" lvl="0" indent="0" algn="ctr" defTabSz="914400" rtl="0" eaLnBrk="1" fontAlgn="base" latinLnBrk="0" hangingPunct="1">
+                        <a:lnSpc>
+                          <a:spcPct val="100000"/>
+                        </a:lnSpc>
+                        <a:spcBef>
+                          <a:spcPct val="0"/>
+                        </a:spcBef>
+                        <a:spcAft>
+                          <a:spcPct val="0"/>
+                        </a:spcAft>
+                        <a:buClrTx/>
+                        <a:buSzTx/>
+                        <a:buFontTx/>
+                        <a:buNone/>
+                        <a:tabLst/>
+                      </a:pPr>
+                      <a:r>
+                        <a:rPr kumimoji="0" lang="en-US" sz="2800" b="0" i="0" u="none" strike="noStrike" cap="none" normalizeH="0" baseline="0">
+                          <a:ln>
+                            <a:noFill/>
+                          </a:ln>
+                          <a:solidFill>
+                            <a:schemeClr val="tx1"/>
+                          </a:solidFill>
+                          <a:effectLst/>
+                          <a:latin typeface="Times New Roman" pitchFamily="18" charset="0"/>
+                          <a:cs typeface="Times New Roman" pitchFamily="18" charset="0"/>
+                        </a:rPr>
+                        <a:t>Other</a:t>
+                      </a:r>
+                      <a:endParaRPr kumimoji="0" lang="en-US" sz="2800" b="0" i="0" u="none" strike="noStrike" cap="none" normalizeH="0" baseline="0">
+                        <a:ln>
+                          <a:noFill/>
+                        </a:ln>
+                        <a:solidFill>
+                          <a:schemeClr val="tx1"/>
+                        </a:solidFill>
+                        <a:effectLst/>
+                        <a:latin typeface="Arial" charset="0"/>
+                      </a:endParaRPr>
+                    </a:p>
+                  </a:txBody>
+                  <a:tcPr horzOverflow="overflow">
+                    <a:lnL w="12700" cap="flat" cmpd="sng" algn="ctr">
+                      <a:solidFill>
+                        <a:srgbClr val="000000"/>
+                      </a:solidFill>
+                      <a:prstDash val="solid"/>
+                      <a:round/>
+                      <a:headEnd type="none" w="med" len="med"/>
+                      <a:tailEnd type="none" w="med" len="med"/>
+                    </a:lnL>
+                    <a:lnR w="12700" cap="flat" cmpd="sng" algn="ctr">
+                      <a:solidFill>
+                        <a:srgbClr val="000000"/>
+                      </a:solidFill>
+                      <a:prstDash val="solid"/>
+                      <a:round/>
+                      <a:headEnd type="none" w="med" len="med"/>
+                      <a:tailEnd type="none" w="med" len="med"/>
+                    </a:lnR>
+                    <a:lnT w="12700" cap="flat" cmpd="sng" algn="ctr">
+                      <a:solidFill>
+                        <a:srgbClr val="000000"/>
+                      </a:solidFill>
+                      <a:prstDash val="solid"/>
+                      <a:round/>
+                      <a:headEnd type="none" w="med" len="med"/>
+                      <a:tailEnd type="none" w="med" len="med"/>
+                    </a:lnT>
+                    <a:lnB w="12700" cap="flat" cmpd="sng" algn="ctr">
+                      <a:solidFill>
+                        <a:srgbClr val="000000"/>
+                      </a:solidFill>
+                      <a:prstDash val="solid"/>
+                      <a:round/>
+                      <a:headEnd type="none" w="med" len="med"/>
+                      <a:tailEnd type="none" w="med" len="med"/>
+                    </a:lnB>
+                    <a:lnTlToBr>
+                      <a:noFill/>
+                    </a:lnTlToBr>
+                    <a:lnBlToTr>
+                      <a:noFill/>
+                    </a:lnBlToTr>
+                    <a:noFill/>
+                  </a:tcPr>
+                </a:tc>
+                <a:extLst>
+                  <a:ext uri="{0D108BD9-81ED-4DB2-BD59-A6C34878D82A}">
+                    <a16:rowId xmlns:a16="http://schemas.microsoft.com/office/drawing/2014/main" val="10000"/>
+                  </a:ext>
+                </a:extLst>
+              </a:tr>
+              <a:tr h="850900">
+                <a:tc>
+                  <a:txBody>
+                    <a:bodyPr/>
+                    <a:lstStyle/>
+                    <a:p>
+                      <a:pPr marL="0" marR="0" lvl="0" indent="0" algn="l" defTabSz="914400" rtl="0" eaLnBrk="1" fontAlgn="base" latinLnBrk="0" hangingPunct="1">
+                        <a:lnSpc>
+                          <a:spcPct val="100000"/>
+                        </a:lnSpc>
+                        <a:spcBef>
+                          <a:spcPct val="0"/>
+                        </a:spcBef>
+                        <a:spcAft>
+                          <a:spcPct val="0"/>
+                        </a:spcAft>
+                        <a:buClrTx/>
+                        <a:buSzTx/>
+                        <a:buFontTx/>
+                        <a:buNone/>
+                        <a:tabLst/>
+                      </a:pPr>
+                      <a:r>
+                        <a:rPr kumimoji="0" lang="en-US" sz="2800" b="0" i="0" u="none" strike="noStrike" cap="none" normalizeH="0" baseline="0" dirty="0">
+                          <a:ln>
+                            <a:noFill/>
+                          </a:ln>
+                          <a:solidFill>
+                            <a:schemeClr val="tx1"/>
+                          </a:solidFill>
+                          <a:effectLst/>
+                          <a:latin typeface="Times New Roman" pitchFamily="18" charset="0"/>
+                          <a:cs typeface="Times New Roman" pitchFamily="18" charset="0"/>
+                        </a:rPr>
+                        <a:t>Black-Lavender</a:t>
+                      </a:r>
+                      <a:endParaRPr kumimoji="0" lang="en-US" sz="2800" b="0" i="0" u="none" strike="noStrike" cap="none" normalizeH="0" baseline="0" dirty="0">
+                        <a:ln>
+                          <a:noFill/>
+                        </a:ln>
+                        <a:solidFill>
+                          <a:schemeClr val="tx1"/>
+                        </a:solidFill>
+                        <a:effectLst/>
+                        <a:latin typeface="Arial" charset="0"/>
+                      </a:endParaRPr>
+                    </a:p>
+                  </a:txBody>
+                  <a:tcPr horzOverflow="overflow">
+                    <a:lnL w="12700" cap="flat" cmpd="sng" algn="ctr">
+                      <a:solidFill>
+                        <a:srgbClr val="000000"/>
+                      </a:solidFill>
+                      <a:prstDash val="solid"/>
+                      <a:round/>
+                      <a:headEnd type="none" w="med" len="med"/>
+                      <a:tailEnd type="none" w="med" len="med"/>
+                    </a:lnL>
+                    <a:lnR w="12700" cap="flat" cmpd="sng" algn="ctr">
+                      <a:solidFill>
+                        <a:srgbClr val="000000"/>
+                      </a:solidFill>
+                      <a:prstDash val="solid"/>
+                      <a:round/>
+                      <a:headEnd type="none" w="med" len="med"/>
+                      <a:tailEnd type="none" w="med" len="med"/>
+                    </a:lnR>
+                    <a:lnT w="12700" cap="flat" cmpd="sng" algn="ctr">
+                      <a:solidFill>
+                        <a:srgbClr val="000000"/>
+                      </a:solidFill>
+                      <a:prstDash val="solid"/>
+                      <a:round/>
+                      <a:headEnd type="none" w="med" len="med"/>
+                      <a:tailEnd type="none" w="med" len="med"/>
+                    </a:lnT>
+                    <a:lnB w="12700" cap="flat" cmpd="sng" algn="ctr">
+                      <a:solidFill>
+                        <a:srgbClr val="000000"/>
+                      </a:solidFill>
+                      <a:prstDash val="solid"/>
+                      <a:round/>
+                      <a:headEnd type="none" w="med" len="med"/>
+                      <a:tailEnd type="none" w="med" len="med"/>
+                    </a:lnB>
+                    <a:lnTlToBr>
+                      <a:noFill/>
+                    </a:lnTlToBr>
+                    <a:lnBlToTr>
+                      <a:noFill/>
+                    </a:lnBlToTr>
+                    <a:noFill/>
+                  </a:tcPr>
+                </a:tc>
+                <a:tc>
+                  <a:txBody>
+                    <a:bodyPr/>
+                    <a:lstStyle/>
+                    <a:p>
+                      <a:pPr marL="0" marR="0" lvl="0" indent="0" algn="ctr" defTabSz="914400" rtl="0" eaLnBrk="1" fontAlgn="base" latinLnBrk="0" hangingPunct="1">
+                        <a:lnSpc>
+                          <a:spcPct val="100000"/>
+                        </a:lnSpc>
+                        <a:spcBef>
+                          <a:spcPct val="0"/>
+                        </a:spcBef>
+                        <a:spcAft>
+                          <a:spcPct val="0"/>
+                        </a:spcAft>
+                        <a:buClrTx/>
+                        <a:buSzTx/>
+                        <a:buFontTx/>
+                        <a:buNone/>
+                        <a:tabLst/>
+                      </a:pPr>
+                      <a:r>
+                        <a:rPr kumimoji="0" lang="en-US" sz="2800" b="0" i="0" u="none" strike="noStrike" cap="none" normalizeH="0" baseline="0" dirty="0">
+                          <a:ln>
+                            <a:noFill/>
+                          </a:ln>
+                          <a:solidFill>
+                            <a:schemeClr val="tx1"/>
+                          </a:solidFill>
+                          <a:effectLst/>
+                          <a:latin typeface="Times New Roman" pitchFamily="18" charset="0"/>
+                          <a:cs typeface="Times New Roman" pitchFamily="18" charset="0"/>
+                        </a:rPr>
+                        <a:t>6</a:t>
+                      </a:r>
+                    </a:p>
+                    <a:p>
+                      <a:pPr marL="0" marR="0" lvl="0" indent="0" algn="ctr" defTabSz="914400" rtl="0" eaLnBrk="0" fontAlgn="base" latinLnBrk="0" hangingPunct="0">
+                        <a:lnSpc>
+                          <a:spcPct val="100000"/>
+                        </a:lnSpc>
+                        <a:spcBef>
+                          <a:spcPct val="0"/>
+                        </a:spcBef>
+                        <a:spcAft>
+                          <a:spcPct val="0"/>
+                        </a:spcAft>
+                        <a:buClrTx/>
+                        <a:buSzTx/>
+                        <a:buFontTx/>
+                        <a:buNone/>
+                        <a:tabLst/>
+                      </a:pPr>
+                      <a:r>
+                        <a:rPr kumimoji="0" lang="en-US" sz="2800" b="0" i="0" u="none" strike="noStrike" cap="none" normalizeH="0" baseline="0" dirty="0">
+                          <a:ln>
+                            <a:noFill/>
+                          </a:ln>
+                          <a:solidFill>
+                            <a:schemeClr val="tx1"/>
+                          </a:solidFill>
+                          <a:effectLst/>
+                          <a:latin typeface="Times New Roman" pitchFamily="18" charset="0"/>
+                          <a:cs typeface="Times New Roman" pitchFamily="18" charset="0"/>
+                        </a:rPr>
+                        <a:t>(.40)</a:t>
+                      </a:r>
+                      <a:endParaRPr kumimoji="0" lang="en-US" sz="2800" b="0" i="0" u="none" strike="noStrike" cap="none" normalizeH="0" baseline="0" dirty="0">
+                        <a:ln>
+                          <a:noFill/>
+                        </a:ln>
+                        <a:solidFill>
+                          <a:schemeClr val="tx1"/>
+                        </a:solidFill>
+                        <a:effectLst/>
+                        <a:latin typeface="Arial" charset="0"/>
+                      </a:endParaRPr>
+                    </a:p>
+                  </a:txBody>
+                  <a:tcPr horzOverflow="overflow">
+                    <a:lnL w="12700" cap="flat" cmpd="sng" algn="ctr">
+                      <a:solidFill>
+                        <a:srgbClr val="000000"/>
+                      </a:solidFill>
+                      <a:prstDash val="solid"/>
+                      <a:round/>
+                      <a:headEnd type="none" w="med" len="med"/>
+                      <a:tailEnd type="none" w="med" len="med"/>
+                    </a:lnL>
+                    <a:lnR w="12700" cap="flat" cmpd="sng" algn="ctr">
+                      <a:solidFill>
+                        <a:srgbClr val="000000"/>
+                      </a:solidFill>
+                      <a:prstDash val="solid"/>
+                      <a:round/>
+                      <a:headEnd type="none" w="med" len="med"/>
+                      <a:tailEnd type="none" w="med" len="med"/>
+                    </a:lnR>
+                    <a:lnT w="12700" cap="flat" cmpd="sng" algn="ctr">
+                      <a:solidFill>
+                        <a:srgbClr val="000000"/>
+                      </a:solidFill>
+                      <a:prstDash val="solid"/>
+                      <a:round/>
+                      <a:headEnd type="none" w="med" len="med"/>
+                      <a:tailEnd type="none" w="med" len="med"/>
+                    </a:lnT>
+                    <a:lnB w="12700" cap="flat" cmpd="sng" algn="ctr">
+                      <a:solidFill>
+                        <a:srgbClr val="000000"/>
+                      </a:solidFill>
+                      <a:prstDash val="solid"/>
+                      <a:round/>
+                      <a:headEnd type="none" w="med" len="med"/>
+                      <a:tailEnd type="none" w="med" len="med"/>
+                    </a:lnB>
+                    <a:lnTlToBr>
+                      <a:noFill/>
+                    </a:lnTlToBr>
+                    <a:lnBlToTr>
+                      <a:noFill/>
+                    </a:lnBlToTr>
+                    <a:noFill/>
+                  </a:tcPr>
+                </a:tc>
+                <a:tc>
+                  <a:txBody>
+                    <a:bodyPr/>
+                    <a:lstStyle/>
+                    <a:p>
+                      <a:pPr marL="0" marR="0" lvl="0" indent="0" algn="ctr" defTabSz="914400" rtl="0" eaLnBrk="1" fontAlgn="base" latinLnBrk="0" hangingPunct="1">
+                        <a:lnSpc>
+                          <a:spcPct val="100000"/>
+                        </a:lnSpc>
+                        <a:spcBef>
+                          <a:spcPct val="0"/>
+                        </a:spcBef>
+                        <a:spcAft>
+                          <a:spcPct val="0"/>
+                        </a:spcAft>
+                        <a:buClrTx/>
+                        <a:buSzTx/>
+                        <a:buFontTx/>
+                        <a:buNone/>
+                        <a:tabLst/>
+                      </a:pPr>
+                      <a:r>
+                        <a:rPr kumimoji="0" lang="en-US" sz="2800" b="0" i="0" u="none" strike="noStrike" cap="none" normalizeH="0" baseline="0" dirty="0">
+                          <a:ln>
+                            <a:noFill/>
+                          </a:ln>
+                          <a:solidFill>
+                            <a:schemeClr val="tx1"/>
+                          </a:solidFill>
+                          <a:effectLst/>
+                          <a:latin typeface="Times New Roman" pitchFamily="18" charset="0"/>
+                          <a:cs typeface="Times New Roman" pitchFamily="18" charset="0"/>
+                        </a:rPr>
+                        <a:t>9</a:t>
+                      </a:r>
+                    </a:p>
+                    <a:p>
+                      <a:pPr marL="0" marR="0" lvl="0" indent="0" algn="ctr" defTabSz="914400" rtl="0" eaLnBrk="0" fontAlgn="base" latinLnBrk="0" hangingPunct="0">
+                        <a:lnSpc>
+                          <a:spcPct val="100000"/>
+                        </a:lnSpc>
+                        <a:spcBef>
+                          <a:spcPct val="0"/>
+                        </a:spcBef>
+                        <a:spcAft>
+                          <a:spcPct val="0"/>
+                        </a:spcAft>
+                        <a:buClrTx/>
+                        <a:buSzTx/>
+                        <a:buFontTx/>
+                        <a:buNone/>
+                        <a:tabLst/>
+                      </a:pPr>
+                      <a:r>
+                        <a:rPr kumimoji="0" lang="en-US" sz="2800" b="0" i="0" u="none" strike="noStrike" cap="none" normalizeH="0" baseline="0" dirty="0">
+                          <a:ln>
+                            <a:noFill/>
+                          </a:ln>
+                          <a:solidFill>
+                            <a:schemeClr val="tx1"/>
+                          </a:solidFill>
+                          <a:effectLst/>
+                          <a:latin typeface="Times New Roman" pitchFamily="18" charset="0"/>
+                          <a:cs typeface="Times New Roman" pitchFamily="18" charset="0"/>
+                        </a:rPr>
+                        <a:t>(.60)</a:t>
+                      </a:r>
+                      <a:endParaRPr kumimoji="0" lang="en-US" sz="2800" b="0" i="0" u="none" strike="noStrike" cap="none" normalizeH="0" baseline="0" dirty="0">
+                        <a:ln>
+                          <a:noFill/>
+                        </a:ln>
+                        <a:solidFill>
+                          <a:schemeClr val="tx1"/>
+                        </a:solidFill>
+                        <a:effectLst/>
+                        <a:latin typeface="Arial" charset="0"/>
+                      </a:endParaRPr>
+                    </a:p>
+                  </a:txBody>
+                  <a:tcPr horzOverflow="overflow">
+                    <a:lnL w="12700" cap="flat" cmpd="sng" algn="ctr">
+                      <a:solidFill>
+                        <a:srgbClr val="000000"/>
+                      </a:solidFill>
+                      <a:prstDash val="solid"/>
+                      <a:round/>
+                      <a:headEnd type="none" w="med" len="med"/>
+                      <a:tailEnd type="none" w="med" len="med"/>
+                    </a:lnL>
+                    <a:lnR w="12700" cap="flat" cmpd="sng" algn="ctr">
+                      <a:solidFill>
+                        <a:srgbClr val="000000"/>
+                      </a:solidFill>
+                      <a:prstDash val="solid"/>
+                      <a:round/>
+                      <a:headEnd type="none" w="med" len="med"/>
+                      <a:tailEnd type="none" w="med" len="med"/>
+                    </a:lnR>
+                    <a:lnT w="12700" cap="flat" cmpd="sng" algn="ctr">
+                      <a:solidFill>
+                        <a:srgbClr val="000000"/>
+                      </a:solidFill>
+                      <a:prstDash val="solid"/>
+                      <a:round/>
+                      <a:headEnd type="none" w="med" len="med"/>
+                      <a:tailEnd type="none" w="med" len="med"/>
+                    </a:lnT>
+                    <a:lnB w="12700" cap="flat" cmpd="sng" algn="ctr">
+                      <a:solidFill>
+                        <a:srgbClr val="000000"/>
+                      </a:solidFill>
+                      <a:prstDash val="solid"/>
+                      <a:round/>
+                      <a:headEnd type="none" w="med" len="med"/>
+                      <a:tailEnd type="none" w="med" len="med"/>
+                    </a:lnB>
+                    <a:lnTlToBr>
+                      <a:noFill/>
+                    </a:lnTlToBr>
+                    <a:lnBlToTr>
+                      <a:noFill/>
+                    </a:lnBlToTr>
+                    <a:noFill/>
+                  </a:tcPr>
+                </a:tc>
+                <a:extLst>
+                  <a:ext uri="{0D108BD9-81ED-4DB2-BD59-A6C34878D82A}">
+                    <a16:rowId xmlns:a16="http://schemas.microsoft.com/office/drawing/2014/main" val="10001"/>
+                  </a:ext>
+                </a:extLst>
+              </a:tr>
+              <a:tr h="849313">
+                <a:tc>
+                  <a:txBody>
+                    <a:bodyPr/>
+                    <a:lstStyle/>
+                    <a:p>
+                      <a:pPr marL="0" marR="0" lvl="0" indent="0" algn="l" defTabSz="914400" rtl="0" eaLnBrk="1" fontAlgn="base" latinLnBrk="0" hangingPunct="1">
+                        <a:lnSpc>
+                          <a:spcPct val="100000"/>
+                        </a:lnSpc>
+                        <a:spcBef>
+                          <a:spcPct val="0"/>
+                        </a:spcBef>
+                        <a:spcAft>
+                          <a:spcPct val="0"/>
+                        </a:spcAft>
+                        <a:buClrTx/>
+                        <a:buSzTx/>
+                        <a:buFontTx/>
+                        <a:buNone/>
+                        <a:tabLst/>
+                      </a:pPr>
+                      <a:r>
+                        <a:rPr kumimoji="0" lang="en-US" sz="2800" b="0" i="0" u="none" strike="noStrike" cap="none" normalizeH="0" baseline="0">
+                          <a:ln>
+                            <a:noFill/>
+                          </a:ln>
+                          <a:solidFill>
+                            <a:schemeClr val="tx1"/>
+                          </a:solidFill>
+                          <a:effectLst/>
+                          <a:latin typeface="Times New Roman" pitchFamily="18" charset="0"/>
+                          <a:cs typeface="Times New Roman" pitchFamily="18" charset="0"/>
+                        </a:rPr>
+                        <a:t>White-Lavender</a:t>
+                      </a:r>
+                      <a:endParaRPr kumimoji="0" lang="en-US" sz="2800" b="0" i="0" u="none" strike="noStrike" cap="none" normalizeH="0" baseline="0">
+                        <a:ln>
+                          <a:noFill/>
+                        </a:ln>
+                        <a:solidFill>
+                          <a:schemeClr val="tx1"/>
+                        </a:solidFill>
+                        <a:effectLst/>
+                        <a:latin typeface="Arial" charset="0"/>
+                      </a:endParaRPr>
+                    </a:p>
+                  </a:txBody>
+                  <a:tcPr horzOverflow="overflow">
+                    <a:lnL w="12700" cap="flat" cmpd="sng" algn="ctr">
+                      <a:solidFill>
+                        <a:srgbClr val="000000"/>
+                      </a:solidFill>
+                      <a:prstDash val="solid"/>
+                      <a:round/>
+                      <a:headEnd type="none" w="med" len="med"/>
+                      <a:tailEnd type="none" w="med" len="med"/>
+                    </a:lnL>
+                    <a:lnR w="12700" cap="flat" cmpd="sng" algn="ctr">
+                      <a:solidFill>
+                        <a:srgbClr val="000000"/>
+                      </a:solidFill>
+                      <a:prstDash val="solid"/>
+                      <a:round/>
+                      <a:headEnd type="none" w="med" len="med"/>
+                      <a:tailEnd type="none" w="med" len="med"/>
+                    </a:lnR>
+                    <a:lnT w="12700" cap="flat" cmpd="sng" algn="ctr">
+                      <a:solidFill>
+                        <a:srgbClr val="000000"/>
+                      </a:solidFill>
+                      <a:prstDash val="solid"/>
+                      <a:round/>
+                      <a:headEnd type="none" w="med" len="med"/>
+                      <a:tailEnd type="none" w="med" len="med"/>
+                    </a:lnT>
+                    <a:lnB w="12700" cap="flat" cmpd="sng" algn="ctr">
+                      <a:solidFill>
+                        <a:srgbClr val="000000"/>
+                      </a:solidFill>
+                      <a:prstDash val="solid"/>
+                      <a:round/>
+                      <a:headEnd type="none" w="med" len="med"/>
+                      <a:tailEnd type="none" w="med" len="med"/>
+                    </a:lnB>
+                    <a:lnTlToBr>
+                      <a:noFill/>
+                    </a:lnTlToBr>
+                    <a:lnBlToTr>
+                      <a:noFill/>
+                    </a:lnBlToTr>
+                    <a:noFill/>
+                  </a:tcPr>
+                </a:tc>
+                <a:tc>
+                  <a:txBody>
+                    <a:bodyPr/>
+                    <a:lstStyle/>
+                    <a:p>
+                      <a:pPr marL="0" marR="0" lvl="0" indent="0" algn="ctr" defTabSz="914400" rtl="0" eaLnBrk="1" fontAlgn="base" latinLnBrk="0" hangingPunct="1">
+                        <a:lnSpc>
+                          <a:spcPct val="100000"/>
+                        </a:lnSpc>
+                        <a:spcBef>
+                          <a:spcPct val="0"/>
+                        </a:spcBef>
+                        <a:spcAft>
+                          <a:spcPct val="0"/>
+                        </a:spcAft>
+                        <a:buClrTx/>
+                        <a:buSzTx/>
+                        <a:buFontTx/>
+                        <a:buNone/>
+                        <a:tabLst/>
+                      </a:pPr>
+                      <a:r>
+                        <a:rPr kumimoji="0" lang="en-US" sz="2800" b="0" i="0" u="none" strike="noStrike" cap="none" normalizeH="0" baseline="0">
+                          <a:ln>
+                            <a:noFill/>
+                          </a:ln>
+                          <a:solidFill>
+                            <a:schemeClr val="tx1"/>
+                          </a:solidFill>
+                          <a:effectLst/>
+                          <a:latin typeface="Times New Roman" pitchFamily="18" charset="0"/>
+                          <a:cs typeface="Times New Roman" pitchFamily="18" charset="0"/>
+                        </a:rPr>
+                        <a:t>15</a:t>
+                      </a:r>
+                    </a:p>
+                    <a:p>
+                      <a:pPr marL="0" marR="0" lvl="0" indent="0" algn="ctr" defTabSz="914400" rtl="0" eaLnBrk="0" fontAlgn="base" latinLnBrk="0" hangingPunct="0">
+                        <a:lnSpc>
+                          <a:spcPct val="100000"/>
+                        </a:lnSpc>
+                        <a:spcBef>
+                          <a:spcPct val="0"/>
+                        </a:spcBef>
+                        <a:spcAft>
+                          <a:spcPct val="0"/>
+                        </a:spcAft>
+                        <a:buClrTx/>
+                        <a:buSzTx/>
+                        <a:buFontTx/>
+                        <a:buNone/>
+                        <a:tabLst/>
+                      </a:pPr>
+                      <a:r>
+                        <a:rPr kumimoji="0" lang="en-US" sz="2800" b="0" i="0" u="none" strike="noStrike" cap="none" normalizeH="0" baseline="0">
+                          <a:ln>
+                            <a:noFill/>
+                          </a:ln>
+                          <a:solidFill>
+                            <a:schemeClr val="tx1"/>
+                          </a:solidFill>
+                          <a:effectLst/>
+                          <a:latin typeface="Times New Roman" pitchFamily="18" charset="0"/>
+                          <a:cs typeface="Times New Roman" pitchFamily="18" charset="0"/>
+                        </a:rPr>
+                        <a:t>(1.0)</a:t>
+                      </a:r>
+                      <a:endParaRPr kumimoji="0" lang="en-US" sz="2800" b="0" i="0" u="none" strike="noStrike" cap="none" normalizeH="0" baseline="0">
+                        <a:ln>
+                          <a:noFill/>
+                        </a:ln>
+                        <a:solidFill>
+                          <a:schemeClr val="tx1"/>
+                        </a:solidFill>
+                        <a:effectLst/>
+                        <a:latin typeface="Arial" charset="0"/>
+                      </a:endParaRPr>
+                    </a:p>
+                  </a:txBody>
+                  <a:tcPr horzOverflow="overflow">
+                    <a:lnL w="12700" cap="flat" cmpd="sng" algn="ctr">
+                      <a:solidFill>
+                        <a:srgbClr val="000000"/>
+                      </a:solidFill>
+                      <a:prstDash val="solid"/>
+                      <a:round/>
+                      <a:headEnd type="none" w="med" len="med"/>
+                      <a:tailEnd type="none" w="med" len="med"/>
+                    </a:lnL>
+                    <a:lnR w="12700" cap="flat" cmpd="sng" algn="ctr">
+                      <a:solidFill>
+                        <a:srgbClr val="000000"/>
+                      </a:solidFill>
+                      <a:prstDash val="solid"/>
+                      <a:round/>
+                      <a:headEnd type="none" w="med" len="med"/>
+                      <a:tailEnd type="none" w="med" len="med"/>
+                    </a:lnR>
+                    <a:lnT w="12700" cap="flat" cmpd="sng" algn="ctr">
+                      <a:solidFill>
+                        <a:srgbClr val="000000"/>
+                      </a:solidFill>
+                      <a:prstDash val="solid"/>
+                      <a:round/>
+                      <a:headEnd type="none" w="med" len="med"/>
+                      <a:tailEnd type="none" w="med" len="med"/>
+                    </a:lnT>
+                    <a:lnB w="12700" cap="flat" cmpd="sng" algn="ctr">
+                      <a:solidFill>
+                        <a:srgbClr val="000000"/>
+                      </a:solidFill>
+                      <a:prstDash val="solid"/>
+                      <a:round/>
+                      <a:headEnd type="none" w="med" len="med"/>
+                      <a:tailEnd type="none" w="med" len="med"/>
+                    </a:lnB>
+                    <a:lnTlToBr>
+                      <a:noFill/>
+                    </a:lnTlToBr>
+                    <a:lnBlToTr>
+                      <a:noFill/>
+                    </a:lnBlToTr>
+                    <a:noFill/>
+                  </a:tcPr>
+                </a:tc>
+                <a:tc>
+                  <a:txBody>
+                    <a:bodyPr/>
+                    <a:lstStyle/>
+                    <a:p>
+                      <a:pPr marL="0" marR="0" lvl="0" indent="0" algn="ctr" defTabSz="914400" rtl="0" eaLnBrk="1" fontAlgn="base" latinLnBrk="0" hangingPunct="1">
+                        <a:lnSpc>
+                          <a:spcPct val="100000"/>
+                        </a:lnSpc>
+                        <a:spcBef>
+                          <a:spcPct val="0"/>
+                        </a:spcBef>
+                        <a:spcAft>
+                          <a:spcPct val="0"/>
+                        </a:spcAft>
+                        <a:buClrTx/>
+                        <a:buSzTx/>
+                        <a:buFontTx/>
+                        <a:buNone/>
+                        <a:tabLst/>
+                      </a:pPr>
+                      <a:r>
+                        <a:rPr kumimoji="0" lang="en-US" sz="2800" b="0" i="0" u="none" strike="noStrike" cap="none" normalizeH="0" baseline="0" dirty="0">
+                          <a:ln>
+                            <a:noFill/>
+                          </a:ln>
+                          <a:solidFill>
+                            <a:schemeClr val="tx1"/>
+                          </a:solidFill>
+                          <a:effectLst/>
+                          <a:latin typeface="Times New Roman" pitchFamily="18" charset="0"/>
+                          <a:cs typeface="Times New Roman" pitchFamily="18" charset="0"/>
+                        </a:rPr>
+                        <a:t>0</a:t>
+                      </a:r>
+                    </a:p>
+                    <a:p>
+                      <a:pPr marL="0" marR="0" lvl="0" indent="0" algn="ctr" defTabSz="914400" rtl="0" eaLnBrk="0" fontAlgn="base" latinLnBrk="0" hangingPunct="0">
+                        <a:lnSpc>
+                          <a:spcPct val="100000"/>
+                        </a:lnSpc>
+                        <a:spcBef>
+                          <a:spcPct val="0"/>
+                        </a:spcBef>
+                        <a:spcAft>
+                          <a:spcPct val="0"/>
+                        </a:spcAft>
+                        <a:buClrTx/>
+                        <a:buSzTx/>
+                        <a:buFontTx/>
+                        <a:buNone/>
+                        <a:tabLst/>
+                      </a:pPr>
+                      <a:r>
+                        <a:rPr kumimoji="0" lang="en-US" sz="2800" b="0" i="0" u="none" strike="noStrike" cap="none" normalizeH="0" baseline="0" dirty="0">
+                          <a:ln>
+                            <a:noFill/>
+                          </a:ln>
+                          <a:solidFill>
+                            <a:schemeClr val="tx1"/>
+                          </a:solidFill>
+                          <a:effectLst/>
+                          <a:latin typeface="Times New Roman" pitchFamily="18" charset="0"/>
+                          <a:cs typeface="Times New Roman" pitchFamily="18" charset="0"/>
+                        </a:rPr>
+                        <a:t>(.00)</a:t>
+                      </a:r>
+                      <a:endParaRPr kumimoji="0" lang="en-US" sz="2800" b="0" i="0" u="none" strike="noStrike" cap="none" normalizeH="0" baseline="0" dirty="0">
+                        <a:ln>
+                          <a:noFill/>
+                        </a:ln>
+                        <a:solidFill>
+                          <a:schemeClr val="tx1"/>
+                        </a:solidFill>
+                        <a:effectLst/>
+                        <a:latin typeface="Arial" charset="0"/>
+                      </a:endParaRPr>
+                    </a:p>
+                  </a:txBody>
+                  <a:tcPr horzOverflow="overflow">
+                    <a:lnL w="12700" cap="flat" cmpd="sng" algn="ctr">
+                      <a:solidFill>
+                        <a:srgbClr val="000000"/>
+                      </a:solidFill>
+                      <a:prstDash val="solid"/>
+                      <a:round/>
+                      <a:headEnd type="none" w="med" len="med"/>
+                      <a:tailEnd type="none" w="med" len="med"/>
+                    </a:lnL>
+                    <a:lnR w="12700" cap="flat" cmpd="sng" algn="ctr">
+                      <a:solidFill>
+                        <a:srgbClr val="000000"/>
+                      </a:solidFill>
+                      <a:prstDash val="solid"/>
+                      <a:round/>
+                      <a:headEnd type="none" w="med" len="med"/>
+                      <a:tailEnd type="none" w="med" len="med"/>
+                    </a:lnR>
+                    <a:lnT w="12700" cap="flat" cmpd="sng" algn="ctr">
+                      <a:solidFill>
+                        <a:srgbClr val="000000"/>
+                      </a:solidFill>
+                      <a:prstDash val="solid"/>
+                      <a:round/>
+                      <a:headEnd type="none" w="med" len="med"/>
+                      <a:tailEnd type="none" w="med" len="med"/>
+                    </a:lnT>
+                    <a:lnB w="12700" cap="flat" cmpd="sng" algn="ctr">
+                      <a:solidFill>
+                        <a:srgbClr val="000000"/>
+                      </a:solidFill>
+                      <a:prstDash val="solid"/>
+                      <a:round/>
+                      <a:headEnd type="none" w="med" len="med"/>
+                      <a:tailEnd type="none" w="med" len="med"/>
+                    </a:lnB>
+                    <a:lnTlToBr>
+                      <a:noFill/>
+                    </a:lnTlToBr>
+                    <a:lnBlToTr>
+                      <a:noFill/>
+                    </a:lnBlToTr>
+                    <a:noFill/>
+                  </a:tcPr>
+                </a:tc>
+                <a:extLst>
+                  <a:ext uri="{0D108BD9-81ED-4DB2-BD59-A6C34878D82A}">
+                    <a16:rowId xmlns:a16="http://schemas.microsoft.com/office/drawing/2014/main" val="10002"/>
+                  </a:ext>
+                </a:extLst>
+              </a:tr>
+            </a:tbl>
+          </a:graphicData>
+        </a:graphic>
+      </p:graphicFrame>
     </p:spTree>
     <p:extLst>
       <p:ext uri="{BB962C8B-B14F-4D97-AF65-F5344CB8AC3E}">
-        <p14:creationId xmlns:p14="http://schemas.microsoft.com/office/powerpoint/2010/main" val="3057885719"/>
+        <p14:creationId xmlns:p14="http://schemas.microsoft.com/office/powerpoint/2010/main" val="2285731514"/>
       </p:ext>
     </p:extLst>
   </p:cSld>
@@ -4700,7 +9126,13 @@
   <p:cSld>
     <p:spTree>
       <p:nvGrpSpPr>
-        <p:cNvPr id="1" name=""/>
+        <p:cNvPr id="1" name="">
+          <a:extLst>
+            <a:ext uri="{FF2B5EF4-FFF2-40B4-BE49-F238E27FC236}">
+              <a16:creationId xmlns:a16="http://schemas.microsoft.com/office/drawing/2014/main" id="{9935A360-897D-716E-A21C-45FA777E915E}"/>
+            </a:ext>
+          </a:extLst>
+        </p:cNvPr>
         <p:cNvGrpSpPr/>
         <p:nvPr/>
       </p:nvGrpSpPr>
@@ -4714,7 +9146,13 @@
       </p:grpSpPr>
       <p:sp>
         <p:nvSpPr>
-          <p:cNvPr id="10242" name="Rectangle 2"/>
+          <p:cNvPr id="10242" name="Rectangle 2">
+            <a:extLst>
+              <a:ext uri="{FF2B5EF4-FFF2-40B4-BE49-F238E27FC236}">
+                <a16:creationId xmlns:a16="http://schemas.microsoft.com/office/drawing/2014/main" id="{5C9248A0-921B-8637-8D76-931E974862D8}"/>
+              </a:ext>
+            </a:extLst>
+          </p:cNvPr>
           <p:cNvSpPr>
             <a:spLocks noGrp="1" noChangeArrowheads="1"/>
           </p:cNvSpPr>
@@ -4724,118 +9162,1439 @@
         </p:nvSpPr>
         <p:spPr/>
         <p:txBody>
+          <a:bodyPr rtlCol="0">
+            <a:normAutofit/>
+          </a:bodyPr>
+          <a:lstStyle/>
+          <a:p>
+            <a:pPr>
+              <a:defRPr/>
+            </a:pPr>
+            <a:r>
+              <a:rPr lang="en-US" sz="4000"/>
+              <a:t>Do Adults and Children react differently?</a:t>
+            </a:r>
+          </a:p>
+        </p:txBody>
+      </p:sp>
+      <p:sp>
+        <p:nvSpPr>
+          <p:cNvPr id="9219" name="Rectangle 5">
+            <a:extLst>
+              <a:ext uri="{FF2B5EF4-FFF2-40B4-BE49-F238E27FC236}">
+                <a16:creationId xmlns:a16="http://schemas.microsoft.com/office/drawing/2014/main" id="{AFBC67AE-58AB-1A29-C10D-0B0B055C8801}"/>
+              </a:ext>
+            </a:extLst>
+          </p:cNvPr>
+          <p:cNvSpPr>
+            <a:spLocks noGrp="1" noChangeArrowheads="1"/>
+          </p:cNvSpPr>
+          <p:nvPr>
+            <p:ph type="body" sz="half" idx="2"/>
+          </p:nvPr>
+        </p:nvSpPr>
+        <p:spPr>
+          <a:xfrm>
+            <a:off x="983673" y="5064310"/>
+            <a:ext cx="8229600" cy="990602"/>
+          </a:xfrm>
+        </p:spPr>
+        <p:txBody>
           <a:bodyPr/>
           <a:lstStyle/>
           <a:p>
             <a:r>
               <a:rPr lang="en-US" dirty="0"/>
-              <a:t>Philosophical Ethical Challenges</a:t>
-            </a:r>
-          </a:p>
-        </p:txBody>
-      </p:sp>
-      <p:sp>
-        <p:nvSpPr>
-          <p:cNvPr id="10243" name="Rectangle 3"/>
-          <p:cNvSpPr>
-            <a:spLocks noGrp="1" noChangeArrowheads="1"/>
-          </p:cNvSpPr>
-          <p:nvPr>
-            <p:ph type="body" idx="1"/>
-          </p:nvPr>
-        </p:nvSpPr>
-        <p:spPr/>
-        <p:txBody>
-          <a:bodyPr>
-            <a:normAutofit lnSpcReduction="10000"/>
-          </a:bodyPr>
-          <a:lstStyle/>
-          <a:p>
+              <a:t>X</a:t>
+            </a:r>
+            <a:r>
+              <a:rPr lang="en-US" baseline="30000" dirty="0"/>
+              <a:t>2</a:t>
+            </a:r>
             <a:r>
               <a:rPr lang="en-US" dirty="0"/>
-              <a:t>When the experimental treatment is a benefit</a:t>
-            </a:r>
-          </a:p>
-          <a:p>
-            <a:pPr lvl="1"/>
-            <a:r>
-              <a:rPr lang="en-US" dirty="0"/>
-              <a:t>Justice would normally mean equal benefits across groups</a:t>
-            </a:r>
-          </a:p>
-          <a:p>
-            <a:pPr lvl="1"/>
-            <a:r>
-              <a:rPr lang="en-US" dirty="0"/>
-              <a:t>Intervention research on Monday</a:t>
-            </a:r>
-          </a:p>
-          <a:p>
-            <a:r>
-              <a:rPr lang="en-US" dirty="0"/>
-              <a:t>Coercion versus voluntary participation</a:t>
-            </a:r>
-          </a:p>
-          <a:p>
-            <a:pPr lvl="1"/>
-            <a:r>
-              <a:rPr lang="en-US" dirty="0"/>
-              <a:t>Authority figures: supervisors, teachers</a:t>
-            </a:r>
-          </a:p>
-          <a:p>
-            <a:pPr lvl="1"/>
-            <a:r>
-              <a:rPr lang="en-US" dirty="0"/>
-              <a:t>Financial rewards: incentivizing risk</a:t>
-            </a:r>
-          </a:p>
-          <a:p>
-            <a:r>
-              <a:rPr lang="en-US" dirty="0"/>
-              <a:t>Vulnerable populations</a:t>
-            </a:r>
-          </a:p>
-          <a:p>
-            <a:pPr lvl="1"/>
-            <a:r>
-              <a:rPr lang="en-US" dirty="0"/>
-              <a:t>Children: depend on guardian</a:t>
-            </a:r>
-          </a:p>
-          <a:p>
-            <a:pPr lvl="2"/>
-            <a:r>
-              <a:rPr lang="en-US" dirty="0"/>
-              <a:t>Mandatory reporting training for staff</a:t>
-            </a:r>
-          </a:p>
-          <a:p>
-            <a:pPr lvl="1"/>
-            <a:r>
-              <a:rPr lang="en-US" dirty="0"/>
-              <a:t>Prisoners: cannot voluntarily consent</a:t>
-            </a:r>
-          </a:p>
-          <a:p>
-            <a:pPr lvl="2"/>
-            <a:r>
-              <a:rPr lang="en-US" dirty="0"/>
-              <a:t>Research must be for prisoners’ benefit</a:t>
-            </a:r>
-          </a:p>
-          <a:p>
-            <a:endParaRPr lang="en-US" dirty="0"/>
-          </a:p>
-          <a:p>
-            <a:endParaRPr lang="en-US" dirty="0"/>
-          </a:p>
-        </p:txBody>
-      </p:sp>
+              <a:t>=7.02, p&lt;0.01 </a:t>
+            </a:r>
+          </a:p>
+        </p:txBody>
+      </p:sp>
+      <p:graphicFrame>
+        <p:nvGraphicFramePr>
+          <p:cNvPr id="10323" name="Group 83">
+            <a:extLst>
+              <a:ext uri="{FF2B5EF4-FFF2-40B4-BE49-F238E27FC236}">
+                <a16:creationId xmlns:a16="http://schemas.microsoft.com/office/drawing/2014/main" id="{FFE02816-2EDE-776D-C210-F99CBE7723CB}"/>
+              </a:ext>
+            </a:extLst>
+          </p:cNvPr>
+          <p:cNvGraphicFramePr>
+            <a:graphicFrameLocks noGrp="1"/>
+          </p:cNvGraphicFramePr>
+          <p:nvPr>
+            <p:ph sz="half" idx="1"/>
+          </p:nvPr>
+        </p:nvGraphicFramePr>
+        <p:xfrm>
+          <a:off x="841169" y="1417638"/>
+          <a:ext cx="8229600" cy="3352800"/>
+        </p:xfrm>
+        <a:graphic>
+          <a:graphicData uri="http://schemas.openxmlformats.org/drawingml/2006/table">
+            <a:tbl>
+              <a:tblPr/>
+              <a:tblGrid>
+                <a:gridCol w="2809875">
+                  <a:extLst>
+                    <a:ext uri="{9D8B030D-6E8A-4147-A177-3AD203B41FA5}">
+                      <a16:colId xmlns:a16="http://schemas.microsoft.com/office/drawing/2014/main" val="20000"/>
+                    </a:ext>
+                  </a:extLst>
+                </a:gridCol>
+                <a:gridCol w="2709863">
+                  <a:extLst>
+                    <a:ext uri="{9D8B030D-6E8A-4147-A177-3AD203B41FA5}">
+                      <a16:colId xmlns:a16="http://schemas.microsoft.com/office/drawing/2014/main" val="20001"/>
+                    </a:ext>
+                  </a:extLst>
+                </a:gridCol>
+                <a:gridCol w="2709862">
+                  <a:extLst>
+                    <a:ext uri="{9D8B030D-6E8A-4147-A177-3AD203B41FA5}">
+                      <a16:colId xmlns:a16="http://schemas.microsoft.com/office/drawing/2014/main" val="20002"/>
+                    </a:ext>
+                  </a:extLst>
+                </a:gridCol>
+              </a:tblGrid>
+              <a:tr h="366713">
+                <a:tc>
+                  <a:txBody>
+                    <a:bodyPr/>
+                    <a:lstStyle/>
+                    <a:p>
+                      <a:pPr marL="0" marR="0" lvl="0" indent="0" algn="l" defTabSz="914400" rtl="0" eaLnBrk="1" fontAlgn="base" latinLnBrk="0" hangingPunct="1">
+                        <a:lnSpc>
+                          <a:spcPct val="100000"/>
+                        </a:lnSpc>
+                        <a:spcBef>
+                          <a:spcPct val="20000"/>
+                        </a:spcBef>
+                        <a:spcAft>
+                          <a:spcPct val="0"/>
+                        </a:spcAft>
+                        <a:buClrTx/>
+                        <a:buSzTx/>
+                        <a:buFontTx/>
+                        <a:buNone/>
+                        <a:tabLst/>
+                      </a:pPr>
+                      <a:endParaRPr kumimoji="0" lang="en-US" sz="2800" b="0" i="0" u="none" strike="noStrike" cap="none" normalizeH="0" baseline="0" dirty="0">
+                        <a:ln>
+                          <a:noFill/>
+                        </a:ln>
+                        <a:solidFill>
+                          <a:schemeClr val="tx1"/>
+                        </a:solidFill>
+                        <a:effectLst/>
+                        <a:latin typeface="Arial" charset="0"/>
+                      </a:endParaRPr>
+                    </a:p>
+                  </a:txBody>
+                  <a:tcPr horzOverflow="overflow">
+                    <a:lnL w="12700" cap="flat" cmpd="sng" algn="ctr">
+                      <a:solidFill>
+                        <a:srgbClr val="000000"/>
+                      </a:solidFill>
+                      <a:prstDash val="solid"/>
+                      <a:round/>
+                      <a:headEnd type="none" w="med" len="med"/>
+                      <a:tailEnd type="none" w="med" len="med"/>
+                    </a:lnL>
+                    <a:lnR w="12700" cap="flat" cmpd="sng" algn="ctr">
+                      <a:solidFill>
+                        <a:srgbClr val="000000"/>
+                      </a:solidFill>
+                      <a:prstDash val="solid"/>
+                      <a:round/>
+                      <a:headEnd type="none" w="med" len="med"/>
+                      <a:tailEnd type="none" w="med" len="med"/>
+                    </a:lnR>
+                    <a:lnT w="12700" cap="flat" cmpd="sng" algn="ctr">
+                      <a:solidFill>
+                        <a:srgbClr val="000000"/>
+                      </a:solidFill>
+                      <a:prstDash val="solid"/>
+                      <a:round/>
+                      <a:headEnd type="none" w="med" len="med"/>
+                      <a:tailEnd type="none" w="med" len="med"/>
+                    </a:lnT>
+                    <a:lnB w="12700" cap="flat" cmpd="sng" algn="ctr">
+                      <a:solidFill>
+                        <a:srgbClr val="000000"/>
+                      </a:solidFill>
+                      <a:prstDash val="solid"/>
+                      <a:round/>
+                      <a:headEnd type="none" w="med" len="med"/>
+                      <a:tailEnd type="none" w="med" len="med"/>
+                    </a:lnB>
+                    <a:lnTlToBr>
+                      <a:noFill/>
+                    </a:lnTlToBr>
+                    <a:lnBlToTr>
+                      <a:noFill/>
+                    </a:lnBlToTr>
+                    <a:noFill/>
+                  </a:tcPr>
+                </a:tc>
+                <a:tc>
+                  <a:txBody>
+                    <a:bodyPr/>
+                    <a:lstStyle/>
+                    <a:p>
+                      <a:pPr marL="0" marR="0" lvl="0" indent="0" algn="ctr" defTabSz="914400" rtl="0" eaLnBrk="1" fontAlgn="base" latinLnBrk="0" hangingPunct="1">
+                        <a:lnSpc>
+                          <a:spcPct val="100000"/>
+                        </a:lnSpc>
+                        <a:spcBef>
+                          <a:spcPct val="0"/>
+                        </a:spcBef>
+                        <a:spcAft>
+                          <a:spcPct val="0"/>
+                        </a:spcAft>
+                        <a:buClrTx/>
+                        <a:buSzTx/>
+                        <a:buFontTx/>
+                        <a:buNone/>
+                        <a:tabLst/>
+                      </a:pPr>
+                      <a:r>
+                        <a:rPr kumimoji="0" lang="en-US" sz="2800" b="0" i="0" u="none" strike="noStrike" cap="none" normalizeH="0" baseline="0">
+                          <a:ln>
+                            <a:noFill/>
+                          </a:ln>
+                          <a:solidFill>
+                            <a:schemeClr val="tx1"/>
+                          </a:solidFill>
+                          <a:effectLst/>
+                          <a:latin typeface="Times New Roman" pitchFamily="18" charset="0"/>
+                          <a:cs typeface="Times New Roman" pitchFamily="18" charset="0"/>
+                        </a:rPr>
+                        <a:t>Lavender</a:t>
+                      </a:r>
+                      <a:endParaRPr kumimoji="0" lang="en-US" sz="2800" b="0" i="0" u="none" strike="noStrike" cap="none" normalizeH="0" baseline="0">
+                        <a:ln>
+                          <a:noFill/>
+                        </a:ln>
+                        <a:solidFill>
+                          <a:schemeClr val="tx1"/>
+                        </a:solidFill>
+                        <a:effectLst/>
+                        <a:latin typeface="Arial" charset="0"/>
+                      </a:endParaRPr>
+                    </a:p>
+                  </a:txBody>
+                  <a:tcPr horzOverflow="overflow">
+                    <a:lnL w="12700" cap="flat" cmpd="sng" algn="ctr">
+                      <a:solidFill>
+                        <a:srgbClr val="000000"/>
+                      </a:solidFill>
+                      <a:prstDash val="solid"/>
+                      <a:round/>
+                      <a:headEnd type="none" w="med" len="med"/>
+                      <a:tailEnd type="none" w="med" len="med"/>
+                    </a:lnL>
+                    <a:lnR w="12700" cap="flat" cmpd="sng" algn="ctr">
+                      <a:solidFill>
+                        <a:srgbClr val="000000"/>
+                      </a:solidFill>
+                      <a:prstDash val="solid"/>
+                      <a:round/>
+                      <a:headEnd type="none" w="med" len="med"/>
+                      <a:tailEnd type="none" w="med" len="med"/>
+                    </a:lnR>
+                    <a:lnT w="12700" cap="flat" cmpd="sng" algn="ctr">
+                      <a:solidFill>
+                        <a:srgbClr val="000000"/>
+                      </a:solidFill>
+                      <a:prstDash val="solid"/>
+                      <a:round/>
+                      <a:headEnd type="none" w="med" len="med"/>
+                      <a:tailEnd type="none" w="med" len="med"/>
+                    </a:lnT>
+                    <a:lnB w="12700" cap="flat" cmpd="sng" algn="ctr">
+                      <a:solidFill>
+                        <a:srgbClr val="000000"/>
+                      </a:solidFill>
+                      <a:prstDash val="solid"/>
+                      <a:round/>
+                      <a:headEnd type="none" w="med" len="med"/>
+                      <a:tailEnd type="none" w="med" len="med"/>
+                    </a:lnB>
+                    <a:lnTlToBr>
+                      <a:noFill/>
+                    </a:lnTlToBr>
+                    <a:lnBlToTr>
+                      <a:noFill/>
+                    </a:lnBlToTr>
+                    <a:noFill/>
+                  </a:tcPr>
+                </a:tc>
+                <a:tc>
+                  <a:txBody>
+                    <a:bodyPr/>
+                    <a:lstStyle/>
+                    <a:p>
+                      <a:pPr marL="0" marR="0" lvl="0" indent="0" algn="ctr" defTabSz="914400" rtl="0" eaLnBrk="1" fontAlgn="base" latinLnBrk="0" hangingPunct="1">
+                        <a:lnSpc>
+                          <a:spcPct val="100000"/>
+                        </a:lnSpc>
+                        <a:spcBef>
+                          <a:spcPct val="0"/>
+                        </a:spcBef>
+                        <a:spcAft>
+                          <a:spcPct val="0"/>
+                        </a:spcAft>
+                        <a:buClrTx/>
+                        <a:buSzTx/>
+                        <a:buFontTx/>
+                        <a:buNone/>
+                        <a:tabLst/>
+                      </a:pPr>
+                      <a:r>
+                        <a:rPr kumimoji="0" lang="en-US" sz="2800" b="0" i="0" u="none" strike="noStrike" cap="none" normalizeH="0" baseline="0">
+                          <a:ln>
+                            <a:noFill/>
+                          </a:ln>
+                          <a:solidFill>
+                            <a:schemeClr val="tx1"/>
+                          </a:solidFill>
+                          <a:effectLst/>
+                          <a:latin typeface="Times New Roman" pitchFamily="18" charset="0"/>
+                          <a:cs typeface="Times New Roman" pitchFamily="18" charset="0"/>
+                        </a:rPr>
+                        <a:t>Other</a:t>
+                      </a:r>
+                      <a:endParaRPr kumimoji="0" lang="en-US" sz="2800" b="0" i="0" u="none" strike="noStrike" cap="none" normalizeH="0" baseline="0">
+                        <a:ln>
+                          <a:noFill/>
+                        </a:ln>
+                        <a:solidFill>
+                          <a:schemeClr val="tx1"/>
+                        </a:solidFill>
+                        <a:effectLst/>
+                        <a:latin typeface="Arial" charset="0"/>
+                      </a:endParaRPr>
+                    </a:p>
+                  </a:txBody>
+                  <a:tcPr horzOverflow="overflow">
+                    <a:lnL w="12700" cap="flat" cmpd="sng" algn="ctr">
+                      <a:solidFill>
+                        <a:srgbClr val="000000"/>
+                      </a:solidFill>
+                      <a:prstDash val="solid"/>
+                      <a:round/>
+                      <a:headEnd type="none" w="med" len="med"/>
+                      <a:tailEnd type="none" w="med" len="med"/>
+                    </a:lnL>
+                    <a:lnR w="12700" cap="flat" cmpd="sng" algn="ctr">
+                      <a:solidFill>
+                        <a:srgbClr val="000000"/>
+                      </a:solidFill>
+                      <a:prstDash val="solid"/>
+                      <a:round/>
+                      <a:headEnd type="none" w="med" len="med"/>
+                      <a:tailEnd type="none" w="med" len="med"/>
+                    </a:lnR>
+                    <a:lnT w="12700" cap="flat" cmpd="sng" algn="ctr">
+                      <a:solidFill>
+                        <a:srgbClr val="000000"/>
+                      </a:solidFill>
+                      <a:prstDash val="solid"/>
+                      <a:round/>
+                      <a:headEnd type="none" w="med" len="med"/>
+                      <a:tailEnd type="none" w="med" len="med"/>
+                    </a:lnT>
+                    <a:lnB w="12700" cap="flat" cmpd="sng" algn="ctr">
+                      <a:solidFill>
+                        <a:srgbClr val="000000"/>
+                      </a:solidFill>
+                      <a:prstDash val="solid"/>
+                      <a:round/>
+                      <a:headEnd type="none" w="med" len="med"/>
+                      <a:tailEnd type="none" w="med" len="med"/>
+                    </a:lnB>
+                    <a:lnTlToBr>
+                      <a:noFill/>
+                    </a:lnTlToBr>
+                    <a:lnBlToTr>
+                      <a:noFill/>
+                    </a:lnBlToTr>
+                    <a:noFill/>
+                  </a:tcPr>
+                </a:tc>
+                <a:extLst>
+                  <a:ext uri="{0D108BD9-81ED-4DB2-BD59-A6C34878D82A}">
+                    <a16:rowId xmlns:a16="http://schemas.microsoft.com/office/drawing/2014/main" val="10000"/>
+                  </a:ext>
+                </a:extLst>
+              </a:tr>
+              <a:tr h="574675">
+                <a:tc>
+                  <a:txBody>
+                    <a:bodyPr/>
+                    <a:lstStyle/>
+                    <a:p>
+                      <a:pPr marL="0" marR="0" lvl="0" indent="0" algn="l" defTabSz="914400" rtl="0" eaLnBrk="1" fontAlgn="base" latinLnBrk="0" hangingPunct="1">
+                        <a:lnSpc>
+                          <a:spcPct val="100000"/>
+                        </a:lnSpc>
+                        <a:spcBef>
+                          <a:spcPct val="0"/>
+                        </a:spcBef>
+                        <a:spcAft>
+                          <a:spcPct val="0"/>
+                        </a:spcAft>
+                        <a:buClrTx/>
+                        <a:buSzTx/>
+                        <a:buFontTx/>
+                        <a:buNone/>
+                        <a:tabLst/>
+                      </a:pPr>
+                      <a:r>
+                        <a:rPr kumimoji="0" lang="en-US" sz="2800" b="0" i="0" u="none" strike="noStrike" cap="none" normalizeH="0" baseline="0">
+                          <a:ln>
+                            <a:noFill/>
+                          </a:ln>
+                          <a:solidFill>
+                            <a:schemeClr val="tx1"/>
+                          </a:solidFill>
+                          <a:effectLst/>
+                          <a:latin typeface="Times New Roman" pitchFamily="18" charset="0"/>
+                          <a:cs typeface="Times New Roman" pitchFamily="18" charset="0"/>
+                        </a:rPr>
+                        <a:t>Adults</a:t>
+                      </a:r>
+                      <a:endParaRPr kumimoji="0" lang="en-US" sz="2800" b="0" i="0" u="none" strike="noStrike" cap="none" normalizeH="0" baseline="0">
+                        <a:ln>
+                          <a:noFill/>
+                        </a:ln>
+                        <a:solidFill>
+                          <a:schemeClr val="tx1"/>
+                        </a:solidFill>
+                        <a:effectLst/>
+                        <a:latin typeface="Arial" charset="0"/>
+                      </a:endParaRPr>
+                    </a:p>
+                  </a:txBody>
+                  <a:tcPr horzOverflow="overflow">
+                    <a:lnL w="12700" cap="flat" cmpd="sng" algn="ctr">
+                      <a:solidFill>
+                        <a:srgbClr val="000000"/>
+                      </a:solidFill>
+                      <a:prstDash val="solid"/>
+                      <a:round/>
+                      <a:headEnd type="none" w="med" len="med"/>
+                      <a:tailEnd type="none" w="med" len="med"/>
+                    </a:lnL>
+                    <a:lnR w="12700" cap="flat" cmpd="sng" algn="ctr">
+                      <a:solidFill>
+                        <a:srgbClr val="000000"/>
+                      </a:solidFill>
+                      <a:prstDash val="solid"/>
+                      <a:round/>
+                      <a:headEnd type="none" w="med" len="med"/>
+                      <a:tailEnd type="none" w="med" len="med"/>
+                    </a:lnR>
+                    <a:lnT w="12700" cap="flat" cmpd="sng" algn="ctr">
+                      <a:solidFill>
+                        <a:srgbClr val="000000"/>
+                      </a:solidFill>
+                      <a:prstDash val="solid"/>
+                      <a:round/>
+                      <a:headEnd type="none" w="med" len="med"/>
+                      <a:tailEnd type="none" w="med" len="med"/>
+                    </a:lnT>
+                    <a:lnB w="12700" cap="flat" cmpd="sng" algn="ctr">
+                      <a:solidFill>
+                        <a:srgbClr val="000000"/>
+                      </a:solidFill>
+                      <a:prstDash val="solid"/>
+                      <a:round/>
+                      <a:headEnd type="none" w="med" len="med"/>
+                      <a:tailEnd type="none" w="med" len="med"/>
+                    </a:lnB>
+                    <a:lnTlToBr>
+                      <a:noFill/>
+                    </a:lnTlToBr>
+                    <a:lnBlToTr>
+                      <a:noFill/>
+                    </a:lnBlToTr>
+                    <a:noFill/>
+                  </a:tcPr>
+                </a:tc>
+                <a:tc>
+                  <a:txBody>
+                    <a:bodyPr/>
+                    <a:lstStyle/>
+                    <a:p>
+                      <a:pPr marL="0" marR="0" lvl="0" indent="0" algn="ctr" defTabSz="914400" rtl="0" eaLnBrk="1" fontAlgn="base" latinLnBrk="0" hangingPunct="1">
+                        <a:lnSpc>
+                          <a:spcPct val="100000"/>
+                        </a:lnSpc>
+                        <a:spcBef>
+                          <a:spcPct val="0"/>
+                        </a:spcBef>
+                        <a:spcAft>
+                          <a:spcPct val="0"/>
+                        </a:spcAft>
+                        <a:buClrTx/>
+                        <a:buSzTx/>
+                        <a:buFontTx/>
+                        <a:buNone/>
+                        <a:tabLst/>
+                      </a:pPr>
+                      <a:r>
+                        <a:rPr kumimoji="0" lang="en-US" sz="2800" b="0" i="0" u="none" strike="noStrike" cap="none" normalizeH="0" baseline="0" dirty="0">
+                          <a:ln>
+                            <a:noFill/>
+                          </a:ln>
+                          <a:solidFill>
+                            <a:schemeClr val="tx1"/>
+                          </a:solidFill>
+                          <a:effectLst/>
+                          <a:latin typeface="Times New Roman" pitchFamily="18" charset="0"/>
+                          <a:cs typeface="Times New Roman" pitchFamily="18" charset="0"/>
+                        </a:rPr>
+                        <a:t>13</a:t>
+                      </a:r>
+                    </a:p>
+                    <a:p>
+                      <a:pPr marL="0" marR="0" lvl="0" indent="0" algn="ctr" defTabSz="914400" rtl="0" eaLnBrk="0" fontAlgn="base" latinLnBrk="0" hangingPunct="0">
+                        <a:lnSpc>
+                          <a:spcPct val="100000"/>
+                        </a:lnSpc>
+                        <a:spcBef>
+                          <a:spcPct val="0"/>
+                        </a:spcBef>
+                        <a:spcAft>
+                          <a:spcPct val="0"/>
+                        </a:spcAft>
+                        <a:buClrTx/>
+                        <a:buSzTx/>
+                        <a:buFontTx/>
+                        <a:buNone/>
+                        <a:tabLst/>
+                      </a:pPr>
+                      <a:r>
+                        <a:rPr kumimoji="0" lang="en-US" sz="2800" b="0" i="0" u="none" strike="noStrike" cap="none" normalizeH="0" baseline="0" dirty="0">
+                          <a:ln>
+                            <a:noFill/>
+                          </a:ln>
+                          <a:solidFill>
+                            <a:schemeClr val="tx1"/>
+                          </a:solidFill>
+                          <a:effectLst/>
+                          <a:latin typeface="Times New Roman" pitchFamily="18" charset="0"/>
+                          <a:cs typeface="Times New Roman" pitchFamily="18" charset="0"/>
+                        </a:rPr>
+                        <a:t>(.867)</a:t>
+                      </a:r>
+                      <a:endParaRPr kumimoji="0" lang="en-US" sz="2800" b="0" i="0" u="none" strike="noStrike" cap="none" normalizeH="0" baseline="0" dirty="0">
+                        <a:ln>
+                          <a:noFill/>
+                        </a:ln>
+                        <a:solidFill>
+                          <a:schemeClr val="tx1"/>
+                        </a:solidFill>
+                        <a:effectLst/>
+                        <a:latin typeface="Arial" charset="0"/>
+                      </a:endParaRPr>
+                    </a:p>
+                  </a:txBody>
+                  <a:tcPr horzOverflow="overflow">
+                    <a:lnL w="12700" cap="flat" cmpd="sng" algn="ctr">
+                      <a:solidFill>
+                        <a:srgbClr val="000000"/>
+                      </a:solidFill>
+                      <a:prstDash val="solid"/>
+                      <a:round/>
+                      <a:headEnd type="none" w="med" len="med"/>
+                      <a:tailEnd type="none" w="med" len="med"/>
+                    </a:lnL>
+                    <a:lnR w="12700" cap="flat" cmpd="sng" algn="ctr">
+                      <a:solidFill>
+                        <a:srgbClr val="000000"/>
+                      </a:solidFill>
+                      <a:prstDash val="solid"/>
+                      <a:round/>
+                      <a:headEnd type="none" w="med" len="med"/>
+                      <a:tailEnd type="none" w="med" len="med"/>
+                    </a:lnR>
+                    <a:lnT w="12700" cap="flat" cmpd="sng" algn="ctr">
+                      <a:solidFill>
+                        <a:srgbClr val="000000"/>
+                      </a:solidFill>
+                      <a:prstDash val="solid"/>
+                      <a:round/>
+                      <a:headEnd type="none" w="med" len="med"/>
+                      <a:tailEnd type="none" w="med" len="med"/>
+                    </a:lnT>
+                    <a:lnB w="12700" cap="flat" cmpd="sng" algn="ctr">
+                      <a:solidFill>
+                        <a:srgbClr val="000000"/>
+                      </a:solidFill>
+                      <a:prstDash val="solid"/>
+                      <a:round/>
+                      <a:headEnd type="none" w="med" len="med"/>
+                      <a:tailEnd type="none" w="med" len="med"/>
+                    </a:lnB>
+                    <a:lnTlToBr>
+                      <a:noFill/>
+                    </a:lnTlToBr>
+                    <a:lnBlToTr>
+                      <a:noFill/>
+                    </a:lnBlToTr>
+                    <a:noFill/>
+                  </a:tcPr>
+                </a:tc>
+                <a:tc>
+                  <a:txBody>
+                    <a:bodyPr/>
+                    <a:lstStyle/>
+                    <a:p>
+                      <a:pPr marL="0" marR="0" lvl="0" indent="0" algn="ctr" defTabSz="914400" rtl="0" eaLnBrk="1" fontAlgn="base" latinLnBrk="0" hangingPunct="1">
+                        <a:lnSpc>
+                          <a:spcPct val="100000"/>
+                        </a:lnSpc>
+                        <a:spcBef>
+                          <a:spcPct val="0"/>
+                        </a:spcBef>
+                        <a:spcAft>
+                          <a:spcPct val="0"/>
+                        </a:spcAft>
+                        <a:buClrTx/>
+                        <a:buSzTx/>
+                        <a:buFontTx/>
+                        <a:buNone/>
+                        <a:tabLst/>
+                      </a:pPr>
+                      <a:r>
+                        <a:rPr kumimoji="0" lang="en-US" sz="2800" b="0" i="0" u="none" strike="noStrike" cap="none" normalizeH="0" baseline="0">
+                          <a:ln>
+                            <a:noFill/>
+                          </a:ln>
+                          <a:solidFill>
+                            <a:schemeClr val="tx1"/>
+                          </a:solidFill>
+                          <a:effectLst/>
+                          <a:latin typeface="Times New Roman" pitchFamily="18" charset="0"/>
+                          <a:cs typeface="Times New Roman" pitchFamily="18" charset="0"/>
+                        </a:rPr>
+                        <a:t>2</a:t>
+                      </a:r>
+                    </a:p>
+                    <a:p>
+                      <a:pPr marL="0" marR="0" lvl="0" indent="0" algn="ctr" defTabSz="914400" rtl="0" eaLnBrk="0" fontAlgn="base" latinLnBrk="0" hangingPunct="0">
+                        <a:lnSpc>
+                          <a:spcPct val="100000"/>
+                        </a:lnSpc>
+                        <a:spcBef>
+                          <a:spcPct val="0"/>
+                        </a:spcBef>
+                        <a:spcAft>
+                          <a:spcPct val="0"/>
+                        </a:spcAft>
+                        <a:buClrTx/>
+                        <a:buSzTx/>
+                        <a:buFontTx/>
+                        <a:buNone/>
+                        <a:tabLst/>
+                      </a:pPr>
+                      <a:r>
+                        <a:rPr kumimoji="0" lang="en-US" sz="2800" b="0" i="0" u="none" strike="noStrike" cap="none" normalizeH="0" baseline="0">
+                          <a:ln>
+                            <a:noFill/>
+                          </a:ln>
+                          <a:solidFill>
+                            <a:schemeClr val="tx1"/>
+                          </a:solidFill>
+                          <a:effectLst/>
+                          <a:latin typeface="Times New Roman" pitchFamily="18" charset="0"/>
+                          <a:cs typeface="Times New Roman" pitchFamily="18" charset="0"/>
+                        </a:rPr>
+                        <a:t>(.133)</a:t>
+                      </a:r>
+                      <a:endParaRPr kumimoji="0" lang="en-US" sz="2800" b="0" i="0" u="none" strike="noStrike" cap="none" normalizeH="0" baseline="0">
+                        <a:ln>
+                          <a:noFill/>
+                        </a:ln>
+                        <a:solidFill>
+                          <a:schemeClr val="tx1"/>
+                        </a:solidFill>
+                        <a:effectLst/>
+                        <a:latin typeface="Arial" charset="0"/>
+                      </a:endParaRPr>
+                    </a:p>
+                  </a:txBody>
+                  <a:tcPr horzOverflow="overflow">
+                    <a:lnL w="12700" cap="flat" cmpd="sng" algn="ctr">
+                      <a:solidFill>
+                        <a:srgbClr val="000000"/>
+                      </a:solidFill>
+                      <a:prstDash val="solid"/>
+                      <a:round/>
+                      <a:headEnd type="none" w="med" len="med"/>
+                      <a:tailEnd type="none" w="med" len="med"/>
+                    </a:lnL>
+                    <a:lnR w="12700" cap="flat" cmpd="sng" algn="ctr">
+                      <a:solidFill>
+                        <a:srgbClr val="000000"/>
+                      </a:solidFill>
+                      <a:prstDash val="solid"/>
+                      <a:round/>
+                      <a:headEnd type="none" w="med" len="med"/>
+                      <a:tailEnd type="none" w="med" len="med"/>
+                    </a:lnR>
+                    <a:lnT w="12700" cap="flat" cmpd="sng" algn="ctr">
+                      <a:solidFill>
+                        <a:srgbClr val="000000"/>
+                      </a:solidFill>
+                      <a:prstDash val="solid"/>
+                      <a:round/>
+                      <a:headEnd type="none" w="med" len="med"/>
+                      <a:tailEnd type="none" w="med" len="med"/>
+                    </a:lnT>
+                    <a:lnB w="12700" cap="flat" cmpd="sng" algn="ctr">
+                      <a:solidFill>
+                        <a:srgbClr val="000000"/>
+                      </a:solidFill>
+                      <a:prstDash val="solid"/>
+                      <a:round/>
+                      <a:headEnd type="none" w="med" len="med"/>
+                      <a:tailEnd type="none" w="med" len="med"/>
+                    </a:lnB>
+                    <a:lnTlToBr>
+                      <a:noFill/>
+                    </a:lnTlToBr>
+                    <a:lnBlToTr>
+                      <a:noFill/>
+                    </a:lnBlToTr>
+                    <a:noFill/>
+                  </a:tcPr>
+                </a:tc>
+                <a:extLst>
+                  <a:ext uri="{0D108BD9-81ED-4DB2-BD59-A6C34878D82A}">
+                    <a16:rowId xmlns:a16="http://schemas.microsoft.com/office/drawing/2014/main" val="10001"/>
+                  </a:ext>
+                </a:extLst>
+              </a:tr>
+              <a:tr h="573088">
+                <a:tc>
+                  <a:txBody>
+                    <a:bodyPr/>
+                    <a:lstStyle/>
+                    <a:p>
+                      <a:pPr marL="0" marR="0" lvl="0" indent="0" algn="l" defTabSz="914400" rtl="0" eaLnBrk="1" fontAlgn="base" latinLnBrk="0" hangingPunct="1">
+                        <a:lnSpc>
+                          <a:spcPct val="100000"/>
+                        </a:lnSpc>
+                        <a:spcBef>
+                          <a:spcPct val="0"/>
+                        </a:spcBef>
+                        <a:spcAft>
+                          <a:spcPct val="0"/>
+                        </a:spcAft>
+                        <a:buClrTx/>
+                        <a:buSzTx/>
+                        <a:buFontTx/>
+                        <a:buNone/>
+                        <a:tabLst/>
+                      </a:pPr>
+                      <a:r>
+                        <a:rPr kumimoji="0" lang="en-US" sz="2800" b="0" i="0" u="none" strike="noStrike" cap="none" normalizeH="0" baseline="0">
+                          <a:ln>
+                            <a:noFill/>
+                          </a:ln>
+                          <a:solidFill>
+                            <a:schemeClr val="tx1"/>
+                          </a:solidFill>
+                          <a:effectLst/>
+                          <a:latin typeface="Times New Roman" pitchFamily="18" charset="0"/>
+                          <a:cs typeface="Times New Roman" pitchFamily="18" charset="0"/>
+                        </a:rPr>
+                        <a:t>Children</a:t>
+                      </a:r>
+                      <a:endParaRPr kumimoji="0" lang="en-US" sz="2800" b="0" i="0" u="none" strike="noStrike" cap="none" normalizeH="0" baseline="0">
+                        <a:ln>
+                          <a:noFill/>
+                        </a:ln>
+                        <a:solidFill>
+                          <a:schemeClr val="tx1"/>
+                        </a:solidFill>
+                        <a:effectLst/>
+                        <a:latin typeface="Arial" charset="0"/>
+                      </a:endParaRPr>
+                    </a:p>
+                  </a:txBody>
+                  <a:tcPr horzOverflow="overflow">
+                    <a:lnL w="12700" cap="flat" cmpd="sng" algn="ctr">
+                      <a:solidFill>
+                        <a:srgbClr val="000000"/>
+                      </a:solidFill>
+                      <a:prstDash val="solid"/>
+                      <a:round/>
+                      <a:headEnd type="none" w="med" len="med"/>
+                      <a:tailEnd type="none" w="med" len="med"/>
+                    </a:lnL>
+                    <a:lnR w="12700" cap="flat" cmpd="sng" algn="ctr">
+                      <a:solidFill>
+                        <a:srgbClr val="000000"/>
+                      </a:solidFill>
+                      <a:prstDash val="solid"/>
+                      <a:round/>
+                      <a:headEnd type="none" w="med" len="med"/>
+                      <a:tailEnd type="none" w="med" len="med"/>
+                    </a:lnR>
+                    <a:lnT w="12700" cap="flat" cmpd="sng" algn="ctr">
+                      <a:solidFill>
+                        <a:srgbClr val="000000"/>
+                      </a:solidFill>
+                      <a:prstDash val="solid"/>
+                      <a:round/>
+                      <a:headEnd type="none" w="med" len="med"/>
+                      <a:tailEnd type="none" w="med" len="med"/>
+                    </a:lnT>
+                    <a:lnB w="12700" cap="flat" cmpd="sng" algn="ctr">
+                      <a:solidFill>
+                        <a:srgbClr val="000000"/>
+                      </a:solidFill>
+                      <a:prstDash val="solid"/>
+                      <a:round/>
+                      <a:headEnd type="none" w="med" len="med"/>
+                      <a:tailEnd type="none" w="med" len="med"/>
+                    </a:lnB>
+                    <a:lnTlToBr>
+                      <a:noFill/>
+                    </a:lnTlToBr>
+                    <a:lnBlToTr>
+                      <a:noFill/>
+                    </a:lnBlToTr>
+                    <a:noFill/>
+                  </a:tcPr>
+                </a:tc>
+                <a:tc>
+                  <a:txBody>
+                    <a:bodyPr/>
+                    <a:lstStyle/>
+                    <a:p>
+                      <a:pPr marL="0" marR="0" lvl="0" indent="0" algn="ctr" defTabSz="914400" rtl="0" eaLnBrk="1" fontAlgn="base" latinLnBrk="0" hangingPunct="1">
+                        <a:lnSpc>
+                          <a:spcPct val="100000"/>
+                        </a:lnSpc>
+                        <a:spcBef>
+                          <a:spcPct val="0"/>
+                        </a:spcBef>
+                        <a:spcAft>
+                          <a:spcPct val="0"/>
+                        </a:spcAft>
+                        <a:buClrTx/>
+                        <a:buSzTx/>
+                        <a:buFontTx/>
+                        <a:buNone/>
+                        <a:tabLst/>
+                      </a:pPr>
+                      <a:r>
+                        <a:rPr kumimoji="0" lang="en-US" sz="2800" b="0" i="0" u="none" strike="noStrike" cap="none" normalizeH="0" baseline="0" dirty="0">
+                          <a:ln>
+                            <a:noFill/>
+                          </a:ln>
+                          <a:solidFill>
+                            <a:schemeClr val="tx1"/>
+                          </a:solidFill>
+                          <a:effectLst/>
+                          <a:latin typeface="Times New Roman" pitchFamily="18" charset="0"/>
+                          <a:cs typeface="Times New Roman" pitchFamily="18" charset="0"/>
+                        </a:rPr>
+                        <a:t>6</a:t>
+                      </a:r>
+                    </a:p>
+                    <a:p>
+                      <a:pPr marL="0" marR="0" lvl="0" indent="0" algn="ctr" defTabSz="914400" rtl="0" eaLnBrk="0" fontAlgn="base" latinLnBrk="0" hangingPunct="0">
+                        <a:lnSpc>
+                          <a:spcPct val="100000"/>
+                        </a:lnSpc>
+                        <a:spcBef>
+                          <a:spcPct val="0"/>
+                        </a:spcBef>
+                        <a:spcAft>
+                          <a:spcPct val="0"/>
+                        </a:spcAft>
+                        <a:buClrTx/>
+                        <a:buSzTx/>
+                        <a:buFontTx/>
+                        <a:buNone/>
+                        <a:tabLst/>
+                      </a:pPr>
+                      <a:r>
+                        <a:rPr kumimoji="0" lang="en-US" sz="2800" b="0" i="0" u="none" strike="noStrike" cap="none" normalizeH="0" baseline="0" dirty="0">
+                          <a:ln>
+                            <a:noFill/>
+                          </a:ln>
+                          <a:solidFill>
+                            <a:schemeClr val="tx1"/>
+                          </a:solidFill>
+                          <a:effectLst/>
+                          <a:latin typeface="Times New Roman" pitchFamily="18" charset="0"/>
+                          <a:cs typeface="Times New Roman" pitchFamily="18" charset="0"/>
+                        </a:rPr>
+                        <a:t>(.40)</a:t>
+                      </a:r>
+                      <a:endParaRPr kumimoji="0" lang="en-US" sz="2800" b="0" i="0" u="none" strike="noStrike" cap="none" normalizeH="0" baseline="0" dirty="0">
+                        <a:ln>
+                          <a:noFill/>
+                        </a:ln>
+                        <a:solidFill>
+                          <a:schemeClr val="tx1"/>
+                        </a:solidFill>
+                        <a:effectLst/>
+                        <a:latin typeface="Arial" charset="0"/>
+                      </a:endParaRPr>
+                    </a:p>
+                  </a:txBody>
+                  <a:tcPr horzOverflow="overflow">
+                    <a:lnL w="12700" cap="flat" cmpd="sng" algn="ctr">
+                      <a:solidFill>
+                        <a:srgbClr val="000000"/>
+                      </a:solidFill>
+                      <a:prstDash val="solid"/>
+                      <a:round/>
+                      <a:headEnd type="none" w="med" len="med"/>
+                      <a:tailEnd type="none" w="med" len="med"/>
+                    </a:lnL>
+                    <a:lnR w="12700" cap="flat" cmpd="sng" algn="ctr">
+                      <a:solidFill>
+                        <a:srgbClr val="000000"/>
+                      </a:solidFill>
+                      <a:prstDash val="solid"/>
+                      <a:round/>
+                      <a:headEnd type="none" w="med" len="med"/>
+                      <a:tailEnd type="none" w="med" len="med"/>
+                    </a:lnR>
+                    <a:lnT w="12700" cap="flat" cmpd="sng" algn="ctr">
+                      <a:solidFill>
+                        <a:srgbClr val="000000"/>
+                      </a:solidFill>
+                      <a:prstDash val="solid"/>
+                      <a:round/>
+                      <a:headEnd type="none" w="med" len="med"/>
+                      <a:tailEnd type="none" w="med" len="med"/>
+                    </a:lnT>
+                    <a:lnB w="12700" cap="flat" cmpd="sng" algn="ctr">
+                      <a:solidFill>
+                        <a:srgbClr val="000000"/>
+                      </a:solidFill>
+                      <a:prstDash val="solid"/>
+                      <a:round/>
+                      <a:headEnd type="none" w="med" len="med"/>
+                      <a:tailEnd type="none" w="med" len="med"/>
+                    </a:lnB>
+                    <a:lnTlToBr>
+                      <a:noFill/>
+                    </a:lnTlToBr>
+                    <a:lnBlToTr>
+                      <a:noFill/>
+                    </a:lnBlToTr>
+                    <a:noFill/>
+                  </a:tcPr>
+                </a:tc>
+                <a:tc>
+                  <a:txBody>
+                    <a:bodyPr/>
+                    <a:lstStyle/>
+                    <a:p>
+                      <a:pPr marL="0" marR="0" lvl="0" indent="0" algn="ctr" defTabSz="914400" rtl="0" eaLnBrk="1" fontAlgn="base" latinLnBrk="0" hangingPunct="1">
+                        <a:lnSpc>
+                          <a:spcPct val="100000"/>
+                        </a:lnSpc>
+                        <a:spcBef>
+                          <a:spcPct val="0"/>
+                        </a:spcBef>
+                        <a:spcAft>
+                          <a:spcPct val="0"/>
+                        </a:spcAft>
+                        <a:buClrTx/>
+                        <a:buSzTx/>
+                        <a:buFontTx/>
+                        <a:buNone/>
+                        <a:tabLst/>
+                      </a:pPr>
+                      <a:r>
+                        <a:rPr kumimoji="0" lang="en-US" sz="2800" b="0" i="0" u="none" strike="noStrike" cap="none" normalizeH="0" baseline="0" dirty="0">
+                          <a:ln>
+                            <a:noFill/>
+                          </a:ln>
+                          <a:solidFill>
+                            <a:schemeClr val="tx1"/>
+                          </a:solidFill>
+                          <a:effectLst/>
+                          <a:latin typeface="Times New Roman" pitchFamily="18" charset="0"/>
+                          <a:cs typeface="Times New Roman" pitchFamily="18" charset="0"/>
+                        </a:rPr>
+                        <a:t>9</a:t>
+                      </a:r>
+                    </a:p>
+                    <a:p>
+                      <a:pPr marL="0" marR="0" lvl="0" indent="0" algn="ctr" defTabSz="914400" rtl="0" eaLnBrk="0" fontAlgn="base" latinLnBrk="0" hangingPunct="0">
+                        <a:lnSpc>
+                          <a:spcPct val="100000"/>
+                        </a:lnSpc>
+                        <a:spcBef>
+                          <a:spcPct val="0"/>
+                        </a:spcBef>
+                        <a:spcAft>
+                          <a:spcPct val="0"/>
+                        </a:spcAft>
+                        <a:buClrTx/>
+                        <a:buSzTx/>
+                        <a:buFontTx/>
+                        <a:buNone/>
+                        <a:tabLst/>
+                      </a:pPr>
+                      <a:r>
+                        <a:rPr kumimoji="0" lang="en-US" sz="2800" b="0" i="0" u="none" strike="noStrike" cap="none" normalizeH="0" baseline="0" dirty="0">
+                          <a:ln>
+                            <a:noFill/>
+                          </a:ln>
+                          <a:solidFill>
+                            <a:schemeClr val="tx1"/>
+                          </a:solidFill>
+                          <a:effectLst/>
+                          <a:latin typeface="Times New Roman" pitchFamily="18" charset="0"/>
+                          <a:cs typeface="Times New Roman" pitchFamily="18" charset="0"/>
+                        </a:rPr>
+                        <a:t>(.60)</a:t>
+                      </a:r>
+                      <a:endParaRPr kumimoji="0" lang="en-US" sz="2800" b="0" i="0" u="none" strike="noStrike" cap="none" normalizeH="0" baseline="0" dirty="0">
+                        <a:ln>
+                          <a:noFill/>
+                        </a:ln>
+                        <a:solidFill>
+                          <a:schemeClr val="tx1"/>
+                        </a:solidFill>
+                        <a:effectLst/>
+                        <a:latin typeface="Arial" charset="0"/>
+                      </a:endParaRPr>
+                    </a:p>
+                  </a:txBody>
+                  <a:tcPr horzOverflow="overflow">
+                    <a:lnL w="12700" cap="flat" cmpd="sng" algn="ctr">
+                      <a:solidFill>
+                        <a:srgbClr val="000000"/>
+                      </a:solidFill>
+                      <a:prstDash val="solid"/>
+                      <a:round/>
+                      <a:headEnd type="none" w="med" len="med"/>
+                      <a:tailEnd type="none" w="med" len="med"/>
+                    </a:lnL>
+                    <a:lnR w="12700" cap="flat" cmpd="sng" algn="ctr">
+                      <a:solidFill>
+                        <a:srgbClr val="000000"/>
+                      </a:solidFill>
+                      <a:prstDash val="solid"/>
+                      <a:round/>
+                      <a:headEnd type="none" w="med" len="med"/>
+                      <a:tailEnd type="none" w="med" len="med"/>
+                    </a:lnR>
+                    <a:lnT w="12700" cap="flat" cmpd="sng" algn="ctr">
+                      <a:solidFill>
+                        <a:srgbClr val="000000"/>
+                      </a:solidFill>
+                      <a:prstDash val="solid"/>
+                      <a:round/>
+                      <a:headEnd type="none" w="med" len="med"/>
+                      <a:tailEnd type="none" w="med" len="med"/>
+                    </a:lnT>
+                    <a:lnB w="12700" cap="flat" cmpd="sng" algn="ctr">
+                      <a:solidFill>
+                        <a:srgbClr val="000000"/>
+                      </a:solidFill>
+                      <a:prstDash val="solid"/>
+                      <a:round/>
+                      <a:headEnd type="none" w="med" len="med"/>
+                      <a:tailEnd type="none" w="med" len="med"/>
+                    </a:lnB>
+                    <a:lnTlToBr>
+                      <a:noFill/>
+                    </a:lnTlToBr>
+                    <a:lnBlToTr>
+                      <a:noFill/>
+                    </a:lnBlToTr>
+                    <a:noFill/>
+                  </a:tcPr>
+                </a:tc>
+                <a:extLst>
+                  <a:ext uri="{0D108BD9-81ED-4DB2-BD59-A6C34878D82A}">
+                    <a16:rowId xmlns:a16="http://schemas.microsoft.com/office/drawing/2014/main" val="10002"/>
+                  </a:ext>
+                </a:extLst>
+              </a:tr>
+              <a:tr h="574675">
+                <a:tc>
+                  <a:txBody>
+                    <a:bodyPr/>
+                    <a:lstStyle/>
+                    <a:p>
+                      <a:pPr marL="0" marR="0" lvl="0" indent="0" algn="l" defTabSz="914400" rtl="0" eaLnBrk="1" fontAlgn="base" latinLnBrk="0" hangingPunct="1">
+                        <a:lnSpc>
+                          <a:spcPct val="100000"/>
+                        </a:lnSpc>
+                        <a:spcBef>
+                          <a:spcPct val="0"/>
+                        </a:spcBef>
+                        <a:spcAft>
+                          <a:spcPct val="0"/>
+                        </a:spcAft>
+                        <a:buClrTx/>
+                        <a:buSzTx/>
+                        <a:buFontTx/>
+                        <a:buNone/>
+                        <a:tabLst/>
+                      </a:pPr>
+                      <a:r>
+                        <a:rPr kumimoji="0" lang="en-US" sz="2800" b="0" i="0" u="none" strike="noStrike" cap="none" normalizeH="0" baseline="0">
+                          <a:ln>
+                            <a:noFill/>
+                          </a:ln>
+                          <a:solidFill>
+                            <a:schemeClr val="tx1"/>
+                          </a:solidFill>
+                          <a:effectLst/>
+                          <a:latin typeface="Times New Roman" pitchFamily="18" charset="0"/>
+                          <a:cs typeface="Times New Roman" pitchFamily="18" charset="0"/>
+                        </a:rPr>
+                        <a:t>Total</a:t>
+                      </a:r>
+                      <a:endParaRPr kumimoji="0" lang="en-US" sz="2800" b="0" i="0" u="none" strike="noStrike" cap="none" normalizeH="0" baseline="0">
+                        <a:ln>
+                          <a:noFill/>
+                        </a:ln>
+                        <a:solidFill>
+                          <a:schemeClr val="tx1"/>
+                        </a:solidFill>
+                        <a:effectLst/>
+                        <a:latin typeface="Arial" charset="0"/>
+                      </a:endParaRPr>
+                    </a:p>
+                  </a:txBody>
+                  <a:tcPr horzOverflow="overflow">
+                    <a:lnL w="12700" cap="flat" cmpd="sng" algn="ctr">
+                      <a:solidFill>
+                        <a:srgbClr val="000000"/>
+                      </a:solidFill>
+                      <a:prstDash val="solid"/>
+                      <a:round/>
+                      <a:headEnd type="none" w="med" len="med"/>
+                      <a:tailEnd type="none" w="med" len="med"/>
+                    </a:lnL>
+                    <a:lnR w="12700" cap="flat" cmpd="sng" algn="ctr">
+                      <a:solidFill>
+                        <a:srgbClr val="000000"/>
+                      </a:solidFill>
+                      <a:prstDash val="solid"/>
+                      <a:round/>
+                      <a:headEnd type="none" w="med" len="med"/>
+                      <a:tailEnd type="none" w="med" len="med"/>
+                    </a:lnR>
+                    <a:lnT w="12700" cap="flat" cmpd="sng" algn="ctr">
+                      <a:solidFill>
+                        <a:srgbClr val="000000"/>
+                      </a:solidFill>
+                      <a:prstDash val="solid"/>
+                      <a:round/>
+                      <a:headEnd type="none" w="med" len="med"/>
+                      <a:tailEnd type="none" w="med" len="med"/>
+                    </a:lnT>
+                    <a:lnB w="12700" cap="flat" cmpd="sng" algn="ctr">
+                      <a:solidFill>
+                        <a:srgbClr val="000000"/>
+                      </a:solidFill>
+                      <a:prstDash val="solid"/>
+                      <a:round/>
+                      <a:headEnd type="none" w="med" len="med"/>
+                      <a:tailEnd type="none" w="med" len="med"/>
+                    </a:lnB>
+                    <a:lnTlToBr>
+                      <a:noFill/>
+                    </a:lnTlToBr>
+                    <a:lnBlToTr>
+                      <a:noFill/>
+                    </a:lnBlToTr>
+                    <a:noFill/>
+                  </a:tcPr>
+                </a:tc>
+                <a:tc>
+                  <a:txBody>
+                    <a:bodyPr/>
+                    <a:lstStyle/>
+                    <a:p>
+                      <a:pPr marL="0" marR="0" lvl="0" indent="0" algn="ctr" defTabSz="914400" rtl="0" eaLnBrk="1" fontAlgn="base" latinLnBrk="0" hangingPunct="1">
+                        <a:lnSpc>
+                          <a:spcPct val="100000"/>
+                        </a:lnSpc>
+                        <a:spcBef>
+                          <a:spcPct val="0"/>
+                        </a:spcBef>
+                        <a:spcAft>
+                          <a:spcPct val="0"/>
+                        </a:spcAft>
+                        <a:buClrTx/>
+                        <a:buSzTx/>
+                        <a:buFontTx/>
+                        <a:buNone/>
+                        <a:tabLst/>
+                      </a:pPr>
+                      <a:r>
+                        <a:rPr kumimoji="0" lang="en-US" sz="2800" b="0" i="0" u="none" strike="noStrike" cap="none" normalizeH="0" baseline="0">
+                          <a:ln>
+                            <a:noFill/>
+                          </a:ln>
+                          <a:solidFill>
+                            <a:schemeClr val="tx1"/>
+                          </a:solidFill>
+                          <a:effectLst/>
+                          <a:latin typeface="Times New Roman" pitchFamily="18" charset="0"/>
+                          <a:cs typeface="Times New Roman" pitchFamily="18" charset="0"/>
+                        </a:rPr>
+                        <a:t>19</a:t>
+                      </a:r>
+                    </a:p>
+                    <a:p>
+                      <a:pPr marL="0" marR="0" lvl="0" indent="0" algn="ctr" defTabSz="914400" rtl="0" eaLnBrk="0" fontAlgn="base" latinLnBrk="0" hangingPunct="0">
+                        <a:lnSpc>
+                          <a:spcPct val="100000"/>
+                        </a:lnSpc>
+                        <a:spcBef>
+                          <a:spcPct val="0"/>
+                        </a:spcBef>
+                        <a:spcAft>
+                          <a:spcPct val="0"/>
+                        </a:spcAft>
+                        <a:buClrTx/>
+                        <a:buSzTx/>
+                        <a:buFontTx/>
+                        <a:buNone/>
+                        <a:tabLst/>
+                      </a:pPr>
+                      <a:r>
+                        <a:rPr kumimoji="0" lang="en-US" sz="2800" b="0" i="0" u="none" strike="noStrike" cap="none" normalizeH="0" baseline="0">
+                          <a:ln>
+                            <a:noFill/>
+                          </a:ln>
+                          <a:solidFill>
+                            <a:schemeClr val="tx1"/>
+                          </a:solidFill>
+                          <a:effectLst/>
+                          <a:latin typeface="Times New Roman" pitchFamily="18" charset="0"/>
+                          <a:cs typeface="Times New Roman" pitchFamily="18" charset="0"/>
+                        </a:rPr>
+                        <a:t>(.633)</a:t>
+                      </a:r>
+                      <a:endParaRPr kumimoji="0" lang="en-US" sz="2800" b="0" i="0" u="none" strike="noStrike" cap="none" normalizeH="0" baseline="0">
+                        <a:ln>
+                          <a:noFill/>
+                        </a:ln>
+                        <a:solidFill>
+                          <a:schemeClr val="tx1"/>
+                        </a:solidFill>
+                        <a:effectLst/>
+                        <a:latin typeface="Arial" charset="0"/>
+                      </a:endParaRPr>
+                    </a:p>
+                  </a:txBody>
+                  <a:tcPr horzOverflow="overflow">
+                    <a:lnL w="12700" cap="flat" cmpd="sng" algn="ctr">
+                      <a:solidFill>
+                        <a:srgbClr val="000000"/>
+                      </a:solidFill>
+                      <a:prstDash val="solid"/>
+                      <a:round/>
+                      <a:headEnd type="none" w="med" len="med"/>
+                      <a:tailEnd type="none" w="med" len="med"/>
+                    </a:lnL>
+                    <a:lnR w="12700" cap="flat" cmpd="sng" algn="ctr">
+                      <a:solidFill>
+                        <a:srgbClr val="000000"/>
+                      </a:solidFill>
+                      <a:prstDash val="solid"/>
+                      <a:round/>
+                      <a:headEnd type="none" w="med" len="med"/>
+                      <a:tailEnd type="none" w="med" len="med"/>
+                    </a:lnR>
+                    <a:lnT w="12700" cap="flat" cmpd="sng" algn="ctr">
+                      <a:solidFill>
+                        <a:srgbClr val="000000"/>
+                      </a:solidFill>
+                      <a:prstDash val="solid"/>
+                      <a:round/>
+                      <a:headEnd type="none" w="med" len="med"/>
+                      <a:tailEnd type="none" w="med" len="med"/>
+                    </a:lnT>
+                    <a:lnB w="12700" cap="flat" cmpd="sng" algn="ctr">
+                      <a:solidFill>
+                        <a:srgbClr val="000000"/>
+                      </a:solidFill>
+                      <a:prstDash val="solid"/>
+                      <a:round/>
+                      <a:headEnd type="none" w="med" len="med"/>
+                      <a:tailEnd type="none" w="med" len="med"/>
+                    </a:lnB>
+                    <a:lnTlToBr>
+                      <a:noFill/>
+                    </a:lnTlToBr>
+                    <a:lnBlToTr>
+                      <a:noFill/>
+                    </a:lnBlToTr>
+                    <a:noFill/>
+                  </a:tcPr>
+                </a:tc>
+                <a:tc>
+                  <a:txBody>
+                    <a:bodyPr/>
+                    <a:lstStyle/>
+                    <a:p>
+                      <a:pPr marL="0" marR="0" lvl="0" indent="0" algn="ctr" defTabSz="914400" rtl="0" eaLnBrk="1" fontAlgn="base" latinLnBrk="0" hangingPunct="1">
+                        <a:lnSpc>
+                          <a:spcPct val="100000"/>
+                        </a:lnSpc>
+                        <a:spcBef>
+                          <a:spcPct val="0"/>
+                        </a:spcBef>
+                        <a:spcAft>
+                          <a:spcPct val="0"/>
+                        </a:spcAft>
+                        <a:buClrTx/>
+                        <a:buSzTx/>
+                        <a:buFontTx/>
+                        <a:buNone/>
+                        <a:tabLst/>
+                      </a:pPr>
+                      <a:r>
+                        <a:rPr kumimoji="0" lang="en-US" sz="2800" b="0" i="0" u="none" strike="noStrike" cap="none" normalizeH="0" baseline="0" dirty="0">
+                          <a:ln>
+                            <a:noFill/>
+                          </a:ln>
+                          <a:solidFill>
+                            <a:schemeClr val="tx1"/>
+                          </a:solidFill>
+                          <a:effectLst/>
+                          <a:latin typeface="Times New Roman" pitchFamily="18" charset="0"/>
+                          <a:cs typeface="Times New Roman" pitchFamily="18" charset="0"/>
+                        </a:rPr>
+                        <a:t>11</a:t>
+                      </a:r>
+                    </a:p>
+                    <a:p>
+                      <a:pPr marL="0" marR="0" lvl="0" indent="0" algn="ctr" defTabSz="914400" rtl="0" eaLnBrk="0" fontAlgn="base" latinLnBrk="0" hangingPunct="0">
+                        <a:lnSpc>
+                          <a:spcPct val="100000"/>
+                        </a:lnSpc>
+                        <a:spcBef>
+                          <a:spcPct val="0"/>
+                        </a:spcBef>
+                        <a:spcAft>
+                          <a:spcPct val="0"/>
+                        </a:spcAft>
+                        <a:buClrTx/>
+                        <a:buSzTx/>
+                        <a:buFontTx/>
+                        <a:buNone/>
+                        <a:tabLst/>
+                      </a:pPr>
+                      <a:r>
+                        <a:rPr kumimoji="0" lang="en-US" sz="2800" b="0" i="0" u="none" strike="noStrike" cap="none" normalizeH="0" baseline="0" dirty="0">
+                          <a:ln>
+                            <a:noFill/>
+                          </a:ln>
+                          <a:solidFill>
+                            <a:schemeClr val="tx1"/>
+                          </a:solidFill>
+                          <a:effectLst/>
+                          <a:latin typeface="Times New Roman" pitchFamily="18" charset="0"/>
+                          <a:cs typeface="Times New Roman" pitchFamily="18" charset="0"/>
+                        </a:rPr>
+                        <a:t>(.367)</a:t>
+                      </a:r>
+                      <a:endParaRPr kumimoji="0" lang="en-US" sz="2800" b="0" i="0" u="none" strike="noStrike" cap="none" normalizeH="0" baseline="0" dirty="0">
+                        <a:ln>
+                          <a:noFill/>
+                        </a:ln>
+                        <a:solidFill>
+                          <a:schemeClr val="tx1"/>
+                        </a:solidFill>
+                        <a:effectLst/>
+                        <a:latin typeface="Arial" charset="0"/>
+                      </a:endParaRPr>
+                    </a:p>
+                  </a:txBody>
+                  <a:tcPr horzOverflow="overflow">
+                    <a:lnL w="12700" cap="flat" cmpd="sng" algn="ctr">
+                      <a:solidFill>
+                        <a:srgbClr val="000000"/>
+                      </a:solidFill>
+                      <a:prstDash val="solid"/>
+                      <a:round/>
+                      <a:headEnd type="none" w="med" len="med"/>
+                      <a:tailEnd type="none" w="med" len="med"/>
+                    </a:lnL>
+                    <a:lnR w="12700" cap="flat" cmpd="sng" algn="ctr">
+                      <a:solidFill>
+                        <a:srgbClr val="000000"/>
+                      </a:solidFill>
+                      <a:prstDash val="solid"/>
+                      <a:round/>
+                      <a:headEnd type="none" w="med" len="med"/>
+                      <a:tailEnd type="none" w="med" len="med"/>
+                    </a:lnR>
+                    <a:lnT w="12700" cap="flat" cmpd="sng" algn="ctr">
+                      <a:solidFill>
+                        <a:srgbClr val="000000"/>
+                      </a:solidFill>
+                      <a:prstDash val="solid"/>
+                      <a:round/>
+                      <a:headEnd type="none" w="med" len="med"/>
+                      <a:tailEnd type="none" w="med" len="med"/>
+                    </a:lnT>
+                    <a:lnB w="12700" cap="flat" cmpd="sng" algn="ctr">
+                      <a:solidFill>
+                        <a:srgbClr val="000000"/>
+                      </a:solidFill>
+                      <a:prstDash val="solid"/>
+                      <a:round/>
+                      <a:headEnd type="none" w="med" len="med"/>
+                      <a:tailEnd type="none" w="med" len="med"/>
+                    </a:lnB>
+                    <a:lnTlToBr>
+                      <a:noFill/>
+                    </a:lnTlToBr>
+                    <a:lnBlToTr>
+                      <a:noFill/>
+                    </a:lnBlToTr>
+                    <a:noFill/>
+                  </a:tcPr>
+                </a:tc>
+                <a:extLst>
+                  <a:ext uri="{0D108BD9-81ED-4DB2-BD59-A6C34878D82A}">
+                    <a16:rowId xmlns:a16="http://schemas.microsoft.com/office/drawing/2014/main" val="10003"/>
+                  </a:ext>
+                </a:extLst>
+              </a:tr>
+            </a:tbl>
+          </a:graphicData>
+        </a:graphic>
+      </p:graphicFrame>
     </p:spTree>
     <p:extLst>
       <p:ext uri="{BB962C8B-B14F-4D97-AF65-F5344CB8AC3E}">
-        <p14:creationId xmlns:p14="http://schemas.microsoft.com/office/powerpoint/2010/main" val="2284506387"/>
+        <p14:creationId xmlns:p14="http://schemas.microsoft.com/office/powerpoint/2010/main" val="351313711"/>
       </p:ext>
     </p:extLst>
   </p:cSld>
@@ -4864,15 +10623,9 @@
       </p:grpSpPr>
       <p:sp>
         <p:nvSpPr>
-          <p:cNvPr id="2" name="Title 1">
-            <a:extLst>
-              <a:ext uri="{FF2B5EF4-FFF2-40B4-BE49-F238E27FC236}">
-                <a16:creationId xmlns:a16="http://schemas.microsoft.com/office/drawing/2014/main" id="{133F7F56-121A-5255-29FC-AFF29E2D4744}"/>
-              </a:ext>
-            </a:extLst>
-          </p:cNvPr>
-          <p:cNvSpPr>
-            <a:spLocks noGrp="1"/>
+          <p:cNvPr id="10242" name="Rectangle 2"/>
+          <p:cNvSpPr>
+            <a:spLocks noGrp="1" noChangeArrowheads="1"/>
           </p:cNvSpPr>
           <p:nvPr>
             <p:ph type="title"/>
@@ -4885,80 +10638,113 @@
           <a:p>
             <a:r>
               <a:rPr lang="en-US" dirty="0"/>
-              <a:t>For Mon 2/26</a:t>
-            </a:r>
-          </a:p>
-        </p:txBody>
-      </p:sp>
-      <p:sp>
-        <p:nvSpPr>
-          <p:cNvPr id="3" name="Content Placeholder 2">
-            <a:extLst>
-              <a:ext uri="{FF2B5EF4-FFF2-40B4-BE49-F238E27FC236}">
-                <a16:creationId xmlns:a16="http://schemas.microsoft.com/office/drawing/2014/main" id="{BE6798D5-8617-B782-5DED-FAD4BA0F559B}"/>
-              </a:ext>
-            </a:extLst>
-          </p:cNvPr>
-          <p:cNvSpPr>
-            <a:spLocks noGrp="1"/>
-          </p:cNvSpPr>
-          <p:nvPr>
-            <p:ph idx="1"/>
+              <a:t>Philosophical Ethical Challenges</a:t>
+            </a:r>
+          </a:p>
+        </p:txBody>
+      </p:sp>
+      <p:sp>
+        <p:nvSpPr>
+          <p:cNvPr id="10243" name="Rectangle 3"/>
+          <p:cNvSpPr>
+            <a:spLocks noGrp="1" noChangeArrowheads="1"/>
+          </p:cNvSpPr>
+          <p:nvPr>
+            <p:ph type="body" idx="1"/>
           </p:nvPr>
         </p:nvSpPr>
         <p:spPr/>
         <p:txBody>
-          <a:bodyPr/>
+          <a:bodyPr>
+            <a:normAutofit lnSpcReduction="10000"/>
+          </a:bodyPr>
           <a:lstStyle/>
           <a:p>
             <a:r>
               <a:rPr lang="en-US" dirty="0"/>
-              <a:t>Chapter 19:  Field research</a:t>
+              <a:t>When the experimental treatment is a benefit</a:t>
             </a:r>
           </a:p>
           <a:p>
             <a:pPr lvl="1"/>
+            <a:r>
+              <a:rPr lang="en-US" dirty="0"/>
+              <a:t>Justice would normally mean equal benefits across groups</a:t>
+            </a:r>
+          </a:p>
+          <a:p>
+            <a:pPr lvl="1"/>
+            <a:r>
+              <a:rPr lang="en-US" dirty="0"/>
+              <a:t>Intervention research on Monday</a:t>
+            </a:r>
+          </a:p>
+          <a:p>
+            <a:r>
+              <a:rPr lang="en-US" dirty="0"/>
+              <a:t>Coercion versus voluntary participation</a:t>
+            </a:r>
+          </a:p>
+          <a:p>
+            <a:pPr lvl="1"/>
+            <a:r>
+              <a:rPr lang="en-US" dirty="0"/>
+              <a:t>Authority figures: supervisors, teachers</a:t>
+            </a:r>
+          </a:p>
+          <a:p>
+            <a:pPr lvl="1"/>
+            <a:r>
+              <a:rPr lang="en-US" dirty="0"/>
+              <a:t>Financial rewards: incentivizing risk</a:t>
+            </a:r>
+          </a:p>
+          <a:p>
+            <a:r>
+              <a:rPr lang="en-US" dirty="0"/>
+              <a:t>Vulnerable populations</a:t>
+            </a:r>
+          </a:p>
+          <a:p>
+            <a:pPr lvl="1"/>
+            <a:r>
+              <a:rPr lang="en-US" dirty="0"/>
+              <a:t>Children: depend on guardian</a:t>
+            </a:r>
+          </a:p>
+          <a:p>
+            <a:pPr lvl="2"/>
+            <a:r>
+              <a:rPr lang="en-US" dirty="0"/>
+              <a:t>Mandatory reporting training for staff</a:t>
+            </a:r>
+          </a:p>
+          <a:p>
+            <a:pPr lvl="1"/>
+            <a:r>
+              <a:rPr lang="en-US" dirty="0"/>
+              <a:t>Prisoners: cannot voluntarily consent</a:t>
+            </a:r>
+          </a:p>
+          <a:p>
+            <a:pPr lvl="2"/>
+            <a:r>
+              <a:rPr lang="en-US" dirty="0"/>
+              <a:t>Research must be for prisoners’ benefit</a:t>
+            </a:r>
+          </a:p>
+          <a:p>
             <a:endParaRPr lang="en-US" dirty="0"/>
           </a:p>
           <a:p>
-            <a:pPr lvl="1"/>
             <a:endParaRPr lang="en-US" dirty="0"/>
-          </a:p>
-          <a:p>
-            <a:r>
-              <a:rPr lang="en-US" dirty="0"/>
-              <a:t>Wednesday, Chapter 20</a:t>
-            </a:r>
-          </a:p>
-          <a:p>
-            <a:pPr lvl="1"/>
-            <a:r>
-              <a:rPr lang="en-US" dirty="0"/>
-              <a:t>Developmental psychology and Neuropsychology</a:t>
-            </a:r>
-          </a:p>
-          <a:p>
-            <a:pPr lvl="1"/>
-            <a:endParaRPr lang="en-US" dirty="0"/>
-          </a:p>
-          <a:p>
-            <a:r>
-              <a:rPr lang="en-US" dirty="0"/>
-              <a:t>Friday, Exam 2</a:t>
-            </a:r>
-          </a:p>
-          <a:p>
-            <a:r>
-              <a:rPr lang="en-US" dirty="0"/>
-              <a:t>Project presentations March 4 and 6</a:t>
-            </a:r>
           </a:p>
         </p:txBody>
       </p:sp>
     </p:spTree>
     <p:extLst>
       <p:ext uri="{BB962C8B-B14F-4D97-AF65-F5344CB8AC3E}">
-        <p14:creationId xmlns:p14="http://schemas.microsoft.com/office/powerpoint/2010/main" val="74110859"/>
+        <p14:creationId xmlns:p14="http://schemas.microsoft.com/office/powerpoint/2010/main" val="2284506387"/>
       </p:ext>
     </p:extLst>
   </p:cSld>
@@ -4990,7 +10776,7 @@
           <p:cNvPr id="2" name="Title 1">
             <a:extLst>
               <a:ext uri="{FF2B5EF4-FFF2-40B4-BE49-F238E27FC236}">
-                <a16:creationId xmlns:a16="http://schemas.microsoft.com/office/drawing/2014/main" id="{B61C2794-D1A7-6ACA-70F6-D1C226367650}"/>
+                <a16:creationId xmlns:a16="http://schemas.microsoft.com/office/drawing/2014/main" id="{133F7F56-121A-5255-29FC-AFF29E2D4744}"/>
               </a:ext>
             </a:extLst>
           </p:cNvPr>
@@ -5006,7 +10792,10 @@
           <a:bodyPr/>
           <a:lstStyle/>
           <a:p>
-            <a:endParaRPr lang="en-US"/>
+            <a:r>
+              <a:rPr lang="en-US" dirty="0"/>
+              <a:t>For Mon 2/26</a:t>
+            </a:r>
           </a:p>
         </p:txBody>
       </p:sp>
@@ -5015,7 +10804,7 @@
           <p:cNvPr id="3" name="Content Placeholder 2">
             <a:extLst>
               <a:ext uri="{FF2B5EF4-FFF2-40B4-BE49-F238E27FC236}">
-                <a16:creationId xmlns:a16="http://schemas.microsoft.com/office/drawing/2014/main" id="{2AB5E82E-F531-88C9-EAAF-F50CC5ACE59E}"/>
+                <a16:creationId xmlns:a16="http://schemas.microsoft.com/office/drawing/2014/main" id="{BE6798D5-8617-B782-5DED-FAD4BA0F559B}"/>
               </a:ext>
             </a:extLst>
           </p:cNvPr>
@@ -5028,19 +10817,379 @@
         </p:nvSpPr>
         <p:spPr/>
         <p:txBody>
-          <a:bodyPr>
-            <a:normAutofit/>
-          </a:bodyPr>
-          <a:lstStyle/>
-          <a:p>
+          <a:bodyPr/>
+          <a:lstStyle/>
+          <a:p>
+            <a:r>
+              <a:rPr lang="en-US" dirty="0"/>
+              <a:t>Chapter 19:  Field research</a:t>
+            </a:r>
+          </a:p>
+          <a:p>
+            <a:pPr lvl="1"/>
             <a:endParaRPr lang="en-US" dirty="0"/>
+          </a:p>
+          <a:p>
+            <a:pPr lvl="1"/>
+            <a:endParaRPr lang="en-US" dirty="0"/>
+          </a:p>
+          <a:p>
+            <a:r>
+              <a:rPr lang="en-US" dirty="0"/>
+              <a:t>Wednesday, Chapter 20</a:t>
+            </a:r>
+          </a:p>
+          <a:p>
+            <a:pPr lvl="1"/>
+            <a:r>
+              <a:rPr lang="en-US" dirty="0"/>
+              <a:t>Developmental psychology and Neuropsychology</a:t>
+            </a:r>
+          </a:p>
+          <a:p>
+            <a:pPr lvl="1"/>
+            <a:endParaRPr lang="en-US" dirty="0"/>
+          </a:p>
+          <a:p>
+            <a:r>
+              <a:rPr lang="en-US" dirty="0"/>
+              <a:t>Friday, Exam 2</a:t>
+            </a:r>
+          </a:p>
+          <a:p>
+            <a:r>
+              <a:rPr lang="en-US" dirty="0"/>
+              <a:t>Project presentations March 4 and 6</a:t>
+            </a:r>
           </a:p>
         </p:txBody>
       </p:sp>
     </p:spTree>
     <p:extLst>
       <p:ext uri="{BB962C8B-B14F-4D97-AF65-F5344CB8AC3E}">
-        <p14:creationId xmlns:p14="http://schemas.microsoft.com/office/powerpoint/2010/main" val="77123063"/>
+        <p14:creationId xmlns:p14="http://schemas.microsoft.com/office/powerpoint/2010/main" val="74110859"/>
+      </p:ext>
+    </p:extLst>
+  </p:cSld>
+  <p:clrMapOvr>
+    <a:masterClrMapping/>
+  </p:clrMapOvr>
+</p:sld>
+</file>
+
+<file path=ppt/slides/slide18.xml><?xml version="1.0" encoding="utf-8"?>
+<p:sld xmlns:a="http://schemas.openxmlformats.org/drawingml/2006/main" xmlns:r="http://schemas.openxmlformats.org/officeDocument/2006/relationships" xmlns:p="http://schemas.openxmlformats.org/presentationml/2006/main">
+  <p:cSld>
+    <p:spTree>
+      <p:nvGrpSpPr>
+        <p:cNvPr id="1" name="">
+          <a:extLst>
+            <a:ext uri="{FF2B5EF4-FFF2-40B4-BE49-F238E27FC236}">
+              <a16:creationId xmlns:a16="http://schemas.microsoft.com/office/drawing/2014/main" id="{1ED12CD4-F832-D809-C1C1-3EEF0F23FEE2}"/>
+            </a:ext>
+          </a:extLst>
+        </p:cNvPr>
+        <p:cNvGrpSpPr/>
+        <p:nvPr/>
+      </p:nvGrpSpPr>
+      <p:grpSpPr>
+        <a:xfrm>
+          <a:off x="0" y="0"/>
+          <a:ext cx="0" cy="0"/>
+          <a:chOff x="0" y="0"/>
+          <a:chExt cx="0" cy="0"/>
+        </a:xfrm>
+      </p:grpSpPr>
+      <p:sp>
+        <p:nvSpPr>
+          <p:cNvPr id="2" name="Title 1">
+            <a:extLst>
+              <a:ext uri="{FF2B5EF4-FFF2-40B4-BE49-F238E27FC236}">
+                <a16:creationId xmlns:a16="http://schemas.microsoft.com/office/drawing/2014/main" id="{7C64CC10-EC40-11A1-AE62-73BCC9219A79}"/>
+              </a:ext>
+            </a:extLst>
+          </p:cNvPr>
+          <p:cNvSpPr>
+            <a:spLocks noGrp="1"/>
+          </p:cNvSpPr>
+          <p:nvPr>
+            <p:ph type="title"/>
+          </p:nvPr>
+        </p:nvSpPr>
+        <p:spPr/>
+        <p:txBody>
+          <a:bodyPr/>
+          <a:lstStyle/>
+          <a:p>
+            <a:endParaRPr lang="en-US"/>
+          </a:p>
+        </p:txBody>
+      </p:sp>
+      <p:sp>
+        <p:nvSpPr>
+          <p:cNvPr id="3" name="Content Placeholder 2">
+            <a:extLst>
+              <a:ext uri="{FF2B5EF4-FFF2-40B4-BE49-F238E27FC236}">
+                <a16:creationId xmlns:a16="http://schemas.microsoft.com/office/drawing/2014/main" id="{C7CEA14D-CDE5-5FF6-F6C7-C2C5CFB517FC}"/>
+              </a:ext>
+            </a:extLst>
+          </p:cNvPr>
+          <p:cNvSpPr>
+            <a:spLocks noGrp="1"/>
+          </p:cNvSpPr>
+          <p:nvPr>
+            <p:ph idx="1"/>
+          </p:nvPr>
+        </p:nvSpPr>
+        <p:spPr/>
+        <p:txBody>
+          <a:bodyPr/>
+          <a:lstStyle/>
+          <a:p>
+            <a:endParaRPr lang="en-US"/>
+          </a:p>
+        </p:txBody>
+      </p:sp>
+      <p:pic>
+        <p:nvPicPr>
+          <p:cNvPr id="5" name="Picture 4">
+            <a:extLst>
+              <a:ext uri="{FF2B5EF4-FFF2-40B4-BE49-F238E27FC236}">
+                <a16:creationId xmlns:a16="http://schemas.microsoft.com/office/drawing/2014/main" id="{7F7C55E9-2119-A710-B22A-9881F9E5ECA0}"/>
+              </a:ext>
+            </a:extLst>
+          </p:cNvPr>
+          <p:cNvPicPr>
+            <a:picLocks noChangeAspect="1"/>
+          </p:cNvPicPr>
+          <p:nvPr/>
+        </p:nvPicPr>
+        <p:blipFill>
+          <a:blip r:embed="rId2"/>
+          <a:stretch>
+            <a:fillRect/>
+          </a:stretch>
+        </p:blipFill>
+        <p:spPr>
+          <a:xfrm>
+            <a:off x="706755" y="365125"/>
+            <a:ext cx="9915525" cy="3476625"/>
+          </a:xfrm>
+          <a:prstGeom prst="rect">
+            <a:avLst/>
+          </a:prstGeom>
+        </p:spPr>
+      </p:pic>
+      <p:pic>
+        <p:nvPicPr>
+          <p:cNvPr id="7" name="Picture 6">
+            <a:extLst>
+              <a:ext uri="{FF2B5EF4-FFF2-40B4-BE49-F238E27FC236}">
+                <a16:creationId xmlns:a16="http://schemas.microsoft.com/office/drawing/2014/main" id="{4E9CFCD7-5DF9-9A19-34FA-896B1CACCC2B}"/>
+              </a:ext>
+            </a:extLst>
+          </p:cNvPr>
+          <p:cNvPicPr>
+            <a:picLocks noChangeAspect="1"/>
+          </p:cNvPicPr>
+          <p:nvPr/>
+        </p:nvPicPr>
+        <p:blipFill>
+          <a:blip r:embed="rId3"/>
+          <a:stretch>
+            <a:fillRect/>
+          </a:stretch>
+        </p:blipFill>
+        <p:spPr>
+          <a:xfrm>
+            <a:off x="2093595" y="4001294"/>
+            <a:ext cx="8543925" cy="2314575"/>
+          </a:xfrm>
+          <a:prstGeom prst="rect">
+            <a:avLst/>
+          </a:prstGeom>
+        </p:spPr>
+      </p:pic>
+    </p:spTree>
+    <p:extLst>
+      <p:ext uri="{BB962C8B-B14F-4D97-AF65-F5344CB8AC3E}">
+        <p14:creationId xmlns:p14="http://schemas.microsoft.com/office/powerpoint/2010/main" val="790227775"/>
+      </p:ext>
+    </p:extLst>
+  </p:cSld>
+  <p:clrMapOvr>
+    <a:masterClrMapping/>
+  </p:clrMapOvr>
+</p:sld>
+</file>
+
+<file path=ppt/slides/slide19.xml><?xml version="1.0" encoding="utf-8"?>
+<p:sld xmlns:a="http://schemas.openxmlformats.org/drawingml/2006/main" xmlns:r="http://schemas.openxmlformats.org/officeDocument/2006/relationships" xmlns:p="http://schemas.openxmlformats.org/presentationml/2006/main">
+  <p:cSld>
+    <p:spTree>
+      <p:nvGrpSpPr>
+        <p:cNvPr id="1" name="">
+          <a:extLst>
+            <a:ext uri="{FF2B5EF4-FFF2-40B4-BE49-F238E27FC236}">
+              <a16:creationId xmlns:a16="http://schemas.microsoft.com/office/drawing/2014/main" id="{0DB34D30-A725-E63E-6871-4B8246E945C9}"/>
+            </a:ext>
+          </a:extLst>
+        </p:cNvPr>
+        <p:cNvGrpSpPr/>
+        <p:nvPr/>
+      </p:nvGrpSpPr>
+      <p:grpSpPr>
+        <a:xfrm>
+          <a:off x="0" y="0"/>
+          <a:ext cx="0" cy="0"/>
+          <a:chOff x="0" y="0"/>
+          <a:chExt cx="0" cy="0"/>
+        </a:xfrm>
+      </p:grpSpPr>
+      <p:sp>
+        <p:nvSpPr>
+          <p:cNvPr id="2" name="Title 1">
+            <a:extLst>
+              <a:ext uri="{FF2B5EF4-FFF2-40B4-BE49-F238E27FC236}">
+                <a16:creationId xmlns:a16="http://schemas.microsoft.com/office/drawing/2014/main" id="{8D581DAA-BA2C-6A60-63D5-18D83AD53521}"/>
+              </a:ext>
+            </a:extLst>
+          </p:cNvPr>
+          <p:cNvSpPr>
+            <a:spLocks noGrp="1"/>
+          </p:cNvSpPr>
+          <p:nvPr>
+            <p:ph type="title"/>
+          </p:nvPr>
+        </p:nvSpPr>
+        <p:spPr/>
+        <p:txBody>
+          <a:bodyPr/>
+          <a:lstStyle/>
+          <a:p>
+            <a:endParaRPr lang="en-US"/>
+          </a:p>
+        </p:txBody>
+      </p:sp>
+      <p:sp>
+        <p:nvSpPr>
+          <p:cNvPr id="3" name="Content Placeholder 2">
+            <a:extLst>
+              <a:ext uri="{FF2B5EF4-FFF2-40B4-BE49-F238E27FC236}">
+                <a16:creationId xmlns:a16="http://schemas.microsoft.com/office/drawing/2014/main" id="{4DB36B99-DAE2-F012-6548-122897A20AFB}"/>
+              </a:ext>
+            </a:extLst>
+          </p:cNvPr>
+          <p:cNvSpPr>
+            <a:spLocks noGrp="1"/>
+          </p:cNvSpPr>
+          <p:nvPr>
+            <p:ph idx="1"/>
+          </p:nvPr>
+        </p:nvSpPr>
+        <p:spPr/>
+        <p:txBody>
+          <a:bodyPr/>
+          <a:lstStyle/>
+          <a:p>
+            <a:endParaRPr lang="en-US"/>
+          </a:p>
+        </p:txBody>
+      </p:sp>
+      <p:pic>
+        <p:nvPicPr>
+          <p:cNvPr id="5" name="Picture 4">
+            <a:extLst>
+              <a:ext uri="{FF2B5EF4-FFF2-40B4-BE49-F238E27FC236}">
+                <a16:creationId xmlns:a16="http://schemas.microsoft.com/office/drawing/2014/main" id="{F939490C-DF18-F646-8D9F-C14B5B509775}"/>
+              </a:ext>
+            </a:extLst>
+          </p:cNvPr>
+          <p:cNvPicPr>
+            <a:picLocks noChangeAspect="1"/>
+          </p:cNvPicPr>
+          <p:nvPr/>
+        </p:nvPicPr>
+        <p:blipFill>
+          <a:blip r:embed="rId2"/>
+          <a:stretch>
+            <a:fillRect/>
+          </a:stretch>
+        </p:blipFill>
+        <p:spPr>
+          <a:xfrm>
+            <a:off x="1438831" y="365125"/>
+            <a:ext cx="8886825" cy="1076325"/>
+          </a:xfrm>
+          <a:prstGeom prst="rect">
+            <a:avLst/>
+          </a:prstGeom>
+        </p:spPr>
+      </p:pic>
+      <p:pic>
+        <p:nvPicPr>
+          <p:cNvPr id="7" name="Picture 6">
+            <a:extLst>
+              <a:ext uri="{FF2B5EF4-FFF2-40B4-BE49-F238E27FC236}">
+                <a16:creationId xmlns:a16="http://schemas.microsoft.com/office/drawing/2014/main" id="{B4DECCF5-0937-EDAE-9E11-E636623855D9}"/>
+              </a:ext>
+            </a:extLst>
+          </p:cNvPr>
+          <p:cNvPicPr>
+            <a:picLocks noChangeAspect="1"/>
+          </p:cNvPicPr>
+          <p:nvPr/>
+        </p:nvPicPr>
+        <p:blipFill>
+          <a:blip r:embed="rId3"/>
+          <a:stretch>
+            <a:fillRect/>
+          </a:stretch>
+        </p:blipFill>
+        <p:spPr>
+          <a:xfrm>
+            <a:off x="1438831" y="1690688"/>
+            <a:ext cx="8753475" cy="1362075"/>
+          </a:xfrm>
+          <a:prstGeom prst="rect">
+            <a:avLst/>
+          </a:prstGeom>
+        </p:spPr>
+      </p:pic>
+      <p:pic>
+        <p:nvPicPr>
+          <p:cNvPr id="9" name="Picture 8">
+            <a:extLst>
+              <a:ext uri="{FF2B5EF4-FFF2-40B4-BE49-F238E27FC236}">
+                <a16:creationId xmlns:a16="http://schemas.microsoft.com/office/drawing/2014/main" id="{21F03114-FA67-399D-8A1B-4541BFD7E3D7}"/>
+              </a:ext>
+            </a:extLst>
+          </p:cNvPr>
+          <p:cNvPicPr>
+            <a:picLocks noChangeAspect="1"/>
+          </p:cNvPicPr>
+          <p:nvPr/>
+        </p:nvPicPr>
+        <p:blipFill>
+          <a:blip r:embed="rId4"/>
+          <a:stretch>
+            <a:fillRect/>
+          </a:stretch>
+        </p:blipFill>
+        <p:spPr>
+          <a:xfrm>
+            <a:off x="1438831" y="3188361"/>
+            <a:ext cx="8715375" cy="2543175"/>
+          </a:xfrm>
+          <a:prstGeom prst="rect">
+            <a:avLst/>
+          </a:prstGeom>
+        </p:spPr>
+      </p:pic>
+    </p:spTree>
+    <p:extLst>
+      <p:ext uri="{BB962C8B-B14F-4D97-AF65-F5344CB8AC3E}">
+        <p14:creationId xmlns:p14="http://schemas.microsoft.com/office/powerpoint/2010/main" val="4252531992"/>
       </p:ext>
     </p:extLst>
   </p:cSld>
@@ -5182,6 +11331,365 @@
     <p:extLst>
       <p:ext uri="{BB962C8B-B14F-4D97-AF65-F5344CB8AC3E}">
         <p14:creationId xmlns:p14="http://schemas.microsoft.com/office/powerpoint/2010/main" val="2940309998"/>
+      </p:ext>
+    </p:extLst>
+  </p:cSld>
+  <p:clrMapOvr>
+    <a:masterClrMapping/>
+  </p:clrMapOvr>
+</p:sld>
+</file>
+
+<file path=ppt/slides/slide20.xml><?xml version="1.0" encoding="utf-8"?>
+<p:sld xmlns:a="http://schemas.openxmlformats.org/drawingml/2006/main" xmlns:r="http://schemas.openxmlformats.org/officeDocument/2006/relationships" xmlns:p="http://schemas.openxmlformats.org/presentationml/2006/main">
+  <p:cSld>
+    <p:spTree>
+      <p:nvGrpSpPr>
+        <p:cNvPr id="1" name="">
+          <a:extLst>
+            <a:ext uri="{FF2B5EF4-FFF2-40B4-BE49-F238E27FC236}">
+              <a16:creationId xmlns:a16="http://schemas.microsoft.com/office/drawing/2014/main" id="{07F6D09D-03EE-FF30-6D90-19AD8071CA8B}"/>
+            </a:ext>
+          </a:extLst>
+        </p:cNvPr>
+        <p:cNvGrpSpPr/>
+        <p:nvPr/>
+      </p:nvGrpSpPr>
+      <p:grpSpPr>
+        <a:xfrm>
+          <a:off x="0" y="0"/>
+          <a:ext cx="0" cy="0"/>
+          <a:chOff x="0" y="0"/>
+          <a:chExt cx="0" cy="0"/>
+        </a:xfrm>
+      </p:grpSpPr>
+      <p:sp>
+        <p:nvSpPr>
+          <p:cNvPr id="2" name="Title 1">
+            <a:extLst>
+              <a:ext uri="{FF2B5EF4-FFF2-40B4-BE49-F238E27FC236}">
+                <a16:creationId xmlns:a16="http://schemas.microsoft.com/office/drawing/2014/main" id="{5608DD32-18C1-29A0-69E2-5C597ECF03A2}"/>
+              </a:ext>
+            </a:extLst>
+          </p:cNvPr>
+          <p:cNvSpPr>
+            <a:spLocks noGrp="1"/>
+          </p:cNvSpPr>
+          <p:nvPr>
+            <p:ph type="title"/>
+          </p:nvPr>
+        </p:nvSpPr>
+        <p:spPr/>
+        <p:txBody>
+          <a:bodyPr/>
+          <a:lstStyle/>
+          <a:p>
+            <a:endParaRPr lang="en-US"/>
+          </a:p>
+        </p:txBody>
+      </p:sp>
+      <p:sp>
+        <p:nvSpPr>
+          <p:cNvPr id="3" name="Content Placeholder 2">
+            <a:extLst>
+              <a:ext uri="{FF2B5EF4-FFF2-40B4-BE49-F238E27FC236}">
+                <a16:creationId xmlns:a16="http://schemas.microsoft.com/office/drawing/2014/main" id="{94834D6E-805B-A5C2-2FFF-877FD88513A4}"/>
+              </a:ext>
+            </a:extLst>
+          </p:cNvPr>
+          <p:cNvSpPr>
+            <a:spLocks noGrp="1"/>
+          </p:cNvSpPr>
+          <p:nvPr>
+            <p:ph idx="1"/>
+          </p:nvPr>
+        </p:nvSpPr>
+        <p:spPr/>
+        <p:txBody>
+          <a:bodyPr/>
+          <a:lstStyle/>
+          <a:p>
+            <a:endParaRPr lang="en-US"/>
+          </a:p>
+        </p:txBody>
+      </p:sp>
+      <p:pic>
+        <p:nvPicPr>
+          <p:cNvPr id="5" name="Picture 4">
+            <a:extLst>
+              <a:ext uri="{FF2B5EF4-FFF2-40B4-BE49-F238E27FC236}">
+                <a16:creationId xmlns:a16="http://schemas.microsoft.com/office/drawing/2014/main" id="{508577B7-D266-F66A-4698-E1CFB753BFF8}"/>
+              </a:ext>
+            </a:extLst>
+          </p:cNvPr>
+          <p:cNvPicPr>
+            <a:picLocks noChangeAspect="1"/>
+          </p:cNvPicPr>
+          <p:nvPr/>
+        </p:nvPicPr>
+        <p:blipFill>
+          <a:blip r:embed="rId2"/>
+          <a:stretch>
+            <a:fillRect/>
+          </a:stretch>
+        </p:blipFill>
+        <p:spPr>
+          <a:xfrm>
+            <a:off x="1958186" y="0"/>
+            <a:ext cx="8275627" cy="6858000"/>
+          </a:xfrm>
+          <a:prstGeom prst="rect">
+            <a:avLst/>
+          </a:prstGeom>
+        </p:spPr>
+      </p:pic>
+    </p:spTree>
+    <p:extLst>
+      <p:ext uri="{BB962C8B-B14F-4D97-AF65-F5344CB8AC3E}">
+        <p14:creationId xmlns:p14="http://schemas.microsoft.com/office/powerpoint/2010/main" val="2565191065"/>
+      </p:ext>
+    </p:extLst>
+  </p:cSld>
+  <p:clrMapOvr>
+    <a:masterClrMapping/>
+  </p:clrMapOvr>
+</p:sld>
+</file>
+
+<file path=ppt/slides/slide21.xml><?xml version="1.0" encoding="utf-8"?>
+<p:sld xmlns:a="http://schemas.openxmlformats.org/drawingml/2006/main" xmlns:r="http://schemas.openxmlformats.org/officeDocument/2006/relationships" xmlns:p="http://schemas.openxmlformats.org/presentationml/2006/main">
+  <p:cSld>
+    <p:spTree>
+      <p:nvGrpSpPr>
+        <p:cNvPr id="1" name="">
+          <a:extLst>
+            <a:ext uri="{FF2B5EF4-FFF2-40B4-BE49-F238E27FC236}">
+              <a16:creationId xmlns:a16="http://schemas.microsoft.com/office/drawing/2014/main" id="{1D3562A1-ADE8-9F11-514F-E72FA147247E}"/>
+            </a:ext>
+          </a:extLst>
+        </p:cNvPr>
+        <p:cNvGrpSpPr/>
+        <p:nvPr/>
+      </p:nvGrpSpPr>
+      <p:grpSpPr>
+        <a:xfrm>
+          <a:off x="0" y="0"/>
+          <a:ext cx="0" cy="0"/>
+          <a:chOff x="0" y="0"/>
+          <a:chExt cx="0" cy="0"/>
+        </a:xfrm>
+      </p:grpSpPr>
+      <p:sp>
+        <p:nvSpPr>
+          <p:cNvPr id="6" name="Title 5">
+            <a:extLst>
+              <a:ext uri="{FF2B5EF4-FFF2-40B4-BE49-F238E27FC236}">
+                <a16:creationId xmlns:a16="http://schemas.microsoft.com/office/drawing/2014/main" id="{D5F19138-FAAF-A7EB-3526-9429F8757E30}"/>
+              </a:ext>
+            </a:extLst>
+          </p:cNvPr>
+          <p:cNvSpPr>
+            <a:spLocks noGrp="1"/>
+          </p:cNvSpPr>
+          <p:nvPr>
+            <p:ph type="title"/>
+          </p:nvPr>
+        </p:nvSpPr>
+        <p:spPr/>
+        <p:txBody>
+          <a:bodyPr/>
+          <a:lstStyle/>
+          <a:p>
+            <a:endParaRPr lang="en-US"/>
+          </a:p>
+        </p:txBody>
+      </p:sp>
+      <p:sp>
+        <p:nvSpPr>
+          <p:cNvPr id="7" name="Content Placeholder 6">
+            <a:extLst>
+              <a:ext uri="{FF2B5EF4-FFF2-40B4-BE49-F238E27FC236}">
+                <a16:creationId xmlns:a16="http://schemas.microsoft.com/office/drawing/2014/main" id="{C0AA5D07-65AF-7AF2-FCE4-613CE0A37B51}"/>
+              </a:ext>
+            </a:extLst>
+          </p:cNvPr>
+          <p:cNvSpPr>
+            <a:spLocks noGrp="1"/>
+          </p:cNvSpPr>
+          <p:nvPr>
+            <p:ph sz="half" idx="1"/>
+          </p:nvPr>
+        </p:nvSpPr>
+        <p:spPr/>
+        <p:txBody>
+          <a:bodyPr/>
+          <a:lstStyle/>
+          <a:p>
+            <a:endParaRPr lang="en-US"/>
+          </a:p>
+        </p:txBody>
+      </p:sp>
+      <p:sp>
+        <p:nvSpPr>
+          <p:cNvPr id="8" name="Content Placeholder 7">
+            <a:extLst>
+              <a:ext uri="{FF2B5EF4-FFF2-40B4-BE49-F238E27FC236}">
+                <a16:creationId xmlns:a16="http://schemas.microsoft.com/office/drawing/2014/main" id="{A7296968-3AA8-5D11-E653-384DDB39AE87}"/>
+              </a:ext>
+            </a:extLst>
+          </p:cNvPr>
+          <p:cNvSpPr>
+            <a:spLocks noGrp="1"/>
+          </p:cNvSpPr>
+          <p:nvPr>
+            <p:ph sz="half" idx="2"/>
+          </p:nvPr>
+        </p:nvSpPr>
+        <p:spPr/>
+        <p:txBody>
+          <a:bodyPr/>
+          <a:lstStyle/>
+          <a:p>
+            <a:r>
+              <a:rPr lang="en-US" dirty="0"/>
+              <a:t>Key contrast</a:t>
+            </a:r>
+          </a:p>
+          <a:p>
+            <a:pPr lvl="1"/>
+            <a:r>
+              <a:rPr lang="en-US" dirty="0"/>
+              <a:t>Re-infected versus one case not re-infected</a:t>
+            </a:r>
+          </a:p>
+          <a:p>
+            <a:pPr lvl="1"/>
+            <a:endParaRPr lang="en-US" dirty="0"/>
+          </a:p>
+          <a:p>
+            <a:r>
+              <a:rPr lang="en-US" dirty="0"/>
+              <a:t>What cannot be controlled properly in this non-experimental study?</a:t>
+            </a:r>
+          </a:p>
+        </p:txBody>
+      </p:sp>
+      <p:pic>
+        <p:nvPicPr>
+          <p:cNvPr id="5" name="Picture 4">
+            <a:extLst>
+              <a:ext uri="{FF2B5EF4-FFF2-40B4-BE49-F238E27FC236}">
+                <a16:creationId xmlns:a16="http://schemas.microsoft.com/office/drawing/2014/main" id="{B995E7E9-EAAC-11C9-F52E-E9BE3F1AF130}"/>
+              </a:ext>
+            </a:extLst>
+          </p:cNvPr>
+          <p:cNvPicPr>
+            <a:picLocks noChangeAspect="1"/>
+          </p:cNvPicPr>
+          <p:nvPr/>
+        </p:nvPicPr>
+        <p:blipFill>
+          <a:blip r:embed="rId2"/>
+          <a:stretch>
+            <a:fillRect/>
+          </a:stretch>
+        </p:blipFill>
+        <p:spPr>
+          <a:xfrm>
+            <a:off x="561693" y="0"/>
+            <a:ext cx="5035948" cy="6858000"/>
+          </a:xfrm>
+          <a:prstGeom prst="rect">
+            <a:avLst/>
+          </a:prstGeom>
+        </p:spPr>
+      </p:pic>
+    </p:spTree>
+    <p:extLst>
+      <p:ext uri="{BB962C8B-B14F-4D97-AF65-F5344CB8AC3E}">
+        <p14:creationId xmlns:p14="http://schemas.microsoft.com/office/powerpoint/2010/main" val="2794157899"/>
+      </p:ext>
+    </p:extLst>
+  </p:cSld>
+  <p:clrMapOvr>
+    <a:masterClrMapping/>
+  </p:clrMapOvr>
+</p:sld>
+</file>
+
+<file path=ppt/slides/slide22.xml><?xml version="1.0" encoding="utf-8"?>
+<p:sld xmlns:a="http://schemas.openxmlformats.org/drawingml/2006/main" xmlns:r="http://schemas.openxmlformats.org/officeDocument/2006/relationships" xmlns:p="http://schemas.openxmlformats.org/presentationml/2006/main">
+  <p:cSld>
+    <p:spTree>
+      <p:nvGrpSpPr>
+        <p:cNvPr id="1" name=""/>
+        <p:cNvGrpSpPr/>
+        <p:nvPr/>
+      </p:nvGrpSpPr>
+      <p:grpSpPr>
+        <a:xfrm>
+          <a:off x="0" y="0"/>
+          <a:ext cx="0" cy="0"/>
+          <a:chOff x="0" y="0"/>
+          <a:chExt cx="0" cy="0"/>
+        </a:xfrm>
+      </p:grpSpPr>
+      <p:sp>
+        <p:nvSpPr>
+          <p:cNvPr id="2" name="Title 1">
+            <a:extLst>
+              <a:ext uri="{FF2B5EF4-FFF2-40B4-BE49-F238E27FC236}">
+                <a16:creationId xmlns:a16="http://schemas.microsoft.com/office/drawing/2014/main" id="{B61C2794-D1A7-6ACA-70F6-D1C226367650}"/>
+              </a:ext>
+            </a:extLst>
+          </p:cNvPr>
+          <p:cNvSpPr>
+            <a:spLocks noGrp="1"/>
+          </p:cNvSpPr>
+          <p:nvPr>
+            <p:ph type="title"/>
+          </p:nvPr>
+        </p:nvSpPr>
+        <p:spPr/>
+        <p:txBody>
+          <a:bodyPr/>
+          <a:lstStyle/>
+          <a:p>
+            <a:endParaRPr lang="en-US"/>
+          </a:p>
+        </p:txBody>
+      </p:sp>
+      <p:sp>
+        <p:nvSpPr>
+          <p:cNvPr id="3" name="Content Placeholder 2">
+            <a:extLst>
+              <a:ext uri="{FF2B5EF4-FFF2-40B4-BE49-F238E27FC236}">
+                <a16:creationId xmlns:a16="http://schemas.microsoft.com/office/drawing/2014/main" id="{2AB5E82E-F531-88C9-EAAF-F50CC5ACE59E}"/>
+              </a:ext>
+            </a:extLst>
+          </p:cNvPr>
+          <p:cNvSpPr>
+            <a:spLocks noGrp="1"/>
+          </p:cNvSpPr>
+          <p:nvPr>
+            <p:ph idx="1"/>
+          </p:nvPr>
+        </p:nvSpPr>
+        <p:spPr/>
+        <p:txBody>
+          <a:bodyPr>
+            <a:normAutofit/>
+          </a:bodyPr>
+          <a:lstStyle/>
+          <a:p>
+            <a:endParaRPr lang="en-US" dirty="0"/>
+          </a:p>
+        </p:txBody>
+      </p:sp>
+    </p:spTree>
+    <p:extLst>
+      <p:ext uri="{BB962C8B-B14F-4D97-AF65-F5344CB8AC3E}">
+        <p14:creationId xmlns:p14="http://schemas.microsoft.com/office/powerpoint/2010/main" val="77123063"/>
       </p:ext>
     </p:extLst>
   </p:cSld>
@@ -5950,7 +12458,7 @@
           <p:cNvPr id="2" name="Title 1">
             <a:extLst>
               <a:ext uri="{FF2B5EF4-FFF2-40B4-BE49-F238E27FC236}">
-                <a16:creationId xmlns:a16="http://schemas.microsoft.com/office/drawing/2014/main" id="{216D5036-36B8-B450-6029-626FE394EE09}"/>
+                <a16:creationId xmlns:a16="http://schemas.microsoft.com/office/drawing/2014/main" id="{0890E94A-7B39-B350-549B-07721FFA7027}"/>
               </a:ext>
             </a:extLst>
           </p:cNvPr>
@@ -5968,7 +12476,7 @@
           <a:p>
             <a:r>
               <a:rPr lang="en-US" dirty="0"/>
-              <a:t>RCR Errors</a:t>
+              <a:t>RCR Errors </a:t>
             </a:r>
           </a:p>
         </p:txBody>
@@ -5978,7 +12486,7 @@
           <p:cNvPr id="3" name="Content Placeholder 2">
             <a:extLst>
               <a:ext uri="{FF2B5EF4-FFF2-40B4-BE49-F238E27FC236}">
-                <a16:creationId xmlns:a16="http://schemas.microsoft.com/office/drawing/2014/main" id="{3FE2FDE1-B378-BC5B-A77D-EE1384B383B5}"/>
+                <a16:creationId xmlns:a16="http://schemas.microsoft.com/office/drawing/2014/main" id="{9B123693-9582-6879-98DD-B092ABACB478}"/>
               </a:ext>
             </a:extLst>
           </p:cNvPr>
@@ -5996,7 +12504,7 @@
           <a:p>
             <a:r>
               <a:rPr lang="en-US" dirty="0"/>
-              <a:t>In a study of marriage relationships, a researcher discovers that one of the participants in the study is an acquaintance and has indicated ‘yes’ to the question of having had an extra-marital affair.  The researcher is debating whether they should inform the participants’ spouse.</a:t>
+              <a:t>A researcher doing a study on academic performance of students who have been diagnosed with ADHD.  Some of the potential participants have refused to answer the question about their diagnosis, so the researcher contacts their medical provides without the participant’s knowledge.</a:t>
             </a:r>
           </a:p>
           <a:p>
@@ -6006,7 +12514,7 @@
             <a:pPr lvl="1"/>
             <a:r>
               <a:rPr lang="en-US" dirty="0"/>
-              <a:t>3. What kind of research ethics violation is being considered here?  What should they do?</a:t>
+              <a:t>3. What kind of research ethics violation has occurred here?</a:t>
             </a:r>
           </a:p>
         </p:txBody>
@@ -6014,7 +12522,7 @@
     </p:spTree>
     <p:extLst>
       <p:ext uri="{BB962C8B-B14F-4D97-AF65-F5344CB8AC3E}">
-        <p14:creationId xmlns:p14="http://schemas.microsoft.com/office/powerpoint/2010/main" val="4045359758"/>
+        <p14:creationId xmlns:p14="http://schemas.microsoft.com/office/powerpoint/2010/main" val="4060370452"/>
       </p:ext>
     </p:extLst>
   </p:cSld>
@@ -6046,7 +12554,7 @@
           <p:cNvPr id="2" name="Title 1">
             <a:extLst>
               <a:ext uri="{FF2B5EF4-FFF2-40B4-BE49-F238E27FC236}">
-                <a16:creationId xmlns:a16="http://schemas.microsoft.com/office/drawing/2014/main" id="{0890E94A-7B39-B350-549B-07721FFA7027}"/>
+                <a16:creationId xmlns:a16="http://schemas.microsoft.com/office/drawing/2014/main" id="{9ECD93CA-6548-7998-8B9E-2E7B9E574699}"/>
               </a:ext>
             </a:extLst>
           </p:cNvPr>
@@ -6064,7 +12572,7 @@
           <a:p>
             <a:r>
               <a:rPr lang="en-US" dirty="0"/>
-              <a:t>RCR Errors </a:t>
+              <a:t>Intervention research</a:t>
             </a:r>
           </a:p>
         </p:txBody>
@@ -6074,7 +12582,7 @@
           <p:cNvPr id="3" name="Content Placeholder 2">
             <a:extLst>
               <a:ext uri="{FF2B5EF4-FFF2-40B4-BE49-F238E27FC236}">
-                <a16:creationId xmlns:a16="http://schemas.microsoft.com/office/drawing/2014/main" id="{9B123693-9582-6879-98DD-B092ABACB478}"/>
+                <a16:creationId xmlns:a16="http://schemas.microsoft.com/office/drawing/2014/main" id="{368F55B3-1CBD-B8C1-1995-1B9B249B5548}"/>
               </a:ext>
             </a:extLst>
           </p:cNvPr>
@@ -6092,17 +12600,16 @@
           <a:p>
             <a:r>
               <a:rPr lang="en-US" dirty="0"/>
-              <a:t>A researcher doing a study on academic performance of students who have been diagnosed with ADHD.  Some of the potential participants have refused to answer the question about their diagnosis, so the researcher contacts their medical provides without the participant’s knowledge.</a:t>
+              <a:t>4. Give an example of a research study not included in the chapter for which it would be unethical to include a placebo/control group.</a:t>
             </a:r>
           </a:p>
           <a:p>
             <a:endParaRPr lang="en-US" dirty="0"/>
           </a:p>
           <a:p>
-            <a:pPr lvl="1"/>
             <a:r>
               <a:rPr lang="en-US" dirty="0"/>
-              <a:t>4. What kind of research ethics violation has occurred here?</a:t>
+              <a:t>5. Why are rules requiring reporting of conflict of interest important for ensuring accurate and fair scientific processes and reports?</a:t>
             </a:r>
           </a:p>
         </p:txBody>
@@ -6110,7 +12617,7 @@
     </p:spTree>
     <p:extLst>
       <p:ext uri="{BB962C8B-B14F-4D97-AF65-F5344CB8AC3E}">
-        <p14:creationId xmlns:p14="http://schemas.microsoft.com/office/powerpoint/2010/main" val="4060370452"/>
+        <p14:creationId xmlns:p14="http://schemas.microsoft.com/office/powerpoint/2010/main" val="3801400814"/>
       </p:ext>
     </p:extLst>
   </p:cSld>

--- a/Class Slides 2024/Class 22.pptx
+++ b/Class Slides 2024/Class 22.pptx
@@ -9,27 +9,27 @@
   </p:notesMasterIdLst>
   <p:sldIdLst>
     <p:sldId id="256" r:id="rId2"/>
-    <p:sldId id="269" r:id="rId3"/>
-    <p:sldId id="278" r:id="rId4"/>
-    <p:sldId id="279" r:id="rId5"/>
-    <p:sldId id="277" r:id="rId6"/>
-    <p:sldId id="280" r:id="rId7"/>
-    <p:sldId id="271" r:id="rId8"/>
-    <p:sldId id="282" r:id="rId9"/>
-    <p:sldId id="283" r:id="rId10"/>
-    <p:sldId id="813" r:id="rId11"/>
-    <p:sldId id="814" r:id="rId12"/>
-    <p:sldId id="289" r:id="rId13"/>
-    <p:sldId id="290" r:id="rId14"/>
-    <p:sldId id="291" r:id="rId15"/>
-    <p:sldId id="281" r:id="rId16"/>
-    <p:sldId id="276" r:id="rId17"/>
-    <p:sldId id="258" r:id="rId18"/>
-    <p:sldId id="284" r:id="rId19"/>
-    <p:sldId id="285" r:id="rId20"/>
-    <p:sldId id="286" r:id="rId21"/>
-    <p:sldId id="287" r:id="rId22"/>
-    <p:sldId id="288" r:id="rId23"/>
+    <p:sldId id="816" r:id="rId3"/>
+    <p:sldId id="817" r:id="rId4"/>
+    <p:sldId id="818" r:id="rId5"/>
+    <p:sldId id="819" r:id="rId6"/>
+    <p:sldId id="269" r:id="rId7"/>
+    <p:sldId id="278" r:id="rId8"/>
+    <p:sldId id="815" r:id="rId9"/>
+    <p:sldId id="279" r:id="rId10"/>
+    <p:sldId id="277" r:id="rId11"/>
+    <p:sldId id="280" r:id="rId12"/>
+    <p:sldId id="271" r:id="rId13"/>
+    <p:sldId id="282" r:id="rId14"/>
+    <p:sldId id="283" r:id="rId15"/>
+    <p:sldId id="813" r:id="rId16"/>
+    <p:sldId id="814" r:id="rId17"/>
+    <p:sldId id="276" r:id="rId18"/>
+    <p:sldId id="258" r:id="rId19"/>
+    <p:sldId id="289" r:id="rId20"/>
+    <p:sldId id="290" r:id="rId21"/>
+    <p:sldId id="291" r:id="rId22"/>
+    <p:sldId id="281" r:id="rId23"/>
   </p:sldIdLst>
   <p:sldSz cx="12192000" cy="6858000"/>
   <p:notesSz cx="7102475" cy="9388475"/>
@@ -546,7 +546,7 @@
                   <a:spcPct val="0"/>
                 </a:spcAft>
               </a:pPr>
-              <a:t>2</a:t>
+              <a:t>6</a:t>
             </a:fld>
             <a:endParaRPr lang="en-US"/>
           </a:p>
@@ -620,7 +620,7 @@
         <p:cNvPr id="1" name="">
           <a:extLst>
             <a:ext uri="{FF2B5EF4-FFF2-40B4-BE49-F238E27FC236}">
-              <a16:creationId xmlns:a16="http://schemas.microsoft.com/office/drawing/2014/main" id="{60E37B7E-4994-A38B-939D-0380D72EB50F}"/>
+              <a16:creationId xmlns:a16="http://schemas.microsoft.com/office/drawing/2014/main" id="{EA4E1C22-423C-F95D-9E4D-C2073A7EDABD}"/>
             </a:ext>
           </a:extLst>
         </p:cNvPr>
@@ -637,10 +637,166 @@
       </p:grpSpPr>
       <p:sp>
         <p:nvSpPr>
+          <p:cNvPr id="24578" name="Rectangle 7">
+            <a:extLst>
+              <a:ext uri="{FF2B5EF4-FFF2-40B4-BE49-F238E27FC236}">
+                <a16:creationId xmlns:a16="http://schemas.microsoft.com/office/drawing/2014/main" id="{ED840933-9D6A-1C57-8C11-CF567FA6FC2A}"/>
+              </a:ext>
+            </a:extLst>
+          </p:cNvPr>
+          <p:cNvSpPr>
+            <a:spLocks noGrp="1" noChangeArrowheads="1"/>
+          </p:cNvSpPr>
+          <p:nvPr>
+            <p:ph type="sldNum" sz="quarter" idx="5"/>
+          </p:nvPr>
+        </p:nvSpPr>
+        <p:spPr bwMode="auto">
+          <a:noFill/>
+          <a:ln>
+            <a:miter lim="800000"/>
+            <a:headEnd/>
+            <a:tailEnd/>
+          </a:ln>
+        </p:spPr>
+        <p:txBody>
+          <a:bodyPr wrap="square" numCol="1" anchorCtr="0" compatLnSpc="1">
+            <a:prstTxWarp prst="textNoShape">
+              <a:avLst/>
+            </a:prstTxWarp>
+          </a:bodyPr>
+          <a:lstStyle/>
+          <a:p>
+            <a:pPr fontAlgn="base">
+              <a:spcBef>
+                <a:spcPct val="0"/>
+              </a:spcBef>
+              <a:spcAft>
+                <a:spcPct val="0"/>
+              </a:spcAft>
+            </a:pPr>
+            <a:fld id="{603558D8-15F3-4A47-8F3A-8638566C761C}" type="slidenum">
+              <a:rPr lang="en-US"/>
+              <a:pPr fontAlgn="base">
+                <a:spcBef>
+                  <a:spcPct val="0"/>
+                </a:spcBef>
+                <a:spcAft>
+                  <a:spcPct val="0"/>
+                </a:spcAft>
+              </a:pPr>
+              <a:t>17</a:t>
+            </a:fld>
+            <a:endParaRPr lang="en-US"/>
+          </a:p>
+        </p:txBody>
+      </p:sp>
+      <p:sp>
+        <p:nvSpPr>
+          <p:cNvPr id="24579" name="Rectangle 2">
+            <a:extLst>
+              <a:ext uri="{FF2B5EF4-FFF2-40B4-BE49-F238E27FC236}">
+                <a16:creationId xmlns:a16="http://schemas.microsoft.com/office/drawing/2014/main" id="{472BCF50-6605-55E0-00E4-5F12B708BD57}"/>
+              </a:ext>
+            </a:extLst>
+          </p:cNvPr>
+          <p:cNvSpPr>
+            <a:spLocks noGrp="1" noRot="1" noChangeAspect="1" noChangeArrowheads="1" noTextEdit="1"/>
+          </p:cNvSpPr>
+          <p:nvPr>
+            <p:ph type="sldImg"/>
+          </p:nvPr>
+        </p:nvSpPr>
+        <p:spPr bwMode="auto">
+          <a:noFill/>
+          <a:ln>
+            <a:solidFill>
+              <a:srgbClr val="000000"/>
+            </a:solidFill>
+            <a:miter lim="800000"/>
+            <a:headEnd/>
+            <a:tailEnd/>
+          </a:ln>
+        </p:spPr>
+      </p:sp>
+      <p:sp>
+        <p:nvSpPr>
+          <p:cNvPr id="24580" name="Rectangle 3">
+            <a:extLst>
+              <a:ext uri="{FF2B5EF4-FFF2-40B4-BE49-F238E27FC236}">
+                <a16:creationId xmlns:a16="http://schemas.microsoft.com/office/drawing/2014/main" id="{8AF0C3ED-633E-C97D-4BB0-6B1B161A2C52}"/>
+              </a:ext>
+            </a:extLst>
+          </p:cNvPr>
+          <p:cNvSpPr>
+            <a:spLocks noGrp="1" noChangeArrowheads="1"/>
+          </p:cNvSpPr>
+          <p:nvPr>
+            <p:ph type="body" idx="1"/>
+          </p:nvPr>
+        </p:nvSpPr>
+        <p:spPr bwMode="auto">
+          <a:noFill/>
+        </p:spPr>
+        <p:txBody>
+          <a:bodyPr wrap="square" numCol="1" anchor="t" anchorCtr="0" compatLnSpc="1">
+            <a:prstTxWarp prst="textNoShape">
+              <a:avLst/>
+            </a:prstTxWarp>
+          </a:bodyPr>
+          <a:lstStyle/>
+          <a:p>
+            <a:pPr>
+              <a:spcBef>
+                <a:spcPct val="0"/>
+              </a:spcBef>
+            </a:pPr>
+            <a:endParaRPr lang="en-US"/>
+          </a:p>
+        </p:txBody>
+      </p:sp>
+    </p:spTree>
+    <p:extLst>
+      <p:ext uri="{BB962C8B-B14F-4D97-AF65-F5344CB8AC3E}">
+        <p14:creationId xmlns:p14="http://schemas.microsoft.com/office/powerpoint/2010/main" val="4259824954"/>
+      </p:ext>
+    </p:extLst>
+  </p:cSld>
+  <p:clrMapOvr>
+    <a:masterClrMapping/>
+  </p:clrMapOvr>
+</p:notes>
+</file>
+
+<file path=ppt/notesSlides/notesSlide3.xml><?xml version="1.0" encoding="utf-8"?>
+<p:notes xmlns:a="http://schemas.openxmlformats.org/drawingml/2006/main" xmlns:r="http://schemas.openxmlformats.org/officeDocument/2006/relationships" xmlns:p="http://schemas.openxmlformats.org/presentationml/2006/main">
+  <p:cSld>
+    <p:spTree>
+      <p:nvGrpSpPr>
+        <p:cNvPr id="1" name="">
+          <a:extLst>
+            <a:ext uri="{FF2B5EF4-FFF2-40B4-BE49-F238E27FC236}">
+              <a16:creationId xmlns:a16="http://schemas.microsoft.com/office/drawing/2014/main" id="{55AFD6E0-EC80-5440-8B24-79A9B758C97F}"/>
+            </a:ext>
+          </a:extLst>
+        </p:cNvPr>
+        <p:cNvGrpSpPr/>
+        <p:nvPr/>
+      </p:nvGrpSpPr>
+      <p:grpSpPr>
+        <a:xfrm>
+          <a:off x="0" y="0"/>
+          <a:ext cx="0" cy="0"/>
+          <a:chOff x="0" y="0"/>
+          <a:chExt cx="0" cy="0"/>
+        </a:xfrm>
+      </p:grpSpPr>
+      <p:sp>
+        <p:nvSpPr>
           <p:cNvPr id="19458" name="Rectangle 7">
             <a:extLst>
               <a:ext uri="{FF2B5EF4-FFF2-40B4-BE49-F238E27FC236}">
-                <a16:creationId xmlns:a16="http://schemas.microsoft.com/office/drawing/2014/main" id="{57316EB5-9091-08A9-1C95-13E2B5E9B0F3}"/>
+                <a16:creationId xmlns:a16="http://schemas.microsoft.com/office/drawing/2014/main" id="{18BE6434-BA66-4625-B724-ABEA2B085903}"/>
               </a:ext>
             </a:extLst>
           </p:cNvPr>
@@ -685,7 +841,7 @@
                   <a:spcPct val="0"/>
                 </a:spcAft>
               </a:pPr>
-              <a:t>12</a:t>
+              <a:t>19</a:t>
             </a:fld>
             <a:endParaRPr lang="en-US"/>
           </a:p>
@@ -696,7 +852,7 @@
           <p:cNvPr id="19459" name="Rectangle 2">
             <a:extLst>
               <a:ext uri="{FF2B5EF4-FFF2-40B4-BE49-F238E27FC236}">
-                <a16:creationId xmlns:a16="http://schemas.microsoft.com/office/drawing/2014/main" id="{D26DB599-9BB4-FD63-7FEB-898F4DC17DCF}"/>
+                <a16:creationId xmlns:a16="http://schemas.microsoft.com/office/drawing/2014/main" id="{7A776D19-8E80-01FA-69D9-763E29B9E3CC}"/>
               </a:ext>
             </a:extLst>
           </p:cNvPr>
@@ -724,7 +880,7 @@
           <p:cNvPr id="19460" name="Rectangle 3">
             <a:extLst>
               <a:ext uri="{FF2B5EF4-FFF2-40B4-BE49-F238E27FC236}">
-                <a16:creationId xmlns:a16="http://schemas.microsoft.com/office/drawing/2014/main" id="{2A529A41-CE6A-6CE7-1F7D-E23C9828E8DC}"/>
+                <a16:creationId xmlns:a16="http://schemas.microsoft.com/office/drawing/2014/main" id="{AA781B3A-A6DA-A51E-B7C5-DF85F9C0AD21}"/>
               </a:ext>
             </a:extLst>
           </p:cNvPr>
@@ -758,7 +914,7 @@
     </p:spTree>
     <p:extLst>
       <p:ext uri="{BB962C8B-B14F-4D97-AF65-F5344CB8AC3E}">
-        <p14:creationId xmlns:p14="http://schemas.microsoft.com/office/powerpoint/2010/main" val="2216503627"/>
+        <p14:creationId xmlns:p14="http://schemas.microsoft.com/office/powerpoint/2010/main" val="1158678958"/>
       </p:ext>
     </p:extLst>
   </p:cSld>
@@ -768,7 +924,7 @@
 </p:notes>
 </file>
 
-<file path=ppt/notesSlides/notesSlide3.xml><?xml version="1.0" encoding="utf-8"?>
+<file path=ppt/notesSlides/notesSlide4.xml><?xml version="1.0" encoding="utf-8"?>
 <p:notes xmlns:a="http://schemas.openxmlformats.org/drawingml/2006/main" xmlns:r="http://schemas.openxmlformats.org/officeDocument/2006/relationships" xmlns:p="http://schemas.openxmlformats.org/presentationml/2006/main">
   <p:cSld>
     <p:spTree>
@@ -776,7 +932,7 @@
         <p:cNvPr id="1" name="">
           <a:extLst>
             <a:ext uri="{FF2B5EF4-FFF2-40B4-BE49-F238E27FC236}">
-              <a16:creationId xmlns:a16="http://schemas.microsoft.com/office/drawing/2014/main" id="{4976C18A-FF09-70EC-4D13-E3C99A017E6D}"/>
+              <a16:creationId xmlns:a16="http://schemas.microsoft.com/office/drawing/2014/main" id="{58C5B0BF-A419-1C54-24DB-A4606259719F}"/>
             </a:ext>
           </a:extLst>
         </p:cNvPr>
@@ -796,7 +952,7 @@
           <p:cNvPr id="20482" name="Rectangle 7">
             <a:extLst>
               <a:ext uri="{FF2B5EF4-FFF2-40B4-BE49-F238E27FC236}">
-                <a16:creationId xmlns:a16="http://schemas.microsoft.com/office/drawing/2014/main" id="{7F80D25A-D9EA-429D-C7FE-3B8F8643530D}"/>
+                <a16:creationId xmlns:a16="http://schemas.microsoft.com/office/drawing/2014/main" id="{3C28AC07-C43E-0C96-9AB5-008FBC6ABC12}"/>
               </a:ext>
             </a:extLst>
           </p:cNvPr>
@@ -841,7 +997,7 @@
                   <a:spcPct val="0"/>
                 </a:spcAft>
               </a:pPr>
-              <a:t>13</a:t>
+              <a:t>20</a:t>
             </a:fld>
             <a:endParaRPr lang="en-US"/>
           </a:p>
@@ -852,7 +1008,7 @@
           <p:cNvPr id="20483" name="Rectangle 2">
             <a:extLst>
               <a:ext uri="{FF2B5EF4-FFF2-40B4-BE49-F238E27FC236}">
-                <a16:creationId xmlns:a16="http://schemas.microsoft.com/office/drawing/2014/main" id="{B9CB7736-2844-5B3F-79E6-F7E15CDBB4EC}"/>
+                <a16:creationId xmlns:a16="http://schemas.microsoft.com/office/drawing/2014/main" id="{279F14B2-D1E0-4344-07EE-64D442439953}"/>
               </a:ext>
             </a:extLst>
           </p:cNvPr>
@@ -880,7 +1036,7 @@
           <p:cNvPr id="20484" name="Rectangle 3">
             <a:extLst>
               <a:ext uri="{FF2B5EF4-FFF2-40B4-BE49-F238E27FC236}">
-                <a16:creationId xmlns:a16="http://schemas.microsoft.com/office/drawing/2014/main" id="{AC0703B2-9CF2-65A1-C149-F4B30E2735B5}"/>
+                <a16:creationId xmlns:a16="http://schemas.microsoft.com/office/drawing/2014/main" id="{3A159452-5CE4-D585-EF1A-B0D8BAF58486}"/>
               </a:ext>
             </a:extLst>
           </p:cNvPr>
@@ -914,7 +1070,7 @@
     </p:spTree>
     <p:extLst>
       <p:ext uri="{BB962C8B-B14F-4D97-AF65-F5344CB8AC3E}">
-        <p14:creationId xmlns:p14="http://schemas.microsoft.com/office/powerpoint/2010/main" val="2019306894"/>
+        <p14:creationId xmlns:p14="http://schemas.microsoft.com/office/powerpoint/2010/main" val="2807011329"/>
       </p:ext>
     </p:extLst>
   </p:cSld>
@@ -924,7 +1080,7 @@
 </p:notes>
 </file>
 
-<file path=ppt/notesSlides/notesSlide4.xml><?xml version="1.0" encoding="utf-8"?>
+<file path=ppt/notesSlides/notesSlide5.xml><?xml version="1.0" encoding="utf-8"?>
 <p:notes xmlns:a="http://schemas.openxmlformats.org/drawingml/2006/main" xmlns:r="http://schemas.openxmlformats.org/officeDocument/2006/relationships" xmlns:p="http://schemas.openxmlformats.org/presentationml/2006/main">
   <p:cSld>
     <p:spTree>
@@ -932,7 +1088,7 @@
         <p:cNvPr id="1" name="">
           <a:extLst>
             <a:ext uri="{FF2B5EF4-FFF2-40B4-BE49-F238E27FC236}">
-              <a16:creationId xmlns:a16="http://schemas.microsoft.com/office/drawing/2014/main" id="{6DF1ED8F-267F-B95F-083C-E0F2E1706B9B}"/>
+              <a16:creationId xmlns:a16="http://schemas.microsoft.com/office/drawing/2014/main" id="{F5520681-1867-DB06-E26B-EF60D5B0DC35}"/>
             </a:ext>
           </a:extLst>
         </p:cNvPr>
@@ -952,7 +1108,7 @@
           <p:cNvPr id="21506" name="Rectangle 7">
             <a:extLst>
               <a:ext uri="{FF2B5EF4-FFF2-40B4-BE49-F238E27FC236}">
-                <a16:creationId xmlns:a16="http://schemas.microsoft.com/office/drawing/2014/main" id="{D3A4DBD8-7E8F-6B28-AFA9-627CD09B7303}"/>
+                <a16:creationId xmlns:a16="http://schemas.microsoft.com/office/drawing/2014/main" id="{648DBB4B-5400-C6B7-09C0-B821323C0B15}"/>
               </a:ext>
             </a:extLst>
           </p:cNvPr>
@@ -997,7 +1153,7 @@
                   <a:spcPct val="0"/>
                 </a:spcAft>
               </a:pPr>
-              <a:t>14</a:t>
+              <a:t>21</a:t>
             </a:fld>
             <a:endParaRPr lang="en-US"/>
           </a:p>
@@ -1008,7 +1164,7 @@
           <p:cNvPr id="21507" name="Rectangle 2">
             <a:extLst>
               <a:ext uri="{FF2B5EF4-FFF2-40B4-BE49-F238E27FC236}">
-                <a16:creationId xmlns:a16="http://schemas.microsoft.com/office/drawing/2014/main" id="{2C84245C-E127-857D-5A7D-47F1AC3CEBA4}"/>
+                <a16:creationId xmlns:a16="http://schemas.microsoft.com/office/drawing/2014/main" id="{923B9098-F8F8-0A54-A461-F90623352EB8}"/>
               </a:ext>
             </a:extLst>
           </p:cNvPr>
@@ -1036,7 +1192,7 @@
           <p:cNvPr id="21508" name="Rectangle 3">
             <a:extLst>
               <a:ext uri="{FF2B5EF4-FFF2-40B4-BE49-F238E27FC236}">
-                <a16:creationId xmlns:a16="http://schemas.microsoft.com/office/drawing/2014/main" id="{CF870BC2-74CD-3807-469F-F9D61F033809}"/>
+                <a16:creationId xmlns:a16="http://schemas.microsoft.com/office/drawing/2014/main" id="{37857856-606F-299F-88BF-E659F0588273}"/>
               </a:ext>
             </a:extLst>
           </p:cNvPr>
@@ -1070,7 +1226,7 @@
     </p:spTree>
     <p:extLst>
       <p:ext uri="{BB962C8B-B14F-4D97-AF65-F5344CB8AC3E}">
-        <p14:creationId xmlns:p14="http://schemas.microsoft.com/office/powerpoint/2010/main" val="638859562"/>
+        <p14:creationId xmlns:p14="http://schemas.microsoft.com/office/powerpoint/2010/main" val="2531818272"/>
       </p:ext>
     </p:extLst>
   </p:cSld>
@@ -1080,7 +1236,7 @@
 </p:notes>
 </file>
 
-<file path=ppt/notesSlides/notesSlide5.xml><?xml version="1.0" encoding="utf-8"?>
+<file path=ppt/notesSlides/notesSlide6.xml><?xml version="1.0" encoding="utf-8"?>
 <p:notes xmlns:a="http://schemas.openxmlformats.org/drawingml/2006/main" xmlns:r="http://schemas.openxmlformats.org/officeDocument/2006/relationships" xmlns:p="http://schemas.openxmlformats.org/presentationml/2006/main">
   <p:cSld>
     <p:spTree>
@@ -1088,7 +1244,7 @@
         <p:cNvPr id="1" name="">
           <a:extLst>
             <a:ext uri="{FF2B5EF4-FFF2-40B4-BE49-F238E27FC236}">
-              <a16:creationId xmlns:a16="http://schemas.microsoft.com/office/drawing/2014/main" id="{BCC9DB6E-4688-3710-5BAC-9FA95F3B273F}"/>
+              <a16:creationId xmlns:a16="http://schemas.microsoft.com/office/drawing/2014/main" id="{01501C3F-E2EA-7B13-E854-88A15085B840}"/>
             </a:ext>
           </a:extLst>
         </p:cNvPr>
@@ -1108,7 +1264,7 @@
           <p:cNvPr id="22530" name="Rectangle 7">
             <a:extLst>
               <a:ext uri="{FF2B5EF4-FFF2-40B4-BE49-F238E27FC236}">
-                <a16:creationId xmlns:a16="http://schemas.microsoft.com/office/drawing/2014/main" id="{36B65445-8DA5-9937-3000-81E4AB9E6304}"/>
+                <a16:creationId xmlns:a16="http://schemas.microsoft.com/office/drawing/2014/main" id="{DD4ED029-E01E-5CD0-8193-554DF3D2AEA8}"/>
               </a:ext>
             </a:extLst>
           </p:cNvPr>
@@ -1153,7 +1309,7 @@
                   <a:spcPct val="0"/>
                 </a:spcAft>
               </a:pPr>
-              <a:t>15</a:t>
+              <a:t>22</a:t>
             </a:fld>
             <a:endParaRPr lang="en-US"/>
           </a:p>
@@ -1164,7 +1320,7 @@
           <p:cNvPr id="22531" name="Rectangle 2">
             <a:extLst>
               <a:ext uri="{FF2B5EF4-FFF2-40B4-BE49-F238E27FC236}">
-                <a16:creationId xmlns:a16="http://schemas.microsoft.com/office/drawing/2014/main" id="{679FFD19-983B-7172-4022-8E0713F5040E}"/>
+                <a16:creationId xmlns:a16="http://schemas.microsoft.com/office/drawing/2014/main" id="{4C28E879-9433-0ABB-23CB-0B170449BE7C}"/>
               </a:ext>
             </a:extLst>
           </p:cNvPr>
@@ -1192,7 +1348,7 @@
           <p:cNvPr id="22532" name="Rectangle 3">
             <a:extLst>
               <a:ext uri="{FF2B5EF4-FFF2-40B4-BE49-F238E27FC236}">
-                <a16:creationId xmlns:a16="http://schemas.microsoft.com/office/drawing/2014/main" id="{F847AFFE-AA55-7402-EC22-17FAD17F8218}"/>
+                <a16:creationId xmlns:a16="http://schemas.microsoft.com/office/drawing/2014/main" id="{8B07A22A-FE6D-83D8-60E1-A418622CBF57}"/>
               </a:ext>
             </a:extLst>
           </p:cNvPr>
@@ -1226,136 +1382,9 @@
     </p:spTree>
     <p:extLst>
       <p:ext uri="{BB962C8B-B14F-4D97-AF65-F5344CB8AC3E}">
-        <p14:creationId xmlns:p14="http://schemas.microsoft.com/office/powerpoint/2010/main" val="1635063528"/>
+        <p14:creationId xmlns:p14="http://schemas.microsoft.com/office/powerpoint/2010/main" val="1882539876"/>
       </p:ext>
     </p:extLst>
-  </p:cSld>
-  <p:clrMapOvr>
-    <a:masterClrMapping/>
-  </p:clrMapOvr>
-</p:notes>
-</file>
-
-<file path=ppt/notesSlides/notesSlide6.xml><?xml version="1.0" encoding="utf-8"?>
-<p:notes xmlns:a="http://schemas.openxmlformats.org/drawingml/2006/main" xmlns:r="http://schemas.openxmlformats.org/officeDocument/2006/relationships" xmlns:p="http://schemas.openxmlformats.org/presentationml/2006/main">
-  <p:cSld>
-    <p:spTree>
-      <p:nvGrpSpPr>
-        <p:cNvPr id="1" name=""/>
-        <p:cNvGrpSpPr/>
-        <p:nvPr/>
-      </p:nvGrpSpPr>
-      <p:grpSpPr>
-        <a:xfrm>
-          <a:off x="0" y="0"/>
-          <a:ext cx="0" cy="0"/>
-          <a:chOff x="0" y="0"/>
-          <a:chExt cx="0" cy="0"/>
-        </a:xfrm>
-      </p:grpSpPr>
-      <p:sp>
-        <p:nvSpPr>
-          <p:cNvPr id="24578" name="Rectangle 7"/>
-          <p:cNvSpPr>
-            <a:spLocks noGrp="1" noChangeArrowheads="1"/>
-          </p:cNvSpPr>
-          <p:nvPr>
-            <p:ph type="sldNum" sz="quarter" idx="5"/>
-          </p:nvPr>
-        </p:nvSpPr>
-        <p:spPr bwMode="auto">
-          <a:noFill/>
-          <a:ln>
-            <a:miter lim="800000"/>
-            <a:headEnd/>
-            <a:tailEnd/>
-          </a:ln>
-        </p:spPr>
-        <p:txBody>
-          <a:bodyPr wrap="square" numCol="1" anchorCtr="0" compatLnSpc="1">
-            <a:prstTxWarp prst="textNoShape">
-              <a:avLst/>
-            </a:prstTxWarp>
-          </a:bodyPr>
-          <a:lstStyle/>
-          <a:p>
-            <a:pPr fontAlgn="base">
-              <a:spcBef>
-                <a:spcPct val="0"/>
-              </a:spcBef>
-              <a:spcAft>
-                <a:spcPct val="0"/>
-              </a:spcAft>
-            </a:pPr>
-            <a:fld id="{603558D8-15F3-4A47-8F3A-8638566C761C}" type="slidenum">
-              <a:rPr lang="en-US"/>
-              <a:pPr fontAlgn="base">
-                <a:spcBef>
-                  <a:spcPct val="0"/>
-                </a:spcBef>
-                <a:spcAft>
-                  <a:spcPct val="0"/>
-                </a:spcAft>
-              </a:pPr>
-              <a:t>16</a:t>
-            </a:fld>
-            <a:endParaRPr lang="en-US"/>
-          </a:p>
-        </p:txBody>
-      </p:sp>
-      <p:sp>
-        <p:nvSpPr>
-          <p:cNvPr id="24579" name="Rectangle 2"/>
-          <p:cNvSpPr>
-            <a:spLocks noGrp="1" noRot="1" noChangeAspect="1" noChangeArrowheads="1" noTextEdit="1"/>
-          </p:cNvSpPr>
-          <p:nvPr>
-            <p:ph type="sldImg"/>
-          </p:nvPr>
-        </p:nvSpPr>
-        <p:spPr bwMode="auto">
-          <a:noFill/>
-          <a:ln>
-            <a:solidFill>
-              <a:srgbClr val="000000"/>
-            </a:solidFill>
-            <a:miter lim="800000"/>
-            <a:headEnd/>
-            <a:tailEnd/>
-          </a:ln>
-        </p:spPr>
-      </p:sp>
-      <p:sp>
-        <p:nvSpPr>
-          <p:cNvPr id="24580" name="Rectangle 3"/>
-          <p:cNvSpPr>
-            <a:spLocks noGrp="1" noChangeArrowheads="1"/>
-          </p:cNvSpPr>
-          <p:nvPr>
-            <p:ph type="body" idx="1"/>
-          </p:nvPr>
-        </p:nvSpPr>
-        <p:spPr bwMode="auto">
-          <a:noFill/>
-        </p:spPr>
-        <p:txBody>
-          <a:bodyPr wrap="square" numCol="1" anchor="t" anchorCtr="0" compatLnSpc="1">
-            <a:prstTxWarp prst="textNoShape">
-              <a:avLst/>
-            </a:prstTxWarp>
-          </a:bodyPr>
-          <a:lstStyle/>
-          <a:p>
-            <a:pPr>
-              <a:spcBef>
-                <a:spcPct val="0"/>
-              </a:spcBef>
-            </a:pPr>
-            <a:endParaRPr lang="en-US"/>
-          </a:p>
-        </p:txBody>
-      </p:sp>
-    </p:spTree>
   </p:cSld>
   <p:clrMapOvr>
     <a:masterClrMapping/>
@@ -2248,7 +2277,7 @@
     </p:spTree>
     <p:extLst>
       <p:ext uri="{BB962C8B-B14F-4D97-AF65-F5344CB8AC3E}">
-        <p14:creationId xmlns:p14="http://schemas.microsoft.com/office/powerpoint/2010/main" val="3213643038"/>
+        <p14:creationId xmlns:p14="http://schemas.microsoft.com/office/powerpoint/2010/main" val="878390312"/>
       </p:ext>
     </p:extLst>
   </p:cSld>
@@ -4955,7 +4984,7 @@
           <p:cNvPr id="2" name="Title 1">
             <a:extLst>
               <a:ext uri="{FF2B5EF4-FFF2-40B4-BE49-F238E27FC236}">
-                <a16:creationId xmlns:a16="http://schemas.microsoft.com/office/drawing/2014/main" id="{121A0376-8412-9804-DF3B-00D7C9B624DD}"/>
+                <a16:creationId xmlns:a16="http://schemas.microsoft.com/office/drawing/2014/main" id="{4D5CBAE7-CDEB-B7E0-409E-B6399FC44910}"/>
               </a:ext>
             </a:extLst>
           </p:cNvPr>
@@ -4973,7 +5002,7 @@
           <a:p>
             <a:r>
               <a:rPr lang="en-US" dirty="0"/>
-              <a:t>Training intervention</a:t>
+              <a:t>Plagiarism</a:t>
             </a:r>
           </a:p>
         </p:txBody>
@@ -4983,7 +5012,7 @@
           <p:cNvPr id="3" name="Content Placeholder 2">
             <a:extLst>
               <a:ext uri="{FF2B5EF4-FFF2-40B4-BE49-F238E27FC236}">
-                <a16:creationId xmlns:a16="http://schemas.microsoft.com/office/drawing/2014/main" id="{D9B74437-F3E7-B1DB-C562-C1C12F264875}"/>
+                <a16:creationId xmlns:a16="http://schemas.microsoft.com/office/drawing/2014/main" id="{0521D31B-1514-59D3-3A29-85832CF72513}"/>
               </a:ext>
             </a:extLst>
           </p:cNvPr>
@@ -4999,6 +5028,669 @@
           <a:bodyPr/>
           <a:lstStyle/>
           <a:p>
+            <a:pPr>
+              <a:lnSpc>
+                <a:spcPct val="90000"/>
+              </a:lnSpc>
+            </a:pPr>
+            <a:r>
+              <a:rPr lang="en-US" dirty="0"/>
+              <a:t>Citation strengthens reports</a:t>
+            </a:r>
+          </a:p>
+          <a:p>
+            <a:pPr lvl="1"/>
+            <a:r>
+              <a:rPr lang="en-US" dirty="0"/>
+              <a:t>Novel findings have value</a:t>
+            </a:r>
+          </a:p>
+          <a:p>
+            <a:pPr lvl="1"/>
+            <a:r>
+              <a:rPr lang="en-US" dirty="0"/>
+              <a:t>Build on existing ideas</a:t>
+            </a:r>
+          </a:p>
+          <a:p>
+            <a:pPr>
+              <a:lnSpc>
+                <a:spcPct val="90000"/>
+              </a:lnSpc>
+            </a:pPr>
+            <a:r>
+              <a:rPr lang="en-US" dirty="0"/>
+              <a:t>Actual appropriation of others’ ideas</a:t>
+            </a:r>
+          </a:p>
+          <a:p>
+            <a:pPr lvl="1">
+              <a:lnSpc>
+                <a:spcPct val="90000"/>
+              </a:lnSpc>
+            </a:pPr>
+            <a:r>
+              <a:rPr lang="en-US" dirty="0"/>
+              <a:t>Scooping other labs</a:t>
+            </a:r>
+          </a:p>
+          <a:p>
+            <a:pPr lvl="1">
+              <a:lnSpc>
+                <a:spcPct val="90000"/>
+              </a:lnSpc>
+            </a:pPr>
+            <a:r>
+              <a:rPr lang="en-US" dirty="0"/>
+              <a:t>Pre/re publishing manuscripts</a:t>
+            </a:r>
+          </a:p>
+          <a:p>
+            <a:r>
+              <a:rPr lang="en-US" dirty="0"/>
+              <a:t>Authorial credit to collaborators and research team</a:t>
+            </a:r>
+          </a:p>
+          <a:p>
+            <a:pPr lvl="1"/>
+            <a:r>
+              <a:rPr lang="en-US" dirty="0"/>
+              <a:t>Significant intellectual contribution</a:t>
+            </a:r>
+          </a:p>
+          <a:p>
+            <a:pPr lvl="1"/>
+            <a:r>
+              <a:rPr lang="en-US" dirty="0"/>
+              <a:t>Definition varies across psychology, medicine for example</a:t>
+            </a:r>
+          </a:p>
+          <a:p>
+            <a:pPr lvl="1"/>
+            <a:r>
+              <a:rPr lang="en-US" dirty="0"/>
+              <a:t>Not uncommon source of in-laboratory friction</a:t>
+            </a:r>
+          </a:p>
+          <a:p>
+            <a:endParaRPr lang="en-US" dirty="0"/>
+          </a:p>
+        </p:txBody>
+      </p:sp>
+    </p:spTree>
+    <p:extLst>
+      <p:ext uri="{BB962C8B-B14F-4D97-AF65-F5344CB8AC3E}">
+        <p14:creationId xmlns:p14="http://schemas.microsoft.com/office/powerpoint/2010/main" val="1961449701"/>
+      </p:ext>
+    </p:extLst>
+  </p:cSld>
+  <p:clrMapOvr>
+    <a:masterClrMapping/>
+  </p:clrMapOvr>
+</p:sld>
+</file>
+
+<file path=ppt/slides/slide11.xml><?xml version="1.0" encoding="utf-8"?>
+<p:sld xmlns:a="http://schemas.openxmlformats.org/drawingml/2006/main" xmlns:r="http://schemas.openxmlformats.org/officeDocument/2006/relationships" xmlns:p="http://schemas.openxmlformats.org/presentationml/2006/main">
+  <p:cSld>
+    <p:spTree>
+      <p:nvGrpSpPr>
+        <p:cNvPr id="1" name=""/>
+        <p:cNvGrpSpPr/>
+        <p:nvPr/>
+      </p:nvGrpSpPr>
+      <p:grpSpPr>
+        <a:xfrm>
+          <a:off x="0" y="0"/>
+          <a:ext cx="0" cy="0"/>
+          <a:chOff x="0" y="0"/>
+          <a:chExt cx="0" cy="0"/>
+        </a:xfrm>
+      </p:grpSpPr>
+      <p:sp>
+        <p:nvSpPr>
+          <p:cNvPr id="2" name="Title 1">
+            <a:extLst>
+              <a:ext uri="{FF2B5EF4-FFF2-40B4-BE49-F238E27FC236}">
+                <a16:creationId xmlns:a16="http://schemas.microsoft.com/office/drawing/2014/main" id="{1B40978C-1C8B-C6AD-963F-C26A84C0A7BA}"/>
+              </a:ext>
+            </a:extLst>
+          </p:cNvPr>
+          <p:cNvSpPr>
+            <a:spLocks noGrp="1"/>
+          </p:cNvSpPr>
+          <p:nvPr>
+            <p:ph type="title"/>
+          </p:nvPr>
+        </p:nvSpPr>
+        <p:spPr/>
+        <p:txBody>
+          <a:bodyPr/>
+          <a:lstStyle/>
+          <a:p>
+            <a:r>
+              <a:rPr lang="en-US" dirty="0"/>
+              <a:t>Being Public</a:t>
+            </a:r>
+          </a:p>
+        </p:txBody>
+      </p:sp>
+      <p:sp>
+        <p:nvSpPr>
+          <p:cNvPr id="3" name="Content Placeholder 2">
+            <a:extLst>
+              <a:ext uri="{FF2B5EF4-FFF2-40B4-BE49-F238E27FC236}">
+                <a16:creationId xmlns:a16="http://schemas.microsoft.com/office/drawing/2014/main" id="{AA14E0C6-D422-84F0-8EFD-0F295FBE6574}"/>
+              </a:ext>
+            </a:extLst>
+          </p:cNvPr>
+          <p:cNvSpPr>
+            <a:spLocks noGrp="1"/>
+          </p:cNvSpPr>
+          <p:nvPr>
+            <p:ph idx="1"/>
+          </p:nvPr>
+        </p:nvSpPr>
+        <p:spPr/>
+        <p:txBody>
+          <a:bodyPr/>
+          <a:lstStyle/>
+          <a:p>
+            <a:pPr>
+              <a:lnSpc>
+                <a:spcPct val="90000"/>
+              </a:lnSpc>
+            </a:pPr>
+            <a:r>
+              <a:rPr lang="en-US" dirty="0"/>
+              <a:t>All aspects of the research process are auditable</a:t>
+            </a:r>
+          </a:p>
+          <a:p>
+            <a:pPr lvl="1"/>
+            <a:r>
+              <a:rPr lang="en-US" dirty="0"/>
+              <a:t>Participant privacy must still be protected</a:t>
+            </a:r>
+          </a:p>
+          <a:p>
+            <a:pPr lvl="1"/>
+            <a:r>
+              <a:rPr lang="en-US" dirty="0"/>
+              <a:t>Researchers protected from exposure to competing labs</a:t>
+            </a:r>
+          </a:p>
+          <a:p>
+            <a:pPr lvl="1"/>
+            <a:r>
+              <a:rPr lang="en-US" dirty="0"/>
+              <a:t>Patent, copyright, and invention privacy</a:t>
+            </a:r>
+          </a:p>
+          <a:p>
+            <a:pPr>
+              <a:lnSpc>
+                <a:spcPct val="90000"/>
+              </a:lnSpc>
+            </a:pPr>
+            <a:r>
+              <a:rPr lang="en-US" dirty="0"/>
+              <a:t>Publication</a:t>
+            </a:r>
+          </a:p>
+          <a:p>
+            <a:pPr lvl="1">
+              <a:lnSpc>
+                <a:spcPct val="90000"/>
+              </a:lnSpc>
+            </a:pPr>
+            <a:r>
+              <a:rPr lang="en-US" dirty="0"/>
+              <a:t>Full, fair &amp; accurate reporting, making all resources available </a:t>
+            </a:r>
+          </a:p>
+          <a:p>
+            <a:pPr lvl="2"/>
+            <a:r>
+              <a:rPr lang="en-US" dirty="0"/>
+              <a:t>Not always practically effective</a:t>
+            </a:r>
+          </a:p>
+          <a:p>
+            <a:pPr lvl="1">
+              <a:lnSpc>
+                <a:spcPct val="90000"/>
+              </a:lnSpc>
+            </a:pPr>
+            <a:r>
+              <a:rPr lang="en-US" dirty="0"/>
+              <a:t>Supplementary materials via journal website</a:t>
+            </a:r>
+          </a:p>
+          <a:p>
+            <a:pPr lvl="1">
+              <a:lnSpc>
+                <a:spcPct val="90000"/>
+              </a:lnSpc>
+            </a:pPr>
+            <a:r>
+              <a:rPr lang="en-US" dirty="0"/>
+              <a:t>Public availability of de-identified data</a:t>
+            </a:r>
+          </a:p>
+          <a:p>
+            <a:pPr lvl="2"/>
+            <a:r>
+              <a:rPr lang="en-US" dirty="0"/>
+              <a:t>Does not always include excluded data</a:t>
+            </a:r>
+          </a:p>
+          <a:p>
+            <a:endParaRPr lang="en-US" dirty="0"/>
+          </a:p>
+        </p:txBody>
+      </p:sp>
+    </p:spTree>
+    <p:extLst>
+      <p:ext uri="{BB962C8B-B14F-4D97-AF65-F5344CB8AC3E}">
+        <p14:creationId xmlns:p14="http://schemas.microsoft.com/office/powerpoint/2010/main" val="1458181507"/>
+      </p:ext>
+    </p:extLst>
+  </p:cSld>
+  <p:clrMapOvr>
+    <a:masterClrMapping/>
+  </p:clrMapOvr>
+</p:sld>
+</file>
+
+<file path=ppt/slides/slide12.xml><?xml version="1.0" encoding="utf-8"?>
+<p:sld xmlns:a="http://schemas.openxmlformats.org/drawingml/2006/main" xmlns:r="http://schemas.openxmlformats.org/officeDocument/2006/relationships" xmlns:p="http://schemas.openxmlformats.org/presentationml/2006/main">
+  <p:cSld>
+    <p:spTree>
+      <p:nvGrpSpPr>
+        <p:cNvPr id="1" name=""/>
+        <p:cNvGrpSpPr/>
+        <p:nvPr/>
+      </p:nvGrpSpPr>
+      <p:grpSpPr>
+        <a:xfrm>
+          <a:off x="0" y="0"/>
+          <a:ext cx="0" cy="0"/>
+          <a:chOff x="0" y="0"/>
+          <a:chExt cx="0" cy="0"/>
+        </a:xfrm>
+      </p:grpSpPr>
+      <p:sp>
+        <p:nvSpPr>
+          <p:cNvPr id="4098" name="Title 1"/>
+          <p:cNvSpPr>
+            <a:spLocks noGrp="1"/>
+          </p:cNvSpPr>
+          <p:nvPr>
+            <p:ph type="title"/>
+          </p:nvPr>
+        </p:nvSpPr>
+        <p:spPr/>
+        <p:txBody>
+          <a:bodyPr/>
+          <a:lstStyle/>
+          <a:p>
+            <a:r>
+              <a:rPr lang="en-US" dirty="0"/>
+              <a:t>RCR Errors</a:t>
+            </a:r>
+          </a:p>
+        </p:txBody>
+      </p:sp>
+      <p:sp>
+        <p:nvSpPr>
+          <p:cNvPr id="4099" name="Content Placeholder 2"/>
+          <p:cNvSpPr>
+            <a:spLocks noGrp="1"/>
+          </p:cNvSpPr>
+          <p:nvPr>
+            <p:ph idx="1"/>
+          </p:nvPr>
+        </p:nvSpPr>
+        <p:spPr/>
+        <p:txBody>
+          <a:bodyPr/>
+          <a:lstStyle/>
+          <a:p>
+            <a:pPr algn="l"/>
+            <a:r>
+              <a:rPr lang="en-US" b="0" i="0" dirty="0">
+                <a:solidFill>
+                  <a:srgbClr val="2D3B45"/>
+                </a:solidFill>
+                <a:effectLst/>
+                <a:latin typeface="Lato Extended"/>
+              </a:rPr>
+              <a:t>Suppose a friend doing a research project said to you, “I’m sure my hypothesis is correct, so I’ll just give my participants a hint here and there to make sure the data come out properly.”</a:t>
+            </a:r>
+          </a:p>
+          <a:p>
+            <a:pPr algn="l"/>
+            <a:endParaRPr lang="en-US" b="0" i="0" dirty="0">
+              <a:solidFill>
+                <a:srgbClr val="2D3B45"/>
+              </a:solidFill>
+              <a:effectLst/>
+              <a:latin typeface="Lato Extended"/>
+            </a:endParaRPr>
+          </a:p>
+          <a:p>
+            <a:r>
+              <a:rPr lang="en-US" b="0" i="0" dirty="0">
+                <a:solidFill>
+                  <a:srgbClr val="2D3B45"/>
+                </a:solidFill>
+                <a:effectLst/>
+                <a:latin typeface="Lato Extended"/>
+              </a:rPr>
+              <a:t>What kind of RCR violation is this?</a:t>
+            </a:r>
+          </a:p>
+          <a:p>
+            <a:r>
+              <a:rPr lang="en-US" b="0" i="0" dirty="0">
+                <a:solidFill>
+                  <a:srgbClr val="2D3B45"/>
+                </a:solidFill>
+                <a:effectLst/>
+                <a:latin typeface="Lato Extended"/>
+              </a:rPr>
+              <a:t>What methodological approach should be used by this research to avoid this problem?</a:t>
+            </a:r>
+          </a:p>
+        </p:txBody>
+      </p:sp>
+    </p:spTree>
+    <p:extLst>
+      <p:ext uri="{BB962C8B-B14F-4D97-AF65-F5344CB8AC3E}">
+        <p14:creationId xmlns:p14="http://schemas.microsoft.com/office/powerpoint/2010/main" val="1103811015"/>
+      </p:ext>
+    </p:extLst>
+  </p:cSld>
+  <p:clrMapOvr>
+    <a:masterClrMapping/>
+  </p:clrMapOvr>
+</p:sld>
+</file>
+
+<file path=ppt/slides/slide13.xml><?xml version="1.0" encoding="utf-8"?>
+<p:sld xmlns:a="http://schemas.openxmlformats.org/drawingml/2006/main" xmlns:r="http://schemas.openxmlformats.org/officeDocument/2006/relationships" xmlns:p="http://schemas.openxmlformats.org/presentationml/2006/main">
+  <p:cSld>
+    <p:spTree>
+      <p:nvGrpSpPr>
+        <p:cNvPr id="1" name=""/>
+        <p:cNvGrpSpPr/>
+        <p:nvPr/>
+      </p:nvGrpSpPr>
+      <p:grpSpPr>
+        <a:xfrm>
+          <a:off x="0" y="0"/>
+          <a:ext cx="0" cy="0"/>
+          <a:chOff x="0" y="0"/>
+          <a:chExt cx="0" cy="0"/>
+        </a:xfrm>
+      </p:grpSpPr>
+      <p:sp>
+        <p:nvSpPr>
+          <p:cNvPr id="2" name="Title 1">
+            <a:extLst>
+              <a:ext uri="{FF2B5EF4-FFF2-40B4-BE49-F238E27FC236}">
+                <a16:creationId xmlns:a16="http://schemas.microsoft.com/office/drawing/2014/main" id="{0890E94A-7B39-B350-549B-07721FFA7027}"/>
+              </a:ext>
+            </a:extLst>
+          </p:cNvPr>
+          <p:cNvSpPr>
+            <a:spLocks noGrp="1"/>
+          </p:cNvSpPr>
+          <p:nvPr>
+            <p:ph type="title"/>
+          </p:nvPr>
+        </p:nvSpPr>
+        <p:spPr/>
+        <p:txBody>
+          <a:bodyPr/>
+          <a:lstStyle/>
+          <a:p>
+            <a:r>
+              <a:rPr lang="en-US" dirty="0"/>
+              <a:t>RCR Errors </a:t>
+            </a:r>
+          </a:p>
+        </p:txBody>
+      </p:sp>
+      <p:sp>
+        <p:nvSpPr>
+          <p:cNvPr id="3" name="Content Placeholder 2">
+            <a:extLst>
+              <a:ext uri="{FF2B5EF4-FFF2-40B4-BE49-F238E27FC236}">
+                <a16:creationId xmlns:a16="http://schemas.microsoft.com/office/drawing/2014/main" id="{9B123693-9582-6879-98DD-B092ABACB478}"/>
+              </a:ext>
+            </a:extLst>
+          </p:cNvPr>
+          <p:cNvSpPr>
+            <a:spLocks noGrp="1"/>
+          </p:cNvSpPr>
+          <p:nvPr>
+            <p:ph idx="1"/>
+          </p:nvPr>
+        </p:nvSpPr>
+        <p:spPr/>
+        <p:txBody>
+          <a:bodyPr/>
+          <a:lstStyle/>
+          <a:p>
+            <a:r>
+              <a:rPr lang="en-US" dirty="0"/>
+              <a:t>A researcher doing a study on academic performance of students who have been diagnosed with ADHD.  Some of the potential participants have refused to answer the question about their diagnosis, so the researcher contacts their medical provides without the participant’s knowledge.</a:t>
+            </a:r>
+          </a:p>
+          <a:p>
+            <a:endParaRPr lang="en-US" dirty="0"/>
+          </a:p>
+          <a:p>
+            <a:r>
+              <a:rPr lang="en-US" dirty="0"/>
+              <a:t>What kind of research ethics violation has occurred here?</a:t>
+            </a:r>
+          </a:p>
+        </p:txBody>
+      </p:sp>
+    </p:spTree>
+    <p:extLst>
+      <p:ext uri="{BB962C8B-B14F-4D97-AF65-F5344CB8AC3E}">
+        <p14:creationId xmlns:p14="http://schemas.microsoft.com/office/powerpoint/2010/main" val="4060370452"/>
+      </p:ext>
+    </p:extLst>
+  </p:cSld>
+  <p:clrMapOvr>
+    <a:masterClrMapping/>
+  </p:clrMapOvr>
+</p:sld>
+</file>
+
+<file path=ppt/slides/slide14.xml><?xml version="1.0" encoding="utf-8"?>
+<p:sld xmlns:a="http://schemas.openxmlformats.org/drawingml/2006/main" xmlns:r="http://schemas.openxmlformats.org/officeDocument/2006/relationships" xmlns:p="http://schemas.openxmlformats.org/presentationml/2006/main">
+  <p:cSld>
+    <p:spTree>
+      <p:nvGrpSpPr>
+        <p:cNvPr id="1" name=""/>
+        <p:cNvGrpSpPr/>
+        <p:nvPr/>
+      </p:nvGrpSpPr>
+      <p:grpSpPr>
+        <a:xfrm>
+          <a:off x="0" y="0"/>
+          <a:ext cx="0" cy="0"/>
+          <a:chOff x="0" y="0"/>
+          <a:chExt cx="0" cy="0"/>
+        </a:xfrm>
+      </p:grpSpPr>
+      <p:sp>
+        <p:nvSpPr>
+          <p:cNvPr id="2" name="Title 1">
+            <a:extLst>
+              <a:ext uri="{FF2B5EF4-FFF2-40B4-BE49-F238E27FC236}">
+                <a16:creationId xmlns:a16="http://schemas.microsoft.com/office/drawing/2014/main" id="{9ECD93CA-6548-7998-8B9E-2E7B9E574699}"/>
+              </a:ext>
+            </a:extLst>
+          </p:cNvPr>
+          <p:cNvSpPr>
+            <a:spLocks noGrp="1"/>
+          </p:cNvSpPr>
+          <p:nvPr>
+            <p:ph type="title"/>
+          </p:nvPr>
+        </p:nvSpPr>
+        <p:spPr/>
+        <p:txBody>
+          <a:bodyPr/>
+          <a:lstStyle/>
+          <a:p>
+            <a:r>
+              <a:rPr lang="en-US" dirty="0"/>
+              <a:t>Intervention research</a:t>
+            </a:r>
+          </a:p>
+        </p:txBody>
+      </p:sp>
+      <p:sp>
+        <p:nvSpPr>
+          <p:cNvPr id="3" name="Content Placeholder 2">
+            <a:extLst>
+              <a:ext uri="{FF2B5EF4-FFF2-40B4-BE49-F238E27FC236}">
+                <a16:creationId xmlns:a16="http://schemas.microsoft.com/office/drawing/2014/main" id="{368F55B3-1CBD-B8C1-1995-1B9B249B5548}"/>
+              </a:ext>
+            </a:extLst>
+          </p:cNvPr>
+          <p:cNvSpPr>
+            <a:spLocks noGrp="1"/>
+          </p:cNvSpPr>
+          <p:nvPr>
+            <p:ph idx="1"/>
+          </p:nvPr>
+        </p:nvSpPr>
+        <p:spPr/>
+        <p:txBody>
+          <a:bodyPr/>
+          <a:lstStyle/>
+          <a:p>
+            <a:r>
+              <a:rPr lang="en-US" dirty="0"/>
+              <a:t>Give an example of a research study not included in the chapter for which it would be unethical to include a placebo/control group.</a:t>
+            </a:r>
+          </a:p>
+          <a:p>
+            <a:endParaRPr lang="en-US" dirty="0"/>
+          </a:p>
+          <a:p>
+            <a:r>
+              <a:rPr lang="en-US" dirty="0"/>
+              <a:t>Why are rules requiring reporting of conflict of interest important for ensuring accurate and fair scientific processes and reports?</a:t>
+            </a:r>
+          </a:p>
+        </p:txBody>
+      </p:sp>
+    </p:spTree>
+    <p:extLst>
+      <p:ext uri="{BB962C8B-B14F-4D97-AF65-F5344CB8AC3E}">
+        <p14:creationId xmlns:p14="http://schemas.microsoft.com/office/powerpoint/2010/main" val="3801400814"/>
+      </p:ext>
+    </p:extLst>
+  </p:cSld>
+  <p:clrMapOvr>
+    <a:masterClrMapping/>
+  </p:clrMapOvr>
+</p:sld>
+</file>
+
+<file path=ppt/slides/slide15.xml><?xml version="1.0" encoding="utf-8"?>
+<p:sld xmlns:a="http://schemas.openxmlformats.org/drawingml/2006/main" xmlns:r="http://schemas.openxmlformats.org/officeDocument/2006/relationships" xmlns:p="http://schemas.openxmlformats.org/presentationml/2006/main">
+  <p:cSld>
+    <p:spTree>
+      <p:nvGrpSpPr>
+        <p:cNvPr id="1" name=""/>
+        <p:cNvGrpSpPr/>
+        <p:nvPr/>
+      </p:nvGrpSpPr>
+      <p:grpSpPr>
+        <a:xfrm>
+          <a:off x="0" y="0"/>
+          <a:ext cx="0" cy="0"/>
+          <a:chOff x="0" y="0"/>
+          <a:chExt cx="0" cy="0"/>
+        </a:xfrm>
+      </p:grpSpPr>
+      <p:sp>
+        <p:nvSpPr>
+          <p:cNvPr id="2" name="Title 1">
+            <a:extLst>
+              <a:ext uri="{FF2B5EF4-FFF2-40B4-BE49-F238E27FC236}">
+                <a16:creationId xmlns:a16="http://schemas.microsoft.com/office/drawing/2014/main" id="{121A0376-8412-9804-DF3B-00D7C9B624DD}"/>
+              </a:ext>
+            </a:extLst>
+          </p:cNvPr>
+          <p:cNvSpPr>
+            <a:spLocks noGrp="1"/>
+          </p:cNvSpPr>
+          <p:nvPr>
+            <p:ph type="title"/>
+          </p:nvPr>
+        </p:nvSpPr>
+        <p:spPr/>
+        <p:txBody>
+          <a:bodyPr/>
+          <a:lstStyle/>
+          <a:p>
+            <a:r>
+              <a:rPr lang="en-US" dirty="0"/>
+              <a:t>Training intervention with Military personnel</a:t>
+            </a:r>
+          </a:p>
+        </p:txBody>
+      </p:sp>
+      <p:sp>
+        <p:nvSpPr>
+          <p:cNvPr id="3" name="Content Placeholder 2">
+            <a:extLst>
+              <a:ext uri="{FF2B5EF4-FFF2-40B4-BE49-F238E27FC236}">
+                <a16:creationId xmlns:a16="http://schemas.microsoft.com/office/drawing/2014/main" id="{D9B74437-F3E7-B1DB-C562-C1C12F264875}"/>
+              </a:ext>
+            </a:extLst>
+          </p:cNvPr>
+          <p:cNvSpPr>
+            <a:spLocks noGrp="1"/>
+          </p:cNvSpPr>
+          <p:nvPr>
+            <p:ph idx="1"/>
+          </p:nvPr>
+        </p:nvSpPr>
+        <p:spPr/>
+        <p:txBody>
+          <a:bodyPr/>
+          <a:lstStyle/>
+          <a:p>
+            <a:r>
+              <a:rPr lang="en-US" dirty="0"/>
+              <a:t>Can memory theory be used to accelerate training?</a:t>
+            </a:r>
+          </a:p>
+          <a:p>
+            <a:pPr lvl="1"/>
+            <a:r>
+              <a:rPr lang="en-US" dirty="0"/>
+              <a:t>Intervention to speed learning</a:t>
+            </a:r>
+          </a:p>
+          <a:p>
+            <a:pPr lvl="1"/>
+            <a:endParaRPr lang="en-US" dirty="0"/>
+          </a:p>
+          <a:p>
             <a:r>
               <a:rPr lang="en-US" dirty="0"/>
               <a:t>Targeted skill training</a:t>
@@ -5025,15 +5717,19 @@
           <a:p>
             <a:r>
               <a:rPr lang="en-US" dirty="0"/>
-              <a:t>Can memory theory be used to accelerate training?</a:t>
+              <a:t>Training may improve performance on key skills</a:t>
             </a:r>
           </a:p>
           <a:p>
             <a:pPr lvl="1"/>
             <a:r>
               <a:rPr lang="en-US" dirty="0"/>
-              <a:t>Intervention to speed learning</a:t>
-            </a:r>
+              <a:t>How to design this ethically?</a:t>
+            </a:r>
+          </a:p>
+          <a:p>
+            <a:pPr lvl="1"/>
+            <a:endParaRPr lang="en-US" dirty="0"/>
           </a:p>
         </p:txBody>
       </p:sp>
@@ -5050,7 +5746,7 @@
 </p:sld>
 </file>
 
-<file path=ppt/slides/slide11.xml><?xml version="1.0" encoding="utf-8"?>
+<file path=ppt/slides/slide16.xml><?xml version="1.0" encoding="utf-8"?>
 <p:sld xmlns:a="http://schemas.openxmlformats.org/drawingml/2006/main" xmlns:r="http://schemas.openxmlformats.org/officeDocument/2006/relationships" xmlns:p="http://schemas.openxmlformats.org/presentationml/2006/main">
   <p:cSld>
     <p:spTree>
@@ -6656,7 +7352,7 @@
 </p:sld>
 </file>
 
-<file path=ppt/slides/slide12.xml><?xml version="1.0" encoding="utf-8"?>
+<file path=ppt/slides/slide17.xml><?xml version="1.0" encoding="utf-8"?>
 <p:sld xmlns:a="http://schemas.openxmlformats.org/drawingml/2006/main" xmlns:r="http://schemas.openxmlformats.org/officeDocument/2006/relationships" xmlns:p="http://schemas.openxmlformats.org/presentationml/2006/main">
   <p:cSld>
     <p:spTree>
@@ -6664,7 +7360,7 @@
         <p:cNvPr id="1" name="">
           <a:extLst>
             <a:ext uri="{FF2B5EF4-FFF2-40B4-BE49-F238E27FC236}">
-              <a16:creationId xmlns:a16="http://schemas.microsoft.com/office/drawing/2014/main" id="{00C97F7A-0EAF-7D8A-CB75-E6377E185B94}"/>
+              <a16:creationId xmlns:a16="http://schemas.microsoft.com/office/drawing/2014/main" id="{1765E892-BB63-372A-E9D0-D7832912CA1F}"/>
             </a:ext>
           </a:extLst>
         </p:cNvPr>
@@ -6681,10 +7377,10 @@
       </p:grpSpPr>
       <p:sp>
         <p:nvSpPr>
-          <p:cNvPr id="6146" name="Rectangle 2">
-            <a:extLst>
-              <a:ext uri="{FF2B5EF4-FFF2-40B4-BE49-F238E27FC236}">
-                <a16:creationId xmlns:a16="http://schemas.microsoft.com/office/drawing/2014/main" id="{F78ABD50-6161-8979-3669-5BB8CAF652B5}"/>
+          <p:cNvPr id="10242" name="Rectangle 2">
+            <a:extLst>
+              <a:ext uri="{FF2B5EF4-FFF2-40B4-BE49-F238E27FC236}">
+                <a16:creationId xmlns:a16="http://schemas.microsoft.com/office/drawing/2014/main" id="{A1A7BBFE-E824-2DB1-754D-3CD7312D1EE3}"/>
               </a:ext>
             </a:extLst>
           </p:cNvPr>
@@ -6701,18 +7397,18 @@
           <a:lstStyle/>
           <a:p>
             <a:r>
-              <a:rPr lang="en-US" sz="4000"/>
-              <a:t>A Science Fair’s Teachable Moment </a:t>
-            </a:r>
-          </a:p>
-        </p:txBody>
-      </p:sp>
-      <p:sp>
-        <p:nvSpPr>
-          <p:cNvPr id="6147" name="Rectangle 3">
-            <a:extLst>
-              <a:ext uri="{FF2B5EF4-FFF2-40B4-BE49-F238E27FC236}">
-                <a16:creationId xmlns:a16="http://schemas.microsoft.com/office/drawing/2014/main" id="{2DB0D346-0117-2672-8072-D5CCC883EA2F}"/>
+              <a:rPr lang="en-US" dirty="0"/>
+              <a:t>Philosophical Ethical Challenges</a:t>
+            </a:r>
+          </a:p>
+        </p:txBody>
+      </p:sp>
+      <p:sp>
+        <p:nvSpPr>
+          <p:cNvPr id="10243" name="Rectangle 3">
+            <a:extLst>
+              <a:ext uri="{FF2B5EF4-FFF2-40B4-BE49-F238E27FC236}">
+                <a16:creationId xmlns:a16="http://schemas.microsoft.com/office/drawing/2014/main" id="{D66E7B74-64B4-EF36-B740-47D817D4F5D1}"/>
               </a:ext>
             </a:extLst>
           </p:cNvPr>
@@ -6730,77 +7426,91 @@
           </a:bodyPr>
           <a:lstStyle/>
           <a:p>
-            <a:pPr>
-              <a:lnSpc>
-                <a:spcPct val="90000"/>
-              </a:lnSpc>
-            </a:pPr>
             <a:r>
               <a:rPr lang="en-US" dirty="0"/>
-              <a:t>A science fair project done by an 8yo girl, “Does Skin Color Make a Difference?” (Boulder, Colorado)</a:t>
-            </a:r>
-          </a:p>
-          <a:p>
-            <a:pPr lvl="1">
-              <a:lnSpc>
-                <a:spcPct val="90000"/>
-              </a:lnSpc>
-            </a:pPr>
+              <a:t>When the experimental treatment is a benefit</a:t>
+            </a:r>
+          </a:p>
+          <a:p>
+            <a:pPr lvl="1"/>
             <a:r>
               <a:rPr lang="en-US" dirty="0"/>
-              <a:t>2001 school science fair</a:t>
-            </a:r>
-          </a:p>
-          <a:p>
-            <a:pPr lvl="1">
-              <a:lnSpc>
-                <a:spcPct val="90000"/>
-              </a:lnSpc>
-            </a:pPr>
+              <a:t>Justice would normally mean equal benefits across groups</a:t>
+            </a:r>
+          </a:p>
+          <a:p>
+            <a:pPr lvl="1"/>
             <a:r>
               <a:rPr lang="en-US" dirty="0"/>
-              <a:t>School board panicked and censored the results for fear of “insensitivity”</a:t>
-            </a:r>
-          </a:p>
-          <a:p>
-            <a:pPr>
-              <a:lnSpc>
-                <a:spcPct val="90000"/>
-              </a:lnSpc>
-            </a:pPr>
+              <a:t>Intervention research on Monday</a:t>
+            </a:r>
+          </a:p>
+          <a:p>
             <a:r>
               <a:rPr lang="en-US" dirty="0"/>
-              <a:t>Design: Two Barbie dolls, one white and one black.  One Barbie is wearing a lavender (preferred) dress.  The question is “which doll do you prefer?”</a:t>
-            </a:r>
-          </a:p>
-          <a:p>
-            <a:pPr>
-              <a:lnSpc>
-                <a:spcPct val="90000"/>
-              </a:lnSpc>
-            </a:pPr>
+              <a:t>Coercion versus voluntary participation</a:t>
+            </a:r>
+          </a:p>
+          <a:p>
+            <a:pPr lvl="1"/>
             <a:r>
               <a:rPr lang="en-US" dirty="0"/>
-              <a:t>30 adults and children were asked.  Adults consistently preferred the lavender dress (e.g., 27 of 30 times).  </a:t>
-            </a:r>
-          </a:p>
-          <a:p>
-            <a:pPr>
-              <a:lnSpc>
-                <a:spcPct val="90000"/>
-              </a:lnSpc>
-            </a:pPr>
+              <a:t>Authority figures: supervisors, teachers</a:t>
+            </a:r>
+          </a:p>
+          <a:p>
+            <a:pPr lvl="1"/>
             <a:r>
               <a:rPr lang="en-US" dirty="0"/>
-              <a:t>Among children, only 6 picked the lavender dress if the Black Barbie wore the dress.</a:t>
-            </a:r>
+              <a:t>Financial rewards: incentivizing risk</a:t>
+            </a:r>
+          </a:p>
+          <a:p>
+            <a:r>
+              <a:rPr lang="en-US" dirty="0"/>
+              <a:t>Vulnerable populations</a:t>
+            </a:r>
+          </a:p>
+          <a:p>
+            <a:pPr lvl="1"/>
+            <a:r>
+              <a:rPr lang="en-US" dirty="0"/>
+              <a:t>Children: depend on guardian</a:t>
+            </a:r>
+          </a:p>
+          <a:p>
+            <a:pPr lvl="2"/>
+            <a:r>
+              <a:rPr lang="en-US" dirty="0"/>
+              <a:t>Mandatory reporting training for staff</a:t>
+            </a:r>
+          </a:p>
+          <a:p>
+            <a:pPr lvl="1"/>
+            <a:r>
+              <a:rPr lang="en-US" dirty="0"/>
+              <a:t>Prisoners: cannot voluntarily consent</a:t>
+            </a:r>
+          </a:p>
+          <a:p>
+            <a:pPr lvl="2"/>
+            <a:r>
+              <a:rPr lang="en-US" dirty="0"/>
+              <a:t>Research must be for prisoners’ benefit</a:t>
+            </a:r>
+          </a:p>
+          <a:p>
+            <a:endParaRPr lang="en-US" dirty="0"/>
+          </a:p>
+          <a:p>
+            <a:endParaRPr lang="en-US" dirty="0"/>
           </a:p>
         </p:txBody>
       </p:sp>
     </p:spTree>
     <p:extLst>
       <p:ext uri="{BB962C8B-B14F-4D97-AF65-F5344CB8AC3E}">
-        <p14:creationId xmlns:p14="http://schemas.microsoft.com/office/powerpoint/2010/main" val="4055089643"/>
+        <p14:creationId xmlns:p14="http://schemas.microsoft.com/office/powerpoint/2010/main" val="95894188"/>
       </p:ext>
     </p:extLst>
   </p:cSld>
@@ -6810,7 +7520,133 @@
 </p:sld>
 </file>
 
-<file path=ppt/slides/slide13.xml><?xml version="1.0" encoding="utf-8"?>
+<file path=ppt/slides/slide18.xml><?xml version="1.0" encoding="utf-8"?>
+<p:sld xmlns:a="http://schemas.openxmlformats.org/drawingml/2006/main" xmlns:r="http://schemas.openxmlformats.org/officeDocument/2006/relationships" xmlns:p="http://schemas.openxmlformats.org/presentationml/2006/main">
+  <p:cSld>
+    <p:spTree>
+      <p:nvGrpSpPr>
+        <p:cNvPr id="1" name=""/>
+        <p:cNvGrpSpPr/>
+        <p:nvPr/>
+      </p:nvGrpSpPr>
+      <p:grpSpPr>
+        <a:xfrm>
+          <a:off x="0" y="0"/>
+          <a:ext cx="0" cy="0"/>
+          <a:chOff x="0" y="0"/>
+          <a:chExt cx="0" cy="0"/>
+        </a:xfrm>
+      </p:grpSpPr>
+      <p:sp>
+        <p:nvSpPr>
+          <p:cNvPr id="2" name="Title 1">
+            <a:extLst>
+              <a:ext uri="{FF2B5EF4-FFF2-40B4-BE49-F238E27FC236}">
+                <a16:creationId xmlns:a16="http://schemas.microsoft.com/office/drawing/2014/main" id="{133F7F56-121A-5255-29FC-AFF29E2D4744}"/>
+              </a:ext>
+            </a:extLst>
+          </p:cNvPr>
+          <p:cNvSpPr>
+            <a:spLocks noGrp="1"/>
+          </p:cNvSpPr>
+          <p:nvPr>
+            <p:ph type="title"/>
+          </p:nvPr>
+        </p:nvSpPr>
+        <p:spPr/>
+        <p:txBody>
+          <a:bodyPr/>
+          <a:lstStyle/>
+          <a:p>
+            <a:r>
+              <a:rPr lang="en-US" dirty="0"/>
+              <a:t>For Mon 2/26</a:t>
+            </a:r>
+          </a:p>
+        </p:txBody>
+      </p:sp>
+      <p:sp>
+        <p:nvSpPr>
+          <p:cNvPr id="3" name="Content Placeholder 2">
+            <a:extLst>
+              <a:ext uri="{FF2B5EF4-FFF2-40B4-BE49-F238E27FC236}">
+                <a16:creationId xmlns:a16="http://schemas.microsoft.com/office/drawing/2014/main" id="{BE6798D5-8617-B782-5DED-FAD4BA0F559B}"/>
+              </a:ext>
+            </a:extLst>
+          </p:cNvPr>
+          <p:cNvSpPr>
+            <a:spLocks noGrp="1"/>
+          </p:cNvSpPr>
+          <p:nvPr>
+            <p:ph idx="1"/>
+          </p:nvPr>
+        </p:nvSpPr>
+        <p:spPr/>
+        <p:txBody>
+          <a:bodyPr/>
+          <a:lstStyle/>
+          <a:p>
+            <a:r>
+              <a:rPr lang="en-US" dirty="0"/>
+              <a:t>Chapter 19:  Applied research</a:t>
+            </a:r>
+          </a:p>
+          <a:p>
+            <a:pPr lvl="1"/>
+            <a:r>
+              <a:rPr lang="en-US" dirty="0"/>
+              <a:t>Cunningham (1989)</a:t>
+            </a:r>
+          </a:p>
+          <a:p>
+            <a:pPr lvl="1"/>
+            <a:endParaRPr lang="en-US" dirty="0"/>
+          </a:p>
+          <a:p>
+            <a:r>
+              <a:rPr lang="en-US" dirty="0"/>
+              <a:t>Wednesday, Chapter 20</a:t>
+            </a:r>
+          </a:p>
+          <a:p>
+            <a:pPr lvl="1"/>
+            <a:r>
+              <a:rPr lang="en-US" dirty="0"/>
+              <a:t>Developmental psychology and Neuropsychology</a:t>
+            </a:r>
+          </a:p>
+          <a:p>
+            <a:pPr lvl="1"/>
+            <a:endParaRPr lang="en-US" dirty="0"/>
+          </a:p>
+          <a:p>
+            <a:r>
+              <a:rPr lang="en-US" dirty="0"/>
+              <a:t>Friday, Exam 2</a:t>
+            </a:r>
+          </a:p>
+          <a:p>
+            <a:r>
+              <a:rPr lang="en-US" dirty="0"/>
+              <a:t>Project presentations Mar 4 (Mon) and Mar 6 (Wed)</a:t>
+            </a:r>
+          </a:p>
+        </p:txBody>
+      </p:sp>
+    </p:spTree>
+    <p:extLst>
+      <p:ext uri="{BB962C8B-B14F-4D97-AF65-F5344CB8AC3E}">
+        <p14:creationId xmlns:p14="http://schemas.microsoft.com/office/powerpoint/2010/main" val="74110859"/>
+      </p:ext>
+    </p:extLst>
+  </p:cSld>
+  <p:clrMapOvr>
+    <a:masterClrMapping/>
+  </p:clrMapOvr>
+</p:sld>
+</file>
+
+<file path=ppt/slides/slide19.xml><?xml version="1.0" encoding="utf-8"?>
 <p:sld xmlns:a="http://schemas.openxmlformats.org/drawingml/2006/main" xmlns:r="http://schemas.openxmlformats.org/officeDocument/2006/relationships" xmlns:p="http://schemas.openxmlformats.org/presentationml/2006/main">
   <p:cSld>
     <p:spTree>
@@ -6818,7 +7654,7 @@
         <p:cNvPr id="1" name="">
           <a:extLst>
             <a:ext uri="{FF2B5EF4-FFF2-40B4-BE49-F238E27FC236}">
-              <a16:creationId xmlns:a16="http://schemas.microsoft.com/office/drawing/2014/main" id="{13412761-A1AE-F756-56DE-347877833630}"/>
+              <a16:creationId xmlns:a16="http://schemas.microsoft.com/office/drawing/2014/main" id="{B2C37A18-331F-101C-EDA2-3ABA4CB2C969}"/>
             </a:ext>
           </a:extLst>
         </p:cNvPr>
@@ -6835,10 +7671,309 @@
       </p:grpSpPr>
       <p:sp>
         <p:nvSpPr>
+          <p:cNvPr id="6146" name="Rectangle 2">
+            <a:extLst>
+              <a:ext uri="{FF2B5EF4-FFF2-40B4-BE49-F238E27FC236}">
+                <a16:creationId xmlns:a16="http://schemas.microsoft.com/office/drawing/2014/main" id="{B7949F0A-0EB9-070B-41AA-687C308577A8}"/>
+              </a:ext>
+            </a:extLst>
+          </p:cNvPr>
+          <p:cNvSpPr>
+            <a:spLocks noGrp="1" noChangeArrowheads="1"/>
+          </p:cNvSpPr>
+          <p:nvPr>
+            <p:ph type="title"/>
+          </p:nvPr>
+        </p:nvSpPr>
+        <p:spPr/>
+        <p:txBody>
+          <a:bodyPr/>
+          <a:lstStyle/>
+          <a:p>
+            <a:r>
+              <a:rPr lang="en-US" sz="4000"/>
+              <a:t>A Science Fair’s Teachable Moment </a:t>
+            </a:r>
+          </a:p>
+        </p:txBody>
+      </p:sp>
+      <p:sp>
+        <p:nvSpPr>
+          <p:cNvPr id="6147" name="Rectangle 3">
+            <a:extLst>
+              <a:ext uri="{FF2B5EF4-FFF2-40B4-BE49-F238E27FC236}">
+                <a16:creationId xmlns:a16="http://schemas.microsoft.com/office/drawing/2014/main" id="{3D8AF5E4-B952-95FB-9E39-99F115D7C2BF}"/>
+              </a:ext>
+            </a:extLst>
+          </p:cNvPr>
+          <p:cNvSpPr>
+            <a:spLocks noGrp="1" noChangeArrowheads="1"/>
+          </p:cNvSpPr>
+          <p:nvPr>
+            <p:ph type="body" idx="1"/>
+          </p:nvPr>
+        </p:nvSpPr>
+        <p:spPr/>
+        <p:txBody>
+          <a:bodyPr>
+            <a:normAutofit lnSpcReduction="10000"/>
+          </a:bodyPr>
+          <a:lstStyle/>
+          <a:p>
+            <a:pPr>
+              <a:lnSpc>
+                <a:spcPct val="90000"/>
+              </a:lnSpc>
+            </a:pPr>
+            <a:r>
+              <a:rPr lang="en-US" dirty="0"/>
+              <a:t>A science fair project done by an 8yo girl, “Does Skin Color Make a Difference?” (Boulder, Colorado)</a:t>
+            </a:r>
+          </a:p>
+          <a:p>
+            <a:pPr lvl="1">
+              <a:lnSpc>
+                <a:spcPct val="90000"/>
+              </a:lnSpc>
+            </a:pPr>
+            <a:r>
+              <a:rPr lang="en-US" dirty="0"/>
+              <a:t>2001 school science fair</a:t>
+            </a:r>
+          </a:p>
+          <a:p>
+            <a:pPr lvl="1">
+              <a:lnSpc>
+                <a:spcPct val="90000"/>
+              </a:lnSpc>
+            </a:pPr>
+            <a:r>
+              <a:rPr lang="en-US" dirty="0"/>
+              <a:t>School board panicked and censored the results for fear of “insensitivity”</a:t>
+            </a:r>
+          </a:p>
+          <a:p>
+            <a:pPr>
+              <a:lnSpc>
+                <a:spcPct val="90000"/>
+              </a:lnSpc>
+            </a:pPr>
+            <a:r>
+              <a:rPr lang="en-US" dirty="0"/>
+              <a:t>Design: Two Barbie dolls, one white and one black.  One Barbie is wearing a lavender (preferred) dress.  The question is “which doll do you prefer?”</a:t>
+            </a:r>
+          </a:p>
+          <a:p>
+            <a:pPr>
+              <a:lnSpc>
+                <a:spcPct val="90000"/>
+              </a:lnSpc>
+            </a:pPr>
+            <a:r>
+              <a:rPr lang="en-US" dirty="0"/>
+              <a:t>30 adults and children were asked.  Adults consistently preferred the lavender dress (e.g., 27 of 30 times).  </a:t>
+            </a:r>
+          </a:p>
+          <a:p>
+            <a:pPr>
+              <a:lnSpc>
+                <a:spcPct val="90000"/>
+              </a:lnSpc>
+            </a:pPr>
+            <a:r>
+              <a:rPr lang="en-US" dirty="0"/>
+              <a:t>Among children, only 6 picked the lavender dress if the Black Barbie wore the dress.</a:t>
+            </a:r>
+          </a:p>
+        </p:txBody>
+      </p:sp>
+    </p:spTree>
+    <p:extLst>
+      <p:ext uri="{BB962C8B-B14F-4D97-AF65-F5344CB8AC3E}">
+        <p14:creationId xmlns:p14="http://schemas.microsoft.com/office/powerpoint/2010/main" val="4064207409"/>
+      </p:ext>
+    </p:extLst>
+  </p:cSld>
+  <p:clrMapOvr>
+    <a:masterClrMapping/>
+  </p:clrMapOvr>
+</p:sld>
+</file>
+
+<file path=ppt/slides/slide2.xml><?xml version="1.0" encoding="utf-8"?>
+<p:sld xmlns:a="http://schemas.openxmlformats.org/drawingml/2006/main" xmlns:r="http://schemas.openxmlformats.org/officeDocument/2006/relationships" xmlns:p="http://schemas.openxmlformats.org/presentationml/2006/main">
+  <p:cSld>
+    <p:spTree>
+      <p:nvGrpSpPr>
+        <p:cNvPr id="1" name=""/>
+        <p:cNvGrpSpPr/>
+        <p:nvPr/>
+      </p:nvGrpSpPr>
+      <p:grpSpPr>
+        <a:xfrm>
+          <a:off x="0" y="0"/>
+          <a:ext cx="0" cy="0"/>
+          <a:chOff x="0" y="0"/>
+          <a:chExt cx="0" cy="0"/>
+        </a:xfrm>
+      </p:grpSpPr>
+      <p:sp>
+        <p:nvSpPr>
+          <p:cNvPr id="2" name="Title 1">
+            <a:extLst>
+              <a:ext uri="{FF2B5EF4-FFF2-40B4-BE49-F238E27FC236}">
+                <a16:creationId xmlns:a16="http://schemas.microsoft.com/office/drawing/2014/main" id="{18B10D89-2222-3096-8184-CFB0EF42D1F4}"/>
+              </a:ext>
+            </a:extLst>
+          </p:cNvPr>
+          <p:cNvSpPr>
+            <a:spLocks noGrp="1"/>
+          </p:cNvSpPr>
+          <p:nvPr>
+            <p:ph type="title"/>
+          </p:nvPr>
+        </p:nvSpPr>
+        <p:spPr/>
+        <p:txBody>
+          <a:bodyPr/>
+          <a:lstStyle/>
+          <a:p>
+            <a:r>
+              <a:rPr lang="en-US" dirty="0"/>
+              <a:t>Vaccine skepticism</a:t>
+            </a:r>
+          </a:p>
+        </p:txBody>
+      </p:sp>
+      <p:sp>
+        <p:nvSpPr>
+          <p:cNvPr id="3" name="Content Placeholder 2">
+            <a:extLst>
+              <a:ext uri="{FF2B5EF4-FFF2-40B4-BE49-F238E27FC236}">
+                <a16:creationId xmlns:a16="http://schemas.microsoft.com/office/drawing/2014/main" id="{E8873607-1467-006C-E219-40338376298B}"/>
+              </a:ext>
+            </a:extLst>
+          </p:cNvPr>
+          <p:cNvSpPr>
+            <a:spLocks noGrp="1"/>
+          </p:cNvSpPr>
+          <p:nvPr>
+            <p:ph idx="1"/>
+          </p:nvPr>
+        </p:nvSpPr>
+        <p:spPr/>
+        <p:txBody>
+          <a:bodyPr/>
+          <a:lstStyle/>
+          <a:p>
+            <a:r>
+              <a:rPr lang="en-US" b="0" i="0" dirty="0">
+                <a:solidFill>
+                  <a:srgbClr val="212121"/>
+                </a:solidFill>
+                <a:effectLst/>
+                <a:latin typeface="Cambria" panose="02040503050406030204" pitchFamily="18" charset="0"/>
+              </a:rPr>
+              <a:t>In 1998, Andrew Wakefield and 12 of his colleagues published a case series in the </a:t>
+            </a:r>
+            <a:r>
+              <a:rPr lang="en-US" b="0" i="1" dirty="0">
+                <a:solidFill>
+                  <a:srgbClr val="212121"/>
+                </a:solidFill>
+                <a:effectLst/>
+                <a:latin typeface="Cambria" panose="02040503050406030204" pitchFamily="18" charset="0"/>
+              </a:rPr>
+              <a:t>Lancet</a:t>
+            </a:r>
+            <a:r>
+              <a:rPr lang="en-US" b="0" i="0" dirty="0">
+                <a:solidFill>
+                  <a:srgbClr val="212121"/>
+                </a:solidFill>
+                <a:effectLst/>
+                <a:latin typeface="Cambria" panose="02040503050406030204" pitchFamily="18" charset="0"/>
+              </a:rPr>
+              <a:t>, which suggested that the measles, mumps, and rubella (MMR) vaccine may predispose to behavioral regression and pervasive developmental disorder in children.</a:t>
+            </a:r>
+          </a:p>
+          <a:p>
+            <a:r>
+              <a:rPr lang="en-US" b="0" i="0" dirty="0">
+                <a:solidFill>
+                  <a:srgbClr val="212121"/>
+                </a:solidFill>
+                <a:effectLst/>
+                <a:latin typeface="Cambria" panose="02040503050406030204" pitchFamily="18" charset="0"/>
+              </a:rPr>
+              <a:t>Despite the small sample size (</a:t>
+            </a:r>
+            <a:r>
+              <a:rPr lang="en-US" b="0" i="1" dirty="0">
+                <a:solidFill>
+                  <a:srgbClr val="212121"/>
+                </a:solidFill>
+                <a:effectLst/>
+                <a:latin typeface="Cambria" panose="02040503050406030204" pitchFamily="18" charset="0"/>
+              </a:rPr>
+              <a:t>n</a:t>
+            </a:r>
+            <a:r>
+              <a:rPr lang="en-US" b="0" i="0" dirty="0">
+                <a:solidFill>
+                  <a:srgbClr val="212121"/>
+                </a:solidFill>
+                <a:effectLst/>
+                <a:latin typeface="Cambria" panose="02040503050406030204" pitchFamily="18" charset="0"/>
+              </a:rPr>
+              <a:t>=12), the uncontrolled design, and the speculative nature of the conclusions, the paper received wide publicity, and MMR vaccination rates began to drop because parents were concerned about the risk of autism after vaccination.</a:t>
+            </a:r>
+            <a:endParaRPr lang="en-US" dirty="0"/>
+          </a:p>
+        </p:txBody>
+      </p:sp>
+    </p:spTree>
+    <p:extLst>
+      <p:ext uri="{BB962C8B-B14F-4D97-AF65-F5344CB8AC3E}">
+        <p14:creationId xmlns:p14="http://schemas.microsoft.com/office/powerpoint/2010/main" val="3163183783"/>
+      </p:ext>
+    </p:extLst>
+  </p:cSld>
+  <p:clrMapOvr>
+    <a:masterClrMapping/>
+  </p:clrMapOvr>
+</p:sld>
+</file>
+
+<file path=ppt/slides/slide20.xml><?xml version="1.0" encoding="utf-8"?>
+<p:sld xmlns:a="http://schemas.openxmlformats.org/drawingml/2006/main" xmlns:r="http://schemas.openxmlformats.org/officeDocument/2006/relationships" xmlns:p="http://schemas.openxmlformats.org/presentationml/2006/main">
+  <p:cSld>
+    <p:spTree>
+      <p:nvGrpSpPr>
+        <p:cNvPr id="1" name="">
+          <a:extLst>
+            <a:ext uri="{FF2B5EF4-FFF2-40B4-BE49-F238E27FC236}">
+              <a16:creationId xmlns:a16="http://schemas.microsoft.com/office/drawing/2014/main" id="{C1CBDA65-FE5F-CA55-6CB1-0AB8FB5B2DAF}"/>
+            </a:ext>
+          </a:extLst>
+        </p:cNvPr>
+        <p:cNvGrpSpPr/>
+        <p:nvPr/>
+      </p:nvGrpSpPr>
+      <p:grpSpPr>
+        <a:xfrm>
+          <a:off x="0" y="0"/>
+          <a:ext cx="0" cy="0"/>
+          <a:chOff x="0" y="0"/>
+          <a:chExt cx="0" cy="0"/>
+        </a:xfrm>
+      </p:grpSpPr>
+      <p:sp>
+        <p:nvSpPr>
           <p:cNvPr id="7170" name="Rectangle 68">
             <a:extLst>
               <a:ext uri="{FF2B5EF4-FFF2-40B4-BE49-F238E27FC236}">
-                <a16:creationId xmlns:a16="http://schemas.microsoft.com/office/drawing/2014/main" id="{2A70F210-9CF6-4692-FC23-51EC6DEE56F3}"/>
+                <a16:creationId xmlns:a16="http://schemas.microsoft.com/office/drawing/2014/main" id="{B6F562AD-FE84-4345-68D8-8007D5112B22}"/>
               </a:ext>
             </a:extLst>
           </p:cNvPr>
@@ -6866,7 +8001,7 @@
           <p:cNvPr id="4163" name="Group 67">
             <a:extLst>
               <a:ext uri="{FF2B5EF4-FFF2-40B4-BE49-F238E27FC236}">
-                <a16:creationId xmlns:a16="http://schemas.microsoft.com/office/drawing/2014/main" id="{487480E3-586C-D333-4D3F-9CE85E10CF5F}"/>
+                <a16:creationId xmlns:a16="http://schemas.microsoft.com/office/drawing/2014/main" id="{BAA97342-7E84-7598-AA3C-011191E75504}"/>
               </a:ext>
             </a:extLst>
           </p:cNvPr>
@@ -7903,7 +9038,7 @@
           <p:cNvPr id="7189" name="Rectangle 69">
             <a:extLst>
               <a:ext uri="{FF2B5EF4-FFF2-40B4-BE49-F238E27FC236}">
-                <a16:creationId xmlns:a16="http://schemas.microsoft.com/office/drawing/2014/main" id="{779D1444-08CB-0D56-C717-7744F46E3B4A}"/>
+                <a16:creationId xmlns:a16="http://schemas.microsoft.com/office/drawing/2014/main" id="{99712D1B-6F66-08CC-F615-B416C473FE69}"/>
               </a:ext>
             </a:extLst>
           </p:cNvPr>
@@ -7942,7 +9077,7 @@
     </p:spTree>
     <p:extLst>
       <p:ext uri="{BB962C8B-B14F-4D97-AF65-F5344CB8AC3E}">
-        <p14:creationId xmlns:p14="http://schemas.microsoft.com/office/powerpoint/2010/main" val="654408868"/>
+        <p14:creationId xmlns:p14="http://schemas.microsoft.com/office/powerpoint/2010/main" val="920334608"/>
       </p:ext>
     </p:extLst>
   </p:cSld>
@@ -7952,7 +9087,7 @@
 </p:sld>
 </file>
 
-<file path=ppt/slides/slide14.xml><?xml version="1.0" encoding="utf-8"?>
+<file path=ppt/slides/slide21.xml><?xml version="1.0" encoding="utf-8"?>
 <p:sld xmlns:a="http://schemas.openxmlformats.org/drawingml/2006/main" xmlns:r="http://schemas.openxmlformats.org/officeDocument/2006/relationships" xmlns:p="http://schemas.openxmlformats.org/presentationml/2006/main">
   <p:cSld>
     <p:spTree>
@@ -7960,7 +9095,7 @@
         <p:cNvPr id="1" name="">
           <a:extLst>
             <a:ext uri="{FF2B5EF4-FFF2-40B4-BE49-F238E27FC236}">
-              <a16:creationId xmlns:a16="http://schemas.microsoft.com/office/drawing/2014/main" id="{6596285F-FD1B-4138-0E20-433F9E1F33C6}"/>
+              <a16:creationId xmlns:a16="http://schemas.microsoft.com/office/drawing/2014/main" id="{83924F36-E62A-DA68-712D-7144B88E8FC7}"/>
             </a:ext>
           </a:extLst>
         </p:cNvPr>
@@ -7980,7 +9115,7 @@
           <p:cNvPr id="8194" name="Rectangle 4">
             <a:extLst>
               <a:ext uri="{FF2B5EF4-FFF2-40B4-BE49-F238E27FC236}">
-                <a16:creationId xmlns:a16="http://schemas.microsoft.com/office/drawing/2014/main" id="{E43DD3ED-B1AC-9867-843D-C953D9529D9A}"/>
+                <a16:creationId xmlns:a16="http://schemas.microsoft.com/office/drawing/2014/main" id="{9C456B5B-1267-93DF-BF42-226E7A498730}"/>
               </a:ext>
             </a:extLst>
           </p:cNvPr>
@@ -8008,7 +9143,7 @@
           <p:cNvPr id="8195" name="Rectangle 6">
             <a:extLst>
               <a:ext uri="{FF2B5EF4-FFF2-40B4-BE49-F238E27FC236}">
-                <a16:creationId xmlns:a16="http://schemas.microsoft.com/office/drawing/2014/main" id="{4513B5DD-2F28-096E-0043-4483BCA8693F}"/>
+                <a16:creationId xmlns:a16="http://schemas.microsoft.com/office/drawing/2014/main" id="{3B06DC57-EE1E-D390-7C6D-B8074208F34F}"/>
               </a:ext>
             </a:extLst>
           </p:cNvPr>
@@ -8076,7 +9211,7 @@
           <p:cNvPr id="8255" name="Group 63">
             <a:extLst>
               <a:ext uri="{FF2B5EF4-FFF2-40B4-BE49-F238E27FC236}">
-                <a16:creationId xmlns:a16="http://schemas.microsoft.com/office/drawing/2014/main" id="{3F589E1F-2B8E-9EF0-43C7-A086522D603A}"/>
+                <a16:creationId xmlns:a16="http://schemas.microsoft.com/office/drawing/2014/main" id="{C26BC1E3-1B6E-DD82-DE91-0561C6305927}"/>
               </a:ext>
             </a:extLst>
           </p:cNvPr>
@@ -9111,7 +10246,7 @@
     </p:spTree>
     <p:extLst>
       <p:ext uri="{BB962C8B-B14F-4D97-AF65-F5344CB8AC3E}">
-        <p14:creationId xmlns:p14="http://schemas.microsoft.com/office/powerpoint/2010/main" val="2285731514"/>
+        <p14:creationId xmlns:p14="http://schemas.microsoft.com/office/powerpoint/2010/main" val="286406279"/>
       </p:ext>
     </p:extLst>
   </p:cSld>
@@ -9121,7 +10256,7 @@
 </p:sld>
 </file>
 
-<file path=ppt/slides/slide15.xml><?xml version="1.0" encoding="utf-8"?>
+<file path=ppt/slides/slide22.xml><?xml version="1.0" encoding="utf-8"?>
 <p:sld xmlns:a="http://schemas.openxmlformats.org/drawingml/2006/main" xmlns:r="http://schemas.openxmlformats.org/officeDocument/2006/relationships" xmlns:p="http://schemas.openxmlformats.org/presentationml/2006/main">
   <p:cSld>
     <p:spTree>
@@ -9129,7 +10264,7 @@
         <p:cNvPr id="1" name="">
           <a:extLst>
             <a:ext uri="{FF2B5EF4-FFF2-40B4-BE49-F238E27FC236}">
-              <a16:creationId xmlns:a16="http://schemas.microsoft.com/office/drawing/2014/main" id="{9935A360-897D-716E-A21C-45FA777E915E}"/>
+              <a16:creationId xmlns:a16="http://schemas.microsoft.com/office/drawing/2014/main" id="{59F11797-FCBD-BF3D-E721-CC3C914E8F17}"/>
             </a:ext>
           </a:extLst>
         </p:cNvPr>
@@ -9149,7 +10284,7 @@
           <p:cNvPr id="10242" name="Rectangle 2">
             <a:extLst>
               <a:ext uri="{FF2B5EF4-FFF2-40B4-BE49-F238E27FC236}">
-                <a16:creationId xmlns:a16="http://schemas.microsoft.com/office/drawing/2014/main" id="{5C9248A0-921B-8637-8D76-931E974862D8}"/>
+                <a16:creationId xmlns:a16="http://schemas.microsoft.com/office/drawing/2014/main" id="{EF52E9BD-7939-9BB5-E658-9146678A6909}"/>
               </a:ext>
             </a:extLst>
           </p:cNvPr>
@@ -9182,7 +10317,7 @@
           <p:cNvPr id="9219" name="Rectangle 5">
             <a:extLst>
               <a:ext uri="{FF2B5EF4-FFF2-40B4-BE49-F238E27FC236}">
-                <a16:creationId xmlns:a16="http://schemas.microsoft.com/office/drawing/2014/main" id="{AFBC67AE-58AB-1A29-C10D-0B0B055C8801}"/>
+                <a16:creationId xmlns:a16="http://schemas.microsoft.com/office/drawing/2014/main" id="{B8242CC1-6E9D-E061-1243-B0BC2279A461}"/>
               </a:ext>
             </a:extLst>
           </p:cNvPr>
@@ -9223,7 +10358,7 @@
           <p:cNvPr id="10323" name="Group 83">
             <a:extLst>
               <a:ext uri="{FF2B5EF4-FFF2-40B4-BE49-F238E27FC236}">
-                <a16:creationId xmlns:a16="http://schemas.microsoft.com/office/drawing/2014/main" id="{FFE02816-2EDE-776D-C210-F99CBE7723CB}"/>
+                <a16:creationId xmlns:a16="http://schemas.microsoft.com/office/drawing/2014/main" id="{DA34036B-E1D5-97FC-241E-06820203FCB4}"/>
               </a:ext>
             </a:extLst>
           </p:cNvPr>
@@ -10594,1102 +11729,7 @@
     </p:spTree>
     <p:extLst>
       <p:ext uri="{BB962C8B-B14F-4D97-AF65-F5344CB8AC3E}">
-        <p14:creationId xmlns:p14="http://schemas.microsoft.com/office/powerpoint/2010/main" val="351313711"/>
-      </p:ext>
-    </p:extLst>
-  </p:cSld>
-  <p:clrMapOvr>
-    <a:masterClrMapping/>
-  </p:clrMapOvr>
-</p:sld>
-</file>
-
-<file path=ppt/slides/slide16.xml><?xml version="1.0" encoding="utf-8"?>
-<p:sld xmlns:a="http://schemas.openxmlformats.org/drawingml/2006/main" xmlns:r="http://schemas.openxmlformats.org/officeDocument/2006/relationships" xmlns:p="http://schemas.openxmlformats.org/presentationml/2006/main">
-  <p:cSld>
-    <p:spTree>
-      <p:nvGrpSpPr>
-        <p:cNvPr id="1" name=""/>
-        <p:cNvGrpSpPr/>
-        <p:nvPr/>
-      </p:nvGrpSpPr>
-      <p:grpSpPr>
-        <a:xfrm>
-          <a:off x="0" y="0"/>
-          <a:ext cx="0" cy="0"/>
-          <a:chOff x="0" y="0"/>
-          <a:chExt cx="0" cy="0"/>
-        </a:xfrm>
-      </p:grpSpPr>
-      <p:sp>
-        <p:nvSpPr>
-          <p:cNvPr id="10242" name="Rectangle 2"/>
-          <p:cNvSpPr>
-            <a:spLocks noGrp="1" noChangeArrowheads="1"/>
-          </p:cNvSpPr>
-          <p:nvPr>
-            <p:ph type="title"/>
-          </p:nvPr>
-        </p:nvSpPr>
-        <p:spPr/>
-        <p:txBody>
-          <a:bodyPr/>
-          <a:lstStyle/>
-          <a:p>
-            <a:r>
-              <a:rPr lang="en-US" dirty="0"/>
-              <a:t>Philosophical Ethical Challenges</a:t>
-            </a:r>
-          </a:p>
-        </p:txBody>
-      </p:sp>
-      <p:sp>
-        <p:nvSpPr>
-          <p:cNvPr id="10243" name="Rectangle 3"/>
-          <p:cNvSpPr>
-            <a:spLocks noGrp="1" noChangeArrowheads="1"/>
-          </p:cNvSpPr>
-          <p:nvPr>
-            <p:ph type="body" idx="1"/>
-          </p:nvPr>
-        </p:nvSpPr>
-        <p:spPr/>
-        <p:txBody>
-          <a:bodyPr>
-            <a:normAutofit lnSpcReduction="10000"/>
-          </a:bodyPr>
-          <a:lstStyle/>
-          <a:p>
-            <a:r>
-              <a:rPr lang="en-US" dirty="0"/>
-              <a:t>When the experimental treatment is a benefit</a:t>
-            </a:r>
-          </a:p>
-          <a:p>
-            <a:pPr lvl="1"/>
-            <a:r>
-              <a:rPr lang="en-US" dirty="0"/>
-              <a:t>Justice would normally mean equal benefits across groups</a:t>
-            </a:r>
-          </a:p>
-          <a:p>
-            <a:pPr lvl="1"/>
-            <a:r>
-              <a:rPr lang="en-US" dirty="0"/>
-              <a:t>Intervention research on Monday</a:t>
-            </a:r>
-          </a:p>
-          <a:p>
-            <a:r>
-              <a:rPr lang="en-US" dirty="0"/>
-              <a:t>Coercion versus voluntary participation</a:t>
-            </a:r>
-          </a:p>
-          <a:p>
-            <a:pPr lvl="1"/>
-            <a:r>
-              <a:rPr lang="en-US" dirty="0"/>
-              <a:t>Authority figures: supervisors, teachers</a:t>
-            </a:r>
-          </a:p>
-          <a:p>
-            <a:pPr lvl="1"/>
-            <a:r>
-              <a:rPr lang="en-US" dirty="0"/>
-              <a:t>Financial rewards: incentivizing risk</a:t>
-            </a:r>
-          </a:p>
-          <a:p>
-            <a:r>
-              <a:rPr lang="en-US" dirty="0"/>
-              <a:t>Vulnerable populations</a:t>
-            </a:r>
-          </a:p>
-          <a:p>
-            <a:pPr lvl="1"/>
-            <a:r>
-              <a:rPr lang="en-US" dirty="0"/>
-              <a:t>Children: depend on guardian</a:t>
-            </a:r>
-          </a:p>
-          <a:p>
-            <a:pPr lvl="2"/>
-            <a:r>
-              <a:rPr lang="en-US" dirty="0"/>
-              <a:t>Mandatory reporting training for staff</a:t>
-            </a:r>
-          </a:p>
-          <a:p>
-            <a:pPr lvl="1"/>
-            <a:r>
-              <a:rPr lang="en-US" dirty="0"/>
-              <a:t>Prisoners: cannot voluntarily consent</a:t>
-            </a:r>
-          </a:p>
-          <a:p>
-            <a:pPr lvl="2"/>
-            <a:r>
-              <a:rPr lang="en-US" dirty="0"/>
-              <a:t>Research must be for prisoners’ benefit</a:t>
-            </a:r>
-          </a:p>
-          <a:p>
-            <a:endParaRPr lang="en-US" dirty="0"/>
-          </a:p>
-          <a:p>
-            <a:endParaRPr lang="en-US" dirty="0"/>
-          </a:p>
-        </p:txBody>
-      </p:sp>
-    </p:spTree>
-    <p:extLst>
-      <p:ext uri="{BB962C8B-B14F-4D97-AF65-F5344CB8AC3E}">
-        <p14:creationId xmlns:p14="http://schemas.microsoft.com/office/powerpoint/2010/main" val="2284506387"/>
-      </p:ext>
-    </p:extLst>
-  </p:cSld>
-  <p:clrMapOvr>
-    <a:masterClrMapping/>
-  </p:clrMapOvr>
-</p:sld>
-</file>
-
-<file path=ppt/slides/slide17.xml><?xml version="1.0" encoding="utf-8"?>
-<p:sld xmlns:a="http://schemas.openxmlformats.org/drawingml/2006/main" xmlns:r="http://schemas.openxmlformats.org/officeDocument/2006/relationships" xmlns:p="http://schemas.openxmlformats.org/presentationml/2006/main">
-  <p:cSld>
-    <p:spTree>
-      <p:nvGrpSpPr>
-        <p:cNvPr id="1" name=""/>
-        <p:cNvGrpSpPr/>
-        <p:nvPr/>
-      </p:nvGrpSpPr>
-      <p:grpSpPr>
-        <a:xfrm>
-          <a:off x="0" y="0"/>
-          <a:ext cx="0" cy="0"/>
-          <a:chOff x="0" y="0"/>
-          <a:chExt cx="0" cy="0"/>
-        </a:xfrm>
-      </p:grpSpPr>
-      <p:sp>
-        <p:nvSpPr>
-          <p:cNvPr id="2" name="Title 1">
-            <a:extLst>
-              <a:ext uri="{FF2B5EF4-FFF2-40B4-BE49-F238E27FC236}">
-                <a16:creationId xmlns:a16="http://schemas.microsoft.com/office/drawing/2014/main" id="{133F7F56-121A-5255-29FC-AFF29E2D4744}"/>
-              </a:ext>
-            </a:extLst>
-          </p:cNvPr>
-          <p:cNvSpPr>
-            <a:spLocks noGrp="1"/>
-          </p:cNvSpPr>
-          <p:nvPr>
-            <p:ph type="title"/>
-          </p:nvPr>
-        </p:nvSpPr>
-        <p:spPr/>
-        <p:txBody>
-          <a:bodyPr/>
-          <a:lstStyle/>
-          <a:p>
-            <a:r>
-              <a:rPr lang="en-US" dirty="0"/>
-              <a:t>For Mon 2/26</a:t>
-            </a:r>
-          </a:p>
-        </p:txBody>
-      </p:sp>
-      <p:sp>
-        <p:nvSpPr>
-          <p:cNvPr id="3" name="Content Placeholder 2">
-            <a:extLst>
-              <a:ext uri="{FF2B5EF4-FFF2-40B4-BE49-F238E27FC236}">
-                <a16:creationId xmlns:a16="http://schemas.microsoft.com/office/drawing/2014/main" id="{BE6798D5-8617-B782-5DED-FAD4BA0F559B}"/>
-              </a:ext>
-            </a:extLst>
-          </p:cNvPr>
-          <p:cNvSpPr>
-            <a:spLocks noGrp="1"/>
-          </p:cNvSpPr>
-          <p:nvPr>
-            <p:ph idx="1"/>
-          </p:nvPr>
-        </p:nvSpPr>
-        <p:spPr/>
-        <p:txBody>
-          <a:bodyPr/>
-          <a:lstStyle/>
-          <a:p>
-            <a:r>
-              <a:rPr lang="en-US" dirty="0"/>
-              <a:t>Chapter 19:  Field research</a:t>
-            </a:r>
-          </a:p>
-          <a:p>
-            <a:pPr lvl="1"/>
-            <a:endParaRPr lang="en-US" dirty="0"/>
-          </a:p>
-          <a:p>
-            <a:pPr lvl="1"/>
-            <a:endParaRPr lang="en-US" dirty="0"/>
-          </a:p>
-          <a:p>
-            <a:r>
-              <a:rPr lang="en-US" dirty="0"/>
-              <a:t>Wednesday, Chapter 20</a:t>
-            </a:r>
-          </a:p>
-          <a:p>
-            <a:pPr lvl="1"/>
-            <a:r>
-              <a:rPr lang="en-US" dirty="0"/>
-              <a:t>Developmental psychology and Neuropsychology</a:t>
-            </a:r>
-          </a:p>
-          <a:p>
-            <a:pPr lvl="1"/>
-            <a:endParaRPr lang="en-US" dirty="0"/>
-          </a:p>
-          <a:p>
-            <a:r>
-              <a:rPr lang="en-US" dirty="0"/>
-              <a:t>Friday, Exam 2</a:t>
-            </a:r>
-          </a:p>
-          <a:p>
-            <a:r>
-              <a:rPr lang="en-US" dirty="0"/>
-              <a:t>Project presentations March 4 and 6</a:t>
-            </a:r>
-          </a:p>
-        </p:txBody>
-      </p:sp>
-    </p:spTree>
-    <p:extLst>
-      <p:ext uri="{BB962C8B-B14F-4D97-AF65-F5344CB8AC3E}">
-        <p14:creationId xmlns:p14="http://schemas.microsoft.com/office/powerpoint/2010/main" val="74110859"/>
-      </p:ext>
-    </p:extLst>
-  </p:cSld>
-  <p:clrMapOvr>
-    <a:masterClrMapping/>
-  </p:clrMapOvr>
-</p:sld>
-</file>
-
-<file path=ppt/slides/slide18.xml><?xml version="1.0" encoding="utf-8"?>
-<p:sld xmlns:a="http://schemas.openxmlformats.org/drawingml/2006/main" xmlns:r="http://schemas.openxmlformats.org/officeDocument/2006/relationships" xmlns:p="http://schemas.openxmlformats.org/presentationml/2006/main">
-  <p:cSld>
-    <p:spTree>
-      <p:nvGrpSpPr>
-        <p:cNvPr id="1" name="">
-          <a:extLst>
-            <a:ext uri="{FF2B5EF4-FFF2-40B4-BE49-F238E27FC236}">
-              <a16:creationId xmlns:a16="http://schemas.microsoft.com/office/drawing/2014/main" id="{1ED12CD4-F832-D809-C1C1-3EEF0F23FEE2}"/>
-            </a:ext>
-          </a:extLst>
-        </p:cNvPr>
-        <p:cNvGrpSpPr/>
-        <p:nvPr/>
-      </p:nvGrpSpPr>
-      <p:grpSpPr>
-        <a:xfrm>
-          <a:off x="0" y="0"/>
-          <a:ext cx="0" cy="0"/>
-          <a:chOff x="0" y="0"/>
-          <a:chExt cx="0" cy="0"/>
-        </a:xfrm>
-      </p:grpSpPr>
-      <p:sp>
-        <p:nvSpPr>
-          <p:cNvPr id="2" name="Title 1">
-            <a:extLst>
-              <a:ext uri="{FF2B5EF4-FFF2-40B4-BE49-F238E27FC236}">
-                <a16:creationId xmlns:a16="http://schemas.microsoft.com/office/drawing/2014/main" id="{7C64CC10-EC40-11A1-AE62-73BCC9219A79}"/>
-              </a:ext>
-            </a:extLst>
-          </p:cNvPr>
-          <p:cNvSpPr>
-            <a:spLocks noGrp="1"/>
-          </p:cNvSpPr>
-          <p:nvPr>
-            <p:ph type="title"/>
-          </p:nvPr>
-        </p:nvSpPr>
-        <p:spPr/>
-        <p:txBody>
-          <a:bodyPr/>
-          <a:lstStyle/>
-          <a:p>
-            <a:endParaRPr lang="en-US"/>
-          </a:p>
-        </p:txBody>
-      </p:sp>
-      <p:sp>
-        <p:nvSpPr>
-          <p:cNvPr id="3" name="Content Placeholder 2">
-            <a:extLst>
-              <a:ext uri="{FF2B5EF4-FFF2-40B4-BE49-F238E27FC236}">
-                <a16:creationId xmlns:a16="http://schemas.microsoft.com/office/drawing/2014/main" id="{C7CEA14D-CDE5-5FF6-F6C7-C2C5CFB517FC}"/>
-              </a:ext>
-            </a:extLst>
-          </p:cNvPr>
-          <p:cNvSpPr>
-            <a:spLocks noGrp="1"/>
-          </p:cNvSpPr>
-          <p:nvPr>
-            <p:ph idx="1"/>
-          </p:nvPr>
-        </p:nvSpPr>
-        <p:spPr/>
-        <p:txBody>
-          <a:bodyPr/>
-          <a:lstStyle/>
-          <a:p>
-            <a:endParaRPr lang="en-US"/>
-          </a:p>
-        </p:txBody>
-      </p:sp>
-      <p:pic>
-        <p:nvPicPr>
-          <p:cNvPr id="5" name="Picture 4">
-            <a:extLst>
-              <a:ext uri="{FF2B5EF4-FFF2-40B4-BE49-F238E27FC236}">
-                <a16:creationId xmlns:a16="http://schemas.microsoft.com/office/drawing/2014/main" id="{7F7C55E9-2119-A710-B22A-9881F9E5ECA0}"/>
-              </a:ext>
-            </a:extLst>
-          </p:cNvPr>
-          <p:cNvPicPr>
-            <a:picLocks noChangeAspect="1"/>
-          </p:cNvPicPr>
-          <p:nvPr/>
-        </p:nvPicPr>
-        <p:blipFill>
-          <a:blip r:embed="rId2"/>
-          <a:stretch>
-            <a:fillRect/>
-          </a:stretch>
-        </p:blipFill>
-        <p:spPr>
-          <a:xfrm>
-            <a:off x="706755" y="365125"/>
-            <a:ext cx="9915525" cy="3476625"/>
-          </a:xfrm>
-          <a:prstGeom prst="rect">
-            <a:avLst/>
-          </a:prstGeom>
-        </p:spPr>
-      </p:pic>
-      <p:pic>
-        <p:nvPicPr>
-          <p:cNvPr id="7" name="Picture 6">
-            <a:extLst>
-              <a:ext uri="{FF2B5EF4-FFF2-40B4-BE49-F238E27FC236}">
-                <a16:creationId xmlns:a16="http://schemas.microsoft.com/office/drawing/2014/main" id="{4E9CFCD7-5DF9-9A19-34FA-896B1CACCC2B}"/>
-              </a:ext>
-            </a:extLst>
-          </p:cNvPr>
-          <p:cNvPicPr>
-            <a:picLocks noChangeAspect="1"/>
-          </p:cNvPicPr>
-          <p:nvPr/>
-        </p:nvPicPr>
-        <p:blipFill>
-          <a:blip r:embed="rId3"/>
-          <a:stretch>
-            <a:fillRect/>
-          </a:stretch>
-        </p:blipFill>
-        <p:spPr>
-          <a:xfrm>
-            <a:off x="2093595" y="4001294"/>
-            <a:ext cx="8543925" cy="2314575"/>
-          </a:xfrm>
-          <a:prstGeom prst="rect">
-            <a:avLst/>
-          </a:prstGeom>
-        </p:spPr>
-      </p:pic>
-    </p:spTree>
-    <p:extLst>
-      <p:ext uri="{BB962C8B-B14F-4D97-AF65-F5344CB8AC3E}">
-        <p14:creationId xmlns:p14="http://schemas.microsoft.com/office/powerpoint/2010/main" val="790227775"/>
-      </p:ext>
-    </p:extLst>
-  </p:cSld>
-  <p:clrMapOvr>
-    <a:masterClrMapping/>
-  </p:clrMapOvr>
-</p:sld>
-</file>
-
-<file path=ppt/slides/slide19.xml><?xml version="1.0" encoding="utf-8"?>
-<p:sld xmlns:a="http://schemas.openxmlformats.org/drawingml/2006/main" xmlns:r="http://schemas.openxmlformats.org/officeDocument/2006/relationships" xmlns:p="http://schemas.openxmlformats.org/presentationml/2006/main">
-  <p:cSld>
-    <p:spTree>
-      <p:nvGrpSpPr>
-        <p:cNvPr id="1" name="">
-          <a:extLst>
-            <a:ext uri="{FF2B5EF4-FFF2-40B4-BE49-F238E27FC236}">
-              <a16:creationId xmlns:a16="http://schemas.microsoft.com/office/drawing/2014/main" id="{0DB34D30-A725-E63E-6871-4B8246E945C9}"/>
-            </a:ext>
-          </a:extLst>
-        </p:cNvPr>
-        <p:cNvGrpSpPr/>
-        <p:nvPr/>
-      </p:nvGrpSpPr>
-      <p:grpSpPr>
-        <a:xfrm>
-          <a:off x="0" y="0"/>
-          <a:ext cx="0" cy="0"/>
-          <a:chOff x="0" y="0"/>
-          <a:chExt cx="0" cy="0"/>
-        </a:xfrm>
-      </p:grpSpPr>
-      <p:sp>
-        <p:nvSpPr>
-          <p:cNvPr id="2" name="Title 1">
-            <a:extLst>
-              <a:ext uri="{FF2B5EF4-FFF2-40B4-BE49-F238E27FC236}">
-                <a16:creationId xmlns:a16="http://schemas.microsoft.com/office/drawing/2014/main" id="{8D581DAA-BA2C-6A60-63D5-18D83AD53521}"/>
-              </a:ext>
-            </a:extLst>
-          </p:cNvPr>
-          <p:cNvSpPr>
-            <a:spLocks noGrp="1"/>
-          </p:cNvSpPr>
-          <p:nvPr>
-            <p:ph type="title"/>
-          </p:nvPr>
-        </p:nvSpPr>
-        <p:spPr/>
-        <p:txBody>
-          <a:bodyPr/>
-          <a:lstStyle/>
-          <a:p>
-            <a:endParaRPr lang="en-US"/>
-          </a:p>
-        </p:txBody>
-      </p:sp>
-      <p:sp>
-        <p:nvSpPr>
-          <p:cNvPr id="3" name="Content Placeholder 2">
-            <a:extLst>
-              <a:ext uri="{FF2B5EF4-FFF2-40B4-BE49-F238E27FC236}">
-                <a16:creationId xmlns:a16="http://schemas.microsoft.com/office/drawing/2014/main" id="{4DB36B99-DAE2-F012-6548-122897A20AFB}"/>
-              </a:ext>
-            </a:extLst>
-          </p:cNvPr>
-          <p:cNvSpPr>
-            <a:spLocks noGrp="1"/>
-          </p:cNvSpPr>
-          <p:nvPr>
-            <p:ph idx="1"/>
-          </p:nvPr>
-        </p:nvSpPr>
-        <p:spPr/>
-        <p:txBody>
-          <a:bodyPr/>
-          <a:lstStyle/>
-          <a:p>
-            <a:endParaRPr lang="en-US"/>
-          </a:p>
-        </p:txBody>
-      </p:sp>
-      <p:pic>
-        <p:nvPicPr>
-          <p:cNvPr id="5" name="Picture 4">
-            <a:extLst>
-              <a:ext uri="{FF2B5EF4-FFF2-40B4-BE49-F238E27FC236}">
-                <a16:creationId xmlns:a16="http://schemas.microsoft.com/office/drawing/2014/main" id="{F939490C-DF18-F646-8D9F-C14B5B509775}"/>
-              </a:ext>
-            </a:extLst>
-          </p:cNvPr>
-          <p:cNvPicPr>
-            <a:picLocks noChangeAspect="1"/>
-          </p:cNvPicPr>
-          <p:nvPr/>
-        </p:nvPicPr>
-        <p:blipFill>
-          <a:blip r:embed="rId2"/>
-          <a:stretch>
-            <a:fillRect/>
-          </a:stretch>
-        </p:blipFill>
-        <p:spPr>
-          <a:xfrm>
-            <a:off x="1438831" y="365125"/>
-            <a:ext cx="8886825" cy="1076325"/>
-          </a:xfrm>
-          <a:prstGeom prst="rect">
-            <a:avLst/>
-          </a:prstGeom>
-        </p:spPr>
-      </p:pic>
-      <p:pic>
-        <p:nvPicPr>
-          <p:cNvPr id="7" name="Picture 6">
-            <a:extLst>
-              <a:ext uri="{FF2B5EF4-FFF2-40B4-BE49-F238E27FC236}">
-                <a16:creationId xmlns:a16="http://schemas.microsoft.com/office/drawing/2014/main" id="{B4DECCF5-0937-EDAE-9E11-E636623855D9}"/>
-              </a:ext>
-            </a:extLst>
-          </p:cNvPr>
-          <p:cNvPicPr>
-            <a:picLocks noChangeAspect="1"/>
-          </p:cNvPicPr>
-          <p:nvPr/>
-        </p:nvPicPr>
-        <p:blipFill>
-          <a:blip r:embed="rId3"/>
-          <a:stretch>
-            <a:fillRect/>
-          </a:stretch>
-        </p:blipFill>
-        <p:spPr>
-          <a:xfrm>
-            <a:off x="1438831" y="1690688"/>
-            <a:ext cx="8753475" cy="1362075"/>
-          </a:xfrm>
-          <a:prstGeom prst="rect">
-            <a:avLst/>
-          </a:prstGeom>
-        </p:spPr>
-      </p:pic>
-      <p:pic>
-        <p:nvPicPr>
-          <p:cNvPr id="9" name="Picture 8">
-            <a:extLst>
-              <a:ext uri="{FF2B5EF4-FFF2-40B4-BE49-F238E27FC236}">
-                <a16:creationId xmlns:a16="http://schemas.microsoft.com/office/drawing/2014/main" id="{21F03114-FA67-399D-8A1B-4541BFD7E3D7}"/>
-              </a:ext>
-            </a:extLst>
-          </p:cNvPr>
-          <p:cNvPicPr>
-            <a:picLocks noChangeAspect="1"/>
-          </p:cNvPicPr>
-          <p:nvPr/>
-        </p:nvPicPr>
-        <p:blipFill>
-          <a:blip r:embed="rId4"/>
-          <a:stretch>
-            <a:fillRect/>
-          </a:stretch>
-        </p:blipFill>
-        <p:spPr>
-          <a:xfrm>
-            <a:off x="1438831" y="3188361"/>
-            <a:ext cx="8715375" cy="2543175"/>
-          </a:xfrm>
-          <a:prstGeom prst="rect">
-            <a:avLst/>
-          </a:prstGeom>
-        </p:spPr>
-      </p:pic>
-    </p:spTree>
-    <p:extLst>
-      <p:ext uri="{BB962C8B-B14F-4D97-AF65-F5344CB8AC3E}">
-        <p14:creationId xmlns:p14="http://schemas.microsoft.com/office/powerpoint/2010/main" val="4252531992"/>
-      </p:ext>
-    </p:extLst>
-  </p:cSld>
-  <p:clrMapOvr>
-    <a:masterClrMapping/>
-  </p:clrMapOvr>
-</p:sld>
-</file>
-
-<file path=ppt/slides/slide2.xml><?xml version="1.0" encoding="utf-8"?>
-<p:sld xmlns:a="http://schemas.openxmlformats.org/drawingml/2006/main" xmlns:r="http://schemas.openxmlformats.org/officeDocument/2006/relationships" xmlns:p="http://schemas.openxmlformats.org/presentationml/2006/main">
-  <p:cSld>
-    <p:spTree>
-      <p:nvGrpSpPr>
-        <p:cNvPr id="1" name=""/>
-        <p:cNvGrpSpPr/>
-        <p:nvPr/>
-      </p:nvGrpSpPr>
-      <p:grpSpPr>
-        <a:xfrm>
-          <a:off x="0" y="0"/>
-          <a:ext cx="0" cy="0"/>
-          <a:chOff x="0" y="0"/>
-          <a:chExt cx="0" cy="0"/>
-        </a:xfrm>
-      </p:grpSpPr>
-      <p:sp>
-        <p:nvSpPr>
-          <p:cNvPr id="3074" name="Rectangle 2"/>
-          <p:cNvSpPr>
-            <a:spLocks noGrp="1" noChangeArrowheads="1"/>
-          </p:cNvSpPr>
-          <p:nvPr>
-            <p:ph type="title"/>
-          </p:nvPr>
-        </p:nvSpPr>
-        <p:spPr/>
-        <p:txBody>
-          <a:bodyPr/>
-          <a:lstStyle/>
-          <a:p>
-            <a:r>
-              <a:rPr lang="en-US" dirty="0"/>
-              <a:t>Responsible Conduct of Research</a:t>
-            </a:r>
-          </a:p>
-        </p:txBody>
-      </p:sp>
-      <p:sp>
-        <p:nvSpPr>
-          <p:cNvPr id="3075" name="Rectangle 3"/>
-          <p:cNvSpPr>
-            <a:spLocks noGrp="1" noChangeArrowheads="1"/>
-          </p:cNvSpPr>
-          <p:nvPr>
-            <p:ph type="body" idx="1"/>
-          </p:nvPr>
-        </p:nvSpPr>
-        <p:spPr/>
-        <p:txBody>
-          <a:bodyPr/>
-          <a:lstStyle/>
-          <a:p>
-            <a:pPr>
-              <a:lnSpc>
-                <a:spcPct val="90000"/>
-              </a:lnSpc>
-            </a:pPr>
-            <a:r>
-              <a:rPr lang="en-US" dirty="0"/>
-              <a:t>Researcher processes with rigor and integrity</a:t>
-            </a:r>
-          </a:p>
-          <a:p>
-            <a:pPr lvl="1"/>
-            <a:r>
-              <a:rPr lang="en-US" dirty="0"/>
-              <a:t>Don’t lie, cheat or steal</a:t>
-            </a:r>
-          </a:p>
-          <a:p>
-            <a:pPr lvl="1"/>
-            <a:endParaRPr lang="en-US" dirty="0"/>
-          </a:p>
-          <a:p>
-            <a:pPr>
-              <a:lnSpc>
-                <a:spcPct val="90000"/>
-              </a:lnSpc>
-            </a:pPr>
-            <a:r>
-              <a:rPr lang="en-US" dirty="0"/>
-              <a:t>Data Manipulation</a:t>
-            </a:r>
-          </a:p>
-          <a:p>
-            <a:pPr lvl="1">
-              <a:lnSpc>
-                <a:spcPct val="90000"/>
-              </a:lnSpc>
-            </a:pPr>
-            <a:r>
-              <a:rPr lang="en-US" dirty="0"/>
-              <a:t>Forgery: fabrication or modification</a:t>
-            </a:r>
-          </a:p>
-          <a:p>
-            <a:pPr lvl="1">
-              <a:lnSpc>
-                <a:spcPct val="90000"/>
-              </a:lnSpc>
-            </a:pPr>
-            <a:r>
-              <a:rPr lang="en-US" dirty="0"/>
-              <a:t>Data selection</a:t>
-            </a:r>
-          </a:p>
-          <a:p>
-            <a:pPr lvl="2"/>
-            <a:r>
-              <a:rPr lang="en-US" dirty="0"/>
-              <a:t>Eliminating all data inconsistent with the hypothesis</a:t>
-            </a:r>
-          </a:p>
-          <a:p>
-            <a:pPr lvl="1"/>
-            <a:r>
-              <a:rPr lang="en-US" dirty="0"/>
-              <a:t>Bias in recruiting, protocol administration or data scoring</a:t>
-            </a:r>
-          </a:p>
-          <a:p>
-            <a:pPr lvl="2"/>
-            <a:endParaRPr lang="en-US" u="sng" dirty="0"/>
-          </a:p>
-        </p:txBody>
-      </p:sp>
-    </p:spTree>
-    <p:extLst>
-      <p:ext uri="{BB962C8B-B14F-4D97-AF65-F5344CB8AC3E}">
-        <p14:creationId xmlns:p14="http://schemas.microsoft.com/office/powerpoint/2010/main" val="2940309998"/>
-      </p:ext>
-    </p:extLst>
-  </p:cSld>
-  <p:clrMapOvr>
-    <a:masterClrMapping/>
-  </p:clrMapOvr>
-</p:sld>
-</file>
-
-<file path=ppt/slides/slide20.xml><?xml version="1.0" encoding="utf-8"?>
-<p:sld xmlns:a="http://schemas.openxmlformats.org/drawingml/2006/main" xmlns:r="http://schemas.openxmlformats.org/officeDocument/2006/relationships" xmlns:p="http://schemas.openxmlformats.org/presentationml/2006/main">
-  <p:cSld>
-    <p:spTree>
-      <p:nvGrpSpPr>
-        <p:cNvPr id="1" name="">
-          <a:extLst>
-            <a:ext uri="{FF2B5EF4-FFF2-40B4-BE49-F238E27FC236}">
-              <a16:creationId xmlns:a16="http://schemas.microsoft.com/office/drawing/2014/main" id="{07F6D09D-03EE-FF30-6D90-19AD8071CA8B}"/>
-            </a:ext>
-          </a:extLst>
-        </p:cNvPr>
-        <p:cNvGrpSpPr/>
-        <p:nvPr/>
-      </p:nvGrpSpPr>
-      <p:grpSpPr>
-        <a:xfrm>
-          <a:off x="0" y="0"/>
-          <a:ext cx="0" cy="0"/>
-          <a:chOff x="0" y="0"/>
-          <a:chExt cx="0" cy="0"/>
-        </a:xfrm>
-      </p:grpSpPr>
-      <p:sp>
-        <p:nvSpPr>
-          <p:cNvPr id="2" name="Title 1">
-            <a:extLst>
-              <a:ext uri="{FF2B5EF4-FFF2-40B4-BE49-F238E27FC236}">
-                <a16:creationId xmlns:a16="http://schemas.microsoft.com/office/drawing/2014/main" id="{5608DD32-18C1-29A0-69E2-5C597ECF03A2}"/>
-              </a:ext>
-            </a:extLst>
-          </p:cNvPr>
-          <p:cNvSpPr>
-            <a:spLocks noGrp="1"/>
-          </p:cNvSpPr>
-          <p:nvPr>
-            <p:ph type="title"/>
-          </p:nvPr>
-        </p:nvSpPr>
-        <p:spPr/>
-        <p:txBody>
-          <a:bodyPr/>
-          <a:lstStyle/>
-          <a:p>
-            <a:endParaRPr lang="en-US"/>
-          </a:p>
-        </p:txBody>
-      </p:sp>
-      <p:sp>
-        <p:nvSpPr>
-          <p:cNvPr id="3" name="Content Placeholder 2">
-            <a:extLst>
-              <a:ext uri="{FF2B5EF4-FFF2-40B4-BE49-F238E27FC236}">
-                <a16:creationId xmlns:a16="http://schemas.microsoft.com/office/drawing/2014/main" id="{94834D6E-805B-A5C2-2FFF-877FD88513A4}"/>
-              </a:ext>
-            </a:extLst>
-          </p:cNvPr>
-          <p:cNvSpPr>
-            <a:spLocks noGrp="1"/>
-          </p:cNvSpPr>
-          <p:nvPr>
-            <p:ph idx="1"/>
-          </p:nvPr>
-        </p:nvSpPr>
-        <p:spPr/>
-        <p:txBody>
-          <a:bodyPr/>
-          <a:lstStyle/>
-          <a:p>
-            <a:endParaRPr lang="en-US"/>
-          </a:p>
-        </p:txBody>
-      </p:sp>
-      <p:pic>
-        <p:nvPicPr>
-          <p:cNvPr id="5" name="Picture 4">
-            <a:extLst>
-              <a:ext uri="{FF2B5EF4-FFF2-40B4-BE49-F238E27FC236}">
-                <a16:creationId xmlns:a16="http://schemas.microsoft.com/office/drawing/2014/main" id="{508577B7-D266-F66A-4698-E1CFB753BFF8}"/>
-              </a:ext>
-            </a:extLst>
-          </p:cNvPr>
-          <p:cNvPicPr>
-            <a:picLocks noChangeAspect="1"/>
-          </p:cNvPicPr>
-          <p:nvPr/>
-        </p:nvPicPr>
-        <p:blipFill>
-          <a:blip r:embed="rId2"/>
-          <a:stretch>
-            <a:fillRect/>
-          </a:stretch>
-        </p:blipFill>
-        <p:spPr>
-          <a:xfrm>
-            <a:off x="1958186" y="0"/>
-            <a:ext cx="8275627" cy="6858000"/>
-          </a:xfrm>
-          <a:prstGeom prst="rect">
-            <a:avLst/>
-          </a:prstGeom>
-        </p:spPr>
-      </p:pic>
-    </p:spTree>
-    <p:extLst>
-      <p:ext uri="{BB962C8B-B14F-4D97-AF65-F5344CB8AC3E}">
-        <p14:creationId xmlns:p14="http://schemas.microsoft.com/office/powerpoint/2010/main" val="2565191065"/>
-      </p:ext>
-    </p:extLst>
-  </p:cSld>
-  <p:clrMapOvr>
-    <a:masterClrMapping/>
-  </p:clrMapOvr>
-</p:sld>
-</file>
-
-<file path=ppt/slides/slide21.xml><?xml version="1.0" encoding="utf-8"?>
-<p:sld xmlns:a="http://schemas.openxmlformats.org/drawingml/2006/main" xmlns:r="http://schemas.openxmlformats.org/officeDocument/2006/relationships" xmlns:p="http://schemas.openxmlformats.org/presentationml/2006/main">
-  <p:cSld>
-    <p:spTree>
-      <p:nvGrpSpPr>
-        <p:cNvPr id="1" name="">
-          <a:extLst>
-            <a:ext uri="{FF2B5EF4-FFF2-40B4-BE49-F238E27FC236}">
-              <a16:creationId xmlns:a16="http://schemas.microsoft.com/office/drawing/2014/main" id="{1D3562A1-ADE8-9F11-514F-E72FA147247E}"/>
-            </a:ext>
-          </a:extLst>
-        </p:cNvPr>
-        <p:cNvGrpSpPr/>
-        <p:nvPr/>
-      </p:nvGrpSpPr>
-      <p:grpSpPr>
-        <a:xfrm>
-          <a:off x="0" y="0"/>
-          <a:ext cx="0" cy="0"/>
-          <a:chOff x="0" y="0"/>
-          <a:chExt cx="0" cy="0"/>
-        </a:xfrm>
-      </p:grpSpPr>
-      <p:sp>
-        <p:nvSpPr>
-          <p:cNvPr id="6" name="Title 5">
-            <a:extLst>
-              <a:ext uri="{FF2B5EF4-FFF2-40B4-BE49-F238E27FC236}">
-                <a16:creationId xmlns:a16="http://schemas.microsoft.com/office/drawing/2014/main" id="{D5F19138-FAAF-A7EB-3526-9429F8757E30}"/>
-              </a:ext>
-            </a:extLst>
-          </p:cNvPr>
-          <p:cNvSpPr>
-            <a:spLocks noGrp="1"/>
-          </p:cNvSpPr>
-          <p:nvPr>
-            <p:ph type="title"/>
-          </p:nvPr>
-        </p:nvSpPr>
-        <p:spPr/>
-        <p:txBody>
-          <a:bodyPr/>
-          <a:lstStyle/>
-          <a:p>
-            <a:endParaRPr lang="en-US"/>
-          </a:p>
-        </p:txBody>
-      </p:sp>
-      <p:sp>
-        <p:nvSpPr>
-          <p:cNvPr id="7" name="Content Placeholder 6">
-            <a:extLst>
-              <a:ext uri="{FF2B5EF4-FFF2-40B4-BE49-F238E27FC236}">
-                <a16:creationId xmlns:a16="http://schemas.microsoft.com/office/drawing/2014/main" id="{C0AA5D07-65AF-7AF2-FCE4-613CE0A37B51}"/>
-              </a:ext>
-            </a:extLst>
-          </p:cNvPr>
-          <p:cNvSpPr>
-            <a:spLocks noGrp="1"/>
-          </p:cNvSpPr>
-          <p:nvPr>
-            <p:ph sz="half" idx="1"/>
-          </p:nvPr>
-        </p:nvSpPr>
-        <p:spPr/>
-        <p:txBody>
-          <a:bodyPr/>
-          <a:lstStyle/>
-          <a:p>
-            <a:endParaRPr lang="en-US"/>
-          </a:p>
-        </p:txBody>
-      </p:sp>
-      <p:sp>
-        <p:nvSpPr>
-          <p:cNvPr id="8" name="Content Placeholder 7">
-            <a:extLst>
-              <a:ext uri="{FF2B5EF4-FFF2-40B4-BE49-F238E27FC236}">
-                <a16:creationId xmlns:a16="http://schemas.microsoft.com/office/drawing/2014/main" id="{A7296968-3AA8-5D11-E653-384DDB39AE87}"/>
-              </a:ext>
-            </a:extLst>
-          </p:cNvPr>
-          <p:cNvSpPr>
-            <a:spLocks noGrp="1"/>
-          </p:cNvSpPr>
-          <p:nvPr>
-            <p:ph sz="half" idx="2"/>
-          </p:nvPr>
-        </p:nvSpPr>
-        <p:spPr/>
-        <p:txBody>
-          <a:bodyPr/>
-          <a:lstStyle/>
-          <a:p>
-            <a:r>
-              <a:rPr lang="en-US" dirty="0"/>
-              <a:t>Key contrast</a:t>
-            </a:r>
-          </a:p>
-          <a:p>
-            <a:pPr lvl="1"/>
-            <a:r>
-              <a:rPr lang="en-US" dirty="0"/>
-              <a:t>Re-infected versus one case not re-infected</a:t>
-            </a:r>
-          </a:p>
-          <a:p>
-            <a:pPr lvl="1"/>
-            <a:endParaRPr lang="en-US" dirty="0"/>
-          </a:p>
-          <a:p>
-            <a:r>
-              <a:rPr lang="en-US" dirty="0"/>
-              <a:t>What cannot be controlled properly in this non-experimental study?</a:t>
-            </a:r>
-          </a:p>
-        </p:txBody>
-      </p:sp>
-      <p:pic>
-        <p:nvPicPr>
-          <p:cNvPr id="5" name="Picture 4">
-            <a:extLst>
-              <a:ext uri="{FF2B5EF4-FFF2-40B4-BE49-F238E27FC236}">
-                <a16:creationId xmlns:a16="http://schemas.microsoft.com/office/drawing/2014/main" id="{B995E7E9-EAAC-11C9-F52E-E9BE3F1AF130}"/>
-              </a:ext>
-            </a:extLst>
-          </p:cNvPr>
-          <p:cNvPicPr>
-            <a:picLocks noChangeAspect="1"/>
-          </p:cNvPicPr>
-          <p:nvPr/>
-        </p:nvPicPr>
-        <p:blipFill>
-          <a:blip r:embed="rId2"/>
-          <a:stretch>
-            <a:fillRect/>
-          </a:stretch>
-        </p:blipFill>
-        <p:spPr>
-          <a:xfrm>
-            <a:off x="561693" y="0"/>
-            <a:ext cx="5035948" cy="6858000"/>
-          </a:xfrm>
-          <a:prstGeom prst="rect">
-            <a:avLst/>
-          </a:prstGeom>
-        </p:spPr>
-      </p:pic>
-    </p:spTree>
-    <p:extLst>
-      <p:ext uri="{BB962C8B-B14F-4D97-AF65-F5344CB8AC3E}">
-        <p14:creationId xmlns:p14="http://schemas.microsoft.com/office/powerpoint/2010/main" val="2794157899"/>
-      </p:ext>
-    </p:extLst>
-  </p:cSld>
-  <p:clrMapOvr>
-    <a:masterClrMapping/>
-  </p:clrMapOvr>
-</p:sld>
-</file>
-
-<file path=ppt/slides/slide22.xml><?xml version="1.0" encoding="utf-8"?>
-<p:sld xmlns:a="http://schemas.openxmlformats.org/drawingml/2006/main" xmlns:r="http://schemas.openxmlformats.org/officeDocument/2006/relationships" xmlns:p="http://schemas.openxmlformats.org/presentationml/2006/main">
-  <p:cSld>
-    <p:spTree>
-      <p:nvGrpSpPr>
-        <p:cNvPr id="1" name=""/>
-        <p:cNvGrpSpPr/>
-        <p:nvPr/>
-      </p:nvGrpSpPr>
-      <p:grpSpPr>
-        <a:xfrm>
-          <a:off x="0" y="0"/>
-          <a:ext cx="0" cy="0"/>
-          <a:chOff x="0" y="0"/>
-          <a:chExt cx="0" cy="0"/>
-        </a:xfrm>
-      </p:grpSpPr>
-      <p:sp>
-        <p:nvSpPr>
-          <p:cNvPr id="2" name="Title 1">
-            <a:extLst>
-              <a:ext uri="{FF2B5EF4-FFF2-40B4-BE49-F238E27FC236}">
-                <a16:creationId xmlns:a16="http://schemas.microsoft.com/office/drawing/2014/main" id="{B61C2794-D1A7-6ACA-70F6-D1C226367650}"/>
-              </a:ext>
-            </a:extLst>
-          </p:cNvPr>
-          <p:cNvSpPr>
-            <a:spLocks noGrp="1"/>
-          </p:cNvSpPr>
-          <p:nvPr>
-            <p:ph type="title"/>
-          </p:nvPr>
-        </p:nvSpPr>
-        <p:spPr/>
-        <p:txBody>
-          <a:bodyPr/>
-          <a:lstStyle/>
-          <a:p>
-            <a:endParaRPr lang="en-US"/>
-          </a:p>
-        </p:txBody>
-      </p:sp>
-      <p:sp>
-        <p:nvSpPr>
-          <p:cNvPr id="3" name="Content Placeholder 2">
-            <a:extLst>
-              <a:ext uri="{FF2B5EF4-FFF2-40B4-BE49-F238E27FC236}">
-                <a16:creationId xmlns:a16="http://schemas.microsoft.com/office/drawing/2014/main" id="{2AB5E82E-F531-88C9-EAAF-F50CC5ACE59E}"/>
-              </a:ext>
-            </a:extLst>
-          </p:cNvPr>
-          <p:cNvSpPr>
-            <a:spLocks noGrp="1"/>
-          </p:cNvSpPr>
-          <p:nvPr>
-            <p:ph idx="1"/>
-          </p:nvPr>
-        </p:nvSpPr>
-        <p:spPr/>
-        <p:txBody>
-          <a:bodyPr>
-            <a:normAutofit/>
-          </a:bodyPr>
-          <a:lstStyle/>
-          <a:p>
-            <a:endParaRPr lang="en-US" dirty="0"/>
-          </a:p>
-        </p:txBody>
-      </p:sp>
-    </p:spTree>
-    <p:extLst>
-      <p:ext uri="{BB962C8B-B14F-4D97-AF65-F5344CB8AC3E}">
-        <p14:creationId xmlns:p14="http://schemas.microsoft.com/office/powerpoint/2010/main" val="77123063"/>
+        <p14:creationId xmlns:p14="http://schemas.microsoft.com/office/powerpoint/2010/main" val="1170190244"/>
       </p:ext>
     </p:extLst>
   </p:cSld>
@@ -11721,7 +11761,7 @@
           <p:cNvPr id="2" name="Title 1">
             <a:extLst>
               <a:ext uri="{FF2B5EF4-FFF2-40B4-BE49-F238E27FC236}">
-                <a16:creationId xmlns:a16="http://schemas.microsoft.com/office/drawing/2014/main" id="{088F8512-EE80-CE97-569B-CB02723D1883}"/>
+                <a16:creationId xmlns:a16="http://schemas.microsoft.com/office/drawing/2014/main" id="{B3FC8EF2-BF3F-D0D6-0A71-A6BB7913EBEE}"/>
               </a:ext>
             </a:extLst>
           </p:cNvPr>
@@ -11737,96 +11777,96 @@
           <a:bodyPr/>
           <a:lstStyle/>
           <a:p>
+            <a:endParaRPr lang="en-US"/>
+          </a:p>
+        </p:txBody>
+      </p:sp>
+      <p:sp>
+        <p:nvSpPr>
+          <p:cNvPr id="3" name="Content Placeholder 2">
+            <a:extLst>
+              <a:ext uri="{FF2B5EF4-FFF2-40B4-BE49-F238E27FC236}">
+                <a16:creationId xmlns:a16="http://schemas.microsoft.com/office/drawing/2014/main" id="{A6892571-45EA-88A9-1B3F-A293B3682D01}"/>
+              </a:ext>
+            </a:extLst>
+          </p:cNvPr>
+          <p:cNvSpPr>
+            <a:spLocks noGrp="1"/>
+          </p:cNvSpPr>
+          <p:nvPr>
+            <p:ph idx="1"/>
+          </p:nvPr>
+        </p:nvSpPr>
+        <p:spPr/>
+        <p:txBody>
+          <a:bodyPr/>
+          <a:lstStyle/>
+          <a:p>
             <a:r>
               <a:rPr lang="en-US" dirty="0"/>
-              <a:t>Analytic Flexibility</a:t>
-            </a:r>
-          </a:p>
-        </p:txBody>
-      </p:sp>
-      <p:sp>
-        <p:nvSpPr>
-          <p:cNvPr id="3" name="Content Placeholder 2">
-            <a:extLst>
-              <a:ext uri="{FF2B5EF4-FFF2-40B4-BE49-F238E27FC236}">
-                <a16:creationId xmlns:a16="http://schemas.microsoft.com/office/drawing/2014/main" id="{550A0FFE-6F60-9209-3869-178A83BA5000}"/>
-              </a:ext>
-            </a:extLst>
-          </p:cNvPr>
-          <p:cNvSpPr>
-            <a:spLocks noGrp="1"/>
-          </p:cNvSpPr>
-          <p:nvPr>
-            <p:ph idx="1"/>
-          </p:nvPr>
-        </p:nvSpPr>
-        <p:spPr/>
-        <p:txBody>
-          <a:bodyPr>
-            <a:normAutofit/>
-          </a:bodyPr>
-          <a:lstStyle/>
-          <a:p>
-            <a:r>
-              <a:rPr lang="en-US" dirty="0"/>
-              <a:t>File drawer effect</a:t>
+              <a:t>Taylor et al (1999) examined 498 cases of autism</a:t>
             </a:r>
           </a:p>
           <a:p>
             <a:pPr lvl="1"/>
             <a:r>
-              <a:rPr lang="en-US" dirty="0"/>
-              <a:t>Re-running or re-starting the experiment repeatedly until it “works”</a:t>
-            </a:r>
-          </a:p>
-          <a:p>
-            <a:r>
-              <a:rPr lang="en-US" dirty="0"/>
-              <a:t>“p-hacking”</a:t>
+              <a:rPr lang="en-US" b="0" i="0" dirty="0">
+                <a:solidFill>
+                  <a:srgbClr val="212121"/>
+                </a:solidFill>
+                <a:effectLst/>
+                <a:latin typeface="BlinkMacSystemFont"/>
+              </a:rPr>
+              <a:t>There was no difference in age at diagnosis between the cases vaccinated before or after 18 months of age and those never vaccinated. </a:t>
             </a:r>
           </a:p>
           <a:p>
             <a:pPr lvl="1"/>
             <a:r>
-              <a:rPr lang="en-US" dirty="0"/>
-              <a:t>Trying different analysis approaches until it “works”</a:t>
-            </a:r>
-          </a:p>
-          <a:p>
-            <a:r>
-              <a:rPr lang="en-US" dirty="0"/>
-              <a:t>Normal processes that seem similar</a:t>
+              <a:rPr lang="en-US" b="0" i="0" dirty="0">
+                <a:solidFill>
+                  <a:srgbClr val="212121"/>
+                </a:solidFill>
+                <a:effectLst/>
+                <a:latin typeface="BlinkMacSystemFont"/>
+              </a:rPr>
+              <a:t>There was no temporal association between onset of autism within 1 or 2 years after vaccination with MMR (relative incidence compared with control period 0.94 [95% CI 0.60-1.47] and 1.09 [0.79-1.52]).</a:t>
+            </a:r>
+          </a:p>
+          <a:p>
+            <a:r>
+              <a:rPr lang="en-US" dirty="0">
+                <a:solidFill>
+                  <a:srgbClr val="212121"/>
+                </a:solidFill>
+                <a:latin typeface="BlinkMacSystemFont"/>
+              </a:rPr>
+              <a:t>Lancet (2004) reviewed allegations against Wakefield</a:t>
             </a:r>
           </a:p>
           <a:p>
             <a:pPr lvl="1"/>
             <a:r>
-              <a:rPr lang="en-US" dirty="0"/>
-              <a:t>Pilot testing</a:t>
+              <a:rPr lang="en-US" dirty="0">
+                <a:solidFill>
+                  <a:srgbClr val="212121"/>
+                </a:solidFill>
+                <a:latin typeface="BlinkMacSystemFont"/>
+              </a:rPr>
+              <a:t>Acknowledged that Wakefield had a significant “conflict of interest”</a:t>
             </a:r>
           </a:p>
           <a:p>
             <a:pPr lvl="1"/>
             <a:r>
-              <a:rPr lang="en-US" dirty="0"/>
-              <a:t>Data exploration</a:t>
-            </a:r>
-          </a:p>
-          <a:p>
-            <a:pPr lvl="1"/>
-            <a:r>
-              <a:rPr lang="en-US" dirty="0"/>
-              <a:t>Standard exclusion/filtering processes</a:t>
-            </a:r>
-          </a:p>
-          <a:p>
-            <a:pPr lvl="1"/>
-            <a:r>
-              <a:rPr lang="en-US" dirty="0"/>
-              <a:t>When is it too much?</a:t>
-            </a:r>
-          </a:p>
-          <a:p>
+              <a:rPr lang="en-US" dirty="0">
+                <a:solidFill>
+                  <a:srgbClr val="212121"/>
+                </a:solidFill>
+                <a:latin typeface="BlinkMacSystemFont"/>
+              </a:rPr>
+              <a:t>Dismissed allegations of improper recruiting, patient selection</a:t>
+            </a:r>
             <a:endParaRPr lang="en-US" dirty="0"/>
           </a:p>
         </p:txBody>
@@ -11834,7 +11874,7 @@
     </p:spTree>
     <p:extLst>
       <p:ext uri="{BB962C8B-B14F-4D97-AF65-F5344CB8AC3E}">
-        <p14:creationId xmlns:p14="http://schemas.microsoft.com/office/powerpoint/2010/main" val="1589764263"/>
+        <p14:creationId xmlns:p14="http://schemas.microsoft.com/office/powerpoint/2010/main" val="3519365064"/>
       </p:ext>
     </p:extLst>
   </p:cSld>
@@ -11866,7 +11906,7 @@
           <p:cNvPr id="2" name="Title 1">
             <a:extLst>
               <a:ext uri="{FF2B5EF4-FFF2-40B4-BE49-F238E27FC236}">
-                <a16:creationId xmlns:a16="http://schemas.microsoft.com/office/drawing/2014/main" id="{B3D322AA-7821-D6B7-3618-DC8172462BEE}"/>
+                <a16:creationId xmlns:a16="http://schemas.microsoft.com/office/drawing/2014/main" id="{FAC46581-93BB-D4C7-925A-F14C1CEA2A4D}"/>
               </a:ext>
             </a:extLst>
           </p:cNvPr>
@@ -11884,7 +11924,7 @@
           <a:p>
             <a:r>
               <a:rPr lang="en-US" dirty="0"/>
-              <a:t>Reproducibility</a:t>
+              <a:t>Full Investigation</a:t>
             </a:r>
           </a:p>
         </p:txBody>
@@ -11894,7 +11934,7 @@
           <p:cNvPr id="3" name="Content Placeholder 2">
             <a:extLst>
               <a:ext uri="{FF2B5EF4-FFF2-40B4-BE49-F238E27FC236}">
-                <a16:creationId xmlns:a16="http://schemas.microsoft.com/office/drawing/2014/main" id="{D6591A6C-2793-8295-CF38-2D0FD8873C43}"/>
+                <a16:creationId xmlns:a16="http://schemas.microsoft.com/office/drawing/2014/main" id="{7AAFE7E4-5EDD-3E19-9AEE-C1660984E991}"/>
               </a:ext>
             </a:extLst>
           </p:cNvPr>
@@ -11907,60 +11947,68 @@
         </p:nvSpPr>
         <p:spPr/>
         <p:txBody>
-          <a:bodyPr/>
+          <a:bodyPr>
+            <a:normAutofit fontScale="92500" lnSpcReduction="20000"/>
+          </a:bodyPr>
           <a:lstStyle/>
           <a:p>
             <a:r>
               <a:rPr lang="en-US" dirty="0"/>
-              <a:t>Research that meets the p&lt;.05 statistical criterion should replicate if repeated</a:t>
+              <a:t>Wakefield was paid over £400k by lawyers trying to sue vaccine companies in the two years before the study</a:t>
             </a:r>
           </a:p>
           <a:p>
             <a:pPr lvl="1"/>
             <a:r>
               <a:rPr lang="en-US" dirty="0"/>
-              <a:t>Except for power issues or generalizability questions</a:t>
+              <a:t>Had already asserted a vaccine/bowel/autism link before data were collected</a:t>
             </a:r>
           </a:p>
           <a:p>
             <a:pPr lvl="1"/>
-            <a:endParaRPr lang="en-US" dirty="0"/>
-          </a:p>
-          <a:p>
             <a:r>
               <a:rPr lang="en-US" dirty="0"/>
-              <a:t>Weak processes for research rigor make this less likely</a:t>
+              <a:t>Written communication asked him to find a “temporal link”</a:t>
+            </a:r>
+          </a:p>
+          <a:p>
+            <a:r>
+              <a:rPr lang="en-US" dirty="0"/>
+              <a:t>Analysis of the 12 patients revealed none matched their actual medical records</a:t>
             </a:r>
           </a:p>
           <a:p>
             <a:pPr lvl="1"/>
             <a:r>
               <a:rPr lang="en-US" dirty="0"/>
-              <a:t>Even typical lab processes risk inflating the estimated effect size</a:t>
+              <a:t>Patients mostly knew each other and were recruited due to vaccine concerns and were pre-interviewed for consistency with the hypothesis before enrolling in study</a:t>
             </a:r>
           </a:p>
           <a:p>
             <a:pPr lvl="1"/>
-            <a:endParaRPr lang="en-US" dirty="0"/>
-          </a:p>
-          <a:p>
             <a:r>
               <a:rPr lang="en-US" dirty="0"/>
-              <a:t>Replication crisis approaches</a:t>
+              <a:t>Several had documented symptoms pre-dating vaccination (developmental delays and/or GI problems)</a:t>
             </a:r>
           </a:p>
           <a:p>
             <a:pPr lvl="1"/>
             <a:r>
               <a:rPr lang="en-US" dirty="0"/>
-              <a:t>More rigor, fewer studies with greater confidence</a:t>
+              <a:t>Data linking the time from vaccination to diagnosis were incorrect, inconsistent data were excluded</a:t>
+            </a:r>
+          </a:p>
+          <a:p>
+            <a:r>
+              <a:rPr lang="en-US" dirty="0"/>
+              <a:t>Full retraction of the paper from Lancet in 2010</a:t>
             </a:r>
           </a:p>
           <a:p>
             <a:pPr lvl="1"/>
             <a:r>
               <a:rPr lang="en-US" dirty="0"/>
-              <a:t>More studies without increasing rigor, build in replications</a:t>
+              <a:t>Wakefield lost medical license</a:t>
             </a:r>
           </a:p>
         </p:txBody>
@@ -11968,7 +12016,7 @@
     </p:spTree>
     <p:extLst>
       <p:ext uri="{BB962C8B-B14F-4D97-AF65-F5344CB8AC3E}">
-        <p14:creationId xmlns:p14="http://schemas.microsoft.com/office/powerpoint/2010/main" val="3476197455"/>
+        <p14:creationId xmlns:p14="http://schemas.microsoft.com/office/powerpoint/2010/main" val="1841456877"/>
       </p:ext>
     </p:extLst>
   </p:cSld>
@@ -12000,7 +12048,7 @@
           <p:cNvPr id="2" name="Title 1">
             <a:extLst>
               <a:ext uri="{FF2B5EF4-FFF2-40B4-BE49-F238E27FC236}">
-                <a16:creationId xmlns:a16="http://schemas.microsoft.com/office/drawing/2014/main" id="{4D5CBAE7-CDEB-B7E0-409E-B6399FC44910}"/>
+                <a16:creationId xmlns:a16="http://schemas.microsoft.com/office/drawing/2014/main" id="{A4C8A7B0-1441-5D05-48C1-80EAB047F93A}"/>
               </a:ext>
             </a:extLst>
           </p:cNvPr>
@@ -12018,7 +12066,7 @@
           <a:p>
             <a:r>
               <a:rPr lang="en-US" dirty="0"/>
-              <a:t>Plagiarism</a:t>
+              <a:t>Research Integrity</a:t>
             </a:r>
           </a:p>
         </p:txBody>
@@ -12028,7 +12076,7 @@
           <p:cNvPr id="3" name="Content Placeholder 2">
             <a:extLst>
               <a:ext uri="{FF2B5EF4-FFF2-40B4-BE49-F238E27FC236}">
-                <a16:creationId xmlns:a16="http://schemas.microsoft.com/office/drawing/2014/main" id="{0521D31B-1514-59D3-3A29-85832CF72513}"/>
+                <a16:creationId xmlns:a16="http://schemas.microsoft.com/office/drawing/2014/main" id="{D1E84582-D961-7706-7051-3B2C85D99990}"/>
               </a:ext>
             </a:extLst>
           </p:cNvPr>
@@ -12044,88 +12092,118 @@
           <a:bodyPr/>
           <a:lstStyle/>
           <a:p>
-            <a:pPr>
-              <a:lnSpc>
-                <a:spcPct val="90000"/>
-              </a:lnSpc>
-            </a:pPr>
             <a:r>
               <a:rPr lang="en-US" dirty="0"/>
-              <a:t>Citation strengthens reports</a:t>
+              <a:t>Brian Deer, journalist, did most of the investigation uncovering the research fraud</a:t>
             </a:r>
           </a:p>
           <a:p>
             <a:pPr lvl="1"/>
             <a:r>
-              <a:rPr lang="en-US" dirty="0"/>
-              <a:t>Novel findings have value</a:t>
+              <a:rPr lang="en-US" b="0" i="0" dirty="0">
+                <a:solidFill>
+                  <a:srgbClr val="333333"/>
+                </a:solidFill>
+                <a:effectLst/>
+                <a:latin typeface="interfaceregular"/>
+              </a:rPr>
+              <a:t>Funded by the </a:t>
+            </a:r>
+            <a:r>
+              <a:rPr lang="en-US" b="0" i="1" dirty="0">
+                <a:solidFill>
+                  <a:srgbClr val="333333"/>
+                </a:solidFill>
+                <a:effectLst/>
+                <a:latin typeface="interfaceregular"/>
+              </a:rPr>
+              <a:t>Sunday Times</a:t>
+            </a:r>
+            <a:r>
+              <a:rPr lang="en-US" b="0" i="0" dirty="0">
+                <a:solidFill>
+                  <a:srgbClr val="333333"/>
+                </a:solidFill>
+                <a:effectLst/>
+                <a:latin typeface="interfaceregular"/>
+              </a:rPr>
+              <a:t> of London and the Channel 4 television network.</a:t>
             </a:r>
           </a:p>
           <a:p>
             <a:pPr lvl="1"/>
             <a:r>
-              <a:rPr lang="en-US" dirty="0"/>
-              <a:t>Build on existing ideas</a:t>
-            </a:r>
-          </a:p>
-          <a:p>
-            <a:pPr>
-              <a:lnSpc>
-                <a:spcPct val="90000"/>
-              </a:lnSpc>
-            </a:pPr>
-            <a:r>
-              <a:rPr lang="en-US" dirty="0"/>
-              <a:t>Actual appropriation of others’ ideas</a:t>
-            </a:r>
-          </a:p>
-          <a:p>
-            <a:pPr lvl="1">
-              <a:lnSpc>
-                <a:spcPct val="90000"/>
-              </a:lnSpc>
-            </a:pPr>
-            <a:r>
-              <a:rPr lang="en-US" dirty="0"/>
-              <a:t>Scooping other labs</a:t>
-            </a:r>
-          </a:p>
-          <a:p>
-            <a:pPr lvl="1">
-              <a:lnSpc>
-                <a:spcPct val="90000"/>
-              </a:lnSpc>
-            </a:pPr>
-            <a:r>
-              <a:rPr lang="en-US" dirty="0"/>
-              <a:t>Pre/re publishing manuscripts</a:t>
-            </a:r>
-          </a:p>
-          <a:p>
-            <a:r>
-              <a:rPr lang="en-US" dirty="0"/>
-              <a:t>Authorial credit to collaborators and research team</a:t>
+              <a:rPr lang="en-US" b="0" i="0" dirty="0">
+                <a:solidFill>
+                  <a:srgbClr val="333333"/>
+                </a:solidFill>
+                <a:effectLst/>
+                <a:latin typeface="interfaceregular"/>
+              </a:rPr>
+              <a:t>Reports by Deer in the </a:t>
+            </a:r>
+            <a:r>
+              <a:rPr lang="en-US" b="0" i="1" dirty="0">
+                <a:solidFill>
+                  <a:srgbClr val="333333"/>
+                </a:solidFill>
+                <a:effectLst/>
+                <a:latin typeface="interfaceregular"/>
+              </a:rPr>
+              <a:t>BMJ</a:t>
+            </a:r>
+            <a:r>
+              <a:rPr lang="en-US" b="0" i="0" dirty="0">
+                <a:solidFill>
+                  <a:srgbClr val="333333"/>
+                </a:solidFill>
+                <a:effectLst/>
+                <a:latin typeface="interfaceregular"/>
+              </a:rPr>
+              <a:t> were commissioned and paid for by the journal.</a:t>
             </a:r>
           </a:p>
           <a:p>
             <a:pPr lvl="1"/>
             <a:r>
-              <a:rPr lang="en-US" dirty="0"/>
-              <a:t>Significant intellectual contribution</a:t>
+              <a:rPr lang="en-US" b="0" i="0" dirty="0">
+                <a:solidFill>
+                  <a:srgbClr val="333333"/>
+                </a:solidFill>
+                <a:effectLst/>
+                <a:latin typeface="interfaceregular"/>
+              </a:rPr>
+              <a:t>No other funding was received, apart from legal costs paid to Deer by the Medical Protection Society on behalf of Andrew Wakefield.</a:t>
             </a:r>
           </a:p>
           <a:p>
             <a:pPr lvl="1"/>
             <a:r>
-              <a:rPr lang="en-US" dirty="0"/>
-              <a:t>Definition varies across psychology, medicine for example</a:t>
-            </a:r>
-          </a:p>
-          <a:p>
-            <a:pPr lvl="1"/>
-            <a:r>
-              <a:rPr lang="en-US" dirty="0"/>
-              <a:t>Not uncommon source of in-laboratory friction</a:t>
+              <a:rPr lang="en-US" dirty="0">
+                <a:solidFill>
+                  <a:srgbClr val="333333"/>
+                </a:solidFill>
+                <a:latin typeface="interfaceregular"/>
+              </a:rPr>
+              <a:t>All claims in Deer’s articles consistent with investigation from the British General Medical Counsel assessed by editors at the British Medical Journal</a:t>
+            </a:r>
+            <a:endParaRPr lang="en-US" b="0" i="0" dirty="0">
+              <a:solidFill>
+                <a:srgbClr val="333333"/>
+              </a:solidFill>
+              <a:effectLst/>
+              <a:latin typeface="interfaceregular"/>
+            </a:endParaRPr>
+          </a:p>
+          <a:p>
+            <a:r>
+              <a:rPr lang="en-US" dirty="0">
+                <a:solidFill>
+                  <a:srgbClr val="333333"/>
+                </a:solidFill>
+                <a:latin typeface="interfaceregular"/>
+              </a:rPr>
+              <a:t>Took 12 years to investigate, find fraud and retract paper</a:t>
             </a:r>
           </a:p>
           <a:p>
@@ -12136,7 +12214,7 @@
     </p:spTree>
     <p:extLst>
       <p:ext uri="{BB962C8B-B14F-4D97-AF65-F5344CB8AC3E}">
-        <p14:creationId xmlns:p14="http://schemas.microsoft.com/office/powerpoint/2010/main" val="1961449701"/>
+        <p14:creationId xmlns:p14="http://schemas.microsoft.com/office/powerpoint/2010/main" val="3062804213"/>
       </p:ext>
     </p:extLst>
   </p:cSld>
@@ -12165,15 +12243,9 @@
       </p:grpSpPr>
       <p:sp>
         <p:nvSpPr>
-          <p:cNvPr id="2" name="Title 1">
-            <a:extLst>
-              <a:ext uri="{FF2B5EF4-FFF2-40B4-BE49-F238E27FC236}">
-                <a16:creationId xmlns:a16="http://schemas.microsoft.com/office/drawing/2014/main" id="{1B40978C-1C8B-C6AD-963F-C26A84C0A7BA}"/>
-              </a:ext>
-            </a:extLst>
-          </p:cNvPr>
-          <p:cNvSpPr>
-            <a:spLocks noGrp="1"/>
+          <p:cNvPr id="3074" name="Rectangle 2"/>
+          <p:cNvSpPr>
+            <a:spLocks noGrp="1" noChangeArrowheads="1"/>
           </p:cNvSpPr>
           <p:nvPr>
             <p:ph type="title"/>
@@ -12186,25 +12258,19 @@
           <a:p>
             <a:r>
               <a:rPr lang="en-US" dirty="0"/>
-              <a:t>Being Public</a:t>
-            </a:r>
-          </a:p>
-        </p:txBody>
-      </p:sp>
-      <p:sp>
-        <p:nvSpPr>
-          <p:cNvPr id="3" name="Content Placeholder 2">
-            <a:extLst>
-              <a:ext uri="{FF2B5EF4-FFF2-40B4-BE49-F238E27FC236}">
-                <a16:creationId xmlns:a16="http://schemas.microsoft.com/office/drawing/2014/main" id="{AA14E0C6-D422-84F0-8EFD-0F295FBE6574}"/>
-              </a:ext>
-            </a:extLst>
-          </p:cNvPr>
-          <p:cNvSpPr>
-            <a:spLocks noGrp="1"/>
-          </p:cNvSpPr>
-          <p:nvPr>
-            <p:ph idx="1"/>
+              <a:t>Responsible Conduct of Research</a:t>
+            </a:r>
+          </a:p>
+        </p:txBody>
+      </p:sp>
+      <p:sp>
+        <p:nvSpPr>
+          <p:cNvPr id="3075" name="Rectangle 3"/>
+          <p:cNvSpPr>
+            <a:spLocks noGrp="1" noChangeArrowheads="1"/>
+          </p:cNvSpPr>
+          <p:nvPr>
+            <p:ph type="body" idx="1"/>
           </p:nvPr>
         </p:nvSpPr>
         <p:spPr/>
@@ -12219,29 +12285,19 @@
             </a:pPr>
             <a:r>
               <a:rPr lang="en-US" dirty="0"/>
-              <a:t>All aspects of the research process are auditable</a:t>
+              <a:t>Researcher processes with rigor and integrity</a:t>
             </a:r>
           </a:p>
           <a:p>
             <a:pPr lvl="1"/>
             <a:r>
               <a:rPr lang="en-US" dirty="0"/>
-              <a:t>Participant privacy must still be protected</a:t>
+              <a:t>Don’t lie, cheat or steal</a:t>
             </a:r>
           </a:p>
           <a:p>
             <a:pPr lvl="1"/>
-            <a:r>
-              <a:rPr lang="en-US" dirty="0"/>
-              <a:t>Researchers protected from exposure to competing labs</a:t>
-            </a:r>
-          </a:p>
-          <a:p>
-            <a:pPr lvl="1"/>
-            <a:r>
-              <a:rPr lang="en-US" dirty="0"/>
-              <a:t>Patent, copyright, and invention privacy</a:t>
-            </a:r>
+            <a:endParaRPr lang="en-US" dirty="0"/>
           </a:p>
           <a:p>
             <a:pPr>
@@ -12251,7 +12307,7 @@
             </a:pPr>
             <a:r>
               <a:rPr lang="en-US" dirty="0"/>
-              <a:t>Publication</a:t>
+              <a:t>Data Manipulation</a:t>
             </a:r>
           </a:p>
           <a:p>
@@ -12262,14 +12318,7 @@
             </a:pPr>
             <a:r>
               <a:rPr lang="en-US" dirty="0"/>
-              <a:t>Full, fair &amp; accurate reporting, making all resources available </a:t>
-            </a:r>
-          </a:p>
-          <a:p>
-            <a:pPr lvl="2"/>
-            <a:r>
-              <a:rPr lang="en-US" dirty="0"/>
-              <a:t>Not always practically effective</a:t>
+              <a:t>Forgery: fabrication or modification</a:t>
             </a:r>
           </a:p>
           <a:p>
@@ -12280,36 +12329,33 @@
             </a:pPr>
             <a:r>
               <a:rPr lang="en-US" dirty="0"/>
-              <a:t>Supplementary materials via journal website</a:t>
-            </a:r>
-          </a:p>
-          <a:p>
-            <a:pPr lvl="1">
-              <a:lnSpc>
-                <a:spcPct val="90000"/>
-              </a:lnSpc>
-            </a:pPr>
+              <a:t>Data selection</a:t>
+            </a:r>
+          </a:p>
+          <a:p>
+            <a:pPr lvl="2"/>
             <a:r>
               <a:rPr lang="en-US" dirty="0"/>
-              <a:t>Public availability of de-identified data</a:t>
+              <a:t>Eliminating all data inconsistent with the hypothesis</a:t>
+            </a:r>
+          </a:p>
+          <a:p>
+            <a:pPr lvl="1"/>
+            <a:r>
+              <a:rPr lang="en-US" dirty="0"/>
+              <a:t>Bias in recruiting, protocol administration or data scoring</a:t>
             </a:r>
           </a:p>
           <a:p>
             <a:pPr lvl="2"/>
-            <a:r>
-              <a:rPr lang="en-US" dirty="0"/>
-              <a:t>Does not always include excluded data</a:t>
-            </a:r>
-          </a:p>
-          <a:p>
-            <a:endParaRPr lang="en-US" dirty="0"/>
+            <a:endParaRPr lang="en-US" u="sng" dirty="0"/>
           </a:p>
         </p:txBody>
       </p:sp>
     </p:spTree>
     <p:extLst>
       <p:ext uri="{BB962C8B-B14F-4D97-AF65-F5344CB8AC3E}">
-        <p14:creationId xmlns:p14="http://schemas.microsoft.com/office/powerpoint/2010/main" val="1458181507"/>
+        <p14:creationId xmlns:p14="http://schemas.microsoft.com/office/powerpoint/2010/main" val="2940309998"/>
       </p:ext>
     </p:extLst>
   </p:cSld>
@@ -12338,7 +12384,13 @@
       </p:grpSpPr>
       <p:sp>
         <p:nvSpPr>
-          <p:cNvPr id="4098" name="Title 1"/>
+          <p:cNvPr id="2" name="Title 1">
+            <a:extLst>
+              <a:ext uri="{FF2B5EF4-FFF2-40B4-BE49-F238E27FC236}">
+                <a16:creationId xmlns:a16="http://schemas.microsoft.com/office/drawing/2014/main" id="{088F8512-EE80-CE97-569B-CB02723D1883}"/>
+              </a:ext>
+            </a:extLst>
+          </p:cNvPr>
           <p:cNvSpPr>
             <a:spLocks noGrp="1"/>
           </p:cNvSpPr>
@@ -12353,14 +12405,20 @@
           <a:p>
             <a:r>
               <a:rPr lang="en-US" dirty="0"/>
-              <a:t>RCR Errors</a:t>
-            </a:r>
-          </a:p>
-        </p:txBody>
-      </p:sp>
-      <p:sp>
-        <p:nvSpPr>
-          <p:cNvPr id="4099" name="Content Placeholder 2"/>
+              <a:t>Analytic Flexibility</a:t>
+            </a:r>
+          </a:p>
+        </p:txBody>
+      </p:sp>
+      <p:sp>
+        <p:nvSpPr>
+          <p:cNvPr id="3" name="Content Placeholder 2">
+            <a:extLst>
+              <a:ext uri="{FF2B5EF4-FFF2-40B4-BE49-F238E27FC236}">
+                <a16:creationId xmlns:a16="http://schemas.microsoft.com/office/drawing/2014/main" id="{550A0FFE-6F60-9209-3869-178A83BA5000}"/>
+              </a:ext>
+            </a:extLst>
+          </p:cNvPr>
           <p:cNvSpPr>
             <a:spLocks noGrp="1"/>
           </p:cNvSpPr>
@@ -12370,63 +12428,79 @@
         </p:nvSpPr>
         <p:spPr/>
         <p:txBody>
-          <a:bodyPr/>
+          <a:bodyPr>
+            <a:normAutofit/>
+          </a:bodyPr>
           <a:lstStyle/>
           <a:p>
-            <a:pPr algn="l"/>
-            <a:r>
-              <a:rPr lang="en-US" b="0" i="0" dirty="0">
-                <a:solidFill>
-                  <a:srgbClr val="2D3B45"/>
-                </a:solidFill>
-                <a:effectLst/>
-                <a:latin typeface="Lato Extended"/>
-              </a:rPr>
-              <a:t>Suppose a friend doing a research project said to you, “I’m sure my hypothesis is correct, so I’ll just give my participants a hint here and there to make sure the data come out properly.”</a:t>
-            </a:r>
-          </a:p>
-          <a:p>
-            <a:pPr algn="l"/>
-            <a:endParaRPr lang="en-US" b="0" i="0" dirty="0">
-              <a:solidFill>
-                <a:srgbClr val="2D3B45"/>
-              </a:solidFill>
-              <a:effectLst/>
-              <a:latin typeface="Lato Extended"/>
-            </a:endParaRPr>
+            <a:r>
+              <a:rPr lang="en-US" dirty="0"/>
+              <a:t>File drawer effect</a:t>
+            </a:r>
           </a:p>
           <a:p>
             <a:pPr lvl="1"/>
             <a:r>
-              <a:rPr lang="en-US" b="0" i="0" dirty="0">
-                <a:solidFill>
-                  <a:srgbClr val="2D3B45"/>
-                </a:solidFill>
-                <a:effectLst/>
-                <a:latin typeface="Lato Extended"/>
-              </a:rPr>
-              <a:t>1. What kind of RCR violation is this?</a:t>
+              <a:rPr lang="en-US" dirty="0"/>
+              <a:t>Re-running or re-starting the experiment repeatedly until it “works”</a:t>
+            </a:r>
+          </a:p>
+          <a:p>
+            <a:r>
+              <a:rPr lang="en-US" dirty="0"/>
+              <a:t>“p-hacking”</a:t>
             </a:r>
           </a:p>
           <a:p>
             <a:pPr lvl="1"/>
             <a:r>
-              <a:rPr lang="en-US" b="0" i="0" dirty="0">
-                <a:solidFill>
-                  <a:srgbClr val="2D3B45"/>
-                </a:solidFill>
-                <a:effectLst/>
-                <a:latin typeface="Lato Extended"/>
-              </a:rPr>
-              <a:t>2. What methodological approach should be used by this research to avoid this problem?</a:t>
-            </a:r>
+              <a:rPr lang="en-US" dirty="0"/>
+              <a:t>Trying different analysis approaches until it “works”</a:t>
+            </a:r>
+          </a:p>
+          <a:p>
+            <a:r>
+              <a:rPr lang="en-US" dirty="0"/>
+              <a:t>Normal processes that seem similar</a:t>
+            </a:r>
+          </a:p>
+          <a:p>
+            <a:pPr lvl="1"/>
+            <a:r>
+              <a:rPr lang="en-US" dirty="0"/>
+              <a:t>Pilot testing</a:t>
+            </a:r>
+          </a:p>
+          <a:p>
+            <a:pPr lvl="1"/>
+            <a:r>
+              <a:rPr lang="en-US" dirty="0"/>
+              <a:t>Data exploration</a:t>
+            </a:r>
+          </a:p>
+          <a:p>
+            <a:pPr lvl="1"/>
+            <a:r>
+              <a:rPr lang="en-US" dirty="0"/>
+              <a:t>Standard exclusion/filtering processes</a:t>
+            </a:r>
+          </a:p>
+          <a:p>
+            <a:pPr lvl="1"/>
+            <a:r>
+              <a:rPr lang="en-US" dirty="0"/>
+              <a:t>When is it too much?</a:t>
+            </a:r>
+          </a:p>
+          <a:p>
+            <a:endParaRPr lang="en-US" dirty="0"/>
           </a:p>
         </p:txBody>
       </p:sp>
     </p:spTree>
     <p:extLst>
       <p:ext uri="{BB962C8B-B14F-4D97-AF65-F5344CB8AC3E}">
-        <p14:creationId xmlns:p14="http://schemas.microsoft.com/office/powerpoint/2010/main" val="1103811015"/>
+        <p14:creationId xmlns:p14="http://schemas.microsoft.com/office/powerpoint/2010/main" val="1589764263"/>
       </p:ext>
     </p:extLst>
   </p:cSld>
@@ -12458,7 +12532,7 @@
           <p:cNvPr id="2" name="Title 1">
             <a:extLst>
               <a:ext uri="{FF2B5EF4-FFF2-40B4-BE49-F238E27FC236}">
-                <a16:creationId xmlns:a16="http://schemas.microsoft.com/office/drawing/2014/main" id="{0890E94A-7B39-B350-549B-07721FFA7027}"/>
+                <a16:creationId xmlns:a16="http://schemas.microsoft.com/office/drawing/2014/main" id="{1C8A1FFC-DC31-F58B-1226-D2C57626C874}"/>
               </a:ext>
             </a:extLst>
           </p:cNvPr>
@@ -12474,10 +12548,7 @@
           <a:bodyPr/>
           <a:lstStyle/>
           <a:p>
-            <a:r>
-              <a:rPr lang="en-US" dirty="0"/>
-              <a:t>RCR Errors </a:t>
-            </a:r>
+            <a:endParaRPr lang="en-US"/>
           </a:p>
         </p:txBody>
       </p:sp>
@@ -12486,7 +12557,7 @@
           <p:cNvPr id="3" name="Content Placeholder 2">
             <a:extLst>
               <a:ext uri="{FF2B5EF4-FFF2-40B4-BE49-F238E27FC236}">
-                <a16:creationId xmlns:a16="http://schemas.microsoft.com/office/drawing/2014/main" id="{9B123693-9582-6879-98DD-B092ABACB478}"/>
+                <a16:creationId xmlns:a16="http://schemas.microsoft.com/office/drawing/2014/main" id="{21788BBB-5A00-FE6E-0FE5-FFBC32BEC273}"/>
               </a:ext>
             </a:extLst>
           </p:cNvPr>
@@ -12502,27 +12573,92 @@
           <a:bodyPr/>
           <a:lstStyle/>
           <a:p>
-            <a:r>
-              <a:rPr lang="en-US" dirty="0"/>
-              <a:t>A researcher doing a study on academic performance of students who have been diagnosed with ADHD.  Some of the potential participants have refused to answer the question about their diagnosis, so the researcher contacts their medical provides without the participant’s knowledge.</a:t>
-            </a:r>
-          </a:p>
-          <a:p>
             <a:endParaRPr lang="en-US" dirty="0"/>
           </a:p>
-          <a:p>
-            <a:pPr lvl="1"/>
-            <a:r>
-              <a:rPr lang="en-US" dirty="0"/>
-              <a:t>3. What kind of research ethics violation has occurred here?</a:t>
-            </a:r>
-          </a:p>
-        </p:txBody>
-      </p:sp>
+        </p:txBody>
+      </p:sp>
+      <p:pic>
+        <p:nvPicPr>
+          <p:cNvPr id="4" name="Picture 3" descr="Significant">
+            <a:extLst>
+              <a:ext uri="{FF2B5EF4-FFF2-40B4-BE49-F238E27FC236}">
+                <a16:creationId xmlns:a16="http://schemas.microsoft.com/office/drawing/2014/main" id="{7C8AB4F2-0C4F-90D6-BFE3-25FCE0FBB960}"/>
+              </a:ext>
+            </a:extLst>
+          </p:cNvPr>
+          <p:cNvPicPr>
+            <a:picLocks noChangeAspect="1"/>
+          </p:cNvPicPr>
+          <p:nvPr/>
+        </p:nvPicPr>
+        <p:blipFill rotWithShape="1">
+          <a:blip r:embed="rId2">
+            <a:extLst>
+              <a:ext uri="{28A0092B-C50C-407E-A947-70E740481C1C}">
+                <a14:useLocalDpi xmlns:a14="http://schemas.microsoft.com/office/drawing/2010/main" val="0"/>
+              </a:ext>
+            </a:extLst>
+          </a:blip>
+          <a:srcRect t="47574"/>
+          <a:stretch/>
+        </p:blipFill>
+        <p:spPr bwMode="auto">
+          <a:xfrm>
+            <a:off x="5570621" y="295892"/>
+            <a:ext cx="4379495" cy="6369074"/>
+          </a:xfrm>
+          <a:prstGeom prst="rect">
+            <a:avLst/>
+          </a:prstGeom>
+          <a:noFill/>
+          <a:ln>
+            <a:noFill/>
+          </a:ln>
+        </p:spPr>
+      </p:pic>
+      <p:pic>
+        <p:nvPicPr>
+          <p:cNvPr id="5" name="Picture 4" descr="Significant">
+            <a:extLst>
+              <a:ext uri="{FF2B5EF4-FFF2-40B4-BE49-F238E27FC236}">
+                <a16:creationId xmlns:a16="http://schemas.microsoft.com/office/drawing/2014/main" id="{39964DC8-9C0D-C3F4-0C65-E71441419ACE}"/>
+              </a:ext>
+            </a:extLst>
+          </p:cNvPr>
+          <p:cNvPicPr>
+            <a:picLocks noChangeAspect="1"/>
+          </p:cNvPicPr>
+          <p:nvPr/>
+        </p:nvPicPr>
+        <p:blipFill rotWithShape="1">
+          <a:blip r:embed="rId2">
+            <a:extLst>
+              <a:ext uri="{28A0092B-C50C-407E-A947-70E740481C1C}">
+                <a14:useLocalDpi xmlns:a14="http://schemas.microsoft.com/office/drawing/2010/main" val="0"/>
+              </a:ext>
+            </a:extLst>
+          </a:blip>
+          <a:srcRect b="51925"/>
+          <a:stretch/>
+        </p:blipFill>
+        <p:spPr bwMode="auto">
+          <a:xfrm>
+            <a:off x="838200" y="365125"/>
+            <a:ext cx="4106779" cy="5476681"/>
+          </a:xfrm>
+          <a:prstGeom prst="rect">
+            <a:avLst/>
+          </a:prstGeom>
+          <a:noFill/>
+          <a:ln>
+            <a:noFill/>
+          </a:ln>
+        </p:spPr>
+      </p:pic>
     </p:spTree>
     <p:extLst>
       <p:ext uri="{BB962C8B-B14F-4D97-AF65-F5344CB8AC3E}">
-        <p14:creationId xmlns:p14="http://schemas.microsoft.com/office/powerpoint/2010/main" val="4060370452"/>
+        <p14:creationId xmlns:p14="http://schemas.microsoft.com/office/powerpoint/2010/main" val="1398781670"/>
       </p:ext>
     </p:extLst>
   </p:cSld>
@@ -12554,7 +12690,7 @@
           <p:cNvPr id="2" name="Title 1">
             <a:extLst>
               <a:ext uri="{FF2B5EF4-FFF2-40B4-BE49-F238E27FC236}">
-                <a16:creationId xmlns:a16="http://schemas.microsoft.com/office/drawing/2014/main" id="{9ECD93CA-6548-7998-8B9E-2E7B9E574699}"/>
+                <a16:creationId xmlns:a16="http://schemas.microsoft.com/office/drawing/2014/main" id="{B3D322AA-7821-D6B7-3618-DC8172462BEE}"/>
               </a:ext>
             </a:extLst>
           </p:cNvPr>
@@ -12572,7 +12708,7 @@
           <a:p>
             <a:r>
               <a:rPr lang="en-US" dirty="0"/>
-              <a:t>Intervention research</a:t>
+              <a:t>Reproducibility</a:t>
             </a:r>
           </a:p>
         </p:txBody>
@@ -12582,7 +12718,7 @@
           <p:cNvPr id="3" name="Content Placeholder 2">
             <a:extLst>
               <a:ext uri="{FF2B5EF4-FFF2-40B4-BE49-F238E27FC236}">
-                <a16:creationId xmlns:a16="http://schemas.microsoft.com/office/drawing/2014/main" id="{368F55B3-1CBD-B8C1-1995-1B9B249B5548}"/>
+                <a16:creationId xmlns:a16="http://schemas.microsoft.com/office/drawing/2014/main" id="{D6591A6C-2793-8295-CF38-2D0FD8873C43}"/>
               </a:ext>
             </a:extLst>
           </p:cNvPr>
@@ -12600,16 +12736,55 @@
           <a:p>
             <a:r>
               <a:rPr lang="en-US" dirty="0"/>
-              <a:t>4. Give an example of a research study not included in the chapter for which it would be unethical to include a placebo/control group.</a:t>
-            </a:r>
-          </a:p>
-          <a:p>
+              <a:t>Research that meets the p&lt;.05 statistical criterion should replicate if repeated</a:t>
+            </a:r>
+          </a:p>
+          <a:p>
+            <a:pPr lvl="1"/>
+            <a:r>
+              <a:rPr lang="en-US" dirty="0"/>
+              <a:t>Except for power issues or generalizability questions</a:t>
+            </a:r>
+          </a:p>
+          <a:p>
+            <a:pPr lvl="1"/>
             <a:endParaRPr lang="en-US" dirty="0"/>
           </a:p>
           <a:p>
             <a:r>
               <a:rPr lang="en-US" dirty="0"/>
-              <a:t>5. Why are rules requiring reporting of conflict of interest important for ensuring accurate and fair scientific processes and reports?</a:t>
+              <a:t>Weak processes for research rigor make this less likely</a:t>
+            </a:r>
+          </a:p>
+          <a:p>
+            <a:pPr lvl="1"/>
+            <a:r>
+              <a:rPr lang="en-US" dirty="0"/>
+              <a:t>Even typical lab processes risk inflating the estimated effect size</a:t>
+            </a:r>
+          </a:p>
+          <a:p>
+            <a:pPr lvl="1"/>
+            <a:endParaRPr lang="en-US" dirty="0"/>
+          </a:p>
+          <a:p>
+            <a:r>
+              <a:rPr lang="en-US" dirty="0"/>
+              <a:t>Replication crisis approaches</a:t>
+            </a:r>
+          </a:p>
+          <a:p>
+            <a:pPr lvl="1"/>
+            <a:r>
+              <a:rPr lang="en-US" dirty="0"/>
+              <a:t>More rigor, fewer studies with greater confidence</a:t>
+            </a:r>
+          </a:p>
+          <a:p>
+            <a:pPr lvl="1"/>
+            <a:r>
+              <a:rPr lang="en-US" dirty="0"/>
+              <a:t>More studies without increasing rigor, build in replications</a:t>
             </a:r>
           </a:p>
         </p:txBody>
@@ -12617,7 +12792,7 @@
     </p:spTree>
     <p:extLst>
       <p:ext uri="{BB962C8B-B14F-4D97-AF65-F5344CB8AC3E}">
-        <p14:creationId xmlns:p14="http://schemas.microsoft.com/office/powerpoint/2010/main" val="3801400814"/>
+        <p14:creationId xmlns:p14="http://schemas.microsoft.com/office/powerpoint/2010/main" val="3476197455"/>
       </p:ext>
     </p:extLst>
   </p:cSld>
